--- a/Documentation/5. Heuristic classifier strategy B.pptx
+++ b/Documentation/5. Heuristic classifier strategy B.pptx
@@ -5,7 +5,7 @@
     <p:sldMasterId id="2147483661" r:id="rId1"/>
   </p:sldMasterIdLst>
   <p:notesMasterIdLst>
-    <p:notesMasterId r:id="rId28"/>
+    <p:notesMasterId r:id="rId29"/>
   </p:notesMasterIdLst>
   <p:sldIdLst>
     <p:sldId id="573" r:id="rId2"/>
@@ -21,19 +21,20 @@
     <p:sldId id="641" r:id="rId12"/>
     <p:sldId id="635" r:id="rId13"/>
     <p:sldId id="650" r:id="rId14"/>
-    <p:sldId id="642" r:id="rId15"/>
-    <p:sldId id="651" r:id="rId16"/>
-    <p:sldId id="652" r:id="rId17"/>
-    <p:sldId id="653" r:id="rId18"/>
-    <p:sldId id="647" r:id="rId19"/>
-    <p:sldId id="648" r:id="rId20"/>
-    <p:sldId id="649" r:id="rId21"/>
-    <p:sldId id="636" r:id="rId22"/>
-    <p:sldId id="645" r:id="rId23"/>
-    <p:sldId id="637" r:id="rId24"/>
-    <p:sldId id="646" r:id="rId25"/>
-    <p:sldId id="643" r:id="rId26"/>
-    <p:sldId id="638" r:id="rId27"/>
+    <p:sldId id="654" r:id="rId15"/>
+    <p:sldId id="642" r:id="rId16"/>
+    <p:sldId id="651" r:id="rId17"/>
+    <p:sldId id="652" r:id="rId18"/>
+    <p:sldId id="653" r:id="rId19"/>
+    <p:sldId id="647" r:id="rId20"/>
+    <p:sldId id="648" r:id="rId21"/>
+    <p:sldId id="649" r:id="rId22"/>
+    <p:sldId id="636" r:id="rId23"/>
+    <p:sldId id="645" r:id="rId24"/>
+    <p:sldId id="637" r:id="rId25"/>
+    <p:sldId id="646" r:id="rId26"/>
+    <p:sldId id="643" r:id="rId27"/>
+    <p:sldId id="638" r:id="rId28"/>
   </p:sldIdLst>
   <p:sldSz cx="12192000" cy="6858000"/>
   <p:notesSz cx="6858000" cy="9144000"/>
@@ -905,6 +906,114 @@
         <p:cNvPr id="1" name="">
           <a:extLst>
             <a:ext uri="{FF2B5EF4-FFF2-40B4-BE49-F238E27FC236}">
+              <a16:creationId xmlns:a16="http://schemas.microsoft.com/office/drawing/2014/main" id="{8AF4A77A-6C6B-1D3A-60D1-EEF9166664E1}"/>
+            </a:ext>
+          </a:extLst>
+        </p:cNvPr>
+        <p:cNvGrpSpPr/>
+        <p:nvPr/>
+      </p:nvGrpSpPr>
+      <p:grpSpPr>
+        <a:xfrm>
+          <a:off x="0" y="0"/>
+          <a:ext cx="0" cy="0"/>
+          <a:chOff x="0" y="0"/>
+          <a:chExt cx="0" cy="0"/>
+        </a:xfrm>
+      </p:grpSpPr>
+      <p:sp>
+        <p:nvSpPr>
+          <p:cNvPr id="2" name="Segnaposto immagine diapositiva 1">
+            <a:extLst>
+              <a:ext uri="{FF2B5EF4-FFF2-40B4-BE49-F238E27FC236}">
+                <a16:creationId xmlns:a16="http://schemas.microsoft.com/office/drawing/2014/main" id="{236653BE-2550-D784-1C7C-898E6671D031}"/>
+              </a:ext>
+            </a:extLst>
+          </p:cNvPr>
+          <p:cNvSpPr>
+            <a:spLocks noGrp="1" noRot="1" noChangeAspect="1"/>
+          </p:cNvSpPr>
+          <p:nvPr>
+            <p:ph type="sldImg"/>
+          </p:nvPr>
+        </p:nvSpPr>
+        <p:spPr/>
+      </p:sp>
+      <p:sp>
+        <p:nvSpPr>
+          <p:cNvPr id="3" name="Segnaposto note 2">
+            <a:extLst>
+              <a:ext uri="{FF2B5EF4-FFF2-40B4-BE49-F238E27FC236}">
+                <a16:creationId xmlns:a16="http://schemas.microsoft.com/office/drawing/2014/main" id="{31008133-79E2-7080-8A1C-0E8360903B41}"/>
+              </a:ext>
+            </a:extLst>
+          </p:cNvPr>
+          <p:cNvSpPr>
+            <a:spLocks noGrp="1"/>
+          </p:cNvSpPr>
+          <p:nvPr>
+            <p:ph type="body" idx="1"/>
+          </p:nvPr>
+        </p:nvSpPr>
+        <p:spPr/>
+        <p:txBody>
+          <a:bodyPr/>
+          <a:lstStyle/>
+          <a:p>
+            <a:endParaRPr lang="en-US" dirty="0"/>
+          </a:p>
+        </p:txBody>
+      </p:sp>
+      <p:sp>
+        <p:nvSpPr>
+          <p:cNvPr id="4" name="Segnaposto numero diapositiva 3">
+            <a:extLst>
+              <a:ext uri="{FF2B5EF4-FFF2-40B4-BE49-F238E27FC236}">
+                <a16:creationId xmlns:a16="http://schemas.microsoft.com/office/drawing/2014/main" id="{C018B108-90B4-A15D-3F72-ACA926132CC1}"/>
+              </a:ext>
+            </a:extLst>
+          </p:cNvPr>
+          <p:cNvSpPr>
+            <a:spLocks noGrp="1"/>
+          </p:cNvSpPr>
+          <p:nvPr>
+            <p:ph type="sldNum" sz="quarter" idx="5"/>
+          </p:nvPr>
+        </p:nvSpPr>
+        <p:spPr/>
+        <p:txBody>
+          <a:bodyPr/>
+          <a:lstStyle/>
+          <a:p>
+            <a:fld id="{802E5CB9-2BE2-4860-85EE-BBFABBF2603A}" type="slidenum">
+              <a:rPr lang="en-US" smtClean="0"/>
+              <a:t>14</a:t>
+            </a:fld>
+            <a:endParaRPr lang="en-US"/>
+          </a:p>
+        </p:txBody>
+      </p:sp>
+    </p:spTree>
+    <p:extLst>
+      <p:ext uri="{BB962C8B-B14F-4D97-AF65-F5344CB8AC3E}">
+        <p14:creationId xmlns:p14="http://schemas.microsoft.com/office/powerpoint/2010/main" val="579123036"/>
+      </p:ext>
+    </p:extLst>
+  </p:cSld>
+  <p:clrMapOvr>
+    <a:masterClrMapping/>
+  </p:clrMapOvr>
+</p:notes>
+</file>
+
+<file path=ppt/notesSlides/notesSlide14.xml><?xml version="1.0" encoding="utf-8"?>
+<p:notes xmlns:a="http://schemas.openxmlformats.org/drawingml/2006/main" xmlns:r="http://schemas.openxmlformats.org/officeDocument/2006/relationships" xmlns:p="http://schemas.openxmlformats.org/presentationml/2006/main">
+  <p:cSld>
+    <p:spTree>
+      <p:nvGrpSpPr>
+        <p:cNvPr id="1" name="">
+          <a:extLst>
+            <a:ext uri="{FF2B5EF4-FFF2-40B4-BE49-F238E27FC236}">
               <a16:creationId xmlns:a16="http://schemas.microsoft.com/office/drawing/2014/main" id="{291DAF83-C1BE-DD41-C234-3BF9DCCF2D8F}"/>
             </a:ext>
           </a:extLst>
@@ -986,7 +1095,7 @@
           <a:p>
             <a:fld id="{802E5CB9-2BE2-4860-85EE-BBFABBF2603A}" type="slidenum">
               <a:rPr lang="en-US" smtClean="0"/>
-              <a:t>14</a:t>
+              <a:t>15</a:t>
             </a:fld>
             <a:endParaRPr lang="en-US" dirty="0"/>
           </a:p>
@@ -1005,7 +1114,7 @@
 </p:notes>
 </file>
 
-<file path=ppt/notesSlides/notesSlide14.xml><?xml version="1.0" encoding="utf-8"?>
+<file path=ppt/notesSlides/notesSlide15.xml><?xml version="1.0" encoding="utf-8"?>
 <p:notes xmlns:a="http://schemas.openxmlformats.org/drawingml/2006/main" xmlns:r="http://schemas.openxmlformats.org/officeDocument/2006/relationships" xmlns:p="http://schemas.openxmlformats.org/presentationml/2006/main">
   <p:cSld>
     <p:spTree>
@@ -1094,7 +1203,7 @@
           <a:p>
             <a:fld id="{802E5CB9-2BE2-4860-85EE-BBFABBF2603A}" type="slidenum">
               <a:rPr lang="en-US" smtClean="0"/>
-              <a:t>15</a:t>
+              <a:t>16</a:t>
             </a:fld>
             <a:endParaRPr lang="en-US"/>
           </a:p>
@@ -1113,7 +1222,7 @@
 </p:notes>
 </file>
 
-<file path=ppt/notesSlides/notesSlide15.xml><?xml version="1.0" encoding="utf-8"?>
+<file path=ppt/notesSlides/notesSlide16.xml><?xml version="1.0" encoding="utf-8"?>
 <p:notes xmlns:a="http://schemas.openxmlformats.org/drawingml/2006/main" xmlns:r="http://schemas.openxmlformats.org/officeDocument/2006/relationships" xmlns:p="http://schemas.openxmlformats.org/presentationml/2006/main">
   <p:cSld>
     <p:spTree>
@@ -1202,7 +1311,7 @@
           <a:p>
             <a:fld id="{802E5CB9-2BE2-4860-85EE-BBFABBF2603A}" type="slidenum">
               <a:rPr lang="en-US" smtClean="0"/>
-              <a:t>16</a:t>
+              <a:t>17</a:t>
             </a:fld>
             <a:endParaRPr lang="en-US"/>
           </a:p>
@@ -1221,7 +1330,7 @@
 </p:notes>
 </file>
 
-<file path=ppt/notesSlides/notesSlide16.xml><?xml version="1.0" encoding="utf-8"?>
+<file path=ppt/notesSlides/notesSlide17.xml><?xml version="1.0" encoding="utf-8"?>
 <p:notes xmlns:a="http://schemas.openxmlformats.org/drawingml/2006/main" xmlns:r="http://schemas.openxmlformats.org/officeDocument/2006/relationships" xmlns:p="http://schemas.openxmlformats.org/presentationml/2006/main">
   <p:cSld>
     <p:spTree>
@@ -1310,7 +1419,7 @@
           <a:p>
             <a:fld id="{802E5CB9-2BE2-4860-85EE-BBFABBF2603A}" type="slidenum">
               <a:rPr lang="en-US" smtClean="0"/>
-              <a:t>17</a:t>
+              <a:t>18</a:t>
             </a:fld>
             <a:endParaRPr lang="en-US"/>
           </a:p>
@@ -1329,7 +1438,7 @@
 </p:notes>
 </file>
 
-<file path=ppt/notesSlides/notesSlide17.xml><?xml version="1.0" encoding="utf-8"?>
+<file path=ppt/notesSlides/notesSlide18.xml><?xml version="1.0" encoding="utf-8"?>
 <p:notes xmlns:a="http://schemas.openxmlformats.org/drawingml/2006/main" xmlns:r="http://schemas.openxmlformats.org/officeDocument/2006/relationships" xmlns:p="http://schemas.openxmlformats.org/presentationml/2006/main">
   <p:cSld>
     <p:spTree>
@@ -1418,7 +1527,7 @@
           <a:p>
             <a:fld id="{802E5CB9-2BE2-4860-85EE-BBFABBF2603A}" type="slidenum">
               <a:rPr lang="en-US" smtClean="0"/>
-              <a:t>18</a:t>
+              <a:t>19</a:t>
             </a:fld>
             <a:endParaRPr lang="en-US"/>
           </a:p>
@@ -1437,7 +1546,7 @@
 </p:notes>
 </file>
 
-<file path=ppt/notesSlides/notesSlide18.xml><?xml version="1.0" encoding="utf-8"?>
+<file path=ppt/notesSlides/notesSlide19.xml><?xml version="1.0" encoding="utf-8"?>
 <p:notes xmlns:a="http://schemas.openxmlformats.org/drawingml/2006/main" xmlns:r="http://schemas.openxmlformats.org/officeDocument/2006/relationships" xmlns:p="http://schemas.openxmlformats.org/presentationml/2006/main">
   <p:cSld>
     <p:spTree>
@@ -1526,7 +1635,7 @@
           <a:p>
             <a:fld id="{802E5CB9-2BE2-4860-85EE-BBFABBF2603A}" type="slidenum">
               <a:rPr lang="en-US" smtClean="0"/>
-              <a:t>19</a:t>
+              <a:t>20</a:t>
             </a:fld>
             <a:endParaRPr lang="en-US"/>
           </a:p>
@@ -1536,114 +1645,6 @@
     <p:extLst>
       <p:ext uri="{BB962C8B-B14F-4D97-AF65-F5344CB8AC3E}">
         <p14:creationId xmlns:p14="http://schemas.microsoft.com/office/powerpoint/2010/main" val="3625022151"/>
-      </p:ext>
-    </p:extLst>
-  </p:cSld>
-  <p:clrMapOvr>
-    <a:masterClrMapping/>
-  </p:clrMapOvr>
-</p:notes>
-</file>
-
-<file path=ppt/notesSlides/notesSlide19.xml><?xml version="1.0" encoding="utf-8"?>
-<p:notes xmlns:a="http://schemas.openxmlformats.org/drawingml/2006/main" xmlns:r="http://schemas.openxmlformats.org/officeDocument/2006/relationships" xmlns:p="http://schemas.openxmlformats.org/presentationml/2006/main">
-  <p:cSld>
-    <p:spTree>
-      <p:nvGrpSpPr>
-        <p:cNvPr id="1" name="">
-          <a:extLst>
-            <a:ext uri="{FF2B5EF4-FFF2-40B4-BE49-F238E27FC236}">
-              <a16:creationId xmlns:a16="http://schemas.microsoft.com/office/drawing/2014/main" id="{5F8E2A9A-3EBF-8357-7310-33D60FB5B5F9}"/>
-            </a:ext>
-          </a:extLst>
-        </p:cNvPr>
-        <p:cNvGrpSpPr/>
-        <p:nvPr/>
-      </p:nvGrpSpPr>
-      <p:grpSpPr>
-        <a:xfrm>
-          <a:off x="0" y="0"/>
-          <a:ext cx="0" cy="0"/>
-          <a:chOff x="0" y="0"/>
-          <a:chExt cx="0" cy="0"/>
-        </a:xfrm>
-      </p:grpSpPr>
-      <p:sp>
-        <p:nvSpPr>
-          <p:cNvPr id="2" name="Segnaposto immagine diapositiva 1">
-            <a:extLst>
-              <a:ext uri="{FF2B5EF4-FFF2-40B4-BE49-F238E27FC236}">
-                <a16:creationId xmlns:a16="http://schemas.microsoft.com/office/drawing/2014/main" id="{7EF695BF-DA78-4207-5436-D34401A1332E}"/>
-              </a:ext>
-            </a:extLst>
-          </p:cNvPr>
-          <p:cNvSpPr>
-            <a:spLocks noGrp="1" noRot="1" noChangeAspect="1"/>
-          </p:cNvSpPr>
-          <p:nvPr>
-            <p:ph type="sldImg"/>
-          </p:nvPr>
-        </p:nvSpPr>
-        <p:spPr/>
-      </p:sp>
-      <p:sp>
-        <p:nvSpPr>
-          <p:cNvPr id="3" name="Segnaposto note 2">
-            <a:extLst>
-              <a:ext uri="{FF2B5EF4-FFF2-40B4-BE49-F238E27FC236}">
-                <a16:creationId xmlns:a16="http://schemas.microsoft.com/office/drawing/2014/main" id="{933E2A72-630A-1429-2A71-9FBB4D31BD17}"/>
-              </a:ext>
-            </a:extLst>
-          </p:cNvPr>
-          <p:cNvSpPr>
-            <a:spLocks noGrp="1"/>
-          </p:cNvSpPr>
-          <p:nvPr>
-            <p:ph type="body" idx="1"/>
-          </p:nvPr>
-        </p:nvSpPr>
-        <p:spPr/>
-        <p:txBody>
-          <a:bodyPr/>
-          <a:lstStyle/>
-          <a:p>
-            <a:endParaRPr lang="en-US" dirty="0"/>
-          </a:p>
-        </p:txBody>
-      </p:sp>
-      <p:sp>
-        <p:nvSpPr>
-          <p:cNvPr id="4" name="Segnaposto numero diapositiva 3">
-            <a:extLst>
-              <a:ext uri="{FF2B5EF4-FFF2-40B4-BE49-F238E27FC236}">
-                <a16:creationId xmlns:a16="http://schemas.microsoft.com/office/drawing/2014/main" id="{7E45F230-FDD7-C076-18B3-6C9D1B2722DC}"/>
-              </a:ext>
-            </a:extLst>
-          </p:cNvPr>
-          <p:cNvSpPr>
-            <a:spLocks noGrp="1"/>
-          </p:cNvSpPr>
-          <p:nvPr>
-            <p:ph type="sldNum" sz="quarter" idx="5"/>
-          </p:nvPr>
-        </p:nvSpPr>
-        <p:spPr/>
-        <p:txBody>
-          <a:bodyPr/>
-          <a:lstStyle/>
-          <a:p>
-            <a:fld id="{802E5CB9-2BE2-4860-85EE-BBFABBF2603A}" type="slidenum">
-              <a:rPr lang="en-US" smtClean="0"/>
-              <a:t>20</a:t>
-            </a:fld>
-            <a:endParaRPr lang="en-US"/>
-          </a:p>
-        </p:txBody>
-      </p:sp>
-    </p:spTree>
-    <p:extLst>
-      <p:ext uri="{BB962C8B-B14F-4D97-AF65-F5344CB8AC3E}">
-        <p14:creationId xmlns:p14="http://schemas.microsoft.com/office/powerpoint/2010/main" val="1803762023"/>
       </p:ext>
     </p:extLst>
   </p:cSld>
@@ -1769,6 +1770,114 @@
         <p:cNvPr id="1" name="">
           <a:extLst>
             <a:ext uri="{FF2B5EF4-FFF2-40B4-BE49-F238E27FC236}">
+              <a16:creationId xmlns:a16="http://schemas.microsoft.com/office/drawing/2014/main" id="{5F8E2A9A-3EBF-8357-7310-33D60FB5B5F9}"/>
+            </a:ext>
+          </a:extLst>
+        </p:cNvPr>
+        <p:cNvGrpSpPr/>
+        <p:nvPr/>
+      </p:nvGrpSpPr>
+      <p:grpSpPr>
+        <a:xfrm>
+          <a:off x="0" y="0"/>
+          <a:ext cx="0" cy="0"/>
+          <a:chOff x="0" y="0"/>
+          <a:chExt cx="0" cy="0"/>
+        </a:xfrm>
+      </p:grpSpPr>
+      <p:sp>
+        <p:nvSpPr>
+          <p:cNvPr id="2" name="Segnaposto immagine diapositiva 1">
+            <a:extLst>
+              <a:ext uri="{FF2B5EF4-FFF2-40B4-BE49-F238E27FC236}">
+                <a16:creationId xmlns:a16="http://schemas.microsoft.com/office/drawing/2014/main" id="{7EF695BF-DA78-4207-5436-D34401A1332E}"/>
+              </a:ext>
+            </a:extLst>
+          </p:cNvPr>
+          <p:cNvSpPr>
+            <a:spLocks noGrp="1" noRot="1" noChangeAspect="1"/>
+          </p:cNvSpPr>
+          <p:nvPr>
+            <p:ph type="sldImg"/>
+          </p:nvPr>
+        </p:nvSpPr>
+        <p:spPr/>
+      </p:sp>
+      <p:sp>
+        <p:nvSpPr>
+          <p:cNvPr id="3" name="Segnaposto note 2">
+            <a:extLst>
+              <a:ext uri="{FF2B5EF4-FFF2-40B4-BE49-F238E27FC236}">
+                <a16:creationId xmlns:a16="http://schemas.microsoft.com/office/drawing/2014/main" id="{933E2A72-630A-1429-2A71-9FBB4D31BD17}"/>
+              </a:ext>
+            </a:extLst>
+          </p:cNvPr>
+          <p:cNvSpPr>
+            <a:spLocks noGrp="1"/>
+          </p:cNvSpPr>
+          <p:nvPr>
+            <p:ph type="body" idx="1"/>
+          </p:nvPr>
+        </p:nvSpPr>
+        <p:spPr/>
+        <p:txBody>
+          <a:bodyPr/>
+          <a:lstStyle/>
+          <a:p>
+            <a:endParaRPr lang="en-US" dirty="0"/>
+          </a:p>
+        </p:txBody>
+      </p:sp>
+      <p:sp>
+        <p:nvSpPr>
+          <p:cNvPr id="4" name="Segnaposto numero diapositiva 3">
+            <a:extLst>
+              <a:ext uri="{FF2B5EF4-FFF2-40B4-BE49-F238E27FC236}">
+                <a16:creationId xmlns:a16="http://schemas.microsoft.com/office/drawing/2014/main" id="{7E45F230-FDD7-C076-18B3-6C9D1B2722DC}"/>
+              </a:ext>
+            </a:extLst>
+          </p:cNvPr>
+          <p:cNvSpPr>
+            <a:spLocks noGrp="1"/>
+          </p:cNvSpPr>
+          <p:nvPr>
+            <p:ph type="sldNum" sz="quarter" idx="5"/>
+          </p:nvPr>
+        </p:nvSpPr>
+        <p:spPr/>
+        <p:txBody>
+          <a:bodyPr/>
+          <a:lstStyle/>
+          <a:p>
+            <a:fld id="{802E5CB9-2BE2-4860-85EE-BBFABBF2603A}" type="slidenum">
+              <a:rPr lang="en-US" smtClean="0"/>
+              <a:t>21</a:t>
+            </a:fld>
+            <a:endParaRPr lang="en-US"/>
+          </a:p>
+        </p:txBody>
+      </p:sp>
+    </p:spTree>
+    <p:extLst>
+      <p:ext uri="{BB962C8B-B14F-4D97-AF65-F5344CB8AC3E}">
+        <p14:creationId xmlns:p14="http://schemas.microsoft.com/office/powerpoint/2010/main" val="1803762023"/>
+      </p:ext>
+    </p:extLst>
+  </p:cSld>
+  <p:clrMapOvr>
+    <a:masterClrMapping/>
+  </p:clrMapOvr>
+</p:notes>
+</file>
+
+<file path=ppt/notesSlides/notesSlide21.xml><?xml version="1.0" encoding="utf-8"?>
+<p:notes xmlns:a="http://schemas.openxmlformats.org/drawingml/2006/main" xmlns:r="http://schemas.openxmlformats.org/officeDocument/2006/relationships" xmlns:p="http://schemas.openxmlformats.org/presentationml/2006/main">
+  <p:cSld>
+    <p:spTree>
+      <p:nvGrpSpPr>
+        <p:cNvPr id="1" name="">
+          <a:extLst>
+            <a:ext uri="{FF2B5EF4-FFF2-40B4-BE49-F238E27FC236}">
               <a16:creationId xmlns:a16="http://schemas.microsoft.com/office/drawing/2014/main" id="{72FEFD59-4314-5C46-CD1E-8C45307F0CF7}"/>
             </a:ext>
           </a:extLst>
@@ -1850,7 +1959,7 @@
           <a:p>
             <a:fld id="{802E5CB9-2BE2-4860-85EE-BBFABBF2603A}" type="slidenum">
               <a:rPr lang="en-US" smtClean="0"/>
-              <a:t>21</a:t>
+              <a:t>22</a:t>
             </a:fld>
             <a:endParaRPr lang="en-US"/>
           </a:p>
@@ -1869,7 +1978,7 @@
 </p:notes>
 </file>
 
-<file path=ppt/notesSlides/notesSlide21.xml><?xml version="1.0" encoding="utf-8"?>
+<file path=ppt/notesSlides/notesSlide22.xml><?xml version="1.0" encoding="utf-8"?>
 <p:notes xmlns:a="http://schemas.openxmlformats.org/drawingml/2006/main" xmlns:r="http://schemas.openxmlformats.org/officeDocument/2006/relationships" xmlns:p="http://schemas.openxmlformats.org/presentationml/2006/main">
   <p:cSld>
     <p:spTree>
@@ -1958,7 +2067,7 @@
           <a:p>
             <a:fld id="{802E5CB9-2BE2-4860-85EE-BBFABBF2603A}" type="slidenum">
               <a:rPr lang="en-US" smtClean="0"/>
-              <a:t>22</a:t>
+              <a:t>23</a:t>
             </a:fld>
             <a:endParaRPr lang="en-US"/>
           </a:p>
@@ -1977,7 +2086,7 @@
 </p:notes>
 </file>
 
-<file path=ppt/notesSlides/notesSlide22.xml><?xml version="1.0" encoding="utf-8"?>
+<file path=ppt/notesSlides/notesSlide23.xml><?xml version="1.0" encoding="utf-8"?>
 <p:notes xmlns:a="http://schemas.openxmlformats.org/drawingml/2006/main" xmlns:r="http://schemas.openxmlformats.org/officeDocument/2006/relationships" xmlns:p="http://schemas.openxmlformats.org/presentationml/2006/main">
   <p:cSld>
     <p:spTree>
@@ -2066,7 +2175,7 @@
           <a:p>
             <a:fld id="{802E5CB9-2BE2-4860-85EE-BBFABBF2603A}" type="slidenum">
               <a:rPr lang="en-US" smtClean="0"/>
-              <a:t>23</a:t>
+              <a:t>24</a:t>
             </a:fld>
             <a:endParaRPr lang="en-US"/>
           </a:p>
@@ -2085,7 +2194,7 @@
 </p:notes>
 </file>
 
-<file path=ppt/notesSlides/notesSlide23.xml><?xml version="1.0" encoding="utf-8"?>
+<file path=ppt/notesSlides/notesSlide24.xml><?xml version="1.0" encoding="utf-8"?>
 <p:notes xmlns:a="http://schemas.openxmlformats.org/drawingml/2006/main" xmlns:r="http://schemas.openxmlformats.org/officeDocument/2006/relationships" xmlns:p="http://schemas.openxmlformats.org/presentationml/2006/main">
   <p:cSld>
     <p:spTree>
@@ -2174,7 +2283,7 @@
           <a:p>
             <a:fld id="{802E5CB9-2BE2-4860-85EE-BBFABBF2603A}" type="slidenum">
               <a:rPr lang="en-US" smtClean="0"/>
-              <a:t>24</a:t>
+              <a:t>25</a:t>
             </a:fld>
             <a:endParaRPr lang="en-US"/>
           </a:p>
@@ -2193,7 +2302,7 @@
 </p:notes>
 </file>
 
-<file path=ppt/notesSlides/notesSlide24.xml><?xml version="1.0" encoding="utf-8"?>
+<file path=ppt/notesSlides/notesSlide25.xml><?xml version="1.0" encoding="utf-8"?>
 <p:notes xmlns:a="http://schemas.openxmlformats.org/drawingml/2006/main" xmlns:r="http://schemas.openxmlformats.org/officeDocument/2006/relationships" xmlns:p="http://schemas.openxmlformats.org/presentationml/2006/main">
   <p:cSld>
     <p:spTree>
@@ -2282,7 +2391,7 @@
           <a:p>
             <a:fld id="{802E5CB9-2BE2-4860-85EE-BBFABBF2603A}" type="slidenum">
               <a:rPr lang="en-US" smtClean="0"/>
-              <a:t>25</a:t>
+              <a:t>26</a:t>
             </a:fld>
             <a:endParaRPr lang="en-US" dirty="0"/>
           </a:p>
@@ -2301,7 +2410,7 @@
 </p:notes>
 </file>
 
-<file path=ppt/notesSlides/notesSlide25.xml><?xml version="1.0" encoding="utf-8"?>
+<file path=ppt/notesSlides/notesSlide26.xml><?xml version="1.0" encoding="utf-8"?>
 <p:notes xmlns:a="http://schemas.openxmlformats.org/drawingml/2006/main" xmlns:r="http://schemas.openxmlformats.org/officeDocument/2006/relationships" xmlns:p="http://schemas.openxmlformats.org/presentationml/2006/main">
   <p:cSld>
     <p:spTree>
@@ -2390,7 +2499,7 @@
           <a:p>
             <a:fld id="{802E5CB9-2BE2-4860-85EE-BBFABBF2603A}" type="slidenum">
               <a:rPr lang="en-US" smtClean="0"/>
-              <a:t>26</a:t>
+              <a:t>27</a:t>
             </a:fld>
             <a:endParaRPr lang="en-US"/>
           </a:p>
@@ -6697,7 +6806,7 @@
           <a:p>
             <a:r>
               <a:rPr lang="en-US" sz="4400" dirty="0"/>
-              <a:t>Heuristic classifier</a:t>
+              <a:t>Heuristic classifier, strategy B</a:t>
             </a:r>
           </a:p>
           <a:p>
@@ -7966,7 +8075,7 @@
                   </a:schemeClr>
                 </a:solidFill>
               </a:rPr>
-              <a:t>Atrial: t&lt;0.35s</a:t>
+              <a:t>Atrial: t&lt;0.39s</a:t>
             </a:r>
           </a:p>
           <a:p>
@@ -7980,7 +8089,7 @@
                   <a:schemeClr val="accent6"/>
                 </a:solidFill>
               </a:rPr>
-              <a:t>Ventricular: after t&gt;0.5</a:t>
+              <a:t>Ventricular: after t&gt;0.42</a:t>
             </a:r>
           </a:p>
           <a:p>
@@ -7994,7 +8103,7 @@
                   <a:srgbClr val="C00000"/>
                 </a:solidFill>
               </a:rPr>
-              <a:t>His bundle: 0.35&lt;t&lt;0.5</a:t>
+              <a:t>His bundle: 0.39&lt;t&lt;0.42</a:t>
             </a:r>
           </a:p>
           <a:p>
@@ -8004,7 +8113,7 @@
             </a:pPr>
             <a:r>
               <a:rPr lang="en-US" sz="1600" dirty="0"/>
-              <a:t>Compute the absolute value of the segment, then find, if there is, the main peak</a:t>
+              <a:t>Compute the absolute value of the segment, then into each (modulus) segment find the maximum:</a:t>
             </a:r>
           </a:p>
           <a:p>
@@ -8014,43 +8123,125 @@
             </a:pPr>
             <a:r>
               <a:rPr lang="en-US" sz="1400" dirty="0"/>
-              <a:t>Usage of </a:t>
-            </a:r>
-            <a:r>
-              <a:rPr lang="en-US" sz="1400" i="1" dirty="0" err="1">
-                <a:solidFill>
-                  <a:srgbClr val="0070C0"/>
-                </a:solidFill>
-              </a:rPr>
-              <a:t>find_peaks</a:t>
-            </a:r>
-            <a:r>
-              <a:rPr lang="en-US" sz="1400" i="1" dirty="0">
-                <a:solidFill>
-                  <a:srgbClr val="0070C0"/>
-                </a:solidFill>
-              </a:rPr>
+              <a:t>For </a:t>
+            </a:r>
+            <a:r>
+              <a:rPr lang="en-US" sz="1400" b="1" dirty="0"/>
+              <a:t>atrial</a:t>
+            </a:r>
+            <a:r>
+              <a:rPr lang="en-US" sz="1400" dirty="0"/>
+              <a:t> and </a:t>
+            </a:r>
+            <a:r>
+              <a:rPr lang="en-US" sz="1400" b="1" dirty="0"/>
+              <a:t>ventricular</a:t>
+            </a:r>
+            <a:r>
+              <a:rPr lang="en-US" sz="1400" dirty="0"/>
+              <a:t> phase take the maximum </a:t>
+            </a:r>
+            <a:r>
+              <a:rPr lang="en-US" sz="1400" b="1" dirty="0"/>
+              <a:t>as</a:t>
+            </a:r>
+            <a:r>
+              <a:rPr lang="en-US" sz="1400" dirty="0"/>
               <a:t> </a:t>
             </a:r>
             <a:r>
+              <a:rPr lang="en-US" sz="1400" b="1" dirty="0"/>
+              <a:t>it</a:t>
+            </a:r>
+            <a:r>
               <a:rPr lang="en-US" sz="1400" dirty="0"/>
-              <a:t>(python, </a:t>
-            </a:r>
-            <a:r>
-              <a:rPr lang="en-US" sz="1400" dirty="0" err="1"/>
-              <a:t>Scy.Py</a:t>
-            </a:r>
+              <a:t> </a:t>
+            </a:r>
+            <a:r>
+              <a:rPr lang="en-US" sz="1400" b="1" dirty="0"/>
+              <a:t>is</a:t>
+            </a:r>
+          </a:p>
+          <a:p>
+            <a:pPr marL="800100" lvl="1" indent="-342900">
+              <a:buFont typeface="+mj-lt"/>
+              <a:buAutoNum type="arabicPeriod"/>
+            </a:pPr>
             <a:r>
               <a:rPr lang="en-US" sz="1400" dirty="0"/>
-              <a:t> library) with </a:t>
-            </a:r>
-            <a:r>
-              <a:rPr lang="en-US" sz="1400" i="1" dirty="0"/>
-              <a:t>prominence</a:t>
+              <a:t>For </a:t>
+            </a:r>
+            <a:r>
+              <a:rPr lang="en-US" sz="1400" b="1" dirty="0"/>
+              <a:t>His</a:t>
             </a:r>
             <a:r>
               <a:rPr lang="en-US" sz="1400" dirty="0"/>
-              <a:t> set as a multiple of the SD of the segment, by trial and errors fixed at 6 times SD</a:t>
+              <a:t> </a:t>
+            </a:r>
+            <a:r>
+              <a:rPr lang="en-US" sz="1400" b="1" dirty="0"/>
+              <a:t>phase</a:t>
+            </a:r>
+            <a:r>
+              <a:rPr lang="en-US" sz="1400" dirty="0"/>
+              <a:t>, consider the maximum </a:t>
+            </a:r>
+            <a:r>
+              <a:rPr lang="en-US" sz="1400" b="1" dirty="0"/>
+              <a:t>significant</a:t>
+            </a:r>
+            <a:r>
+              <a:rPr lang="en-US" sz="1400" dirty="0"/>
+              <a:t> </a:t>
+            </a:r>
+            <a:r>
+              <a:rPr lang="en-US" sz="1400" b="1" dirty="0"/>
+              <a:t>if</a:t>
+            </a:r>
+            <a:r>
+              <a:rPr lang="en-US" sz="1400" dirty="0"/>
+              <a:t> </a:t>
+            </a:r>
+            <a:r>
+              <a:rPr lang="en-US" sz="1400" b="1" dirty="0"/>
+              <a:t>higher</a:t>
+            </a:r>
+            <a:r>
+              <a:rPr lang="en-US" sz="1400" dirty="0"/>
+              <a:t> </a:t>
+            </a:r>
+            <a:r>
+              <a:rPr lang="en-US" sz="1400" b="1" dirty="0"/>
+              <a:t>than</a:t>
+            </a:r>
+            <a:r>
+              <a:rPr lang="en-US" sz="1400" dirty="0"/>
+              <a:t> a </a:t>
+            </a:r>
+            <a:r>
+              <a:rPr lang="en-US" sz="1400" b="1" dirty="0"/>
+              <a:t>threshold</a:t>
+            </a:r>
+            <a:r>
+              <a:rPr lang="en-US" sz="1400" dirty="0"/>
+              <a:t>, </a:t>
+            </a:r>
+            <a:r>
+              <a:rPr lang="en-US" sz="1400" b="1" dirty="0"/>
+              <a:t>otherwise</a:t>
+            </a:r>
+            <a:r>
+              <a:rPr lang="en-US" sz="1400" dirty="0"/>
+              <a:t> assign </a:t>
+            </a:r>
+            <a:r>
+              <a:rPr lang="en-US" sz="1400" b="1" dirty="0" err="1"/>
+              <a:t>NaN</a:t>
+            </a:r>
+            <a:r>
+              <a:rPr lang="en-US" sz="1400" dirty="0"/>
+              <a:t> to its value</a:t>
             </a:r>
           </a:p>
           <a:p>
@@ -9151,7 +9342,7 @@
           <a:p>
             <a:r>
               <a:rPr lang="en-US" sz="3600" dirty="0"/>
-              <a:t>Find peaks function documentation</a:t>
+              <a:t>His threshold tuning</a:t>
             </a:r>
           </a:p>
         </p:txBody>
@@ -9295,10 +9486,10 @@
       </p:sp>
       <p:pic>
         <p:nvPicPr>
-          <p:cNvPr id="7" name="Immagine 6">
-            <a:extLst>
-              <a:ext uri="{FF2B5EF4-FFF2-40B4-BE49-F238E27FC236}">
-                <a16:creationId xmlns:a16="http://schemas.microsoft.com/office/drawing/2014/main" id="{16335DA7-C092-25E0-35C0-280B06B6AF74}"/>
+          <p:cNvPr id="5" name="Immagine 4" descr="Immagine che contiene testo, diagramma, linea, Diagramma&#10;&#10;Descrizione generata automaticamente">
+            <a:extLst>
+              <a:ext uri="{FF2B5EF4-FFF2-40B4-BE49-F238E27FC236}">
+                <a16:creationId xmlns:a16="http://schemas.microsoft.com/office/drawing/2014/main" id="{B6BEBA83-86B6-CF1A-10FA-3091D0ECD6EE}"/>
               </a:ext>
             </a:extLst>
           </p:cNvPr>
@@ -9308,27 +9499,261 @@
           <p:nvPr/>
         </p:nvPicPr>
         <p:blipFill>
-          <a:blip r:embed="rId3"/>
+          <a:blip r:embed="rId3">
+            <a:extLst>
+              <a:ext uri="{28A0092B-C50C-407E-A947-70E740481C1C}">
+                <a14:useLocalDpi xmlns:a14="http://schemas.microsoft.com/office/drawing/2010/main" val="0"/>
+              </a:ext>
+            </a:extLst>
+          </a:blip>
           <a:stretch>
             <a:fillRect/>
           </a:stretch>
         </p:blipFill>
         <p:spPr>
           <a:xfrm>
-            <a:off x="578871" y="1481990"/>
-            <a:ext cx="5876793" cy="2367910"/>
+            <a:off x="4178373" y="1456129"/>
+            <a:ext cx="4632659" cy="3088439"/>
           </a:xfrm>
           <a:prstGeom prst="rect">
             <a:avLst/>
           </a:prstGeom>
         </p:spPr>
       </p:pic>
+      <p:sp>
+        <p:nvSpPr>
+          <p:cNvPr id="8" name="Segnaposto contenuto 2">
+            <a:extLst>
+              <a:ext uri="{FF2B5EF4-FFF2-40B4-BE49-F238E27FC236}">
+                <a16:creationId xmlns:a16="http://schemas.microsoft.com/office/drawing/2014/main" id="{AC0629B5-D94A-09E9-A897-A747B045F6BA}"/>
+              </a:ext>
+            </a:extLst>
+          </p:cNvPr>
+          <p:cNvSpPr>
+            <a:spLocks noGrp="1"/>
+          </p:cNvSpPr>
+          <p:nvPr>
+            <p:ph idx="1"/>
+          </p:nvPr>
+        </p:nvSpPr>
+        <p:spPr>
+          <a:xfrm>
+            <a:off x="335309" y="1644744"/>
+            <a:ext cx="3761204" cy="4302840"/>
+          </a:xfrm>
+        </p:spPr>
+        <p:txBody>
+          <a:bodyPr>
+            <a:noAutofit/>
+          </a:bodyPr>
+          <a:lstStyle/>
+          <a:p>
+            <a:pPr marL="0" indent="0">
+              <a:buNone/>
+            </a:pPr>
+            <a:r>
+              <a:rPr lang="en-US" sz="1200" b="1" dirty="0"/>
+              <a:t>His peak threshold is fixed as a percentile of the distribution of maxima points around the His Peak of the training signals. </a:t>
+            </a:r>
+          </a:p>
+          <a:p>
+            <a:pPr marL="0" indent="0">
+              <a:buNone/>
+            </a:pPr>
+            <a:r>
+              <a:rPr lang="en-US" sz="1200" dirty="0"/>
+              <a:t>To do it:</a:t>
+            </a:r>
+          </a:p>
+          <a:p>
+            <a:pPr marL="342900" indent="-342900">
+              <a:buFont typeface="+mj-lt"/>
+              <a:buAutoNum type="arabicPeriod"/>
+            </a:pPr>
+            <a:r>
+              <a:rPr lang="en-US" sz="1200" dirty="0"/>
+              <a:t>From each </a:t>
+            </a:r>
+            <a:r>
+              <a:rPr lang="en-US" sz="1200" dirty="0">
+                <a:solidFill>
+                  <a:srgbClr val="00B0F0"/>
+                </a:solidFill>
+              </a:rPr>
+              <a:t>record</a:t>
+            </a:r>
+            <a:r>
+              <a:rPr lang="en-US" sz="1200" dirty="0"/>
+              <a:t> the </a:t>
+            </a:r>
+            <a:r>
+              <a:rPr lang="en-US" sz="1200" dirty="0">
+                <a:solidFill>
+                  <a:srgbClr val="7030A0"/>
+                </a:solidFill>
+              </a:rPr>
+              <a:t>modulus</a:t>
+            </a:r>
+            <a:r>
+              <a:rPr lang="en-US" sz="1200" dirty="0"/>
+              <a:t> of the His segment is taken</a:t>
+            </a:r>
+          </a:p>
+          <a:p>
+            <a:pPr marL="800100" lvl="1" indent="-342900">
+              <a:buFont typeface="+mj-lt"/>
+              <a:buAutoNum type="arabicPeriod"/>
+            </a:pPr>
+            <a:r>
+              <a:rPr lang="en-US" sz="1050" dirty="0"/>
+              <a:t>His phase: </a:t>
+            </a:r>
+            <a:r>
+              <a:rPr lang="en-US" sz="1050" dirty="0">
+                <a:solidFill>
+                  <a:srgbClr val="7030A0"/>
+                </a:solidFill>
+              </a:rPr>
+              <a:t>abs</a:t>
+            </a:r>
+            <a:r>
+              <a:rPr lang="en-US" sz="1050" dirty="0"/>
+              <a:t>(</a:t>
+            </a:r>
+            <a:r>
+              <a:rPr lang="en-US" sz="1050" dirty="0">
+                <a:solidFill>
+                  <a:srgbClr val="00B0F0"/>
+                </a:solidFill>
+              </a:rPr>
+              <a:t>record</a:t>
+            </a:r>
+            <a:r>
+              <a:rPr lang="en-US" sz="1050" dirty="0"/>
+              <a:t>[t=</a:t>
+            </a:r>
+            <a:r>
+              <a:rPr lang="en-US" sz="1050" dirty="0">
+                <a:solidFill>
+                  <a:srgbClr val="0070C0"/>
+                </a:solidFill>
+              </a:rPr>
+              <a:t>0.35</a:t>
+            </a:r>
+            <a:r>
+              <a:rPr lang="en-US" sz="1050" dirty="0"/>
+              <a:t> : t=</a:t>
+            </a:r>
+            <a:r>
+              <a:rPr lang="en-US" sz="1050" dirty="0">
+                <a:solidFill>
+                  <a:schemeClr val="accent6">
+                    <a:lumMod val="75000"/>
+                  </a:schemeClr>
+                </a:solidFill>
+              </a:rPr>
+              <a:t>0.45</a:t>
+            </a:r>
+            <a:r>
+              <a:rPr lang="en-US" sz="1050" dirty="0"/>
+              <a:t>])</a:t>
+            </a:r>
+          </a:p>
+          <a:p>
+            <a:pPr marL="342900" indent="-342900">
+              <a:buFont typeface="+mj-lt"/>
+              <a:buAutoNum type="arabicPeriod"/>
+            </a:pPr>
+            <a:r>
+              <a:rPr lang="en-US" sz="1200" dirty="0"/>
+              <a:t>Then the maximum of the </a:t>
+            </a:r>
+            <a:r>
+              <a:rPr lang="en-US" sz="1200" dirty="0" err="1"/>
+              <a:t>segmen</a:t>
+            </a:r>
+            <a:r>
+              <a:rPr lang="en-US" sz="1200" dirty="0"/>
+              <a:t> is evaluated and saved into a vector of </a:t>
+            </a:r>
+            <a:r>
+              <a:rPr lang="en-US" sz="1200" dirty="0" err="1"/>
+              <a:t>maximum_points</a:t>
+            </a:r>
+            <a:endParaRPr lang="en-US" sz="1050" dirty="0"/>
+          </a:p>
+          <a:p>
+            <a:pPr marL="342900" indent="-342900">
+              <a:buFont typeface="+mj-lt"/>
+              <a:buAutoNum type="arabicPeriod"/>
+            </a:pPr>
+            <a:r>
+              <a:rPr lang="en-US" sz="1200" dirty="0"/>
+              <a:t>For each class, the F1-score value is evaluated as a function of the threshold, leading to the plot on the right.</a:t>
+            </a:r>
+          </a:p>
+          <a:p>
+            <a:pPr marL="800100" lvl="1" indent="-342900">
+              <a:buFont typeface="+mj-lt"/>
+              <a:buAutoNum type="arabicPeriod"/>
+            </a:pPr>
+            <a:r>
+              <a:rPr lang="en-US" sz="1050" dirty="0"/>
+              <a:t>Higher class F1-score combination is reached with a threshold equal to the 45</a:t>
+            </a:r>
+            <a:r>
+              <a:rPr lang="en-US" sz="1050" baseline="30000" dirty="0"/>
+              <a:t>th</a:t>
+            </a:r>
+            <a:r>
+              <a:rPr lang="en-US" sz="1050" dirty="0"/>
+              <a:t> percentile</a:t>
+            </a:r>
+            <a:endParaRPr lang="en-US" sz="1050" dirty="0">
+              <a:solidFill>
+                <a:srgbClr val="7030A0"/>
+              </a:solidFill>
+            </a:endParaRPr>
+          </a:p>
+          <a:p>
+            <a:pPr marL="342900" indent="-342900">
+              <a:buFont typeface="+mj-lt"/>
+              <a:buAutoNum type="arabicPeriod"/>
+            </a:pPr>
+            <a:r>
+              <a:rPr lang="en-US" sz="1200" dirty="0"/>
+              <a:t>Finally, the value of the threshold is saved for being used in the classification phase</a:t>
+            </a:r>
+          </a:p>
+          <a:p>
+            <a:pPr marL="0" indent="0">
+              <a:buNone/>
+            </a:pPr>
+            <a:r>
+              <a:rPr lang="en-US" sz="1200" dirty="0"/>
+              <a:t>In conclusion, the threshold was </a:t>
+            </a:r>
+            <a:r>
+              <a:rPr lang="en-US" sz="1200" b="1" dirty="0"/>
+              <a:t>0.042</a:t>
+            </a:r>
+            <a:r>
+              <a:rPr lang="en-US" sz="1200" dirty="0"/>
+              <a:t> </a:t>
+            </a:r>
+            <a:r>
+              <a:rPr lang="en-US" sz="1200" b="1" dirty="0"/>
+              <a:t>mV</a:t>
+            </a:r>
+          </a:p>
+        </p:txBody>
+      </p:sp>
       <p:pic>
         <p:nvPicPr>
-          <p:cNvPr id="10" name="Immagine 9">
-            <a:extLst>
-              <a:ext uri="{FF2B5EF4-FFF2-40B4-BE49-F238E27FC236}">
-                <a16:creationId xmlns:a16="http://schemas.microsoft.com/office/drawing/2014/main" id="{DCFEEDB5-378C-A075-EC1D-2CD28163E06E}"/>
+          <p:cNvPr id="13" name="Immagine 12" descr="Immagine che contiene testo, diagramma, schermata, linea&#10;&#10;Descrizione generata automaticamente">
+            <a:extLst>
+              <a:ext uri="{FF2B5EF4-FFF2-40B4-BE49-F238E27FC236}">
+                <a16:creationId xmlns:a16="http://schemas.microsoft.com/office/drawing/2014/main" id="{11B9B863-63B1-3D27-C7CC-F3C7F28B6F6C}"/>
               </a:ext>
             </a:extLst>
           </p:cNvPr>
@@ -9338,168 +9763,148 @@
           <p:nvPr/>
         </p:nvPicPr>
         <p:blipFill>
-          <a:blip r:embed="rId4"/>
-          <a:srcRect b="83095"/>
-          <a:stretch/>
+          <a:blip r:embed="rId4">
+            <a:extLst>
+              <a:ext uri="{28A0092B-C50C-407E-A947-70E740481C1C}">
+                <a14:useLocalDpi xmlns:a14="http://schemas.microsoft.com/office/drawing/2010/main" val="0"/>
+              </a:ext>
+            </a:extLst>
+          </a:blip>
+          <a:stretch>
+            <a:fillRect/>
+          </a:stretch>
         </p:blipFill>
         <p:spPr>
           <a:xfrm>
-            <a:off x="579120" y="3970127"/>
-            <a:ext cx="5113269" cy="724000"/>
+            <a:off x="8446008" y="1518957"/>
+            <a:ext cx="3745991" cy="3025611"/>
           </a:xfrm>
           <a:prstGeom prst="rect">
             <a:avLst/>
           </a:prstGeom>
         </p:spPr>
       </p:pic>
-      <p:pic>
-        <p:nvPicPr>
-          <p:cNvPr id="11" name="Immagine 10">
-            <a:extLst>
-              <a:ext uri="{FF2B5EF4-FFF2-40B4-BE49-F238E27FC236}">
-                <a16:creationId xmlns:a16="http://schemas.microsoft.com/office/drawing/2014/main" id="{E0735398-8102-017F-E358-36134F8FC22A}"/>
-              </a:ext>
-            </a:extLst>
-          </p:cNvPr>
-          <p:cNvPicPr>
-            <a:picLocks noChangeAspect="1"/>
-          </p:cNvPicPr>
+      <p:sp>
+        <p:nvSpPr>
+          <p:cNvPr id="16" name="CasellaDiTesto 15">
+            <a:extLst>
+              <a:ext uri="{FF2B5EF4-FFF2-40B4-BE49-F238E27FC236}">
+                <a16:creationId xmlns:a16="http://schemas.microsoft.com/office/drawing/2014/main" id="{73438B88-375D-86D8-B96A-0886F2737F39}"/>
+              </a:ext>
+            </a:extLst>
+          </p:cNvPr>
+          <p:cNvSpPr txBox="1"/>
           <p:nvPr/>
-        </p:nvPicPr>
-        <p:blipFill>
-          <a:blip r:embed="rId4"/>
-          <a:srcRect l="157" t="80385" r="262" b="-226"/>
-          <a:stretch/>
-        </p:blipFill>
+        </p:nvSpPr>
         <p:spPr>
           <a:xfrm>
-            <a:off x="578871" y="4694126"/>
-            <a:ext cx="5113269" cy="849731"/>
+            <a:off x="8892892" y="4429152"/>
+            <a:ext cx="2056973" cy="230832"/>
           </a:xfrm>
           <a:prstGeom prst="rect">
             <a:avLst/>
           </a:prstGeom>
+          <a:noFill/>
         </p:spPr>
-      </p:pic>
-      <p:pic>
-        <p:nvPicPr>
-          <p:cNvPr id="14" name="Immagine 13">
-            <a:extLst>
-              <a:ext uri="{FF2B5EF4-FFF2-40B4-BE49-F238E27FC236}">
-                <a16:creationId xmlns:a16="http://schemas.microsoft.com/office/drawing/2014/main" id="{C3549561-A02C-7E89-B6B9-8B004DA5D63B}"/>
-              </a:ext>
-            </a:extLst>
-          </p:cNvPr>
-          <p:cNvPicPr>
-            <a:picLocks noChangeAspect="1"/>
-          </p:cNvPicPr>
+        <p:txBody>
+          <a:bodyPr wrap="none" rtlCol="0">
+            <a:spAutoFit/>
+          </a:bodyPr>
+          <a:lstStyle/>
+          <a:p>
+            <a:r>
+              <a:rPr lang="en-US" sz="900"/>
+              <a:t>Threshold position into the distribution </a:t>
+            </a:r>
+          </a:p>
+        </p:txBody>
+      </p:sp>
+      <p:cxnSp>
+        <p:nvCxnSpPr>
+          <p:cNvPr id="18" name="Connettore 2 17">
+            <a:extLst>
+              <a:ext uri="{FF2B5EF4-FFF2-40B4-BE49-F238E27FC236}">
+                <a16:creationId xmlns:a16="http://schemas.microsoft.com/office/drawing/2014/main" id="{3C33D372-582E-B67F-D113-DC896F48B505}"/>
+              </a:ext>
+            </a:extLst>
+          </p:cNvPr>
+          <p:cNvCxnSpPr/>
           <p:nvPr/>
-        </p:nvPicPr>
-        <p:blipFill>
-          <a:blip r:embed="rId5"/>
-          <a:stretch>
-            <a:fillRect/>
-          </a:stretch>
-        </p:blipFill>
+        </p:nvCxnSpPr>
         <p:spPr>
-          <a:xfrm>
-            <a:off x="578870" y="5607865"/>
-            <a:ext cx="5113269" cy="708721"/>
+          <a:xfrm flipV="1">
+            <a:off x="9473029" y="4076700"/>
+            <a:ext cx="0" cy="396240"/>
           </a:xfrm>
-          <a:prstGeom prst="rect">
+          <a:prstGeom prst="straightConnector1">
             <a:avLst/>
           </a:prstGeom>
-        </p:spPr>
-      </p:pic>
-      <p:sp>
-        <p:nvSpPr>
-          <p:cNvPr id="15" name="Rettangolo con angoli arrotondati 14">
-            <a:extLst>
-              <a:ext uri="{FF2B5EF4-FFF2-40B4-BE49-F238E27FC236}">
-                <a16:creationId xmlns:a16="http://schemas.microsoft.com/office/drawing/2014/main" id="{B4638033-655B-01D1-B639-93EADE11148E}"/>
-              </a:ext>
-            </a:extLst>
-          </p:cNvPr>
-          <p:cNvSpPr/>
-          <p:nvPr/>
-        </p:nvSpPr>
-        <p:spPr>
-          <a:xfrm>
-            <a:off x="9022080" y="5066857"/>
-            <a:ext cx="2331720" cy="1082015"/>
-          </a:xfrm>
-          <a:prstGeom prst="roundRect">
-            <a:avLst/>
-          </a:prstGeom>
+          <a:ln>
+            <a:tailEnd type="triangle"/>
+          </a:ln>
         </p:spPr>
         <p:style>
-          <a:lnRef idx="1">
+          <a:lnRef idx="2">
             <a:schemeClr val="accent3"/>
           </a:lnRef>
-          <a:fillRef idx="2">
+          <a:fillRef idx="0">
             <a:schemeClr val="accent3"/>
           </a:fillRef>
           <a:effectRef idx="1">
             <a:schemeClr val="accent3"/>
           </a:effectRef>
           <a:fontRef idx="minor">
-            <a:schemeClr val="dk1"/>
+            <a:schemeClr val="tx1"/>
           </a:fontRef>
         </p:style>
-        <p:txBody>
-          <a:bodyPr rtlCol="0" anchor="ctr"/>
-          <a:lstStyle/>
-          <a:p>
-            <a:r>
-              <a:rPr lang="en-GB" sz="1600" dirty="0"/>
-              <a:t>NB: if </a:t>
-            </a:r>
-            <a:r>
-              <a:rPr lang="en-GB" sz="1600" dirty="0" err="1"/>
-              <a:t>find_peaks</a:t>
-            </a:r>
-            <a:r>
-              <a:rPr lang="en-GB" sz="1600" dirty="0"/>
-              <a:t> return [], the algorithm will assign nan value to the peak</a:t>
-            </a:r>
-          </a:p>
-        </p:txBody>
-      </p:sp>
-      <p:pic>
-        <p:nvPicPr>
-          <p:cNvPr id="6" name="Immagine 5" descr="Immagine che contiene testo, diagramma, linea, design&#10;&#10;Descrizione generata automaticamente">
-            <a:extLst>
-              <a:ext uri="{FF2B5EF4-FFF2-40B4-BE49-F238E27FC236}">
-                <a16:creationId xmlns:a16="http://schemas.microsoft.com/office/drawing/2014/main" id="{37B04CF1-8C66-FE67-352B-2190203AD22C}"/>
-              </a:ext>
-            </a:extLst>
-          </p:cNvPr>
-          <p:cNvPicPr>
-            <a:picLocks noChangeAspect="1"/>
-          </p:cNvPicPr>
+      </p:cxnSp>
+      <p:cxnSp>
+        <p:nvCxnSpPr>
+          <p:cNvPr id="20" name="Connettore diritto 19">
+            <a:extLst>
+              <a:ext uri="{FF2B5EF4-FFF2-40B4-BE49-F238E27FC236}">
+                <a16:creationId xmlns:a16="http://schemas.microsoft.com/office/drawing/2014/main" id="{AAD6D4DA-5625-DBBA-E692-93F5B3BAA74F}"/>
+              </a:ext>
+            </a:extLst>
+          </p:cNvPr>
+          <p:cNvCxnSpPr>
+            <a:cxnSpLocks/>
+          </p:cNvCxnSpPr>
           <p:nvPr/>
-        </p:nvPicPr>
-        <p:blipFill>
-          <a:blip r:embed="rId6">
-            <a:extLst>
-              <a:ext uri="{28A0092B-C50C-407E-A947-70E740481C1C}">
-                <a14:useLocalDpi xmlns:a14="http://schemas.microsoft.com/office/drawing/2010/main" val="0"/>
-              </a:ext>
-            </a:extLst>
-          </a:blip>
-          <a:srcRect t="31734" r="62273"/>
-          <a:stretch/>
-        </p:blipFill>
+        </p:nvCxnSpPr>
         <p:spPr>
-          <a:xfrm>
-            <a:off x="8831835" y="1584520"/>
-            <a:ext cx="2521965" cy="2539424"/>
+          <a:xfrm flipV="1">
+            <a:off x="6468032" y="1932579"/>
+            <a:ext cx="0" cy="2263501"/>
           </a:xfrm>
-          <a:prstGeom prst="rect">
+          <a:prstGeom prst="line">
             <a:avLst/>
           </a:prstGeom>
+          <a:ln w="19050" cap="flat" cmpd="sng" algn="ctr">
+            <a:solidFill>
+              <a:schemeClr val="dk1"/>
+            </a:solidFill>
+            <a:prstDash val="dash"/>
+            <a:round/>
+            <a:headEnd type="none" w="med" len="med"/>
+            <a:tailEnd type="none" w="med" len="med"/>
+          </a:ln>
         </p:spPr>
-      </p:pic>
+        <p:style>
+          <a:lnRef idx="0">
+            <a:scrgbClr r="0" g="0" b="0"/>
+          </a:lnRef>
+          <a:fillRef idx="0">
+            <a:scrgbClr r="0" g="0" b="0"/>
+          </a:fillRef>
+          <a:effectRef idx="0">
+            <a:scrgbClr r="0" g="0" b="0"/>
+          </a:effectRef>
+          <a:fontRef idx="minor">
+            <a:schemeClr val="tx1"/>
+          </a:fontRef>
+        </p:style>
+      </p:cxnSp>
     </p:spTree>
     <p:extLst>
       <p:ext uri="{BB962C8B-B14F-4D97-AF65-F5344CB8AC3E}">
@@ -9514,6 +9919,796 @@
 </file>
 
 <file path=ppt/slides/slide14.xml><?xml version="1.0" encoding="utf-8"?>
+<p:sld xmlns:a="http://schemas.openxmlformats.org/drawingml/2006/main" xmlns:r="http://schemas.openxmlformats.org/officeDocument/2006/relationships" xmlns:p="http://schemas.openxmlformats.org/presentationml/2006/main">
+  <p:cSld>
+    <p:spTree>
+      <p:nvGrpSpPr>
+        <p:cNvPr id="1" name="">
+          <a:extLst>
+            <a:ext uri="{FF2B5EF4-FFF2-40B4-BE49-F238E27FC236}">
+              <a16:creationId xmlns:a16="http://schemas.microsoft.com/office/drawing/2014/main" id="{77E1989D-2F0E-98E7-D9D4-6E2B119EB4AD}"/>
+            </a:ext>
+          </a:extLst>
+        </p:cNvPr>
+        <p:cNvGrpSpPr/>
+        <p:nvPr/>
+      </p:nvGrpSpPr>
+      <p:grpSpPr>
+        <a:xfrm>
+          <a:off x="0" y="0"/>
+          <a:ext cx="0" cy="0"/>
+          <a:chOff x="0" y="0"/>
+          <a:chExt cx="0" cy="0"/>
+        </a:xfrm>
+      </p:grpSpPr>
+      <p:sp>
+        <p:nvSpPr>
+          <p:cNvPr id="2" name="Titolo 1">
+            <a:extLst>
+              <a:ext uri="{FF2B5EF4-FFF2-40B4-BE49-F238E27FC236}">
+                <a16:creationId xmlns:a16="http://schemas.microsoft.com/office/drawing/2014/main" id="{2A488431-176A-A490-C161-A691EC0979E3}"/>
+              </a:ext>
+            </a:extLst>
+          </p:cNvPr>
+          <p:cNvSpPr>
+            <a:spLocks noGrp="1"/>
+          </p:cNvSpPr>
+          <p:nvPr>
+            <p:ph type="title"/>
+          </p:nvPr>
+        </p:nvSpPr>
+        <p:spPr>
+          <a:xfrm>
+            <a:off x="838200" y="209292"/>
+            <a:ext cx="9905460" cy="971551"/>
+          </a:xfrm>
+        </p:spPr>
+        <p:txBody>
+          <a:bodyPr>
+            <a:normAutofit/>
+          </a:bodyPr>
+          <a:lstStyle/>
+          <a:p>
+            <a:r>
+              <a:rPr lang="en-US" sz="3600" dirty="0"/>
+              <a:t>Code functioning</a:t>
+            </a:r>
+          </a:p>
+        </p:txBody>
+      </p:sp>
+      <p:sp>
+        <p:nvSpPr>
+          <p:cNvPr id="4" name="Segnaposto numero diapositiva 3">
+            <a:extLst>
+              <a:ext uri="{FF2B5EF4-FFF2-40B4-BE49-F238E27FC236}">
+                <a16:creationId xmlns:a16="http://schemas.microsoft.com/office/drawing/2014/main" id="{34ADCB7D-34CB-E469-22C8-4390B05951A8}"/>
+              </a:ext>
+            </a:extLst>
+          </p:cNvPr>
+          <p:cNvSpPr>
+            <a:spLocks noGrp="1"/>
+          </p:cNvSpPr>
+          <p:nvPr>
+            <p:ph type="sldNum" sz="quarter" idx="12"/>
+          </p:nvPr>
+        </p:nvSpPr>
+        <p:spPr/>
+        <p:txBody>
+          <a:bodyPr/>
+          <a:lstStyle/>
+          <a:p>
+            <a:fld id="{2FA0223F-D95A-431D-9A71-EDA7FA0C2F5B}" type="slidenum">
+              <a:rPr lang="en-US" smtClean="0"/>
+              <a:t>14</a:t>
+            </a:fld>
+            <a:endParaRPr lang="en-US"/>
+          </a:p>
+        </p:txBody>
+      </p:sp>
+      <p:sp>
+        <p:nvSpPr>
+          <p:cNvPr id="27" name="Rettangolo 26">
+            <a:extLst>
+              <a:ext uri="{FF2B5EF4-FFF2-40B4-BE49-F238E27FC236}">
+                <a16:creationId xmlns:a16="http://schemas.microsoft.com/office/drawing/2014/main" id="{18AFCE32-1913-A3B8-8DBF-3AC223485BFB}"/>
+              </a:ext>
+            </a:extLst>
+          </p:cNvPr>
+          <p:cNvSpPr/>
+          <p:nvPr/>
+        </p:nvSpPr>
+        <p:spPr>
+          <a:xfrm>
+            <a:off x="6723157" y="1812745"/>
+            <a:ext cx="206547" cy="168094"/>
+          </a:xfrm>
+          <a:prstGeom prst="rect">
+            <a:avLst/>
+          </a:prstGeom>
+          <a:solidFill>
+            <a:schemeClr val="bg1"/>
+          </a:solidFill>
+          <a:ln>
+            <a:solidFill>
+              <a:schemeClr val="bg1"/>
+            </a:solidFill>
+          </a:ln>
+        </p:spPr>
+        <p:style>
+          <a:lnRef idx="2">
+            <a:schemeClr val="accent1">
+              <a:shade val="15000"/>
+            </a:schemeClr>
+          </a:lnRef>
+          <a:fillRef idx="1">
+            <a:schemeClr val="accent1"/>
+          </a:fillRef>
+          <a:effectRef idx="0">
+            <a:schemeClr val="accent1"/>
+          </a:effectRef>
+          <a:fontRef idx="minor">
+            <a:schemeClr val="lt1"/>
+          </a:fontRef>
+        </p:style>
+        <p:txBody>
+          <a:bodyPr rtlCol="0" anchor="ctr"/>
+          <a:lstStyle/>
+          <a:p>
+            <a:pPr algn="ctr"/>
+            <a:endParaRPr lang="it-IT"/>
+          </a:p>
+        </p:txBody>
+      </p:sp>
+      <p:sp>
+        <p:nvSpPr>
+          <p:cNvPr id="12" name="Rettangolo 11">
+            <a:extLst>
+              <a:ext uri="{FF2B5EF4-FFF2-40B4-BE49-F238E27FC236}">
+                <a16:creationId xmlns:a16="http://schemas.microsoft.com/office/drawing/2014/main" id="{5AEC1996-B703-CB6E-0F0A-FCECFB2342D5}"/>
+              </a:ext>
+            </a:extLst>
+          </p:cNvPr>
+          <p:cNvSpPr/>
+          <p:nvPr/>
+        </p:nvSpPr>
+        <p:spPr>
+          <a:xfrm>
+            <a:off x="5468844" y="2179320"/>
+            <a:ext cx="223296" cy="160020"/>
+          </a:xfrm>
+          <a:prstGeom prst="rect">
+            <a:avLst/>
+          </a:prstGeom>
+          <a:solidFill>
+            <a:schemeClr val="bg1"/>
+          </a:solidFill>
+          <a:ln>
+            <a:solidFill>
+              <a:schemeClr val="bg1"/>
+            </a:solidFill>
+          </a:ln>
+        </p:spPr>
+        <p:style>
+          <a:lnRef idx="2">
+            <a:schemeClr val="accent1">
+              <a:shade val="15000"/>
+            </a:schemeClr>
+          </a:lnRef>
+          <a:fillRef idx="1">
+            <a:schemeClr val="accent1"/>
+          </a:fillRef>
+          <a:effectRef idx="0">
+            <a:schemeClr val="accent1"/>
+          </a:effectRef>
+          <a:fontRef idx="minor">
+            <a:schemeClr val="lt1"/>
+          </a:fontRef>
+        </p:style>
+        <p:txBody>
+          <a:bodyPr rtlCol="0" anchor="ctr"/>
+          <a:lstStyle/>
+          <a:p>
+            <a:pPr algn="ctr"/>
+            <a:endParaRPr lang="it-IT"/>
+          </a:p>
+        </p:txBody>
+      </p:sp>
+      <p:sp>
+        <p:nvSpPr>
+          <p:cNvPr id="17" name="Segnaposto contenuto 2">
+            <a:extLst>
+              <a:ext uri="{FF2B5EF4-FFF2-40B4-BE49-F238E27FC236}">
+                <a16:creationId xmlns:a16="http://schemas.microsoft.com/office/drawing/2014/main" id="{E5444CA8-BD44-E722-6574-51D538417706}"/>
+              </a:ext>
+            </a:extLst>
+          </p:cNvPr>
+          <p:cNvSpPr>
+            <a:spLocks noGrp="1"/>
+          </p:cNvSpPr>
+          <p:nvPr>
+            <p:ph idx="1"/>
+          </p:nvPr>
+        </p:nvSpPr>
+        <p:spPr>
+          <a:xfrm>
+            <a:off x="3378739" y="1891633"/>
+            <a:ext cx="4824381" cy="4302840"/>
+          </a:xfrm>
+        </p:spPr>
+        <p:txBody>
+          <a:bodyPr>
+            <a:noAutofit/>
+          </a:bodyPr>
+          <a:lstStyle/>
+          <a:p>
+            <a:pPr marL="342900" indent="-342900">
+              <a:buFont typeface="+mj-lt"/>
+              <a:buAutoNum type="arabicPeriod"/>
+            </a:pPr>
+            <a:r>
+              <a:rPr lang="en-US" sz="1200" dirty="0"/>
+              <a:t>The given </a:t>
+            </a:r>
+            <a:r>
+              <a:rPr lang="en-US" sz="1200" dirty="0">
+                <a:solidFill>
+                  <a:srgbClr val="00B0F0"/>
+                </a:solidFill>
+              </a:rPr>
+              <a:t>record</a:t>
+            </a:r>
+            <a:r>
+              <a:rPr lang="en-US" sz="1200" dirty="0"/>
+              <a:t> is divided into three segments and the </a:t>
+            </a:r>
+            <a:r>
+              <a:rPr lang="en-US" sz="1200" dirty="0">
+                <a:solidFill>
+                  <a:srgbClr val="7030A0"/>
+                </a:solidFill>
+              </a:rPr>
+              <a:t>modulus</a:t>
+            </a:r>
+            <a:r>
+              <a:rPr lang="en-US" sz="1200" dirty="0"/>
+              <a:t> is taken</a:t>
+            </a:r>
+          </a:p>
+          <a:p>
+            <a:pPr marL="800100" lvl="1" indent="-342900">
+              <a:buFont typeface="+mj-lt"/>
+              <a:buAutoNum type="arabicPeriod"/>
+            </a:pPr>
+            <a:r>
+              <a:rPr lang="en-US" sz="1050" dirty="0"/>
+              <a:t>Atrial phase: </a:t>
+            </a:r>
+            <a:r>
+              <a:rPr lang="en-US" sz="1050" dirty="0">
+                <a:solidFill>
+                  <a:srgbClr val="7030A0"/>
+                </a:solidFill>
+              </a:rPr>
+              <a:t>abs</a:t>
+            </a:r>
+            <a:r>
+              <a:rPr lang="en-US" sz="1050" dirty="0"/>
+              <a:t>(</a:t>
+            </a:r>
+            <a:r>
+              <a:rPr lang="en-US" sz="1050" dirty="0">
+                <a:solidFill>
+                  <a:srgbClr val="00B0F0"/>
+                </a:solidFill>
+              </a:rPr>
+              <a:t>record</a:t>
+            </a:r>
+            <a:r>
+              <a:rPr lang="en-US" sz="1050" dirty="0"/>
+              <a:t>[t=0 : t=</a:t>
+            </a:r>
+            <a:r>
+              <a:rPr lang="en-US" sz="1050" dirty="0">
+                <a:solidFill>
+                  <a:srgbClr val="0070C0"/>
+                </a:solidFill>
+              </a:rPr>
+              <a:t>0.39</a:t>
+            </a:r>
+            <a:r>
+              <a:rPr lang="en-US" sz="1050" dirty="0"/>
+              <a:t>])</a:t>
+            </a:r>
+          </a:p>
+          <a:p>
+            <a:pPr marL="800100" lvl="1" indent="-342900">
+              <a:buFont typeface="+mj-lt"/>
+              <a:buAutoNum type="arabicPeriod"/>
+            </a:pPr>
+            <a:r>
+              <a:rPr lang="en-US" sz="1050" dirty="0"/>
+              <a:t>Ventricular phase: </a:t>
+            </a:r>
+            <a:r>
+              <a:rPr lang="en-US" sz="1050" dirty="0">
+                <a:solidFill>
+                  <a:srgbClr val="7030A0"/>
+                </a:solidFill>
+              </a:rPr>
+              <a:t>abs</a:t>
+            </a:r>
+            <a:r>
+              <a:rPr lang="en-US" sz="1050" dirty="0"/>
+              <a:t>(</a:t>
+            </a:r>
+            <a:r>
+              <a:rPr lang="en-US" sz="1050" dirty="0">
+                <a:solidFill>
+                  <a:srgbClr val="00B0F0"/>
+                </a:solidFill>
+              </a:rPr>
+              <a:t>record</a:t>
+            </a:r>
+            <a:r>
+              <a:rPr lang="en-US" sz="1050" dirty="0"/>
+              <a:t>[t=</a:t>
+            </a:r>
+            <a:r>
+              <a:rPr lang="en-US" sz="1050" dirty="0">
+                <a:solidFill>
+                  <a:schemeClr val="accent6">
+                    <a:lumMod val="75000"/>
+                  </a:schemeClr>
+                </a:solidFill>
+              </a:rPr>
+              <a:t>0.42</a:t>
+            </a:r>
+            <a:r>
+              <a:rPr lang="en-US" sz="1050" dirty="0"/>
+              <a:t> : t=</a:t>
+            </a:r>
+            <a:r>
+              <a:rPr lang="en-US" sz="1050" dirty="0" err="1"/>
+              <a:t>t_end</a:t>
+            </a:r>
+            <a:r>
+              <a:rPr lang="en-US" sz="1050" dirty="0"/>
+              <a:t>])</a:t>
+            </a:r>
+          </a:p>
+          <a:p>
+            <a:pPr marL="800100" lvl="1" indent="-342900">
+              <a:buFont typeface="+mj-lt"/>
+              <a:buAutoNum type="arabicPeriod"/>
+            </a:pPr>
+            <a:r>
+              <a:rPr lang="en-US" sz="1050" dirty="0"/>
+              <a:t>His phase: </a:t>
+            </a:r>
+            <a:r>
+              <a:rPr lang="en-US" sz="1050" dirty="0">
+                <a:solidFill>
+                  <a:srgbClr val="7030A0"/>
+                </a:solidFill>
+              </a:rPr>
+              <a:t>abs</a:t>
+            </a:r>
+            <a:r>
+              <a:rPr lang="en-US" sz="1050" dirty="0"/>
+              <a:t>(</a:t>
+            </a:r>
+            <a:r>
+              <a:rPr lang="en-US" sz="1050" dirty="0">
+                <a:solidFill>
+                  <a:srgbClr val="00B0F0"/>
+                </a:solidFill>
+              </a:rPr>
+              <a:t>record</a:t>
+            </a:r>
+            <a:r>
+              <a:rPr lang="en-US" sz="1050" dirty="0"/>
+              <a:t>[t=</a:t>
+            </a:r>
+            <a:r>
+              <a:rPr lang="en-US" sz="1050" dirty="0">
+                <a:solidFill>
+                  <a:srgbClr val="0070C0"/>
+                </a:solidFill>
+              </a:rPr>
+              <a:t>0.39</a:t>
+            </a:r>
+            <a:r>
+              <a:rPr lang="en-US" sz="1050" dirty="0"/>
+              <a:t> : t=</a:t>
+            </a:r>
+            <a:r>
+              <a:rPr lang="en-US" sz="1050" dirty="0">
+                <a:solidFill>
+                  <a:schemeClr val="accent6">
+                    <a:lumMod val="75000"/>
+                  </a:schemeClr>
+                </a:solidFill>
+              </a:rPr>
+              <a:t>0.42</a:t>
+            </a:r>
+            <a:r>
+              <a:rPr lang="en-US" sz="1050" dirty="0"/>
+              <a:t>])</a:t>
+            </a:r>
+          </a:p>
+          <a:p>
+            <a:pPr marL="342900" indent="-342900">
+              <a:buFont typeface="+mj-lt"/>
+              <a:buAutoNum type="arabicPeriod"/>
+            </a:pPr>
+            <a:r>
+              <a:rPr lang="en-US" sz="1200" dirty="0"/>
+              <a:t>Into each segment the maximum is evaluated</a:t>
+            </a:r>
+            <a:endParaRPr lang="en-US" sz="1050" dirty="0"/>
+          </a:p>
+          <a:p>
+            <a:pPr marL="342900" indent="-342900">
+              <a:buFont typeface="+mj-lt"/>
+              <a:buAutoNum type="arabicPeriod"/>
+            </a:pPr>
+            <a:r>
+              <a:rPr lang="en-US" sz="1200" dirty="0" err="1"/>
+              <a:t>His_bundle</a:t>
+            </a:r>
+            <a:r>
+              <a:rPr lang="en-US" sz="1200" dirty="0"/>
+              <a:t> peak is compared with the threshold</a:t>
+            </a:r>
+          </a:p>
+          <a:p>
+            <a:pPr marL="800100" lvl="1" indent="-342900">
+              <a:buFont typeface="+mj-lt"/>
+              <a:buAutoNum type="arabicPeriod"/>
+            </a:pPr>
+            <a:r>
+              <a:rPr lang="en-US" sz="1050" dirty="0">
+                <a:solidFill>
+                  <a:srgbClr val="7030A0"/>
+                </a:solidFill>
+              </a:rPr>
+              <a:t>If </a:t>
+            </a:r>
+            <a:r>
+              <a:rPr lang="en-US" sz="1050" dirty="0" err="1"/>
+              <a:t>his_peak</a:t>
+            </a:r>
+            <a:r>
+              <a:rPr lang="en-US" sz="1050" dirty="0"/>
+              <a:t>&lt;</a:t>
+            </a:r>
+            <a:r>
+              <a:rPr lang="en-US" sz="1050" dirty="0" err="1"/>
+              <a:t>his_bundle_th</a:t>
+            </a:r>
+            <a:r>
+              <a:rPr lang="en-US" sz="1050" dirty="0"/>
+              <a:t> </a:t>
+            </a:r>
+            <a:r>
+              <a:rPr lang="en-US" sz="1050" dirty="0">
+                <a:sym typeface="Wingdings" panose="05000000000000000000" pitchFamily="2" charset="2"/>
+              </a:rPr>
+              <a:t> </a:t>
+            </a:r>
+            <a:r>
+              <a:rPr lang="en-US" sz="1050" dirty="0" err="1">
+                <a:sym typeface="Wingdings" panose="05000000000000000000" pitchFamily="2" charset="2"/>
+              </a:rPr>
+              <a:t>his_peak</a:t>
+            </a:r>
+            <a:r>
+              <a:rPr lang="en-US" sz="1050" dirty="0">
+                <a:sym typeface="Wingdings" panose="05000000000000000000" pitchFamily="2" charset="2"/>
+              </a:rPr>
+              <a:t> = </a:t>
+            </a:r>
+            <a:r>
+              <a:rPr lang="en-US" sz="1050" dirty="0" err="1">
+                <a:solidFill>
+                  <a:srgbClr val="7030A0"/>
+                </a:solidFill>
+                <a:sym typeface="Wingdings" panose="05000000000000000000" pitchFamily="2" charset="2"/>
+              </a:rPr>
+              <a:t>NaN</a:t>
+            </a:r>
+            <a:endParaRPr lang="en-US" sz="1050" dirty="0">
+              <a:solidFill>
+                <a:srgbClr val="7030A0"/>
+              </a:solidFill>
+            </a:endParaRPr>
+          </a:p>
+          <a:p>
+            <a:pPr marL="800100" lvl="1" indent="-342900">
+              <a:buFont typeface="+mj-lt"/>
+              <a:buAutoNum type="arabicPeriod"/>
+            </a:pPr>
+            <a:endParaRPr lang="en-US" sz="1050" dirty="0"/>
+          </a:p>
+          <a:p>
+            <a:pPr marL="342900" indent="-342900">
+              <a:buFont typeface="+mj-lt"/>
+              <a:buAutoNum type="arabicPeriod"/>
+            </a:pPr>
+            <a:r>
+              <a:rPr lang="en-US" sz="1200" dirty="0"/>
+              <a:t>Finally, the three peaks are compared:</a:t>
+            </a:r>
+          </a:p>
+          <a:p>
+            <a:pPr marL="800100" lvl="1" indent="-342900">
+              <a:buFont typeface="+mj-lt"/>
+              <a:buAutoNum type="arabicPeriod"/>
+            </a:pPr>
+            <a:r>
+              <a:rPr lang="en-US" sz="1050" dirty="0">
+                <a:solidFill>
+                  <a:srgbClr val="7030A0"/>
+                </a:solidFill>
+              </a:rPr>
+              <a:t>If</a:t>
+            </a:r>
+            <a:r>
+              <a:rPr lang="en-US" sz="1050" dirty="0"/>
+              <a:t> not(</a:t>
+            </a:r>
+            <a:r>
+              <a:rPr lang="en-US" sz="1050" dirty="0" err="1">
+                <a:solidFill>
+                  <a:srgbClr val="7030A0"/>
+                </a:solidFill>
+              </a:rPr>
+              <a:t>isnan</a:t>
+            </a:r>
+            <a:r>
+              <a:rPr lang="en-US" sz="1050" dirty="0"/>
+              <a:t>(</a:t>
+            </a:r>
+            <a:r>
+              <a:rPr lang="en-US" sz="1050" dirty="0" err="1"/>
+              <a:t>his_peak</a:t>
+            </a:r>
+            <a:r>
+              <a:rPr lang="en-US" sz="1050" dirty="0"/>
+              <a:t>)) </a:t>
+            </a:r>
+            <a:r>
+              <a:rPr lang="en-US" sz="1050" dirty="0">
+                <a:sym typeface="Wingdings" panose="05000000000000000000" pitchFamily="2" charset="2"/>
+              </a:rPr>
+              <a:t> </a:t>
+            </a:r>
+            <a:r>
+              <a:rPr lang="en-US" sz="1050" dirty="0">
+                <a:solidFill>
+                  <a:schemeClr val="accent1"/>
+                </a:solidFill>
+                <a:sym typeface="Wingdings" panose="05000000000000000000" pitchFamily="2" charset="2"/>
+              </a:rPr>
+              <a:t>MAP_C</a:t>
+            </a:r>
+          </a:p>
+          <a:p>
+            <a:pPr marL="800100" lvl="1" indent="-342900">
+              <a:buFont typeface="+mj-lt"/>
+              <a:buAutoNum type="arabicPeriod"/>
+            </a:pPr>
+            <a:r>
+              <a:rPr lang="en-US" sz="1050" dirty="0" err="1">
+                <a:solidFill>
+                  <a:srgbClr val="7030A0"/>
+                </a:solidFill>
+                <a:sym typeface="Wingdings" panose="05000000000000000000" pitchFamily="2" charset="2"/>
+              </a:rPr>
+              <a:t>Elif</a:t>
+            </a:r>
+            <a:r>
+              <a:rPr lang="en-US" sz="1050" dirty="0">
+                <a:solidFill>
+                  <a:srgbClr val="7030A0"/>
+                </a:solidFill>
+                <a:sym typeface="Wingdings" panose="05000000000000000000" pitchFamily="2" charset="2"/>
+              </a:rPr>
+              <a:t> </a:t>
+            </a:r>
+            <a:r>
+              <a:rPr lang="en-US" sz="1050" dirty="0">
+                <a:sym typeface="Wingdings" panose="05000000000000000000" pitchFamily="2" charset="2"/>
+              </a:rPr>
+              <a:t>[</a:t>
+            </a:r>
+            <a:r>
+              <a:rPr lang="en-US" sz="1050" dirty="0" err="1">
+                <a:sym typeface="Wingdings" panose="05000000000000000000" pitchFamily="2" charset="2"/>
+              </a:rPr>
+              <a:t>atrial_peak</a:t>
+            </a:r>
+            <a:r>
+              <a:rPr lang="en-US" sz="1050" dirty="0">
+                <a:sym typeface="Wingdings" panose="05000000000000000000" pitchFamily="2" charset="2"/>
+              </a:rPr>
+              <a:t>&gt;</a:t>
+            </a:r>
+            <a:r>
+              <a:rPr lang="en-US" sz="1050" dirty="0" err="1">
+                <a:sym typeface="Wingdings" panose="05000000000000000000" pitchFamily="2" charset="2"/>
+              </a:rPr>
+              <a:t>vent_peak</a:t>
+            </a:r>
+            <a:r>
+              <a:rPr lang="en-US" sz="1050" dirty="0">
+                <a:sym typeface="Wingdings" panose="05000000000000000000" pitchFamily="2" charset="2"/>
+              </a:rPr>
+              <a:t> </a:t>
+            </a:r>
+            <a:r>
+              <a:rPr lang="en-US" sz="1050" dirty="0">
+                <a:solidFill>
+                  <a:srgbClr val="7030A0"/>
+                </a:solidFill>
+                <a:sym typeface="Wingdings" panose="05000000000000000000" pitchFamily="2" charset="2"/>
+              </a:rPr>
+              <a:t>OR</a:t>
+            </a:r>
+            <a:r>
+              <a:rPr lang="en-US" sz="1050" dirty="0">
+                <a:sym typeface="Wingdings" panose="05000000000000000000" pitchFamily="2" charset="2"/>
+              </a:rPr>
+              <a:t> </a:t>
+            </a:r>
+            <a:r>
+              <a:rPr lang="en-US" sz="1050" dirty="0" err="1">
+                <a:solidFill>
+                  <a:srgbClr val="7030A0"/>
+                </a:solidFill>
+                <a:sym typeface="Wingdings" panose="05000000000000000000" pitchFamily="2" charset="2"/>
+              </a:rPr>
+              <a:t>isnan</a:t>
+            </a:r>
+            <a:r>
+              <a:rPr lang="en-US" sz="1050" dirty="0">
+                <a:sym typeface="Wingdings" panose="05000000000000000000" pitchFamily="2" charset="2"/>
+              </a:rPr>
+              <a:t>(</a:t>
+            </a:r>
+            <a:r>
+              <a:rPr lang="en-US" sz="1050" dirty="0" err="1">
+                <a:sym typeface="Wingdings" panose="05000000000000000000" pitchFamily="2" charset="2"/>
+              </a:rPr>
+              <a:t>vent_peak</a:t>
+            </a:r>
+            <a:r>
+              <a:rPr lang="en-US" sz="1050" dirty="0">
+                <a:sym typeface="Wingdings" panose="05000000000000000000" pitchFamily="2" charset="2"/>
+              </a:rPr>
+              <a:t>)]  </a:t>
+            </a:r>
+            <a:r>
+              <a:rPr lang="en-US" sz="1050" dirty="0">
+                <a:solidFill>
+                  <a:srgbClr val="0070C0"/>
+                </a:solidFill>
+                <a:sym typeface="Wingdings" panose="05000000000000000000" pitchFamily="2" charset="2"/>
+              </a:rPr>
+              <a:t>MAP_A</a:t>
+            </a:r>
+          </a:p>
+          <a:p>
+            <a:pPr marL="800100" lvl="1" indent="-342900">
+              <a:buFont typeface="+mj-lt"/>
+              <a:buAutoNum type="arabicPeriod"/>
+            </a:pPr>
+            <a:r>
+              <a:rPr lang="en-US" sz="1050" dirty="0">
+                <a:solidFill>
+                  <a:srgbClr val="7030A0"/>
+                </a:solidFill>
+                <a:sym typeface="Wingdings" panose="05000000000000000000" pitchFamily="2" charset="2"/>
+              </a:rPr>
+              <a:t>Else </a:t>
+            </a:r>
+            <a:r>
+              <a:rPr lang="en-US" sz="1050" dirty="0">
+                <a:sym typeface="Wingdings" panose="05000000000000000000" pitchFamily="2" charset="2"/>
+              </a:rPr>
+              <a:t> </a:t>
+            </a:r>
+            <a:r>
+              <a:rPr lang="en-US" sz="1050" dirty="0">
+                <a:solidFill>
+                  <a:srgbClr val="00B050"/>
+                </a:solidFill>
+                <a:sym typeface="Wingdings" panose="05000000000000000000" pitchFamily="2" charset="2"/>
+              </a:rPr>
+              <a:t>MAP_B</a:t>
+            </a:r>
+            <a:endParaRPr lang="en-US" sz="1050" dirty="0">
+              <a:solidFill>
+                <a:srgbClr val="00B050"/>
+              </a:solidFill>
+            </a:endParaRPr>
+          </a:p>
+        </p:txBody>
+      </p:sp>
+      <p:pic>
+        <p:nvPicPr>
+          <p:cNvPr id="5" name="Immagine 4">
+            <a:extLst>
+              <a:ext uri="{FF2B5EF4-FFF2-40B4-BE49-F238E27FC236}">
+                <a16:creationId xmlns:a16="http://schemas.microsoft.com/office/drawing/2014/main" id="{912041E6-CC2A-D9A1-0C29-C00A9A9CB0B5}"/>
+              </a:ext>
+            </a:extLst>
+          </p:cNvPr>
+          <p:cNvPicPr>
+            <a:picLocks noChangeAspect="1"/>
+          </p:cNvPicPr>
+          <p:nvPr/>
+        </p:nvPicPr>
+        <p:blipFill>
+          <a:blip r:embed="rId3"/>
+          <a:stretch>
+            <a:fillRect/>
+          </a:stretch>
+        </p:blipFill>
+        <p:spPr>
+          <a:xfrm>
+            <a:off x="292452" y="1600047"/>
+            <a:ext cx="4544724" cy="192573"/>
+          </a:xfrm>
+          <a:prstGeom prst="rect">
+            <a:avLst/>
+          </a:prstGeom>
+        </p:spPr>
+      </p:pic>
+      <p:pic>
+        <p:nvPicPr>
+          <p:cNvPr id="7" name="Immagine 6">
+            <a:extLst>
+              <a:ext uri="{FF2B5EF4-FFF2-40B4-BE49-F238E27FC236}">
+                <a16:creationId xmlns:a16="http://schemas.microsoft.com/office/drawing/2014/main" id="{A8D12178-94F9-E4A9-497C-A113D167AC36}"/>
+              </a:ext>
+            </a:extLst>
+          </p:cNvPr>
+          <p:cNvPicPr>
+            <a:picLocks noChangeAspect="1"/>
+          </p:cNvPicPr>
+          <p:nvPr/>
+        </p:nvPicPr>
+        <p:blipFill>
+          <a:blip r:embed="rId4"/>
+          <a:stretch>
+            <a:fillRect/>
+          </a:stretch>
+        </p:blipFill>
+        <p:spPr>
+          <a:xfrm>
+            <a:off x="292452" y="1891632"/>
+            <a:ext cx="2926236" cy="4410471"/>
+          </a:xfrm>
+          <a:prstGeom prst="rect">
+            <a:avLst/>
+          </a:prstGeom>
+        </p:spPr>
+      </p:pic>
+    </p:spTree>
+    <p:extLst>
+      <p:ext uri="{BB962C8B-B14F-4D97-AF65-F5344CB8AC3E}">
+        <p14:creationId xmlns:p14="http://schemas.microsoft.com/office/powerpoint/2010/main" val="3415613353"/>
+      </p:ext>
+    </p:extLst>
+  </p:cSld>
+  <p:clrMapOvr>
+    <a:masterClrMapping/>
+  </p:clrMapOvr>
+</p:sld>
+</file>
+
+<file path=ppt/slides/slide15.xml><?xml version="1.0" encoding="utf-8"?>
 <p:sld xmlns:a="http://schemas.openxmlformats.org/drawingml/2006/main" xmlns:r="http://schemas.openxmlformats.org/officeDocument/2006/relationships" xmlns:p="http://schemas.openxmlformats.org/presentationml/2006/main">
   <p:cSld>
     <p:spTree>
@@ -9689,7 +10884,7 @@
           <a:p>
             <a:fld id="{2FA0223F-D95A-431D-9A71-EDA7FA0C2F5B}" type="slidenum">
               <a:rPr lang="en-US" smtClean="0"/>
-              <a:t>14</a:t>
+              <a:t>15</a:t>
             </a:fld>
             <a:endParaRPr lang="en-US" dirty="0"/>
           </a:p>
@@ -9708,7 +10903,7 @@
 </p:sld>
 </file>
 
-<file path=ppt/slides/slide15.xml><?xml version="1.0" encoding="utf-8"?>
+<file path=ppt/slides/slide16.xml><?xml version="1.0" encoding="utf-8"?>
 <p:sld xmlns:a="http://schemas.openxmlformats.org/drawingml/2006/main" xmlns:r="http://schemas.openxmlformats.org/officeDocument/2006/relationships" xmlns:p="http://schemas.openxmlformats.org/presentationml/2006/main">
   <p:cSld>
     <p:spTree>
@@ -9789,7 +10984,7 @@
           <a:p>
             <a:fld id="{2FA0223F-D95A-431D-9A71-EDA7FA0C2F5B}" type="slidenum">
               <a:rPr lang="en-US" smtClean="0"/>
-              <a:t>15</a:t>
+              <a:t>16</a:t>
             </a:fld>
             <a:endParaRPr lang="en-US"/>
           </a:p>
@@ -10027,10 +11222,10 @@
       </p:sp>
       <p:pic>
         <p:nvPicPr>
-          <p:cNvPr id="5" name="Immagine 4" descr="Immagine che contiene testo, schermata, linea, Diagramma&#10;&#10;Descrizione generata automaticamente">
-            <a:extLst>
-              <a:ext uri="{FF2B5EF4-FFF2-40B4-BE49-F238E27FC236}">
-                <a16:creationId xmlns:a16="http://schemas.microsoft.com/office/drawing/2014/main" id="{D511BEDE-337F-55D2-2778-FA142F4B4A98}"/>
+          <p:cNvPr id="8" name="Immagine 7" descr="Immagine che contiene testo, schermata, linea, Diagramma&#10;&#10;Descrizione generata automaticamente">
+            <a:extLst>
+              <a:ext uri="{FF2B5EF4-FFF2-40B4-BE49-F238E27FC236}">
+                <a16:creationId xmlns:a16="http://schemas.microsoft.com/office/drawing/2014/main" id="{24D296F0-A735-98B3-EB18-218F27D51C3C}"/>
               </a:ext>
             </a:extLst>
           </p:cNvPr>
@@ -10053,8 +11248,8 @@
         </p:blipFill>
         <p:spPr>
           <a:xfrm>
-            <a:off x="4830874" y="1615302"/>
-            <a:ext cx="6522926" cy="4348617"/>
+            <a:off x="5285232" y="1615303"/>
+            <a:ext cx="5992380" cy="3994920"/>
           </a:xfrm>
           <a:prstGeom prst="rect">
             <a:avLst/>
@@ -10074,7 +11269,7 @@
 </p:sld>
 </file>
 
-<file path=ppt/slides/slide16.xml><?xml version="1.0" encoding="utf-8"?>
+<file path=ppt/slides/slide17.xml><?xml version="1.0" encoding="utf-8"?>
 <p:sld xmlns:a="http://schemas.openxmlformats.org/drawingml/2006/main" xmlns:r="http://schemas.openxmlformats.org/officeDocument/2006/relationships" xmlns:p="http://schemas.openxmlformats.org/presentationml/2006/main">
   <p:cSld>
     <p:spTree>
@@ -10155,7 +11350,7 @@
           <a:p>
             <a:fld id="{2FA0223F-D95A-431D-9A71-EDA7FA0C2F5B}" type="slidenum">
               <a:rPr lang="en-US" smtClean="0"/>
-              <a:t>16</a:t>
+              <a:t>17</a:t>
             </a:fld>
             <a:endParaRPr lang="en-US"/>
           </a:p>
@@ -10373,38 +11568,16 @@
             </a:r>
           </a:p>
           <a:p>
-            <a:r>
-              <a:rPr lang="en-US" sz="1600" dirty="0"/>
-              <a:t>It should be noted that this signal has the atrial peak </a:t>
-            </a:r>
-            <a:r>
-              <a:rPr lang="en-US" sz="1600" i="1" dirty="0"/>
-              <a:t>after 0.35.</a:t>
-            </a:r>
-            <a:r>
-              <a:rPr lang="en-US" sz="1600" dirty="0"/>
-              <a:t> Probably this is a fortuitous case.</a:t>
-            </a:r>
-            <a:endParaRPr lang="en-US" sz="1600" dirty="0">
-              <a:solidFill>
-                <a:schemeClr val="tx2">
-                  <a:lumMod val="60000"/>
-                  <a:lumOff val="40000"/>
-                </a:schemeClr>
-              </a:solidFill>
-            </a:endParaRPr>
-          </a:p>
-          <a:p>
             <a:endParaRPr lang="en-US" sz="1600" dirty="0"/>
           </a:p>
         </p:txBody>
       </p:sp>
       <p:pic>
         <p:nvPicPr>
-          <p:cNvPr id="6" name="Immagine 5" descr="Immagine che contiene testo, schermata, linea, Diagramma&#10;&#10;Descrizione generata automaticamente">
-            <a:extLst>
-              <a:ext uri="{FF2B5EF4-FFF2-40B4-BE49-F238E27FC236}">
-                <a16:creationId xmlns:a16="http://schemas.microsoft.com/office/drawing/2014/main" id="{038880C0-4F0E-799F-BAB3-23F1265E4DB0}"/>
+          <p:cNvPr id="10" name="Immagine 9" descr="Immagine che contiene testo, linea, Diagramma, schermata&#10;&#10;Descrizione generata automaticamente">
+            <a:extLst>
+              <a:ext uri="{FF2B5EF4-FFF2-40B4-BE49-F238E27FC236}">
+                <a16:creationId xmlns:a16="http://schemas.microsoft.com/office/drawing/2014/main" id="{E41F11A2-BE5F-3532-67C2-20B26E602DC0}"/>
               </a:ext>
             </a:extLst>
           </p:cNvPr>
@@ -10427,8 +11600,8 @@
         </p:blipFill>
         <p:spPr>
           <a:xfrm>
-            <a:off x="5105195" y="1615303"/>
-            <a:ext cx="6248606" cy="4165737"/>
+            <a:off x="5239512" y="1615303"/>
+            <a:ext cx="6038100" cy="4025400"/>
           </a:xfrm>
           <a:prstGeom prst="rect">
             <a:avLst/>
@@ -10448,7 +11621,7 @@
 </p:sld>
 </file>
 
-<file path=ppt/slides/slide17.xml><?xml version="1.0" encoding="utf-8"?>
+<file path=ppt/slides/slide18.xml><?xml version="1.0" encoding="utf-8"?>
 <p:sld xmlns:a="http://schemas.openxmlformats.org/drawingml/2006/main" xmlns:r="http://schemas.openxmlformats.org/officeDocument/2006/relationships" xmlns:p="http://schemas.openxmlformats.org/presentationml/2006/main">
   <p:cSld>
     <p:spTree>
@@ -10529,7 +11702,7 @@
           <a:p>
             <a:fld id="{2FA0223F-D95A-431D-9A71-EDA7FA0C2F5B}" type="slidenum">
               <a:rPr lang="en-US" smtClean="0"/>
-              <a:t>17</a:t>
+              <a:t>18</a:t>
             </a:fld>
             <a:endParaRPr lang="en-US"/>
           </a:p>
@@ -10770,10 +11943,10 @@
       </p:sp>
       <p:pic>
         <p:nvPicPr>
-          <p:cNvPr id="6" name="Immagine 5" descr="Immagine che contiene testo, linea, diagramma, Diagramma&#10;&#10;Descrizione generata automaticamente">
-            <a:extLst>
-              <a:ext uri="{FF2B5EF4-FFF2-40B4-BE49-F238E27FC236}">
-                <a16:creationId xmlns:a16="http://schemas.microsoft.com/office/drawing/2014/main" id="{7E5DCCF8-E74D-CC53-978B-8412BFCD4DF9}"/>
+          <p:cNvPr id="3" name="Immagine 2" descr="Immagine che contiene testo, linea, diagramma, Diagramma&#10;&#10;Descrizione generata automaticamente">
+            <a:extLst>
+              <a:ext uri="{FF2B5EF4-FFF2-40B4-BE49-F238E27FC236}">
+                <a16:creationId xmlns:a16="http://schemas.microsoft.com/office/drawing/2014/main" id="{0487F610-3158-4B24-3F08-FE91F59FDBCD}"/>
               </a:ext>
             </a:extLst>
           </p:cNvPr>
@@ -10796,8 +11969,8 @@
         </p:blipFill>
         <p:spPr>
           <a:xfrm>
-            <a:off x="5059680" y="1615302"/>
-            <a:ext cx="6294261" cy="4196174"/>
+            <a:off x="5413248" y="1615303"/>
+            <a:ext cx="5864364" cy="3909576"/>
           </a:xfrm>
           <a:prstGeom prst="rect">
             <a:avLst/>
@@ -10817,7 +11990,7 @@
 </p:sld>
 </file>
 
-<file path=ppt/slides/slide18.xml><?xml version="1.0" encoding="utf-8"?>
+<file path=ppt/slides/slide19.xml><?xml version="1.0" encoding="utf-8"?>
 <p:sld xmlns:a="http://schemas.openxmlformats.org/drawingml/2006/main" xmlns:r="http://schemas.openxmlformats.org/officeDocument/2006/relationships" xmlns:p="http://schemas.openxmlformats.org/presentationml/2006/main">
   <p:cSld>
     <p:spTree>
@@ -10898,7 +12071,7 @@
           <a:p>
             <a:fld id="{2FA0223F-D95A-431D-9A71-EDA7FA0C2F5B}" type="slidenum">
               <a:rPr lang="en-US" smtClean="0"/>
-              <a:t>18</a:t>
+              <a:t>19</a:t>
             </a:fld>
             <a:endParaRPr lang="en-US"/>
           </a:p>
@@ -11136,10 +12309,10 @@
       </p:sp>
       <p:pic>
         <p:nvPicPr>
-          <p:cNvPr id="17" name="Immagine 16" descr="Immagine che contiene testo, linea, Diagramma, schermata&#10;&#10;Descrizione generata automaticamente">
-            <a:extLst>
-              <a:ext uri="{FF2B5EF4-FFF2-40B4-BE49-F238E27FC236}">
-                <a16:creationId xmlns:a16="http://schemas.microsoft.com/office/drawing/2014/main" id="{DF208CF5-C6D9-FA73-AA15-8D871D005C92}"/>
+          <p:cNvPr id="7" name="Immagine 6" descr="Immagine che contiene testo, linea, diagramma, Diagramma&#10;&#10;Descrizione generata automaticamente">
+            <a:extLst>
+              <a:ext uri="{FF2B5EF4-FFF2-40B4-BE49-F238E27FC236}">
+                <a16:creationId xmlns:a16="http://schemas.microsoft.com/office/drawing/2014/main" id="{A07A61A7-FBB3-A813-9D0D-B0A93772E337}"/>
               </a:ext>
             </a:extLst>
           </p:cNvPr>
@@ -11162,8 +12335,8 @@
         </p:blipFill>
         <p:spPr>
           <a:xfrm>
-            <a:off x="4724400" y="1608802"/>
-            <a:ext cx="6543181" cy="4362121"/>
+            <a:off x="5138928" y="1615303"/>
+            <a:ext cx="6138684" cy="4092456"/>
           </a:xfrm>
           <a:prstGeom prst="rect">
             <a:avLst/>
@@ -11183,7 +12356,160 @@
 </p:sld>
 </file>
 
-<file path=ppt/slides/slide19.xml><?xml version="1.0" encoding="utf-8"?>
+<file path=ppt/slides/slide2.xml><?xml version="1.0" encoding="utf-8"?>
+<p:sld xmlns:a="http://schemas.openxmlformats.org/drawingml/2006/main" xmlns:r="http://schemas.openxmlformats.org/officeDocument/2006/relationships" xmlns:p="http://schemas.openxmlformats.org/presentationml/2006/main">
+  <p:cSld>
+    <p:spTree>
+      <p:nvGrpSpPr>
+        <p:cNvPr id="1" name=""/>
+        <p:cNvGrpSpPr/>
+        <p:nvPr/>
+      </p:nvGrpSpPr>
+      <p:grpSpPr>
+        <a:xfrm>
+          <a:off x="0" y="0"/>
+          <a:ext cx="0" cy="0"/>
+          <a:chOff x="0" y="0"/>
+          <a:chExt cx="0" cy="0"/>
+        </a:xfrm>
+      </p:grpSpPr>
+      <p:sp>
+        <p:nvSpPr>
+          <p:cNvPr id="2" name="Titolo 1">
+            <a:extLst>
+              <a:ext uri="{FF2B5EF4-FFF2-40B4-BE49-F238E27FC236}">
+                <a16:creationId xmlns:a16="http://schemas.microsoft.com/office/drawing/2014/main" id="{90F52EA4-9809-985C-8A8C-85AEDD39AF3B}"/>
+              </a:ext>
+            </a:extLst>
+          </p:cNvPr>
+          <p:cNvSpPr>
+            <a:spLocks noGrp="1"/>
+          </p:cNvSpPr>
+          <p:nvPr>
+            <p:ph type="title"/>
+          </p:nvPr>
+        </p:nvSpPr>
+        <p:spPr/>
+        <p:txBody>
+          <a:bodyPr/>
+          <a:lstStyle/>
+          <a:p>
+            <a:r>
+              <a:rPr lang="en-US" dirty="0"/>
+              <a:t>Outline </a:t>
+            </a:r>
+          </a:p>
+        </p:txBody>
+      </p:sp>
+      <p:sp>
+        <p:nvSpPr>
+          <p:cNvPr id="3" name="Segnaposto contenuto 2">
+            <a:extLst>
+              <a:ext uri="{FF2B5EF4-FFF2-40B4-BE49-F238E27FC236}">
+                <a16:creationId xmlns:a16="http://schemas.microsoft.com/office/drawing/2014/main" id="{B080D17D-5CB5-7A4C-86CF-032C6E6BEB1F}"/>
+              </a:ext>
+            </a:extLst>
+          </p:cNvPr>
+          <p:cNvSpPr>
+            <a:spLocks noGrp="1"/>
+          </p:cNvSpPr>
+          <p:nvPr>
+            <p:ph idx="1"/>
+          </p:nvPr>
+        </p:nvSpPr>
+        <p:spPr>
+          <a:xfrm>
+            <a:off x="664464" y="2041497"/>
+            <a:ext cx="10098024" cy="2613436"/>
+          </a:xfrm>
+        </p:spPr>
+        <p:txBody>
+          <a:bodyPr>
+            <a:noAutofit/>
+          </a:bodyPr>
+          <a:lstStyle/>
+          <a:p>
+            <a:r>
+              <a:rPr lang="en-US" sz="2000" dirty="0"/>
+              <a:t>Why building a heuristic classifier</a:t>
+            </a:r>
+          </a:p>
+          <a:p>
+            <a:r>
+              <a:rPr lang="en-US" sz="2000" dirty="0"/>
+              <a:t>Knowledge on roving signals: recap</a:t>
+            </a:r>
+          </a:p>
+          <a:p>
+            <a:r>
+              <a:rPr lang="en-US" sz="2000" dirty="0"/>
+              <a:t>Heuristic classifier: pseudo code</a:t>
+            </a:r>
+          </a:p>
+          <a:p>
+            <a:r>
+              <a:rPr lang="en-US" sz="2000" dirty="0"/>
+              <a:t>Performance</a:t>
+            </a:r>
+          </a:p>
+          <a:p>
+            <a:r>
+              <a:rPr lang="en-US" sz="2000" dirty="0"/>
+              <a:t>Conclusions </a:t>
+            </a:r>
+            <a:endParaRPr lang="en-US" sz="1600" dirty="0"/>
+          </a:p>
+          <a:p>
+            <a:pPr marL="0" indent="0">
+              <a:buNone/>
+            </a:pPr>
+            <a:endParaRPr lang="en-US" sz="1600" dirty="0"/>
+          </a:p>
+        </p:txBody>
+      </p:sp>
+      <p:sp>
+        <p:nvSpPr>
+          <p:cNvPr id="4" name="Segnaposto numero diapositiva 3">
+            <a:extLst>
+              <a:ext uri="{FF2B5EF4-FFF2-40B4-BE49-F238E27FC236}">
+                <a16:creationId xmlns:a16="http://schemas.microsoft.com/office/drawing/2014/main" id="{8B351BE6-1815-C162-224E-864AC8EF79D2}"/>
+              </a:ext>
+            </a:extLst>
+          </p:cNvPr>
+          <p:cNvSpPr>
+            <a:spLocks noGrp="1"/>
+          </p:cNvSpPr>
+          <p:nvPr>
+            <p:ph type="sldNum" sz="quarter" idx="12"/>
+          </p:nvPr>
+        </p:nvSpPr>
+        <p:spPr/>
+        <p:txBody>
+          <a:bodyPr/>
+          <a:lstStyle/>
+          <a:p>
+            <a:fld id="{2FA0223F-D95A-431D-9A71-EDA7FA0C2F5B}" type="slidenum">
+              <a:rPr lang="en-US" smtClean="0"/>
+              <a:t>2</a:t>
+            </a:fld>
+            <a:endParaRPr lang="en-US" dirty="0"/>
+          </a:p>
+        </p:txBody>
+      </p:sp>
+    </p:spTree>
+    <p:extLst>
+      <p:ext uri="{BB962C8B-B14F-4D97-AF65-F5344CB8AC3E}">
+        <p14:creationId xmlns:p14="http://schemas.microsoft.com/office/powerpoint/2010/main" val="1561499463"/>
+      </p:ext>
+    </p:extLst>
+  </p:cSld>
+  <p:clrMapOvr>
+    <a:masterClrMapping/>
+  </p:clrMapOvr>
+</p:sld>
+</file>
+
+<file path=ppt/slides/slide20.xml><?xml version="1.0" encoding="utf-8"?>
 <p:sld xmlns:a="http://schemas.openxmlformats.org/drawingml/2006/main" xmlns:r="http://schemas.openxmlformats.org/officeDocument/2006/relationships" xmlns:p="http://schemas.openxmlformats.org/presentationml/2006/main">
   <p:cSld>
     <p:spTree>
@@ -11264,7 +12590,7 @@
           <a:p>
             <a:fld id="{2FA0223F-D95A-431D-9A71-EDA7FA0C2F5B}" type="slidenum">
               <a:rPr lang="en-US" smtClean="0"/>
-              <a:t>19</a:t>
+              <a:t>20</a:t>
             </a:fld>
             <a:endParaRPr lang="en-US"/>
           </a:p>
@@ -11478,7 +12804,7 @@
           <a:p>
             <a:r>
               <a:rPr lang="en-US" sz="1600" dirty="0"/>
-              <a:t>Probably prominence values does not allow to distinguish the peak from noisy oscillations</a:t>
+              <a:t>Into this signal an His bundle oscillation is not clearly visible. Then, the signal is assigned to MAP B because of the higher ventricular peak</a:t>
             </a:r>
           </a:p>
           <a:p>
@@ -11505,10 +12831,10 @@
       </p:sp>
       <p:pic>
         <p:nvPicPr>
-          <p:cNvPr id="5" name="Immagine 4" descr="Immagine che contiene testo, linea, Diagramma, diagramma&#10;&#10;Descrizione generata automaticamente">
-            <a:extLst>
-              <a:ext uri="{FF2B5EF4-FFF2-40B4-BE49-F238E27FC236}">
-                <a16:creationId xmlns:a16="http://schemas.microsoft.com/office/drawing/2014/main" id="{B74C8319-F5AB-3AAD-66ED-8D91D7935C6E}"/>
+          <p:cNvPr id="6" name="Immagine 5" descr="Immagine che contiene testo, linea, diagramma, Diagramma&#10;&#10;Descrizione generata automaticamente">
+            <a:extLst>
+              <a:ext uri="{FF2B5EF4-FFF2-40B4-BE49-F238E27FC236}">
+                <a16:creationId xmlns:a16="http://schemas.microsoft.com/office/drawing/2014/main" id="{1B0220A3-17FF-6921-4BFC-C3A9A3B9263D}"/>
               </a:ext>
             </a:extLst>
           </p:cNvPr>
@@ -11531,8 +12857,8 @@
         </p:blipFill>
         <p:spPr>
           <a:xfrm>
-            <a:off x="4724400" y="1615303"/>
-            <a:ext cx="6515099" cy="4343399"/>
+            <a:off x="5191125" y="1615303"/>
+            <a:ext cx="6086487" cy="4057658"/>
           </a:xfrm>
           <a:prstGeom prst="rect">
             <a:avLst/>
@@ -11552,160 +12878,7 @@
 </p:sld>
 </file>
 
-<file path=ppt/slides/slide2.xml><?xml version="1.0" encoding="utf-8"?>
-<p:sld xmlns:a="http://schemas.openxmlformats.org/drawingml/2006/main" xmlns:r="http://schemas.openxmlformats.org/officeDocument/2006/relationships" xmlns:p="http://schemas.openxmlformats.org/presentationml/2006/main">
-  <p:cSld>
-    <p:spTree>
-      <p:nvGrpSpPr>
-        <p:cNvPr id="1" name=""/>
-        <p:cNvGrpSpPr/>
-        <p:nvPr/>
-      </p:nvGrpSpPr>
-      <p:grpSpPr>
-        <a:xfrm>
-          <a:off x="0" y="0"/>
-          <a:ext cx="0" cy="0"/>
-          <a:chOff x="0" y="0"/>
-          <a:chExt cx="0" cy="0"/>
-        </a:xfrm>
-      </p:grpSpPr>
-      <p:sp>
-        <p:nvSpPr>
-          <p:cNvPr id="2" name="Titolo 1">
-            <a:extLst>
-              <a:ext uri="{FF2B5EF4-FFF2-40B4-BE49-F238E27FC236}">
-                <a16:creationId xmlns:a16="http://schemas.microsoft.com/office/drawing/2014/main" id="{90F52EA4-9809-985C-8A8C-85AEDD39AF3B}"/>
-              </a:ext>
-            </a:extLst>
-          </p:cNvPr>
-          <p:cNvSpPr>
-            <a:spLocks noGrp="1"/>
-          </p:cNvSpPr>
-          <p:nvPr>
-            <p:ph type="title"/>
-          </p:nvPr>
-        </p:nvSpPr>
-        <p:spPr/>
-        <p:txBody>
-          <a:bodyPr/>
-          <a:lstStyle/>
-          <a:p>
-            <a:r>
-              <a:rPr lang="en-US" dirty="0"/>
-              <a:t>Outline </a:t>
-            </a:r>
-          </a:p>
-        </p:txBody>
-      </p:sp>
-      <p:sp>
-        <p:nvSpPr>
-          <p:cNvPr id="3" name="Segnaposto contenuto 2">
-            <a:extLst>
-              <a:ext uri="{FF2B5EF4-FFF2-40B4-BE49-F238E27FC236}">
-                <a16:creationId xmlns:a16="http://schemas.microsoft.com/office/drawing/2014/main" id="{B080D17D-5CB5-7A4C-86CF-032C6E6BEB1F}"/>
-              </a:ext>
-            </a:extLst>
-          </p:cNvPr>
-          <p:cNvSpPr>
-            <a:spLocks noGrp="1"/>
-          </p:cNvSpPr>
-          <p:nvPr>
-            <p:ph idx="1"/>
-          </p:nvPr>
-        </p:nvSpPr>
-        <p:spPr>
-          <a:xfrm>
-            <a:off x="664464" y="2041497"/>
-            <a:ext cx="10098024" cy="2613436"/>
-          </a:xfrm>
-        </p:spPr>
-        <p:txBody>
-          <a:bodyPr>
-            <a:noAutofit/>
-          </a:bodyPr>
-          <a:lstStyle/>
-          <a:p>
-            <a:r>
-              <a:rPr lang="en-US" sz="2000" dirty="0"/>
-              <a:t>Why building a heuristic classifier</a:t>
-            </a:r>
-          </a:p>
-          <a:p>
-            <a:r>
-              <a:rPr lang="en-US" sz="2000" dirty="0"/>
-              <a:t>Knowledge on roving signals: recap</a:t>
-            </a:r>
-          </a:p>
-          <a:p>
-            <a:r>
-              <a:rPr lang="en-US" sz="2000" dirty="0"/>
-              <a:t>Heuristic classifier: pseudo code</a:t>
-            </a:r>
-          </a:p>
-          <a:p>
-            <a:r>
-              <a:rPr lang="en-US" sz="2000" dirty="0"/>
-              <a:t>Performance</a:t>
-            </a:r>
-          </a:p>
-          <a:p>
-            <a:r>
-              <a:rPr lang="en-US" sz="2000" dirty="0"/>
-              <a:t>Conclusions </a:t>
-            </a:r>
-            <a:endParaRPr lang="en-US" sz="1600" dirty="0"/>
-          </a:p>
-          <a:p>
-            <a:pPr marL="0" indent="0">
-              <a:buNone/>
-            </a:pPr>
-            <a:endParaRPr lang="en-US" sz="1600" dirty="0"/>
-          </a:p>
-        </p:txBody>
-      </p:sp>
-      <p:sp>
-        <p:nvSpPr>
-          <p:cNvPr id="4" name="Segnaposto numero diapositiva 3">
-            <a:extLst>
-              <a:ext uri="{FF2B5EF4-FFF2-40B4-BE49-F238E27FC236}">
-                <a16:creationId xmlns:a16="http://schemas.microsoft.com/office/drawing/2014/main" id="{8B351BE6-1815-C162-224E-864AC8EF79D2}"/>
-              </a:ext>
-            </a:extLst>
-          </p:cNvPr>
-          <p:cNvSpPr>
-            <a:spLocks noGrp="1"/>
-          </p:cNvSpPr>
-          <p:nvPr>
-            <p:ph type="sldNum" sz="quarter" idx="12"/>
-          </p:nvPr>
-        </p:nvSpPr>
-        <p:spPr/>
-        <p:txBody>
-          <a:bodyPr/>
-          <a:lstStyle/>
-          <a:p>
-            <a:fld id="{2FA0223F-D95A-431D-9A71-EDA7FA0C2F5B}" type="slidenum">
-              <a:rPr lang="en-US" smtClean="0"/>
-              <a:t>2</a:t>
-            </a:fld>
-            <a:endParaRPr lang="en-US" dirty="0"/>
-          </a:p>
-        </p:txBody>
-      </p:sp>
-    </p:spTree>
-    <p:extLst>
-      <p:ext uri="{BB962C8B-B14F-4D97-AF65-F5344CB8AC3E}">
-        <p14:creationId xmlns:p14="http://schemas.microsoft.com/office/powerpoint/2010/main" val="1561499463"/>
-      </p:ext>
-    </p:extLst>
-  </p:cSld>
-  <p:clrMapOvr>
-    <a:masterClrMapping/>
-  </p:clrMapOvr>
-</p:sld>
-</file>
-
-<file path=ppt/slides/slide20.xml><?xml version="1.0" encoding="utf-8"?>
+<file path=ppt/slides/slide21.xml><?xml version="1.0" encoding="utf-8"?>
 <p:sld xmlns:a="http://schemas.openxmlformats.org/drawingml/2006/main" xmlns:r="http://schemas.openxmlformats.org/officeDocument/2006/relationships" xmlns:p="http://schemas.openxmlformats.org/presentationml/2006/main">
   <p:cSld>
     <p:spTree>
@@ -11786,7 +12959,7 @@
           <a:p>
             <a:fld id="{2FA0223F-D95A-431D-9A71-EDA7FA0C2F5B}" type="slidenum">
               <a:rPr lang="en-US" smtClean="0"/>
-              <a:t>20</a:t>
+              <a:t>21</a:t>
             </a:fld>
             <a:endParaRPr lang="en-US"/>
           </a:p>
@@ -12000,7 +13173,7 @@
           <a:p>
             <a:r>
               <a:rPr lang="en-US" sz="1600" dirty="0"/>
-              <a:t>His bundle conduction is not clearly visible and the algorithm collects this signal into MAP A because of the higher atrial peak</a:t>
+              <a:t>Very low overall amplitude of this signal does imply a little His peak. Then, as it wasn’t considered significant, the signal is assigned to MAP A because of the higher atrial peak</a:t>
             </a:r>
           </a:p>
           <a:p>
@@ -12027,10 +13200,10 @@
       </p:sp>
       <p:pic>
         <p:nvPicPr>
-          <p:cNvPr id="5" name="Immagine 4" descr="Immagine che contiene testo, linea, diagramma, Diagramma&#10;&#10;Descrizione generata automaticamente">
-            <a:extLst>
-              <a:ext uri="{FF2B5EF4-FFF2-40B4-BE49-F238E27FC236}">
-                <a16:creationId xmlns:a16="http://schemas.microsoft.com/office/drawing/2014/main" id="{73E9F2F1-B40C-9EF6-9734-F402D85011D2}"/>
+          <p:cNvPr id="6" name="Immagine 5" descr="Immagine che contiene testo, linea, schermata, Diagramma&#10;&#10;Descrizione generata automaticamente">
+            <a:extLst>
+              <a:ext uri="{FF2B5EF4-FFF2-40B4-BE49-F238E27FC236}">
+                <a16:creationId xmlns:a16="http://schemas.microsoft.com/office/drawing/2014/main" id="{F829D469-1A08-394A-2C90-253D7099CDB9}"/>
               </a:ext>
             </a:extLst>
           </p:cNvPr>
@@ -12053,8 +13226,8 @@
         </p:blipFill>
         <p:spPr>
           <a:xfrm>
-            <a:off x="4724400" y="1629797"/>
-            <a:ext cx="6480608" cy="4320405"/>
+            <a:off x="5788152" y="1615303"/>
+            <a:ext cx="5794530" cy="3863020"/>
           </a:xfrm>
           <a:prstGeom prst="rect">
             <a:avLst/>
@@ -12074,7 +13247,7 @@
 </p:sld>
 </file>
 
-<file path=ppt/slides/slide21.xml><?xml version="1.0" encoding="utf-8"?>
+<file path=ppt/slides/slide22.xml><?xml version="1.0" encoding="utf-8"?>
 <p:sld xmlns:a="http://schemas.openxmlformats.org/drawingml/2006/main" xmlns:r="http://schemas.openxmlformats.org/officeDocument/2006/relationships" xmlns:p="http://schemas.openxmlformats.org/presentationml/2006/main">
   <p:cSld>
     <p:spTree>
@@ -12155,7 +13328,7 @@
           <a:p>
             <a:fld id="{2FA0223F-D95A-431D-9A71-EDA7FA0C2F5B}" type="slidenum">
               <a:rPr lang="en-US" smtClean="0"/>
-              <a:t>21</a:t>
+              <a:t>22</a:t>
             </a:fld>
             <a:endParaRPr lang="en-US"/>
           </a:p>
@@ -12321,10 +13494,10 @@
       </p:sp>
       <p:pic>
         <p:nvPicPr>
-          <p:cNvPr id="21" name="Immagine 20" descr="Immagine che contiene testo, schermata, numero, diagramma&#10;&#10;Descrizione generata automaticamente">
-            <a:extLst>
-              <a:ext uri="{FF2B5EF4-FFF2-40B4-BE49-F238E27FC236}">
-                <a16:creationId xmlns:a16="http://schemas.microsoft.com/office/drawing/2014/main" id="{DB9D648C-F8E4-DE53-434E-BC2F81DE270D}"/>
+          <p:cNvPr id="13" name="Immagine 12" descr="Immagine che contiene testo, schermata, numero, Carattere&#10;&#10;Descrizione generata automaticamente">
+            <a:extLst>
+              <a:ext uri="{FF2B5EF4-FFF2-40B4-BE49-F238E27FC236}">
+                <a16:creationId xmlns:a16="http://schemas.microsoft.com/office/drawing/2014/main" id="{E1A8682D-77EE-9105-BA90-E7A84563E2CE}"/>
               </a:ext>
             </a:extLst>
           </p:cNvPr>
@@ -12347,7 +13520,7 @@
         </p:blipFill>
         <p:spPr>
           <a:xfrm>
-            <a:off x="607277" y="1989983"/>
+            <a:off x="607278" y="1980839"/>
             <a:ext cx="5486682" cy="3657788"/>
           </a:xfrm>
           <a:prstGeom prst="rect">
@@ -12357,10 +13530,10 @@
       </p:pic>
       <p:pic>
         <p:nvPicPr>
-          <p:cNvPr id="23" name="Immagine 22" descr="Immagine che contiene testo, schermata, numero, diagramma&#10;&#10;Descrizione generata automaticamente">
-            <a:extLst>
-              <a:ext uri="{FF2B5EF4-FFF2-40B4-BE49-F238E27FC236}">
-                <a16:creationId xmlns:a16="http://schemas.microsoft.com/office/drawing/2014/main" id="{C0FF7DE7-B881-FC87-CCDF-B28AAF9AD164}"/>
+          <p:cNvPr id="15" name="Immagine 14" descr="Immagine che contiene testo, schermata, numero, diagramma&#10;&#10;Descrizione generata automaticamente">
+            <a:extLst>
+              <a:ext uri="{FF2B5EF4-FFF2-40B4-BE49-F238E27FC236}">
+                <a16:creationId xmlns:a16="http://schemas.microsoft.com/office/drawing/2014/main" id="{4F32408C-5B4D-2D30-E987-44ED295A7239}"/>
               </a:ext>
             </a:extLst>
           </p:cNvPr>
@@ -12383,7 +13556,7 @@
         </p:blipFill>
         <p:spPr>
           <a:xfrm>
-            <a:off x="6098041" y="1980839"/>
+            <a:off x="5692140" y="1980839"/>
             <a:ext cx="5486682" cy="3657788"/>
           </a:xfrm>
           <a:prstGeom prst="rect">
@@ -12404,7 +13577,7 @@
 </p:sld>
 </file>
 
-<file path=ppt/slides/slide22.xml><?xml version="1.0" encoding="utf-8"?>
+<file path=ppt/slides/slide23.xml><?xml version="1.0" encoding="utf-8"?>
 <p:sld xmlns:a="http://schemas.openxmlformats.org/drawingml/2006/main" xmlns:r="http://schemas.openxmlformats.org/officeDocument/2006/relationships" xmlns:p="http://schemas.openxmlformats.org/presentationml/2006/main">
   <p:cSld>
     <p:spTree>
@@ -12485,7 +13658,7 @@
           <a:p>
             <a:fld id="{2FA0223F-D95A-431D-9A71-EDA7FA0C2F5B}" type="slidenum">
               <a:rPr lang="en-US" smtClean="0"/>
-              <a:t>22</a:t>
+              <a:t>23</a:t>
             </a:fld>
             <a:endParaRPr lang="en-US"/>
           </a:p>
@@ -12651,10 +13824,10 @@
       </p:sp>
       <p:pic>
         <p:nvPicPr>
-          <p:cNvPr id="17" name="Immagine 16" descr="Immagine che contiene testo, schermata, numero, diagramma&#10;&#10;Descrizione generata automaticamente">
-            <a:extLst>
-              <a:ext uri="{FF2B5EF4-FFF2-40B4-BE49-F238E27FC236}">
-                <a16:creationId xmlns:a16="http://schemas.microsoft.com/office/drawing/2014/main" id="{BA9A3060-6CF1-9AF4-4BB9-34F73FFE3477}"/>
+          <p:cNvPr id="5" name="Immagine 4" descr="Immagine che contiene testo, schermata, numero, Carattere&#10;&#10;Descrizione generata automaticamente">
+            <a:extLst>
+              <a:ext uri="{FF2B5EF4-FFF2-40B4-BE49-F238E27FC236}">
+                <a16:creationId xmlns:a16="http://schemas.microsoft.com/office/drawing/2014/main" id="{28E41620-E4F7-FB51-E229-E27650BB0850}"/>
               </a:ext>
             </a:extLst>
           </p:cNvPr>
@@ -12677,7 +13850,7 @@
         </p:blipFill>
         <p:spPr>
           <a:xfrm>
-            <a:off x="607277" y="1980839"/>
+            <a:off x="607278" y="1980839"/>
             <a:ext cx="5486682" cy="3657788"/>
           </a:xfrm>
           <a:prstGeom prst="rect">
@@ -12687,10 +13860,10 @@
       </p:pic>
       <p:pic>
         <p:nvPicPr>
-          <p:cNvPr id="19" name="Immagine 18" descr="Immagine che contiene testo, schermata, numero, diagramma&#10;&#10;Descrizione generata automaticamente">
-            <a:extLst>
-              <a:ext uri="{FF2B5EF4-FFF2-40B4-BE49-F238E27FC236}">
-                <a16:creationId xmlns:a16="http://schemas.microsoft.com/office/drawing/2014/main" id="{2D0E16B5-DEB8-9344-A377-1A858FB2CF56}"/>
+          <p:cNvPr id="7" name="Immagine 6" descr="Immagine che contiene testo, schermata, numero, diagramma&#10;&#10;Descrizione generata automaticamente">
+            <a:extLst>
+              <a:ext uri="{FF2B5EF4-FFF2-40B4-BE49-F238E27FC236}">
+                <a16:creationId xmlns:a16="http://schemas.microsoft.com/office/drawing/2014/main" id="{29302672-092F-2896-29D9-BFECDDFA943C}"/>
               </a:ext>
             </a:extLst>
           </p:cNvPr>
@@ -12713,7 +13886,7 @@
         </p:blipFill>
         <p:spPr>
           <a:xfrm>
-            <a:off x="6098041" y="1980839"/>
+            <a:off x="5692140" y="1980839"/>
             <a:ext cx="5486682" cy="3657788"/>
           </a:xfrm>
           <a:prstGeom prst="rect">
@@ -12734,7 +13907,7 @@
 </p:sld>
 </file>
 
-<file path=ppt/slides/slide23.xml><?xml version="1.0" encoding="utf-8"?>
+<file path=ppt/slides/slide24.xml><?xml version="1.0" encoding="utf-8"?>
 <p:sld xmlns:a="http://schemas.openxmlformats.org/drawingml/2006/main" xmlns:r="http://schemas.openxmlformats.org/officeDocument/2006/relationships" xmlns:p="http://schemas.openxmlformats.org/presentationml/2006/main">
   <p:cSld>
     <p:spTree>
@@ -12815,7 +13988,7 @@
           <a:p>
             <a:fld id="{2FA0223F-D95A-431D-9A71-EDA7FA0C2F5B}" type="slidenum">
               <a:rPr lang="en-US" smtClean="0"/>
-              <a:t>23</a:t>
+              <a:t>24</a:t>
             </a:fld>
             <a:endParaRPr lang="en-US"/>
           </a:p>
@@ -12944,7 +14117,7 @@
           <p:nvPr>
             <p:extLst>
               <p:ext uri="{D42A27DB-BD31-4B8C-83A1-F6EECF244321}">
-                <p14:modId xmlns:p14="http://schemas.microsoft.com/office/powerpoint/2010/main" val="4143508878"/>
+                <p14:modId xmlns:p14="http://schemas.microsoft.com/office/powerpoint/2010/main" val="140954083"/>
               </p:ext>
             </p:extLst>
           </p:nvPr>
@@ -13102,7 +14275,7 @@
                       <a:pPr algn="ctr"/>
                       <a:r>
                         <a:rPr lang="en-GB" sz="1400" noProof="0" dirty="0"/>
-                        <a:t>0.91</a:t>
+                        <a:t>0.95</a:t>
                       </a:r>
                     </a:p>
                   </a:txBody>
@@ -13116,7 +14289,7 @@
                       <a:pPr algn="ctr"/>
                       <a:r>
                         <a:rPr lang="en-GB" sz="1400" noProof="0" dirty="0"/>
-                        <a:t>0.40</a:t>
+                        <a:t>0.43</a:t>
                       </a:r>
                     </a:p>
                   </a:txBody>
@@ -13130,7 +14303,7 @@
                       <a:pPr algn="ctr"/>
                       <a:r>
                         <a:rPr lang="en-GB" sz="1400" noProof="0" dirty="0"/>
-                        <a:t>0.56</a:t>
+                        <a:t>0.60</a:t>
                       </a:r>
                     </a:p>
                   </a:txBody>
@@ -13186,7 +14359,7 @@
                       <a:pPr algn="ctr"/>
                       <a:r>
                         <a:rPr lang="en-GB" sz="1400" noProof="0" dirty="0"/>
-                        <a:t>0.17</a:t>
+                        <a:t>0.20</a:t>
                       </a:r>
                     </a:p>
                   </a:txBody>
@@ -13200,7 +14373,7 @@
                       <a:pPr algn="ctr"/>
                       <a:r>
                         <a:rPr lang="en-GB" sz="1400" noProof="0" dirty="0"/>
-                        <a:t>0.92</a:t>
+                        <a:t>0.87</a:t>
                       </a:r>
                     </a:p>
                   </a:txBody>
@@ -13214,7 +14387,7 @@
                       <a:pPr algn="ctr"/>
                       <a:r>
                         <a:rPr lang="en-GB" sz="1400" noProof="0" dirty="0"/>
-                        <a:t>0.29</a:t>
+                        <a:t>0.33</a:t>
                       </a:r>
                     </a:p>
                   </a:txBody>
@@ -13270,7 +14443,7 @@
                       <a:pPr algn="ctr"/>
                       <a:r>
                         <a:rPr lang="en-GB" sz="1400" noProof="0" dirty="0"/>
-                        <a:t>0.46</a:t>
+                        <a:t>0.49</a:t>
                       </a:r>
                     </a:p>
                   </a:txBody>
@@ -13284,7 +14457,7 @@
                       <a:pPr algn="ctr"/>
                       <a:r>
                         <a:rPr lang="en-GB" sz="1400" noProof="0" dirty="0"/>
-                        <a:t>0.21</a:t>
+                        <a:t>0.62</a:t>
                       </a:r>
                     </a:p>
                   </a:txBody>
@@ -13298,7 +14471,7 @@
                       <a:pPr algn="ctr"/>
                       <a:r>
                         <a:rPr lang="en-GB" sz="1400" noProof="0" dirty="0"/>
-                        <a:t>0.29</a:t>
+                        <a:t>0.55</a:t>
                       </a:r>
                     </a:p>
                   </a:txBody>
@@ -13427,7 +14600,7 @@
                       <a:pPr algn="ctr"/>
                       <a:r>
                         <a:rPr lang="en-GB" sz="1400" noProof="0" dirty="0"/>
-                        <a:t>0.44</a:t>
+                        <a:t>0.51</a:t>
                       </a:r>
                     </a:p>
                   </a:txBody>
@@ -13481,7 +14654,7 @@
                       <a:pPr algn="ctr"/>
                       <a:r>
                         <a:rPr lang="en-GB" sz="1400" noProof="0" dirty="0"/>
-                        <a:t>0.52</a:t>
+                        <a:t>0.55</a:t>
                       </a:r>
                     </a:p>
                   </a:txBody>
@@ -13495,7 +14668,7 @@
                       <a:pPr algn="ctr"/>
                       <a:r>
                         <a:rPr lang="en-GB" sz="1400" noProof="0" dirty="0"/>
-                        <a:t>0.51</a:t>
+                        <a:t>0.64</a:t>
                       </a:r>
                     </a:p>
                   </a:txBody>
@@ -13509,7 +14682,7 @@
                       <a:pPr algn="ctr"/>
                       <a:r>
                         <a:rPr lang="en-GB" sz="1400" noProof="0" dirty="0"/>
-                        <a:t>0.38</a:t>
+                        <a:t>0.49</a:t>
                       </a:r>
                     </a:p>
                   </a:txBody>
@@ -13579,7 +14752,7 @@
                       <a:pPr algn="ctr"/>
                       <a:r>
                         <a:rPr lang="en-GB" sz="1400" noProof="0" dirty="0"/>
-                        <a:t>0.77</a:t>
+                        <a:t>0.81</a:t>
                       </a:r>
                     </a:p>
                   </a:txBody>
@@ -13593,7 +14766,7 @@
                       <a:pPr algn="ctr"/>
                       <a:r>
                         <a:rPr lang="en-GB" sz="1400" noProof="0" dirty="0"/>
-                        <a:t>0.44</a:t>
+                        <a:t>0.51</a:t>
                       </a:r>
                     </a:p>
                   </a:txBody>
@@ -13607,7 +14780,7 @@
                       <a:pPr algn="ctr"/>
                       <a:r>
                         <a:rPr lang="en-GB" sz="1400" noProof="0" dirty="0"/>
-                        <a:t>0.50</a:t>
+                        <a:t>0.56</a:t>
                       </a:r>
                     </a:p>
                   </a:txBody>
@@ -14295,7 +15468,7 @@
 </p:sld>
 </file>
 
-<file path=ppt/slides/slide24.xml><?xml version="1.0" encoding="utf-8"?>
+<file path=ppt/slides/slide25.xml><?xml version="1.0" encoding="utf-8"?>
 <p:sld xmlns:a="http://schemas.openxmlformats.org/drawingml/2006/main" xmlns:r="http://schemas.openxmlformats.org/officeDocument/2006/relationships" xmlns:p="http://schemas.openxmlformats.org/presentationml/2006/main">
   <p:cSld>
     <p:spTree>
@@ -14376,7 +15549,7 @@
           <a:p>
             <a:fld id="{2FA0223F-D95A-431D-9A71-EDA7FA0C2F5B}" type="slidenum">
               <a:rPr lang="en-US" smtClean="0"/>
-              <a:t>24</a:t>
+              <a:t>25</a:t>
             </a:fld>
             <a:endParaRPr lang="en-US"/>
           </a:p>
@@ -14505,7 +15678,7 @@
           <p:nvPr>
             <p:extLst>
               <p:ext uri="{D42A27DB-BD31-4B8C-83A1-F6EECF244321}">
-                <p14:modId xmlns:p14="http://schemas.microsoft.com/office/powerpoint/2010/main" val="1411411083"/>
+                <p14:modId xmlns:p14="http://schemas.microsoft.com/office/powerpoint/2010/main" val="3368913415"/>
               </p:ext>
             </p:extLst>
           </p:nvPr>
@@ -14663,7 +15836,7 @@
                       <a:pPr algn="ctr"/>
                       <a:r>
                         <a:rPr lang="en-GB" sz="1400" noProof="0" dirty="0"/>
-                        <a:t>0.93</a:t>
+                        <a:t>0.95</a:t>
                       </a:r>
                     </a:p>
                   </a:txBody>
@@ -14677,7 +15850,7 @@
                       <a:pPr algn="ctr"/>
                       <a:r>
                         <a:rPr lang="en-GB" sz="1400" noProof="0" dirty="0"/>
-                        <a:t>0.33</a:t>
+                        <a:t>0.35</a:t>
                       </a:r>
                     </a:p>
                   </a:txBody>
@@ -14691,7 +15864,7 @@
                       <a:pPr algn="ctr"/>
                       <a:r>
                         <a:rPr lang="en-GB" sz="1400" noProof="0" dirty="0"/>
-                        <a:t>0.49</a:t>
+                        <a:t>0.51</a:t>
                       </a:r>
                     </a:p>
                   </a:txBody>
@@ -14761,7 +15934,7 @@
                       <a:pPr algn="ctr"/>
                       <a:r>
                         <a:rPr lang="en-GB" sz="1400" noProof="0" dirty="0"/>
-                        <a:t>0.97</a:t>
+                        <a:t>0.83</a:t>
                       </a:r>
                     </a:p>
                   </a:txBody>
@@ -14831,7 +16004,7 @@
                       <a:pPr algn="ctr"/>
                       <a:r>
                         <a:rPr lang="en-GB" sz="1400" noProof="0" dirty="0"/>
-                        <a:t>0.86</a:t>
+                        <a:t>0.50</a:t>
                       </a:r>
                     </a:p>
                   </a:txBody>
@@ -14845,7 +16018,7 @@
                       <a:pPr algn="ctr"/>
                       <a:r>
                         <a:rPr lang="en-GB" sz="1400" noProof="0" dirty="0"/>
-                        <a:t>0.32</a:t>
+                        <a:t>0.62</a:t>
                       </a:r>
                     </a:p>
                   </a:txBody>
@@ -14859,7 +16032,7 @@
                       <a:pPr algn="ctr"/>
                       <a:r>
                         <a:rPr lang="en-GB" sz="1400" noProof="0" dirty="0"/>
-                        <a:t>0.47</a:t>
+                        <a:t>0.55</a:t>
                       </a:r>
                     </a:p>
                   </a:txBody>
@@ -14988,7 +16161,7 @@
                       <a:pPr algn="ctr"/>
                       <a:r>
                         <a:rPr lang="en-GB" sz="1400" noProof="0" dirty="0"/>
-                        <a:t>0.41</a:t>
+                        <a:t>0.44</a:t>
                       </a:r>
                     </a:p>
                   </a:txBody>
@@ -15042,20 +16215,6 @@
                       <a:pPr algn="ctr"/>
                       <a:r>
                         <a:rPr lang="en-GB" sz="1400" noProof="0" dirty="0"/>
-                        <a:t>0.65</a:t>
-                      </a:r>
-                    </a:p>
-                  </a:txBody>
-                  <a:tcPr anchor="ctr"/>
-                </a:tc>
-                <a:tc>
-                  <a:txBody>
-                    <a:bodyPr/>
-                    <a:lstStyle/>
-                    <a:p>
-                      <a:pPr algn="ctr"/>
-                      <a:r>
-                        <a:rPr lang="en-GB" sz="1400" noProof="0" dirty="0"/>
                         <a:t>0.54</a:t>
                       </a:r>
                     </a:p>
@@ -15070,7 +16229,21 @@
                       <a:pPr algn="ctr"/>
                       <a:r>
                         <a:rPr lang="en-GB" sz="1400" noProof="0" dirty="0"/>
-                        <a:t>0.42</a:t>
+                        <a:t>0.60</a:t>
+                      </a:r>
+                    </a:p>
+                  </a:txBody>
+                  <a:tcPr anchor="ctr"/>
+                </a:tc>
+                <a:tc>
+                  <a:txBody>
+                    <a:bodyPr/>
+                    <a:lstStyle/>
+                    <a:p>
+                      <a:pPr algn="ctr"/>
+                      <a:r>
+                        <a:rPr lang="en-GB" sz="1400" noProof="0" dirty="0"/>
+                        <a:t>0.45</a:t>
                       </a:r>
                     </a:p>
                   </a:txBody>
@@ -15124,7 +16297,7 @@
                       <a:pPr algn="ctr"/>
                       <a:r>
                         <a:rPr lang="en-GB" sz="1400" noProof="0" dirty="0"/>
-                        <a:t>0.83</a:t>
+                        <a:t>0.81</a:t>
                       </a:r>
                     </a:p>
                   </a:txBody>
@@ -15138,7 +16311,7 @@
                       <a:pPr algn="ctr"/>
                       <a:r>
                         <a:rPr lang="en-GB" sz="1400" noProof="0" dirty="0"/>
-                        <a:t>0.41</a:t>
+                        <a:t>0.44</a:t>
                       </a:r>
                     </a:p>
                   </a:txBody>
@@ -15152,7 +16325,7 @@
                       <a:pPr algn="ctr"/>
                       <a:r>
                         <a:rPr lang="en-GB" sz="1400" noProof="0" dirty="0"/>
-                        <a:t>0.47</a:t>
+                        <a:t>0.49</a:t>
                       </a:r>
                     </a:p>
                   </a:txBody>
@@ -15824,7 +16997,7 @@
 </p:sld>
 </file>
 
-<file path=ppt/slides/slide25.xml><?xml version="1.0" encoding="utf-8"?>
+<file path=ppt/slides/slide26.xml><?xml version="1.0" encoding="utf-8"?>
 <p:sld xmlns:a="http://schemas.openxmlformats.org/drawingml/2006/main" xmlns:r="http://schemas.openxmlformats.org/officeDocument/2006/relationships" xmlns:p="http://schemas.openxmlformats.org/presentationml/2006/main">
   <p:cSld>
     <p:spTree>
@@ -15994,7 +17167,7 @@
           <a:p>
             <a:fld id="{2FA0223F-D95A-431D-9A71-EDA7FA0C2F5B}" type="slidenum">
               <a:rPr lang="en-US" smtClean="0"/>
-              <a:t>25</a:t>
+              <a:t>26</a:t>
             </a:fld>
             <a:endParaRPr lang="en-US" dirty="0"/>
           </a:p>
@@ -16013,7 +17186,7 @@
 </p:sld>
 </file>
 
-<file path=ppt/slides/slide26.xml><?xml version="1.0" encoding="utf-8"?>
+<file path=ppt/slides/slide27.xml><?xml version="1.0" encoding="utf-8"?>
 <p:sld xmlns:a="http://schemas.openxmlformats.org/drawingml/2006/main" xmlns:r="http://schemas.openxmlformats.org/officeDocument/2006/relationships" xmlns:p="http://schemas.openxmlformats.org/presentationml/2006/main">
   <p:cSld>
     <p:spTree>
@@ -16094,7 +17267,7 @@
           <a:p>
             <a:fld id="{2FA0223F-D95A-431D-9A71-EDA7FA0C2F5B}" type="slidenum">
               <a:rPr lang="en-US" smtClean="0"/>
-              <a:t>26</a:t>
+              <a:t>27</a:t>
             </a:fld>
             <a:endParaRPr lang="en-US"/>
           </a:p>
@@ -16445,11 +17618,11 @@
             </a:r>
             <a:r>
               <a:rPr lang="en-US" sz="1600" dirty="0"/>
-              <a:t>suffers of </a:t>
+              <a:t>has </a:t>
             </a:r>
             <a:r>
               <a:rPr lang="en-US" sz="1600" b="1" dirty="0"/>
-              <a:t>both</a:t>
+              <a:t>low</a:t>
             </a:r>
             <a:r>
               <a:rPr lang="en-US" sz="1600" dirty="0"/>
@@ -16457,7 +17630,31 @@
             </a:r>
             <a:r>
               <a:rPr lang="en-US" sz="1600" b="1" dirty="0"/>
-              <a:t>bad</a:t>
+              <a:t>precision</a:t>
+            </a:r>
+            <a:r>
+              <a:rPr lang="en-US" sz="1600" dirty="0"/>
+              <a:t> and </a:t>
+            </a:r>
+            <a:r>
+              <a:rPr lang="en-US" sz="1600" b="1" dirty="0"/>
+              <a:t>recall</a:t>
+            </a:r>
+            <a:r>
+              <a:rPr lang="en-US" sz="1600" dirty="0"/>
+              <a:t>, but at least </a:t>
+            </a:r>
+            <a:r>
+              <a:rPr lang="en-US" sz="1600" b="1" dirty="0"/>
+              <a:t>half</a:t>
+            </a:r>
+            <a:r>
+              <a:rPr lang="en-US" sz="1600" dirty="0"/>
+              <a:t> signals are </a:t>
+            </a:r>
+            <a:r>
+              <a:rPr lang="en-US" sz="1600" b="1" dirty="0"/>
+              <a:t>correctly</a:t>
             </a:r>
             <a:r>
               <a:rPr lang="en-US" sz="1600" dirty="0"/>
@@ -16465,15 +17662,15 @@
             </a:r>
             <a:r>
               <a:rPr lang="en-US" sz="1600" b="1" dirty="0"/>
-              <a:t>precision</a:t>
+              <a:t>classified</a:t>
             </a:r>
             <a:r>
               <a:rPr lang="en-US" sz="1600" dirty="0"/>
-              <a:t> and </a:t>
+              <a:t>, leading to the conclusion that the threshold comparison result could be seen as a </a:t>
             </a:r>
             <a:r>
               <a:rPr lang="en-US" sz="1600" b="1" dirty="0"/>
-              <a:t>bad</a:t>
+              <a:t>first</a:t>
             </a:r>
             <a:r>
               <a:rPr lang="en-US" sz="1600" dirty="0"/>
@@ -16481,19 +17678,11 @@
             </a:r>
             <a:r>
               <a:rPr lang="en-US" sz="1600" b="1" dirty="0"/>
-              <a:t>recall</a:t>
+              <a:t>hint</a:t>
             </a:r>
             <a:r>
               <a:rPr lang="en-US" sz="1600" dirty="0"/>
-              <a:t>, leading to a very </a:t>
-            </a:r>
-            <a:r>
-              <a:rPr lang="en-US" sz="1600" b="1" dirty="0"/>
-              <a:t>low f1-score</a:t>
-            </a:r>
-            <a:r>
-              <a:rPr lang="en-US" sz="1600" dirty="0"/>
-              <a:t>. Such situation reflects the fact that maybe the algorithm is not able to find properly the His peak or using only this information is not sufficient.</a:t>
+              <a:t> to recognize these signals, even if clearly not sufficient. </a:t>
             </a:r>
           </a:p>
           <a:p>

--- a/Documentation/5. Heuristic classifier strategy B.pptx
+++ b/Documentation/5. Heuristic classifier strategy B.pptx
@@ -29,8 +29,8 @@
     <p:sldId id="647" r:id="rId20"/>
     <p:sldId id="648" r:id="rId21"/>
     <p:sldId id="649" r:id="rId22"/>
-    <p:sldId id="636" r:id="rId23"/>
-    <p:sldId id="645" r:id="rId24"/>
+    <p:sldId id="645" r:id="rId23"/>
+    <p:sldId id="636" r:id="rId24"/>
     <p:sldId id="637" r:id="rId25"/>
     <p:sldId id="646" r:id="rId26"/>
     <p:sldId id="643" r:id="rId27"/>
@@ -1878,7 +1878,7 @@
         <p:cNvPr id="1" name="">
           <a:extLst>
             <a:ext uri="{FF2B5EF4-FFF2-40B4-BE49-F238E27FC236}">
-              <a16:creationId xmlns:a16="http://schemas.microsoft.com/office/drawing/2014/main" id="{72FEFD59-4314-5C46-CD1E-8C45307F0CF7}"/>
+              <a16:creationId xmlns:a16="http://schemas.microsoft.com/office/drawing/2014/main" id="{08265E9D-DCD3-A27F-1271-5D161C1EA58B}"/>
             </a:ext>
           </a:extLst>
         </p:cNvPr>
@@ -1898,7 +1898,7 @@
           <p:cNvPr id="2" name="Segnaposto immagine diapositiva 1">
             <a:extLst>
               <a:ext uri="{FF2B5EF4-FFF2-40B4-BE49-F238E27FC236}">
-                <a16:creationId xmlns:a16="http://schemas.microsoft.com/office/drawing/2014/main" id="{419597FC-FF79-5DEC-0F17-E5ABBAA3F99B}"/>
+                <a16:creationId xmlns:a16="http://schemas.microsoft.com/office/drawing/2014/main" id="{89715730-12EB-5503-03D4-838CD60D9485}"/>
               </a:ext>
             </a:extLst>
           </p:cNvPr>
@@ -1916,7 +1916,7 @@
           <p:cNvPr id="3" name="Segnaposto note 2">
             <a:extLst>
               <a:ext uri="{FF2B5EF4-FFF2-40B4-BE49-F238E27FC236}">
-                <a16:creationId xmlns:a16="http://schemas.microsoft.com/office/drawing/2014/main" id="{89059967-8724-733B-07E7-0D1B96C5C3E9}"/>
+                <a16:creationId xmlns:a16="http://schemas.microsoft.com/office/drawing/2014/main" id="{0D1D67AE-A6FA-DA3D-992C-428C6AEF33A4}"/>
               </a:ext>
             </a:extLst>
           </p:cNvPr>
@@ -1941,7 +1941,7 @@
           <p:cNvPr id="4" name="Segnaposto numero diapositiva 3">
             <a:extLst>
               <a:ext uri="{FF2B5EF4-FFF2-40B4-BE49-F238E27FC236}">
-                <a16:creationId xmlns:a16="http://schemas.microsoft.com/office/drawing/2014/main" id="{9633D229-E106-1042-7B4B-CC10B726E9BB}"/>
+                <a16:creationId xmlns:a16="http://schemas.microsoft.com/office/drawing/2014/main" id="{BDDE6ACC-B06D-9569-D0A6-3C619729F12F}"/>
               </a:ext>
             </a:extLst>
           </p:cNvPr>
@@ -1968,7 +1968,7 @@
     </p:spTree>
     <p:extLst>
       <p:ext uri="{BB962C8B-B14F-4D97-AF65-F5344CB8AC3E}">
-        <p14:creationId xmlns:p14="http://schemas.microsoft.com/office/powerpoint/2010/main" val="2516647826"/>
+        <p14:creationId xmlns:p14="http://schemas.microsoft.com/office/powerpoint/2010/main" val="1302741936"/>
       </p:ext>
     </p:extLst>
   </p:cSld>
@@ -1986,7 +1986,7 @@
         <p:cNvPr id="1" name="">
           <a:extLst>
             <a:ext uri="{FF2B5EF4-FFF2-40B4-BE49-F238E27FC236}">
-              <a16:creationId xmlns:a16="http://schemas.microsoft.com/office/drawing/2014/main" id="{08265E9D-DCD3-A27F-1271-5D161C1EA58B}"/>
+              <a16:creationId xmlns:a16="http://schemas.microsoft.com/office/drawing/2014/main" id="{72FEFD59-4314-5C46-CD1E-8C45307F0CF7}"/>
             </a:ext>
           </a:extLst>
         </p:cNvPr>
@@ -2006,7 +2006,7 @@
           <p:cNvPr id="2" name="Segnaposto immagine diapositiva 1">
             <a:extLst>
               <a:ext uri="{FF2B5EF4-FFF2-40B4-BE49-F238E27FC236}">
-                <a16:creationId xmlns:a16="http://schemas.microsoft.com/office/drawing/2014/main" id="{89715730-12EB-5503-03D4-838CD60D9485}"/>
+                <a16:creationId xmlns:a16="http://schemas.microsoft.com/office/drawing/2014/main" id="{419597FC-FF79-5DEC-0F17-E5ABBAA3F99B}"/>
               </a:ext>
             </a:extLst>
           </p:cNvPr>
@@ -2024,7 +2024,7 @@
           <p:cNvPr id="3" name="Segnaposto note 2">
             <a:extLst>
               <a:ext uri="{FF2B5EF4-FFF2-40B4-BE49-F238E27FC236}">
-                <a16:creationId xmlns:a16="http://schemas.microsoft.com/office/drawing/2014/main" id="{0D1D67AE-A6FA-DA3D-992C-428C6AEF33A4}"/>
+                <a16:creationId xmlns:a16="http://schemas.microsoft.com/office/drawing/2014/main" id="{89059967-8724-733B-07E7-0D1B96C5C3E9}"/>
               </a:ext>
             </a:extLst>
           </p:cNvPr>
@@ -2049,7 +2049,7 @@
           <p:cNvPr id="4" name="Segnaposto numero diapositiva 3">
             <a:extLst>
               <a:ext uri="{FF2B5EF4-FFF2-40B4-BE49-F238E27FC236}">
-                <a16:creationId xmlns:a16="http://schemas.microsoft.com/office/drawing/2014/main" id="{BDDE6ACC-B06D-9569-D0A6-3C619729F12F}"/>
+                <a16:creationId xmlns:a16="http://schemas.microsoft.com/office/drawing/2014/main" id="{9633D229-E106-1042-7B4B-CC10B726E9BB}"/>
               </a:ext>
             </a:extLst>
           </p:cNvPr>
@@ -2076,7 +2076,7 @@
     </p:spTree>
     <p:extLst>
       <p:ext uri="{BB962C8B-B14F-4D97-AF65-F5344CB8AC3E}">
-        <p14:creationId xmlns:p14="http://schemas.microsoft.com/office/powerpoint/2010/main" val="1302741936"/>
+        <p14:creationId xmlns:p14="http://schemas.microsoft.com/office/powerpoint/2010/main" val="2516647826"/>
       </p:ext>
     </p:extLst>
   </p:cSld>
@@ -9484,12 +9484,249 @@
           </a:p>
         </p:txBody>
       </p:sp>
+      <p:sp>
+        <p:nvSpPr>
+          <p:cNvPr id="8" name="Segnaposto contenuto 2">
+            <a:extLst>
+              <a:ext uri="{FF2B5EF4-FFF2-40B4-BE49-F238E27FC236}">
+                <a16:creationId xmlns:a16="http://schemas.microsoft.com/office/drawing/2014/main" id="{AC0629B5-D94A-09E9-A897-A747B045F6BA}"/>
+              </a:ext>
+            </a:extLst>
+          </p:cNvPr>
+          <p:cNvSpPr>
+            <a:spLocks noGrp="1"/>
+          </p:cNvSpPr>
+          <p:nvPr>
+            <p:ph idx="1"/>
+          </p:nvPr>
+        </p:nvSpPr>
+        <p:spPr>
+          <a:xfrm>
+            <a:off x="335309" y="1644744"/>
+            <a:ext cx="3761204" cy="4302840"/>
+          </a:xfrm>
+        </p:spPr>
+        <p:txBody>
+          <a:bodyPr>
+            <a:noAutofit/>
+          </a:bodyPr>
+          <a:lstStyle/>
+          <a:p>
+            <a:pPr marL="0" indent="0">
+              <a:buNone/>
+            </a:pPr>
+            <a:r>
+              <a:rPr lang="en-US" sz="1200" b="1" dirty="0"/>
+              <a:t>His peak threshold is fixed as a percentile of the distribution of maxima points around the His Peak of the training signals. </a:t>
+            </a:r>
+          </a:p>
+          <a:p>
+            <a:pPr marL="0" indent="0">
+              <a:buNone/>
+            </a:pPr>
+            <a:r>
+              <a:rPr lang="en-US" sz="1200" dirty="0"/>
+              <a:t>To do it:</a:t>
+            </a:r>
+          </a:p>
+          <a:p>
+            <a:pPr marL="342900" indent="-342900">
+              <a:buFont typeface="+mj-lt"/>
+              <a:buAutoNum type="arabicPeriod"/>
+            </a:pPr>
+            <a:r>
+              <a:rPr lang="en-US" sz="1200" dirty="0"/>
+              <a:t>From each </a:t>
+            </a:r>
+            <a:r>
+              <a:rPr lang="en-US" sz="1200" dirty="0">
+                <a:solidFill>
+                  <a:srgbClr val="00B0F0"/>
+                </a:solidFill>
+              </a:rPr>
+              <a:t>record</a:t>
+            </a:r>
+            <a:r>
+              <a:rPr lang="en-US" sz="1200" dirty="0"/>
+              <a:t> the </a:t>
+            </a:r>
+            <a:r>
+              <a:rPr lang="en-US" sz="1200" dirty="0">
+                <a:solidFill>
+                  <a:srgbClr val="7030A0"/>
+                </a:solidFill>
+              </a:rPr>
+              <a:t>modulus</a:t>
+            </a:r>
+            <a:r>
+              <a:rPr lang="en-US" sz="1200" dirty="0"/>
+              <a:t> of the His segment is taken</a:t>
+            </a:r>
+          </a:p>
+          <a:p>
+            <a:pPr marL="800100" lvl="1" indent="-342900">
+              <a:buFont typeface="+mj-lt"/>
+              <a:buAutoNum type="arabicPeriod"/>
+            </a:pPr>
+            <a:r>
+              <a:rPr lang="en-US" sz="1050" dirty="0"/>
+              <a:t>His phase: </a:t>
+            </a:r>
+            <a:r>
+              <a:rPr lang="en-US" sz="1050" dirty="0">
+                <a:solidFill>
+                  <a:srgbClr val="7030A0"/>
+                </a:solidFill>
+              </a:rPr>
+              <a:t>abs</a:t>
+            </a:r>
+            <a:r>
+              <a:rPr lang="en-US" sz="1050" dirty="0"/>
+              <a:t>(</a:t>
+            </a:r>
+            <a:r>
+              <a:rPr lang="en-US" sz="1050" dirty="0">
+                <a:solidFill>
+                  <a:srgbClr val="00B0F0"/>
+                </a:solidFill>
+              </a:rPr>
+              <a:t>record</a:t>
+            </a:r>
+            <a:r>
+              <a:rPr lang="en-US" sz="1050" dirty="0"/>
+              <a:t>[t=</a:t>
+            </a:r>
+            <a:r>
+              <a:rPr lang="en-US" sz="1050" dirty="0">
+                <a:solidFill>
+                  <a:srgbClr val="0070C0"/>
+                </a:solidFill>
+              </a:rPr>
+              <a:t>0.38</a:t>
+            </a:r>
+            <a:r>
+              <a:rPr lang="en-US" sz="1050" dirty="0"/>
+              <a:t> : t=</a:t>
+            </a:r>
+            <a:r>
+              <a:rPr lang="en-US" sz="1050" dirty="0">
+                <a:solidFill>
+                  <a:schemeClr val="accent6">
+                    <a:lumMod val="75000"/>
+                  </a:schemeClr>
+                </a:solidFill>
+              </a:rPr>
+              <a:t>0.42</a:t>
+            </a:r>
+            <a:r>
+              <a:rPr lang="en-US" sz="1050" dirty="0"/>
+              <a:t>])</a:t>
+            </a:r>
+          </a:p>
+          <a:p>
+            <a:pPr marL="457200" lvl="1" indent="0">
+              <a:buNone/>
+            </a:pPr>
+            <a:r>
+              <a:rPr lang="en-US" sz="1050" i="1" dirty="0"/>
+              <a:t>Boundaries are fixed as wide as possible without f1-score reduction.</a:t>
+            </a:r>
+          </a:p>
+          <a:p>
+            <a:pPr marL="342900" indent="-342900">
+              <a:buFont typeface="+mj-lt"/>
+              <a:buAutoNum type="arabicPeriod"/>
+            </a:pPr>
+            <a:r>
+              <a:rPr lang="en-US" sz="1200" dirty="0"/>
+              <a:t>Then the maximum of the </a:t>
+            </a:r>
+            <a:r>
+              <a:rPr lang="en-US" sz="1200" dirty="0" err="1"/>
+              <a:t>segmen</a:t>
+            </a:r>
+            <a:r>
+              <a:rPr lang="en-US" sz="1200" dirty="0"/>
+              <a:t> is evaluated and saved into a vector of </a:t>
+            </a:r>
+            <a:r>
+              <a:rPr lang="en-US" sz="1200" dirty="0" err="1"/>
+              <a:t>maximum_points</a:t>
+            </a:r>
+            <a:endParaRPr lang="en-US" sz="1050" dirty="0"/>
+          </a:p>
+          <a:p>
+            <a:pPr marL="342900" indent="-342900">
+              <a:buFont typeface="+mj-lt"/>
+              <a:buAutoNum type="arabicPeriod"/>
+            </a:pPr>
+            <a:r>
+              <a:rPr lang="en-US" sz="1200" dirty="0"/>
+              <a:t>For each class, the F1-score value is evaluated as a function of the threshold, leading to the plot on the right.</a:t>
+            </a:r>
+          </a:p>
+          <a:p>
+            <a:pPr marL="800100" lvl="1" indent="-342900">
+              <a:buFont typeface="+mj-lt"/>
+              <a:buAutoNum type="arabicPeriod"/>
+            </a:pPr>
+            <a:r>
+              <a:rPr lang="en-US" sz="1050" dirty="0"/>
+              <a:t>Higher class F1-score combination is reached with a threshold equal to the 75</a:t>
+            </a:r>
+            <a:r>
+              <a:rPr lang="en-US" sz="1050" baseline="30000" dirty="0"/>
+              <a:t>th</a:t>
+            </a:r>
+            <a:r>
+              <a:rPr lang="en-US" sz="1050" dirty="0"/>
+              <a:t> percentile</a:t>
+            </a:r>
+            <a:endParaRPr lang="en-US" sz="1050" dirty="0">
+              <a:solidFill>
+                <a:srgbClr val="7030A0"/>
+              </a:solidFill>
+            </a:endParaRPr>
+          </a:p>
+          <a:p>
+            <a:pPr marL="342900" indent="-342900">
+              <a:buFont typeface="+mj-lt"/>
+              <a:buAutoNum type="arabicPeriod"/>
+            </a:pPr>
+            <a:r>
+              <a:rPr lang="en-US" sz="1200" dirty="0"/>
+              <a:t>Finally, the value of the threshold is saved for being used in the classification phase</a:t>
+            </a:r>
+          </a:p>
+          <a:p>
+            <a:pPr marL="0" indent="0">
+              <a:buNone/>
+            </a:pPr>
+            <a:r>
+              <a:rPr lang="en-US" sz="1200" dirty="0"/>
+              <a:t>In conclusion, the threshold was </a:t>
+            </a:r>
+            <a:r>
+              <a:rPr lang="en-US" sz="1200" b="1" dirty="0"/>
+              <a:t>0.0377</a:t>
+            </a:r>
+            <a:r>
+              <a:rPr lang="en-US" sz="1200" dirty="0"/>
+              <a:t> </a:t>
+            </a:r>
+            <a:r>
+              <a:rPr lang="en-US" sz="1200" b="1" dirty="0"/>
+              <a:t>mV</a:t>
+            </a:r>
+          </a:p>
+        </p:txBody>
+      </p:sp>
       <p:pic>
         <p:nvPicPr>
-          <p:cNvPr id="5" name="Immagine 4" descr="Immagine che contiene testo, diagramma, linea, Diagramma&#10;&#10;Descrizione generata automaticamente">
-            <a:extLst>
-              <a:ext uri="{FF2B5EF4-FFF2-40B4-BE49-F238E27FC236}">
-                <a16:creationId xmlns:a16="http://schemas.microsoft.com/office/drawing/2014/main" id="{B6BEBA83-86B6-CF1A-10FA-3091D0ECD6EE}"/>
+          <p:cNvPr id="6" name="Immagine 5" descr="Immagine che contiene testo, diagramma, Diagramma, linea&#10;&#10;Descrizione generata automaticamente">
+            <a:extLst>
+              <a:ext uri="{FF2B5EF4-FFF2-40B4-BE49-F238E27FC236}">
+                <a16:creationId xmlns:a16="http://schemas.microsoft.com/office/drawing/2014/main" id="{35717B7E-2B10-D619-BF9E-CE80FABD2986}"/>
               </a:ext>
             </a:extLst>
           </p:cNvPr>
@@ -9512,248 +9749,20 @@
         </p:blipFill>
         <p:spPr>
           <a:xfrm>
-            <a:off x="4178373" y="1456129"/>
-            <a:ext cx="4632659" cy="3088439"/>
+            <a:off x="4454757" y="1788574"/>
+            <a:ext cx="4026549" cy="2684366"/>
           </a:xfrm>
           <a:prstGeom prst="rect">
             <a:avLst/>
           </a:prstGeom>
         </p:spPr>
       </p:pic>
-      <p:sp>
-        <p:nvSpPr>
-          <p:cNvPr id="8" name="Segnaposto contenuto 2">
-            <a:extLst>
-              <a:ext uri="{FF2B5EF4-FFF2-40B4-BE49-F238E27FC236}">
-                <a16:creationId xmlns:a16="http://schemas.microsoft.com/office/drawing/2014/main" id="{AC0629B5-D94A-09E9-A897-A747B045F6BA}"/>
-              </a:ext>
-            </a:extLst>
-          </p:cNvPr>
-          <p:cNvSpPr>
-            <a:spLocks noGrp="1"/>
-          </p:cNvSpPr>
-          <p:nvPr>
-            <p:ph idx="1"/>
-          </p:nvPr>
-        </p:nvSpPr>
-        <p:spPr>
-          <a:xfrm>
-            <a:off x="335309" y="1644744"/>
-            <a:ext cx="3761204" cy="4302840"/>
-          </a:xfrm>
-        </p:spPr>
-        <p:txBody>
-          <a:bodyPr>
-            <a:noAutofit/>
-          </a:bodyPr>
-          <a:lstStyle/>
-          <a:p>
-            <a:pPr marL="0" indent="0">
-              <a:buNone/>
-            </a:pPr>
-            <a:r>
-              <a:rPr lang="en-US" sz="1200" b="1" dirty="0"/>
-              <a:t>His peak threshold is fixed as a percentile of the distribution of maxima points around the His Peak of the training signals. </a:t>
-            </a:r>
-          </a:p>
-          <a:p>
-            <a:pPr marL="0" indent="0">
-              <a:buNone/>
-            </a:pPr>
-            <a:r>
-              <a:rPr lang="en-US" sz="1200" dirty="0"/>
-              <a:t>To do it:</a:t>
-            </a:r>
-          </a:p>
-          <a:p>
-            <a:pPr marL="342900" indent="-342900">
-              <a:buFont typeface="+mj-lt"/>
-              <a:buAutoNum type="arabicPeriod"/>
-            </a:pPr>
-            <a:r>
-              <a:rPr lang="en-US" sz="1200" dirty="0"/>
-              <a:t>From each </a:t>
-            </a:r>
-            <a:r>
-              <a:rPr lang="en-US" sz="1200" dirty="0">
-                <a:solidFill>
-                  <a:srgbClr val="00B0F0"/>
-                </a:solidFill>
-              </a:rPr>
-              <a:t>record</a:t>
-            </a:r>
-            <a:r>
-              <a:rPr lang="en-US" sz="1200" dirty="0"/>
-              <a:t> the </a:t>
-            </a:r>
-            <a:r>
-              <a:rPr lang="en-US" sz="1200" dirty="0">
-                <a:solidFill>
-                  <a:srgbClr val="7030A0"/>
-                </a:solidFill>
-              </a:rPr>
-              <a:t>modulus</a:t>
-            </a:r>
-            <a:r>
-              <a:rPr lang="en-US" sz="1200" dirty="0"/>
-              <a:t> of the His segment is taken</a:t>
-            </a:r>
-          </a:p>
-          <a:p>
-            <a:pPr marL="800100" lvl="1" indent="-342900">
-              <a:buFont typeface="+mj-lt"/>
-              <a:buAutoNum type="arabicPeriod"/>
-            </a:pPr>
-            <a:r>
-              <a:rPr lang="en-US" sz="1050" dirty="0"/>
-              <a:t>His phase: </a:t>
-            </a:r>
-            <a:r>
-              <a:rPr lang="en-US" sz="1050" dirty="0">
-                <a:solidFill>
-                  <a:srgbClr val="7030A0"/>
-                </a:solidFill>
-              </a:rPr>
-              <a:t>abs</a:t>
-            </a:r>
-            <a:r>
-              <a:rPr lang="en-US" sz="1050" dirty="0"/>
-              <a:t>(</a:t>
-            </a:r>
-            <a:r>
-              <a:rPr lang="en-US" sz="1050" dirty="0">
-                <a:solidFill>
-                  <a:srgbClr val="00B0F0"/>
-                </a:solidFill>
-              </a:rPr>
-              <a:t>record</a:t>
-            </a:r>
-            <a:r>
-              <a:rPr lang="en-US" sz="1050" dirty="0"/>
-              <a:t>[t=</a:t>
-            </a:r>
-            <a:r>
-              <a:rPr lang="en-US" sz="1050" dirty="0">
-                <a:solidFill>
-                  <a:srgbClr val="0070C0"/>
-                </a:solidFill>
-              </a:rPr>
-              <a:t>0.35</a:t>
-            </a:r>
-            <a:r>
-              <a:rPr lang="en-US" sz="1050" dirty="0"/>
-              <a:t> : t=</a:t>
-            </a:r>
-            <a:r>
-              <a:rPr lang="en-US" sz="1050" dirty="0">
-                <a:solidFill>
-                  <a:schemeClr val="accent6">
-                    <a:lumMod val="75000"/>
-                  </a:schemeClr>
-                </a:solidFill>
-              </a:rPr>
-              <a:t>0.45</a:t>
-            </a:r>
-            <a:r>
-              <a:rPr lang="en-US" sz="1050" dirty="0"/>
-              <a:t>])</a:t>
-            </a:r>
-          </a:p>
-          <a:p>
-            <a:pPr marL="342900" indent="-342900">
-              <a:buFont typeface="+mj-lt"/>
-              <a:buAutoNum type="arabicPeriod"/>
-            </a:pPr>
-            <a:r>
-              <a:rPr lang="en-US" sz="1200" dirty="0"/>
-              <a:t>Then the maximum of the </a:t>
-            </a:r>
-            <a:r>
-              <a:rPr lang="en-US" sz="1200" dirty="0" err="1"/>
-              <a:t>segmen</a:t>
-            </a:r>
-            <a:r>
-              <a:rPr lang="en-US" sz="1200" dirty="0"/>
-              <a:t> is evaluated and saved into a vector of </a:t>
-            </a:r>
-            <a:r>
-              <a:rPr lang="en-US" sz="1200" dirty="0" err="1"/>
-              <a:t>maximum_points</a:t>
-            </a:r>
-            <a:endParaRPr lang="en-US" sz="1050" dirty="0"/>
-          </a:p>
-          <a:p>
-            <a:pPr marL="342900" indent="-342900">
-              <a:buFont typeface="+mj-lt"/>
-              <a:buAutoNum type="arabicPeriod"/>
-            </a:pPr>
-            <a:r>
-              <a:rPr lang="en-US" sz="1200" dirty="0"/>
-              <a:t>For each class, the F1-score value is evaluated as a function of the threshold, leading to the plot on the right.</a:t>
-            </a:r>
-          </a:p>
-          <a:p>
-            <a:pPr marL="800100" lvl="1" indent="-342900">
-              <a:buFont typeface="+mj-lt"/>
-              <a:buAutoNum type="arabicPeriod"/>
-            </a:pPr>
-            <a:r>
-              <a:rPr lang="en-US" sz="1050" dirty="0"/>
-              <a:t>Higher class F1-score combination is reached with a threshold equal to the 45</a:t>
-            </a:r>
-            <a:r>
-              <a:rPr lang="en-US" sz="1050" baseline="30000" dirty="0"/>
-              <a:t>th</a:t>
-            </a:r>
-            <a:r>
-              <a:rPr lang="en-US" sz="1050" dirty="0"/>
-              <a:t> percentile</a:t>
-            </a:r>
-            <a:endParaRPr lang="en-US" sz="1050" dirty="0">
-              <a:solidFill>
-                <a:srgbClr val="7030A0"/>
-              </a:solidFill>
-            </a:endParaRPr>
-          </a:p>
-          <a:p>
-            <a:pPr marL="342900" indent="-342900">
-              <a:buFont typeface="+mj-lt"/>
-              <a:buAutoNum type="arabicPeriod"/>
-            </a:pPr>
-            <a:r>
-              <a:rPr lang="en-US" sz="1200" dirty="0"/>
-              <a:t>Finally, the value of the threshold is saved for being used in the classification phase</a:t>
-            </a:r>
-          </a:p>
-          <a:p>
-            <a:pPr marL="0" indent="0">
-              <a:buNone/>
-            </a:pPr>
-            <a:r>
-              <a:rPr lang="en-US" sz="1200" dirty="0"/>
-              <a:t>In conclusion, the threshold was </a:t>
-            </a:r>
-            <a:r>
-              <a:rPr lang="en-US" sz="1200" b="1" dirty="0"/>
-              <a:t>0.042</a:t>
-            </a:r>
-            <a:r>
-              <a:rPr lang="en-US" sz="1200" dirty="0"/>
-              <a:t> </a:t>
-            </a:r>
-            <a:r>
-              <a:rPr lang="en-US" sz="1200" b="1" dirty="0"/>
-              <a:t>mV</a:t>
-            </a:r>
-          </a:p>
-        </p:txBody>
-      </p:sp>
       <p:pic>
         <p:nvPicPr>
-          <p:cNvPr id="13" name="Immagine 12" descr="Immagine che contiene testo, diagramma, schermata, linea&#10;&#10;Descrizione generata automaticamente">
-            <a:extLst>
-              <a:ext uri="{FF2B5EF4-FFF2-40B4-BE49-F238E27FC236}">
-                <a16:creationId xmlns:a16="http://schemas.microsoft.com/office/drawing/2014/main" id="{11B9B863-63B1-3D27-C7CC-F3C7F28B6F6C}"/>
+          <p:cNvPr id="10" name="Immagine 9" descr="Immagine che contiene testo, schermata, diagramma, linea&#10;&#10;Descrizione generata automaticamente">
+            <a:extLst>
+              <a:ext uri="{FF2B5EF4-FFF2-40B4-BE49-F238E27FC236}">
+                <a16:creationId xmlns:a16="http://schemas.microsoft.com/office/drawing/2014/main" id="{891F19A0-3702-CDAB-571F-137CB9A39C41}"/>
               </a:ext>
             </a:extLst>
           </p:cNvPr>
@@ -9776,8 +9785,8 @@
         </p:blipFill>
         <p:spPr>
           <a:xfrm>
-            <a:off x="8446008" y="1518957"/>
-            <a:ext cx="3745991" cy="3025611"/>
+            <a:off x="8101599" y="1812745"/>
+            <a:ext cx="3761202" cy="2684366"/>
           </a:xfrm>
           <a:prstGeom prst="rect">
             <a:avLst/>
@@ -9798,7 +9807,7 @@
         </p:nvSpPr>
         <p:spPr>
           <a:xfrm>
-            <a:off x="8892892" y="4429152"/>
+            <a:off x="8839550" y="4381695"/>
             <a:ext cx="2056973" cy="230832"/>
           </a:xfrm>
           <a:prstGeom prst="rect">
@@ -9833,7 +9842,7 @@
         </p:nvCxnSpPr>
         <p:spPr>
           <a:xfrm flipV="1">
-            <a:off x="9473029" y="4076700"/>
+            <a:off x="9419687" y="4029243"/>
             <a:ext cx="0" cy="396240"/>
           </a:xfrm>
           <a:prstGeom prst="straightConnector1">
@@ -9874,8 +9883,8 @@
         </p:nvCxnSpPr>
         <p:spPr>
           <a:xfrm flipV="1">
-            <a:off x="6468032" y="1932579"/>
-            <a:ext cx="0" cy="2263501"/>
+            <a:off x="7355000" y="2179320"/>
+            <a:ext cx="0" cy="1980973"/>
           </a:xfrm>
           <a:prstGeom prst="line">
             <a:avLst/>
@@ -10213,7 +10222,7 @@
                   <a:srgbClr val="0070C0"/>
                 </a:solidFill>
               </a:rPr>
-              <a:t>0.39</a:t>
+              <a:t>0.38</a:t>
             </a:r>
             <a:r>
               <a:rPr lang="en-US" sz="1050" dirty="0"/>
@@ -10315,7 +10324,7 @@
                   <a:srgbClr val="0070C0"/>
                 </a:solidFill>
               </a:rPr>
-              <a:t>0.39</a:t>
+              <a:t>0.38</a:t>
             </a:r>
             <a:r>
               <a:rPr lang="en-US" sz="1050" dirty="0"/>
@@ -10667,10 +10676,10 @@
       </p:pic>
       <p:pic>
         <p:nvPicPr>
-          <p:cNvPr id="7" name="Immagine 6">
-            <a:extLst>
-              <a:ext uri="{FF2B5EF4-FFF2-40B4-BE49-F238E27FC236}">
-                <a16:creationId xmlns:a16="http://schemas.microsoft.com/office/drawing/2014/main" id="{A8D12178-94F9-E4A9-497C-A113D167AC36}"/>
+          <p:cNvPr id="6" name="Immagine 5">
+            <a:extLst>
+              <a:ext uri="{FF2B5EF4-FFF2-40B4-BE49-F238E27FC236}">
+                <a16:creationId xmlns:a16="http://schemas.microsoft.com/office/drawing/2014/main" id="{2CD50E2B-D6D4-627F-0722-58A573A89FFE}"/>
               </a:ext>
             </a:extLst>
           </p:cNvPr>
@@ -10687,8 +10696,8 @@
         </p:blipFill>
         <p:spPr>
           <a:xfrm>
-            <a:off x="292452" y="1891632"/>
-            <a:ext cx="2926236" cy="4410471"/>
+            <a:off x="351887" y="1891632"/>
+            <a:ext cx="2935107" cy="4417727"/>
           </a:xfrm>
           <a:prstGeom prst="rect">
             <a:avLst/>
@@ -13255,7 +13264,7 @@
         <p:cNvPr id="1" name="">
           <a:extLst>
             <a:ext uri="{FF2B5EF4-FFF2-40B4-BE49-F238E27FC236}">
-              <a16:creationId xmlns:a16="http://schemas.microsoft.com/office/drawing/2014/main" id="{09ABA29F-7BE2-9778-D68E-1DAAB4146C21}"/>
+              <a16:creationId xmlns:a16="http://schemas.microsoft.com/office/drawing/2014/main" id="{B3C6DD01-2F21-7A3D-524B-8B64C80437A5}"/>
             </a:ext>
           </a:extLst>
         </p:cNvPr>
@@ -13275,7 +13284,7 @@
           <p:cNvPr id="2" name="Titolo 1">
             <a:extLst>
               <a:ext uri="{FF2B5EF4-FFF2-40B4-BE49-F238E27FC236}">
-                <a16:creationId xmlns:a16="http://schemas.microsoft.com/office/drawing/2014/main" id="{BEEFBF2B-593E-7B97-983D-9B88D9042F92}"/>
+                <a16:creationId xmlns:a16="http://schemas.microsoft.com/office/drawing/2014/main" id="{12492873-FF8D-3F17-7B77-E09EB104C397}"/>
               </a:ext>
             </a:extLst>
           </p:cNvPr>
@@ -13310,7 +13319,7 @@
           <p:cNvPr id="4" name="Segnaposto numero diapositiva 3">
             <a:extLst>
               <a:ext uri="{FF2B5EF4-FFF2-40B4-BE49-F238E27FC236}">
-                <a16:creationId xmlns:a16="http://schemas.microsoft.com/office/drawing/2014/main" id="{9927F9ED-7649-AFF5-6A94-2EFD6A01FA5B}"/>
+                <a16:creationId xmlns:a16="http://schemas.microsoft.com/office/drawing/2014/main" id="{95ADD880-E4C0-2503-47EC-2FBDD20CC773}"/>
               </a:ext>
             </a:extLst>
           </p:cNvPr>
@@ -13339,7 +13348,7 @@
           <p:cNvPr id="27" name="Rettangolo 26">
             <a:extLst>
               <a:ext uri="{FF2B5EF4-FFF2-40B4-BE49-F238E27FC236}">
-                <a16:creationId xmlns:a16="http://schemas.microsoft.com/office/drawing/2014/main" id="{723BB159-C64B-0DBD-3311-9BCF813B1419}"/>
+                <a16:creationId xmlns:a16="http://schemas.microsoft.com/office/drawing/2014/main" id="{AF51041E-4FF1-00E8-C26B-96D9F28A9099}"/>
               </a:ext>
             </a:extLst>
           </p:cNvPr>
@@ -13393,7 +13402,7 @@
           <p:cNvPr id="12" name="Rettangolo 11">
             <a:extLst>
               <a:ext uri="{FF2B5EF4-FFF2-40B4-BE49-F238E27FC236}">
-                <a16:creationId xmlns:a16="http://schemas.microsoft.com/office/drawing/2014/main" id="{543A410C-17F1-35AC-5142-CE2DC7D41EFE}"/>
+                <a16:creationId xmlns:a16="http://schemas.microsoft.com/office/drawing/2014/main" id="{F6B58F9C-6A9F-A41C-4005-DCC1635673E1}"/>
               </a:ext>
             </a:extLst>
           </p:cNvPr>
@@ -13447,7 +13456,7 @@
           <p:cNvPr id="9" name="Segnaposto contenuto 2">
             <a:extLst>
               <a:ext uri="{FF2B5EF4-FFF2-40B4-BE49-F238E27FC236}">
-                <a16:creationId xmlns:a16="http://schemas.microsoft.com/office/drawing/2014/main" id="{825AD721-A3EF-8A6E-E9A5-640B4C413E17}"/>
+                <a16:creationId xmlns:a16="http://schemas.microsoft.com/office/drawing/2014/main" id="{0AD3BFED-30A7-18F2-DD80-637C714823D9}"/>
               </a:ext>
             </a:extLst>
           </p:cNvPr>
@@ -13494,10 +13503,10 @@
       </p:sp>
       <p:pic>
         <p:nvPicPr>
-          <p:cNvPr id="13" name="Immagine 12" descr="Immagine che contiene testo, schermata, numero, Carattere&#10;&#10;Descrizione generata automaticamente">
-            <a:extLst>
-              <a:ext uri="{FF2B5EF4-FFF2-40B4-BE49-F238E27FC236}">
-                <a16:creationId xmlns:a16="http://schemas.microsoft.com/office/drawing/2014/main" id="{E1A8682D-77EE-9105-BA90-E7A84563E2CE}"/>
+          <p:cNvPr id="6" name="Immagine 5" descr="Immagine che contiene testo, schermata, numero, diagramma&#10;&#10;Descrizione generata automaticamente">
+            <a:extLst>
+              <a:ext uri="{FF2B5EF4-FFF2-40B4-BE49-F238E27FC236}">
+                <a16:creationId xmlns:a16="http://schemas.microsoft.com/office/drawing/2014/main" id="{27EDDCF2-A6B2-EE67-373A-91D561BEBB9B}"/>
               </a:ext>
             </a:extLst>
           </p:cNvPr>
@@ -13520,7 +13529,7 @@
         </p:blipFill>
         <p:spPr>
           <a:xfrm>
-            <a:off x="607278" y="1980839"/>
+            <a:off x="93810" y="1980839"/>
             <a:ext cx="5486682" cy="3657788"/>
           </a:xfrm>
           <a:prstGeom prst="rect">
@@ -13530,10 +13539,10 @@
       </p:pic>
       <p:pic>
         <p:nvPicPr>
-          <p:cNvPr id="15" name="Immagine 14" descr="Immagine che contiene testo, schermata, numero, diagramma&#10;&#10;Descrizione generata automaticamente">
-            <a:extLst>
-              <a:ext uri="{FF2B5EF4-FFF2-40B4-BE49-F238E27FC236}">
-                <a16:creationId xmlns:a16="http://schemas.microsoft.com/office/drawing/2014/main" id="{4F32408C-5B4D-2D30-E987-44ED295A7239}"/>
+          <p:cNvPr id="10" name="Immagine 9" descr="Immagine che contiene testo, schermata, numero, diagramma&#10;&#10;Descrizione generata automaticamente">
+            <a:extLst>
+              <a:ext uri="{FF2B5EF4-FFF2-40B4-BE49-F238E27FC236}">
+                <a16:creationId xmlns:a16="http://schemas.microsoft.com/office/drawing/2014/main" id="{3C9114B9-6CF9-6143-075D-61CCB1D78824}"/>
               </a:ext>
             </a:extLst>
           </p:cNvPr>
@@ -13556,7 +13565,7 @@
         </p:blipFill>
         <p:spPr>
           <a:xfrm>
-            <a:off x="5692140" y="1980839"/>
+            <a:off x="5790930" y="1980839"/>
             <a:ext cx="5486682" cy="3657788"/>
           </a:xfrm>
           <a:prstGeom prst="rect">
@@ -13567,7 +13576,7 @@
     </p:spTree>
     <p:extLst>
       <p:ext uri="{BB962C8B-B14F-4D97-AF65-F5344CB8AC3E}">
-        <p14:creationId xmlns:p14="http://schemas.microsoft.com/office/powerpoint/2010/main" val="3007126053"/>
+        <p14:creationId xmlns:p14="http://schemas.microsoft.com/office/powerpoint/2010/main" val="2306397541"/>
       </p:ext>
     </p:extLst>
   </p:cSld>
@@ -13585,7 +13594,7 @@
         <p:cNvPr id="1" name="">
           <a:extLst>
             <a:ext uri="{FF2B5EF4-FFF2-40B4-BE49-F238E27FC236}">
-              <a16:creationId xmlns:a16="http://schemas.microsoft.com/office/drawing/2014/main" id="{B3C6DD01-2F21-7A3D-524B-8B64C80437A5}"/>
+              <a16:creationId xmlns:a16="http://schemas.microsoft.com/office/drawing/2014/main" id="{09ABA29F-7BE2-9778-D68E-1DAAB4146C21}"/>
             </a:ext>
           </a:extLst>
         </p:cNvPr>
@@ -13605,7 +13614,7 @@
           <p:cNvPr id="2" name="Titolo 1">
             <a:extLst>
               <a:ext uri="{FF2B5EF4-FFF2-40B4-BE49-F238E27FC236}">
-                <a16:creationId xmlns:a16="http://schemas.microsoft.com/office/drawing/2014/main" id="{12492873-FF8D-3F17-7B77-E09EB104C397}"/>
+                <a16:creationId xmlns:a16="http://schemas.microsoft.com/office/drawing/2014/main" id="{BEEFBF2B-593E-7B97-983D-9B88D9042F92}"/>
               </a:ext>
             </a:extLst>
           </p:cNvPr>
@@ -13640,7 +13649,7 @@
           <p:cNvPr id="4" name="Segnaposto numero diapositiva 3">
             <a:extLst>
               <a:ext uri="{FF2B5EF4-FFF2-40B4-BE49-F238E27FC236}">
-                <a16:creationId xmlns:a16="http://schemas.microsoft.com/office/drawing/2014/main" id="{95ADD880-E4C0-2503-47EC-2FBDD20CC773}"/>
+                <a16:creationId xmlns:a16="http://schemas.microsoft.com/office/drawing/2014/main" id="{9927F9ED-7649-AFF5-6A94-2EFD6A01FA5B}"/>
               </a:ext>
             </a:extLst>
           </p:cNvPr>
@@ -13669,7 +13678,7 @@
           <p:cNvPr id="27" name="Rettangolo 26">
             <a:extLst>
               <a:ext uri="{FF2B5EF4-FFF2-40B4-BE49-F238E27FC236}">
-                <a16:creationId xmlns:a16="http://schemas.microsoft.com/office/drawing/2014/main" id="{AF51041E-4FF1-00E8-C26B-96D9F28A9099}"/>
+                <a16:creationId xmlns:a16="http://schemas.microsoft.com/office/drawing/2014/main" id="{723BB159-C64B-0DBD-3311-9BCF813B1419}"/>
               </a:ext>
             </a:extLst>
           </p:cNvPr>
@@ -13723,7 +13732,7 @@
           <p:cNvPr id="12" name="Rettangolo 11">
             <a:extLst>
               <a:ext uri="{FF2B5EF4-FFF2-40B4-BE49-F238E27FC236}">
-                <a16:creationId xmlns:a16="http://schemas.microsoft.com/office/drawing/2014/main" id="{F6B58F9C-6A9F-A41C-4005-DCC1635673E1}"/>
+                <a16:creationId xmlns:a16="http://schemas.microsoft.com/office/drawing/2014/main" id="{543A410C-17F1-35AC-5142-CE2DC7D41EFE}"/>
               </a:ext>
             </a:extLst>
           </p:cNvPr>
@@ -13777,7 +13786,7 @@
           <p:cNvPr id="9" name="Segnaposto contenuto 2">
             <a:extLst>
               <a:ext uri="{FF2B5EF4-FFF2-40B4-BE49-F238E27FC236}">
-                <a16:creationId xmlns:a16="http://schemas.microsoft.com/office/drawing/2014/main" id="{0AD3BFED-30A7-18F2-DD80-637C714823D9}"/>
+                <a16:creationId xmlns:a16="http://schemas.microsoft.com/office/drawing/2014/main" id="{825AD721-A3EF-8A6E-E9A5-640B4C413E17}"/>
               </a:ext>
             </a:extLst>
           </p:cNvPr>
@@ -13824,10 +13833,10 @@
       </p:sp>
       <p:pic>
         <p:nvPicPr>
-          <p:cNvPr id="5" name="Immagine 4" descr="Immagine che contiene testo, schermata, numero, Carattere&#10;&#10;Descrizione generata automaticamente">
-            <a:extLst>
-              <a:ext uri="{FF2B5EF4-FFF2-40B4-BE49-F238E27FC236}">
-                <a16:creationId xmlns:a16="http://schemas.microsoft.com/office/drawing/2014/main" id="{28E41620-E4F7-FB51-E229-E27650BB0850}"/>
+          <p:cNvPr id="5" name="Immagine 4" descr="Immagine che contiene testo, schermata, numero, diagramma&#10;&#10;Descrizione generata automaticamente">
+            <a:extLst>
+              <a:ext uri="{FF2B5EF4-FFF2-40B4-BE49-F238E27FC236}">
+                <a16:creationId xmlns:a16="http://schemas.microsoft.com/office/drawing/2014/main" id="{6ED3D03F-9A93-947D-C111-98F0CEA9DD50}"/>
               </a:ext>
             </a:extLst>
           </p:cNvPr>
@@ -13850,7 +13859,7 @@
         </p:blipFill>
         <p:spPr>
           <a:xfrm>
-            <a:off x="607278" y="1980839"/>
+            <a:off x="93810" y="1980839"/>
             <a:ext cx="5486682" cy="3657788"/>
           </a:xfrm>
           <a:prstGeom prst="rect">
@@ -13863,7 +13872,7 @@
           <p:cNvPr id="7" name="Immagine 6" descr="Immagine che contiene testo, schermata, numero, diagramma&#10;&#10;Descrizione generata automaticamente">
             <a:extLst>
               <a:ext uri="{FF2B5EF4-FFF2-40B4-BE49-F238E27FC236}">
-                <a16:creationId xmlns:a16="http://schemas.microsoft.com/office/drawing/2014/main" id="{29302672-092F-2896-29D9-BFECDDFA943C}"/>
+                <a16:creationId xmlns:a16="http://schemas.microsoft.com/office/drawing/2014/main" id="{008D1F78-E111-5B7F-322A-D0C33C371E50}"/>
               </a:ext>
             </a:extLst>
           </p:cNvPr>
@@ -13886,7 +13895,7 @@
         </p:blipFill>
         <p:spPr>
           <a:xfrm>
-            <a:off x="5692140" y="1980839"/>
+            <a:off x="5790930" y="1980839"/>
             <a:ext cx="5486682" cy="3657788"/>
           </a:xfrm>
           <a:prstGeom prst="rect">
@@ -13897,7 +13906,7 @@
     </p:spTree>
     <p:extLst>
       <p:ext uri="{BB962C8B-B14F-4D97-AF65-F5344CB8AC3E}">
-        <p14:creationId xmlns:p14="http://schemas.microsoft.com/office/powerpoint/2010/main" val="2306397541"/>
+        <p14:creationId xmlns:p14="http://schemas.microsoft.com/office/powerpoint/2010/main" val="3007126053"/>
       </p:ext>
     </p:extLst>
   </p:cSld>
@@ -14117,7 +14126,7 @@
           <p:nvPr>
             <p:extLst>
               <p:ext uri="{D42A27DB-BD31-4B8C-83A1-F6EECF244321}">
-                <p14:modId xmlns:p14="http://schemas.microsoft.com/office/powerpoint/2010/main" val="140954083"/>
+                <p14:modId xmlns:p14="http://schemas.microsoft.com/office/powerpoint/2010/main" val="1929863815"/>
               </p:ext>
             </p:extLst>
           </p:nvPr>
@@ -14289,7 +14298,7 @@
                       <a:pPr algn="ctr"/>
                       <a:r>
                         <a:rPr lang="en-GB" sz="1400" noProof="0" dirty="0"/>
-                        <a:t>0.43</a:t>
+                        <a:t>0.38</a:t>
                       </a:r>
                     </a:p>
                   </a:txBody>
@@ -14303,7 +14312,7 @@
                       <a:pPr algn="ctr"/>
                       <a:r>
                         <a:rPr lang="en-GB" sz="1400" noProof="0" dirty="0"/>
-                        <a:t>0.60</a:t>
+                        <a:t>0.54</a:t>
                       </a:r>
                     </a:p>
                   </a:txBody>
@@ -14359,7 +14368,7 @@
                       <a:pPr algn="ctr"/>
                       <a:r>
                         <a:rPr lang="en-GB" sz="1400" noProof="0" dirty="0"/>
-                        <a:t>0.20</a:t>
+                        <a:t>0.18</a:t>
                       </a:r>
                     </a:p>
                   </a:txBody>
@@ -14373,7 +14382,7 @@
                       <a:pPr algn="ctr"/>
                       <a:r>
                         <a:rPr lang="en-GB" sz="1400" noProof="0" dirty="0"/>
-                        <a:t>0.87</a:t>
+                        <a:t>0.70</a:t>
                       </a:r>
                     </a:p>
                   </a:txBody>
@@ -14387,7 +14396,7 @@
                       <a:pPr algn="ctr"/>
                       <a:r>
                         <a:rPr lang="en-GB" sz="1400" noProof="0" dirty="0"/>
-                        <a:t>0.33</a:t>
+                        <a:t>0.29</a:t>
                       </a:r>
                     </a:p>
                   </a:txBody>
@@ -14443,7 +14452,7 @@
                       <a:pPr algn="ctr"/>
                       <a:r>
                         <a:rPr lang="en-GB" sz="1400" noProof="0" dirty="0"/>
-                        <a:t>0.49</a:t>
+                        <a:t>0.34</a:t>
                       </a:r>
                     </a:p>
                   </a:txBody>
@@ -14457,7 +14466,7 @@
                       <a:pPr algn="ctr"/>
                       <a:r>
                         <a:rPr lang="en-GB" sz="1400" noProof="0" dirty="0"/>
-                        <a:t>0.62</a:t>
+                        <a:t>0.72</a:t>
                       </a:r>
                     </a:p>
                   </a:txBody>
@@ -14471,7 +14480,7 @@
                       <a:pPr algn="ctr"/>
                       <a:r>
                         <a:rPr lang="en-GB" sz="1400" noProof="0" dirty="0"/>
-                        <a:t>0.55</a:t>
+                        <a:t>0.46</a:t>
                       </a:r>
                     </a:p>
                   </a:txBody>
@@ -14600,7 +14609,7 @@
                       <a:pPr algn="ctr"/>
                       <a:r>
                         <a:rPr lang="en-GB" sz="1400" noProof="0" dirty="0"/>
-                        <a:t>0.51</a:t>
+                        <a:t>0.45</a:t>
                       </a:r>
                     </a:p>
                   </a:txBody>
@@ -14654,7 +14663,7 @@
                       <a:pPr algn="ctr"/>
                       <a:r>
                         <a:rPr lang="en-GB" sz="1400" noProof="0" dirty="0"/>
-                        <a:t>0.55</a:t>
+                        <a:t>0.49</a:t>
                       </a:r>
                     </a:p>
                   </a:txBody>
@@ -14668,7 +14677,7 @@
                       <a:pPr algn="ctr"/>
                       <a:r>
                         <a:rPr lang="en-GB" sz="1400" noProof="0" dirty="0"/>
-                        <a:t>0.64</a:t>
+                        <a:t>0.60</a:t>
                       </a:r>
                     </a:p>
                   </a:txBody>
@@ -14682,7 +14691,7 @@
                       <a:pPr algn="ctr"/>
                       <a:r>
                         <a:rPr lang="en-GB" sz="1400" noProof="0" dirty="0"/>
-                        <a:t>0.49</a:t>
+                        <a:t>0.43</a:t>
                       </a:r>
                     </a:p>
                   </a:txBody>
@@ -14752,7 +14761,7 @@
                       <a:pPr algn="ctr"/>
                       <a:r>
                         <a:rPr lang="en-GB" sz="1400" noProof="0" dirty="0"/>
-                        <a:t>0.81</a:t>
+                        <a:t>0.79</a:t>
                       </a:r>
                     </a:p>
                   </a:txBody>
@@ -14766,7 +14775,7 @@
                       <a:pPr algn="ctr"/>
                       <a:r>
                         <a:rPr lang="en-GB" sz="1400" noProof="0" dirty="0"/>
-                        <a:t>0.51</a:t>
+                        <a:t>0.45</a:t>
                       </a:r>
                     </a:p>
                   </a:txBody>
@@ -14780,7 +14789,7 @@
                       <a:pPr algn="ctr"/>
                       <a:r>
                         <a:rPr lang="en-GB" sz="1400" noProof="0" dirty="0"/>
-                        <a:t>0.56</a:t>
+                        <a:t>0.50</a:t>
                       </a:r>
                     </a:p>
                   </a:txBody>
@@ -15678,7 +15687,7 @@
           <p:nvPr>
             <p:extLst>
               <p:ext uri="{D42A27DB-BD31-4B8C-83A1-F6EECF244321}">
-                <p14:modId xmlns:p14="http://schemas.microsoft.com/office/powerpoint/2010/main" val="3368913415"/>
+                <p14:modId xmlns:p14="http://schemas.microsoft.com/office/powerpoint/2010/main" val="2402015737"/>
               </p:ext>
             </p:extLst>
           </p:nvPr>
@@ -15836,7 +15845,7 @@
                       <a:pPr algn="ctr"/>
                       <a:r>
                         <a:rPr lang="en-GB" sz="1400" noProof="0" dirty="0"/>
-                        <a:t>0.95</a:t>
+                        <a:t>0.96</a:t>
                       </a:r>
                     </a:p>
                   </a:txBody>
@@ -15850,7 +15859,7 @@
                       <a:pPr algn="ctr"/>
                       <a:r>
                         <a:rPr lang="en-GB" sz="1400" noProof="0" dirty="0"/>
-                        <a:t>0.35</a:t>
+                        <a:t>0.30</a:t>
                       </a:r>
                     </a:p>
                   </a:txBody>
@@ -15864,7 +15873,7 @@
                       <a:pPr algn="ctr"/>
                       <a:r>
                         <a:rPr lang="en-GB" sz="1400" noProof="0" dirty="0"/>
-                        <a:t>0.51</a:t>
+                        <a:t>0.46</a:t>
                       </a:r>
                     </a:p>
                   </a:txBody>
@@ -15920,7 +15929,7 @@
                       <a:pPr algn="ctr"/>
                       <a:r>
                         <a:rPr lang="en-GB" sz="1400" noProof="0" dirty="0"/>
-                        <a:t>0.17</a:t>
+                        <a:t>0.16</a:t>
                       </a:r>
                     </a:p>
                   </a:txBody>
@@ -15934,7 +15943,7 @@
                       <a:pPr algn="ctr"/>
                       <a:r>
                         <a:rPr lang="en-GB" sz="1400" noProof="0" dirty="0"/>
-                        <a:t>0.83</a:t>
+                        <a:t>0.62</a:t>
                       </a:r>
                     </a:p>
                   </a:txBody>
@@ -15948,7 +15957,7 @@
                       <a:pPr algn="ctr"/>
                       <a:r>
                         <a:rPr lang="en-GB" sz="1400" noProof="0" dirty="0"/>
-                        <a:t>0.28</a:t>
+                        <a:t>0.26</a:t>
                       </a:r>
                     </a:p>
                   </a:txBody>
@@ -16004,7 +16013,7 @@
                       <a:pPr algn="ctr"/>
                       <a:r>
                         <a:rPr lang="en-GB" sz="1400" noProof="0" dirty="0"/>
-                        <a:t>0.50</a:t>
+                        <a:t>0.35</a:t>
                       </a:r>
                     </a:p>
                   </a:txBody>
@@ -16018,7 +16027,7 @@
                       <a:pPr algn="ctr"/>
                       <a:r>
                         <a:rPr lang="en-GB" sz="1400" noProof="0" dirty="0"/>
-                        <a:t>0.62</a:t>
+                        <a:t>0.70</a:t>
                       </a:r>
                     </a:p>
                   </a:txBody>
@@ -16032,7 +16041,7 @@
                       <a:pPr algn="ctr"/>
                       <a:r>
                         <a:rPr lang="en-GB" sz="1400" noProof="0" dirty="0"/>
-                        <a:t>0.55</a:t>
+                        <a:t>0.50</a:t>
                       </a:r>
                     </a:p>
                   </a:txBody>
@@ -16161,7 +16170,7 @@
                       <a:pPr algn="ctr"/>
                       <a:r>
                         <a:rPr lang="en-GB" sz="1400" noProof="0" dirty="0"/>
-                        <a:t>0.44</a:t>
+                        <a:t>0.40</a:t>
                       </a:r>
                     </a:p>
                   </a:txBody>
@@ -16215,7 +16224,7 @@
                       <a:pPr algn="ctr"/>
                       <a:r>
                         <a:rPr lang="en-GB" sz="1400" noProof="0" dirty="0"/>
-                        <a:t>0.54</a:t>
+                        <a:t>0.49</a:t>
                       </a:r>
                     </a:p>
                   </a:txBody>
@@ -16229,7 +16238,7 @@
                       <a:pPr algn="ctr"/>
                       <a:r>
                         <a:rPr lang="en-GB" sz="1400" noProof="0" dirty="0"/>
-                        <a:t>0.60</a:t>
+                        <a:t>0.58</a:t>
                       </a:r>
                     </a:p>
                   </a:txBody>
@@ -16243,7 +16252,7 @@
                       <a:pPr algn="ctr"/>
                       <a:r>
                         <a:rPr lang="en-GB" sz="1400" noProof="0" dirty="0"/>
-                        <a:t>0.45</a:t>
+                        <a:t>0.40</a:t>
                       </a:r>
                     </a:p>
                   </a:txBody>
@@ -16297,7 +16306,21 @@
                       <a:pPr algn="ctr"/>
                       <a:r>
                         <a:rPr lang="en-GB" sz="1400" noProof="0" dirty="0"/>
-                        <a:t>0.81</a:t>
+                        <a:t>0.80</a:t>
+                      </a:r>
+                    </a:p>
+                  </a:txBody>
+                  <a:tcPr anchor="ctr"/>
+                </a:tc>
+                <a:tc>
+                  <a:txBody>
+                    <a:bodyPr/>
+                    <a:lstStyle/>
+                    <a:p>
+                      <a:pPr algn="ctr"/>
+                      <a:r>
+                        <a:rPr lang="en-GB" sz="1400" noProof="0" dirty="0"/>
+                        <a:t>0.40</a:t>
                       </a:r>
                     </a:p>
                   </a:txBody>
@@ -16312,20 +16335,6 @@
                       <a:r>
                         <a:rPr lang="en-GB" sz="1400" noProof="0" dirty="0"/>
                         <a:t>0.44</a:t>
-                      </a:r>
-                    </a:p>
-                  </a:txBody>
-                  <a:tcPr anchor="ctr"/>
-                </a:tc>
-                <a:tc>
-                  <a:txBody>
-                    <a:bodyPr/>
-                    <a:lstStyle/>
-                    <a:p>
-                      <a:pPr algn="ctr"/>
-                      <a:r>
-                        <a:rPr lang="en-GB" sz="1400" noProof="0" dirty="0"/>
-                        <a:t>0.49</a:t>
                       </a:r>
                     </a:p>
                   </a:txBody>

--- a/Documentation/5. Heuristic classifier strategy B.pptx
+++ b/Documentation/5. Heuristic classifier strategy B.pptx
@@ -223,7 +223,7 @@
           <a:p>
             <a:fld id="{1A21894F-B278-4D96-9594-A030EA633187}" type="datetimeFigureOut">
               <a:rPr lang="it-IT" smtClean="0"/>
-              <a:t>28/10/2024</a:t>
+              <a:t>29/10/2024</a:t>
             </a:fld>
             <a:endParaRPr lang="it-IT"/>
           </a:p>
@@ -3663,7 +3663,7 @@
           <a:p>
             <a:fld id="{58E4D78B-0F35-4E3B-A0B9-554BA787D8A4}" type="datetime1">
               <a:rPr lang="en-US" smtClean="0"/>
-              <a:t>10/28/2024</a:t>
+              <a:t>10/29/2024</a:t>
             </a:fld>
             <a:endParaRPr lang="en-US"/>
           </a:p>
@@ -3873,7 +3873,7 @@
           <a:p>
             <a:fld id="{604487E5-BE79-4BAC-AEB7-0CE0533B5E5C}" type="datetime1">
               <a:rPr lang="en-US" smtClean="0"/>
-              <a:t>10/28/2024</a:t>
+              <a:t>10/29/2024</a:t>
             </a:fld>
             <a:endParaRPr lang="en-US"/>
           </a:p>
@@ -4073,7 +4073,7 @@
           <a:p>
             <a:fld id="{DDA7E0CB-9E21-49FD-99A0-0CD75BBC45F4}" type="datetime1">
               <a:rPr lang="en-US" smtClean="0"/>
-              <a:t>10/28/2024</a:t>
+              <a:t>10/29/2024</a:t>
             </a:fld>
             <a:endParaRPr lang="en-US"/>
           </a:p>
@@ -4349,7 +4349,7 @@
           <a:p>
             <a:fld id="{661D7149-FE96-419A-8F67-9BD351842985}" type="datetime1">
               <a:rPr lang="en-US" smtClean="0"/>
-              <a:t>10/28/2024</a:t>
+              <a:t>10/29/2024</a:t>
             </a:fld>
             <a:endParaRPr lang="en-US"/>
           </a:p>
@@ -4617,7 +4617,7 @@
           <a:p>
             <a:fld id="{6CA97CEF-DD94-4A20-85BC-5094F3EA8887}" type="datetime1">
               <a:rPr lang="en-US" smtClean="0"/>
-              <a:t>10/28/2024</a:t>
+              <a:t>10/29/2024</a:t>
             </a:fld>
             <a:endParaRPr lang="en-US"/>
           </a:p>
@@ -5032,7 +5032,7 @@
           <a:p>
             <a:fld id="{9862EB4C-45F8-47BA-B435-B6097D61B684}" type="datetime1">
               <a:rPr lang="en-US" smtClean="0"/>
-              <a:t>10/28/2024</a:t>
+              <a:t>10/29/2024</a:t>
             </a:fld>
             <a:endParaRPr lang="en-US"/>
           </a:p>
@@ -5174,7 +5174,7 @@
           <a:p>
             <a:fld id="{FA7CD0E2-B7EC-4D81-9389-8F889EE865AB}" type="datetime1">
               <a:rPr lang="en-US" smtClean="0"/>
-              <a:t>10/28/2024</a:t>
+              <a:t>10/29/2024</a:t>
             </a:fld>
             <a:endParaRPr lang="en-US"/>
           </a:p>
@@ -5287,7 +5287,7 @@
           <a:p>
             <a:fld id="{18B47F5C-7FA0-44DA-BF82-413AB90208B7}" type="datetime1">
               <a:rPr lang="en-US" smtClean="0"/>
-              <a:t>10/28/2024</a:t>
+              <a:t>10/29/2024</a:t>
             </a:fld>
             <a:endParaRPr lang="en-US"/>
           </a:p>
@@ -5600,7 +5600,7 @@
           <a:p>
             <a:fld id="{403415A8-F8BD-47CC-8D20-53798396961D}" type="datetime1">
               <a:rPr lang="en-US" smtClean="0"/>
-              <a:t>10/28/2024</a:t>
+              <a:t>10/29/2024</a:t>
             </a:fld>
             <a:endParaRPr lang="en-US"/>
           </a:p>
@@ -5889,7 +5889,7 @@
           <a:p>
             <a:fld id="{6A12F5A1-6669-4CDD-B1B4-04FFE5C41ADE}" type="datetime1">
               <a:rPr lang="en-US" smtClean="0"/>
-              <a:t>10/28/2024</a:t>
+              <a:t>10/29/2024</a:t>
             </a:fld>
             <a:endParaRPr lang="en-US"/>
           </a:p>
@@ -6093,7 +6093,7 @@
           <a:p>
             <a:fld id="{63421662-C242-4258-8799-9F32C0D7CC75}" type="datetime1">
               <a:rPr lang="en-US" smtClean="0"/>
-              <a:t>10/28/2024</a:t>
+              <a:t>10/29/2024</a:t>
             </a:fld>
             <a:endParaRPr lang="en-US"/>
           </a:p>
@@ -8075,7 +8075,7 @@
                   </a:schemeClr>
                 </a:solidFill>
               </a:rPr>
-              <a:t>Atrial: t&lt;0.39s</a:t>
+              <a:t>Atrial: t&lt;0.38s</a:t>
             </a:r>
           </a:p>
           <a:p>
@@ -8103,7 +8103,7 @@
                   <a:srgbClr val="C00000"/>
                 </a:solidFill>
               </a:rPr>
-              <a:t>His bundle: 0.39&lt;t&lt;0.42</a:t>
+              <a:t>His bundle: 0.38&lt;t&lt;0.42</a:t>
             </a:r>
           </a:p>
           <a:p>
@@ -8397,7 +8397,7 @@
         </p:nvSpPr>
         <p:spPr>
           <a:xfrm>
-            <a:off x="4435957" y="5979973"/>
+            <a:off x="3820105" y="5975144"/>
             <a:ext cx="731520" cy="247018"/>
           </a:xfrm>
           <a:prstGeom prst="rect">
@@ -8448,7 +8448,7 @@
         </p:nvSpPr>
         <p:spPr>
           <a:xfrm>
-            <a:off x="7246508" y="4461596"/>
+            <a:off x="5950383" y="4475782"/>
             <a:ext cx="731520" cy="247018"/>
           </a:xfrm>
           <a:prstGeom prst="rect">
@@ -8539,14 +8539,14 @@
           <p:cNvCxnSpPr>
             <a:cxnSpLocks/>
             <a:stCxn id="3" idx="3"/>
-            <a:endCxn id="5" idx="1"/>
+            <a:endCxn id="26" idx="1"/>
           </p:cNvCxnSpPr>
           <p:nvPr/>
         </p:nvCxnSpPr>
         <p:spPr>
           <a:xfrm>
             <a:off x="2336292" y="4589133"/>
-            <a:ext cx="802812" cy="0"/>
+            <a:ext cx="854786" cy="10158"/>
           </a:xfrm>
           <a:prstGeom prst="straightConnector1">
             <a:avLst/>
@@ -8581,15 +8581,15 @@
           </p:cNvPr>
           <p:cNvCxnSpPr>
             <a:cxnSpLocks/>
-            <a:stCxn id="5" idx="3"/>
+            <a:stCxn id="26" idx="3"/>
             <a:endCxn id="8" idx="1"/>
           </p:cNvCxnSpPr>
           <p:nvPr/>
         </p:nvCxnSpPr>
         <p:spPr>
-          <a:xfrm flipV="1">
-            <a:off x="6464330" y="4585105"/>
-            <a:ext cx="782178" cy="4028"/>
+          <a:xfrm>
+            <a:off x="5180653" y="4599291"/>
+            <a:ext cx="769730" cy="0"/>
           </a:xfrm>
           <a:prstGeom prst="straightConnector1">
             <a:avLst/>
@@ -8624,15 +8624,15 @@
           </p:cNvPr>
           <p:cNvCxnSpPr>
             <a:cxnSpLocks/>
-            <a:stCxn id="5" idx="2"/>
+            <a:stCxn id="26" idx="2"/>
             <a:endCxn id="7" idx="0"/>
           </p:cNvCxnSpPr>
           <p:nvPr/>
         </p:nvCxnSpPr>
         <p:spPr>
-          <a:xfrm>
-            <a:off x="4801717" y="4962259"/>
-            <a:ext cx="0" cy="1017714"/>
+          <a:xfrm flipH="1">
+            <a:off x="4185865" y="4898131"/>
+            <a:ext cx="1" cy="1077013"/>
           </a:xfrm>
           <a:prstGeom prst="straightConnector1">
             <a:avLst/>
@@ -8670,7 +8670,7 @@
         </p:nvSpPr>
         <p:spPr>
           <a:xfrm>
-            <a:off x="2421348" y="4216006"/>
+            <a:off x="2496478" y="4296525"/>
             <a:ext cx="505968" cy="307777"/>
           </a:xfrm>
           <a:prstGeom prst="rect">
@@ -8705,7 +8705,7 @@
         </p:nvSpPr>
         <p:spPr>
           <a:xfrm>
-            <a:off x="6541407" y="4244277"/>
+            <a:off x="5309356" y="4281356"/>
             <a:ext cx="505968" cy="307777"/>
           </a:xfrm>
           <a:prstGeom prst="rect">
@@ -8740,7 +8740,7 @@
         </p:nvSpPr>
         <p:spPr>
           <a:xfrm>
-            <a:off x="4811978" y="5333719"/>
+            <a:off x="4185865" y="5367900"/>
             <a:ext cx="505968" cy="307777"/>
           </a:xfrm>
           <a:prstGeom prst="rect">
@@ -8946,11 +8946,25 @@
             </a:r>
             <a:r>
               <a:rPr lang="en-GB" sz="1200" dirty="0"/>
-              <a:t>, is chosen </a:t>
+              <a:t>, is chosen if the atrial peak is higher than the ventricular one.</a:t>
+            </a:r>
+          </a:p>
+          <a:p>
+            <a:r>
+              <a:rPr lang="en-GB" sz="1200" dirty="0"/>
+              <a:t>Finally, MAP C, </a:t>
             </a:r>
             <a:r>
               <a:rPr lang="en-GB" sz="1200" b="1" dirty="0"/>
-              <a:t>even</a:t>
+              <a:t>dangerous</a:t>
+            </a:r>
+            <a:r>
+              <a:rPr lang="en-GB" sz="1200" dirty="0"/>
+              <a:t>, is chosen as </a:t>
+            </a:r>
+            <a:r>
+              <a:rPr lang="en-GB" sz="1200" b="1" dirty="0"/>
+              <a:t>first</a:t>
             </a:r>
             <a:r>
               <a:rPr lang="en-GB" sz="1200" dirty="0"/>
@@ -8958,53 +8972,15 @@
             </a:r>
             <a:r>
               <a:rPr lang="en-GB" sz="1200" b="1" dirty="0"/>
-              <a:t>if</a:t>
+              <a:t>one</a:t>
             </a:r>
             <a:r>
               <a:rPr lang="en-GB" sz="1200" dirty="0"/>
-              <a:t> the </a:t>
+              <a:t> if there’s an </a:t>
             </a:r>
             <a:r>
               <a:rPr lang="en-GB" sz="1200" b="1" dirty="0"/>
-              <a:t>rules</a:t>
-            </a:r>
-            <a:r>
-              <a:rPr lang="en-GB" sz="1200" dirty="0"/>
-              <a:t> are </a:t>
-            </a:r>
-            <a:r>
-              <a:rPr lang="en-GB" sz="1200" b="1" dirty="0"/>
-              <a:t>not</a:t>
-            </a:r>
-            <a:r>
-              <a:rPr lang="en-GB" sz="1200" dirty="0"/>
-              <a:t> fully </a:t>
-            </a:r>
-            <a:r>
-              <a:rPr lang="en-GB" sz="1200" b="1" dirty="0"/>
-              <a:t>satisfied</a:t>
-            </a:r>
-            <a:r>
-              <a:rPr lang="en-GB" sz="1200" dirty="0"/>
-              <a:t> (e.g. noisy record), because the first condition is “does the signal don’t have a ventricular peak”.</a:t>
-            </a:r>
-          </a:p>
-          <a:p>
-            <a:r>
-              <a:rPr lang="en-GB" sz="1200" dirty="0"/>
-              <a:t>Finally, MAP C, </a:t>
-            </a:r>
-            <a:r>
-              <a:rPr lang="en-GB" sz="1200" b="1" dirty="0"/>
-              <a:t>dangerous</a:t>
-            </a:r>
-            <a:r>
-              <a:rPr lang="en-GB" sz="1200" dirty="0"/>
-              <a:t>, is chosen as </a:t>
-            </a:r>
-            <a:r>
-              <a:rPr lang="en-GB" sz="1200" b="1" dirty="0"/>
-              <a:t>first</a:t>
+              <a:t>over-threshold</a:t>
             </a:r>
             <a:r>
               <a:rPr lang="en-GB" sz="1200" dirty="0"/>
@@ -9012,15 +8988,7 @@
             </a:r>
             <a:r>
               <a:rPr lang="en-GB" sz="1200" b="1" dirty="0"/>
-              <a:t>one</a:t>
-            </a:r>
-            <a:r>
-              <a:rPr lang="en-GB" sz="1200" dirty="0"/>
-              <a:t> if there’s a </a:t>
-            </a:r>
-            <a:r>
-              <a:rPr lang="en-GB" sz="1200" b="1" dirty="0"/>
-              <a:t>peak</a:t>
+              <a:t>peak </a:t>
             </a:r>
             <a:r>
               <a:rPr lang="en-GB" sz="1200" dirty="0"/>
@@ -9037,245 +9005,65 @@
           </a:p>
         </p:txBody>
       </p:sp>
-      <p:grpSp>
-        <p:nvGrpSpPr>
-          <p:cNvPr id="37" name="Gruppo 36">
-            <a:extLst>
-              <a:ext uri="{FF2B5EF4-FFF2-40B4-BE49-F238E27FC236}">
-                <a16:creationId xmlns:a16="http://schemas.microsoft.com/office/drawing/2014/main" id="{DB981D36-CFF4-0C9A-96C7-EBD2B708F679}"/>
-              </a:ext>
-            </a:extLst>
-          </p:cNvPr>
-          <p:cNvGrpSpPr/>
+      <p:sp>
+        <p:nvSpPr>
+          <p:cNvPr id="26" name="Rettangolo con angoli arrotondati 25">
+            <a:extLst>
+              <a:ext uri="{FF2B5EF4-FFF2-40B4-BE49-F238E27FC236}">
+                <a16:creationId xmlns:a16="http://schemas.microsoft.com/office/drawing/2014/main" id="{D0ED1A5E-1EBD-CA70-9475-20C2CEBF59BF}"/>
+              </a:ext>
+            </a:extLst>
+          </p:cNvPr>
+          <p:cNvSpPr/>
           <p:nvPr/>
-        </p:nvGrpSpPr>
-        <p:grpSpPr>
+        </p:nvSpPr>
+        <p:spPr>
           <a:xfrm>
-            <a:off x="3139104" y="4216006"/>
-            <a:ext cx="3325226" cy="746253"/>
-            <a:chOff x="3625596" y="3904489"/>
-            <a:chExt cx="1591056" cy="746253"/>
+            <a:off x="3191078" y="4300451"/>
+            <a:ext cx="1989575" cy="597680"/>
           </a:xfrm>
-        </p:grpSpPr>
-        <p:sp>
-          <p:nvSpPr>
-            <p:cNvPr id="5" name="Rettangolo con angoli arrotondati 4">
-              <a:extLst>
-                <a:ext uri="{FF2B5EF4-FFF2-40B4-BE49-F238E27FC236}">
-                  <a16:creationId xmlns:a16="http://schemas.microsoft.com/office/drawing/2014/main" id="{825F59FB-A1A7-A26F-B08F-0467319CB1D3}"/>
-                </a:ext>
-              </a:extLst>
-            </p:cNvPr>
-            <p:cNvSpPr/>
-            <p:nvPr/>
-          </p:nvSpPr>
-          <p:spPr>
-            <a:xfrm>
-              <a:off x="3625596" y="3904489"/>
-              <a:ext cx="1591056" cy="746253"/>
-            </a:xfrm>
-            <a:prstGeom prst="roundRect">
-              <a:avLst>
-                <a:gd name="adj" fmla="val 6370"/>
-              </a:avLst>
-            </a:prstGeom>
-            <a:noFill/>
-            <a:ln w="28575">
-              <a:solidFill>
-                <a:schemeClr val="accent5">
-                  <a:lumMod val="40000"/>
-                  <a:lumOff val="60000"/>
-                </a:schemeClr>
-              </a:solidFill>
-            </a:ln>
-          </p:spPr>
-          <p:style>
-            <a:lnRef idx="2">
-              <a:schemeClr val="accent1">
-                <a:shade val="15000"/>
-              </a:schemeClr>
-            </a:lnRef>
-            <a:fillRef idx="1">
-              <a:schemeClr val="accent1"/>
-            </a:fillRef>
-            <a:effectRef idx="0">
-              <a:schemeClr val="accent1"/>
-            </a:effectRef>
-            <a:fontRef idx="minor">
-              <a:schemeClr val="lt1"/>
-            </a:fontRef>
-          </p:style>
-          <p:txBody>
-            <a:bodyPr rtlCol="0" anchor="ctr"/>
-            <a:lstStyle/>
-            <a:p>
-              <a:pPr algn="ctr"/>
-              <a:endParaRPr lang="en-GB" sz="1400" dirty="0">
+          <a:prstGeom prst="roundRect">
+            <a:avLst/>
+          </a:prstGeom>
+          <a:noFill/>
+          <a:ln w="28575">
+            <a:solidFill>
+              <a:srgbClr val="0070C0"/>
+            </a:solidFill>
+          </a:ln>
+        </p:spPr>
+        <p:style>
+          <a:lnRef idx="2">
+            <a:schemeClr val="accent1">
+              <a:shade val="15000"/>
+            </a:schemeClr>
+          </a:lnRef>
+          <a:fillRef idx="1">
+            <a:schemeClr val="accent1"/>
+          </a:fillRef>
+          <a:effectRef idx="0">
+            <a:schemeClr val="accent1"/>
+          </a:effectRef>
+          <a:fontRef idx="minor">
+            <a:schemeClr val="lt1"/>
+          </a:fontRef>
+        </p:style>
+        <p:txBody>
+          <a:bodyPr rtlCol="0" anchor="ctr"/>
+          <a:lstStyle/>
+          <a:p>
+            <a:pPr algn="ctr"/>
+            <a:r>
+              <a:rPr lang="en-GB" sz="1400" dirty="0">
                 <a:solidFill>
                   <a:schemeClr val="tx1"/>
                 </a:solidFill>
-              </a:endParaRPr>
-            </a:p>
-          </p:txBody>
-        </p:sp>
-        <p:sp>
-          <p:nvSpPr>
-            <p:cNvPr id="24" name="Rettangolo con angoli arrotondati 23">
-              <a:extLst>
-                <a:ext uri="{FF2B5EF4-FFF2-40B4-BE49-F238E27FC236}">
-                  <a16:creationId xmlns:a16="http://schemas.microsoft.com/office/drawing/2014/main" id="{57E7D106-18C7-8840-1832-D203EB595DC6}"/>
-                </a:ext>
-              </a:extLst>
-            </p:cNvPr>
-            <p:cNvSpPr/>
-            <p:nvPr/>
-          </p:nvSpPr>
-          <p:spPr>
-            <a:xfrm>
-              <a:off x="4509138" y="3979672"/>
-              <a:ext cx="670344" cy="605565"/>
-            </a:xfrm>
-            <a:prstGeom prst="roundRect">
-              <a:avLst/>
-            </a:prstGeom>
-            <a:noFill/>
-            <a:ln w="28575">
-              <a:solidFill>
-                <a:srgbClr val="0070C0"/>
-              </a:solidFill>
-            </a:ln>
-          </p:spPr>
-          <p:style>
-            <a:lnRef idx="2">
-              <a:schemeClr val="accent1">
-                <a:shade val="15000"/>
-              </a:schemeClr>
-            </a:lnRef>
-            <a:fillRef idx="1">
-              <a:schemeClr val="accent1"/>
-            </a:fillRef>
-            <a:effectRef idx="0">
-              <a:schemeClr val="accent1"/>
-            </a:effectRef>
-            <a:fontRef idx="minor">
-              <a:schemeClr val="lt1"/>
-            </a:fontRef>
-          </p:style>
-          <p:txBody>
-            <a:bodyPr rtlCol="0" anchor="ctr"/>
-            <a:lstStyle/>
-            <a:p>
-              <a:pPr algn="ctr"/>
-              <a:r>
-                <a:rPr lang="en-GB" sz="1200" dirty="0">
-                  <a:solidFill>
-                    <a:schemeClr val="tx1"/>
-                  </a:solidFill>
-                </a:rPr>
-                <a:t>Does the signal don’t a ventricular  peak? </a:t>
-              </a:r>
-            </a:p>
-          </p:txBody>
-        </p:sp>
-        <p:sp>
-          <p:nvSpPr>
-            <p:cNvPr id="26" name="Rettangolo con angoli arrotondati 25">
-              <a:extLst>
-                <a:ext uri="{FF2B5EF4-FFF2-40B4-BE49-F238E27FC236}">
-                  <a16:creationId xmlns:a16="http://schemas.microsoft.com/office/drawing/2014/main" id="{D0ED1A5E-1EBD-CA70-9475-20C2CEBF59BF}"/>
-                </a:ext>
-              </a:extLst>
-            </p:cNvPr>
-            <p:cNvSpPr/>
-            <p:nvPr/>
-          </p:nvSpPr>
-          <p:spPr>
-            <a:xfrm>
-              <a:off x="3662476" y="3987557"/>
-              <a:ext cx="670344" cy="597680"/>
-            </a:xfrm>
-            <a:prstGeom prst="roundRect">
-              <a:avLst/>
-            </a:prstGeom>
-            <a:noFill/>
-            <a:ln w="28575">
-              <a:solidFill>
-                <a:srgbClr val="0070C0"/>
-              </a:solidFill>
-            </a:ln>
-          </p:spPr>
-          <p:style>
-            <a:lnRef idx="2">
-              <a:schemeClr val="accent1">
-                <a:shade val="15000"/>
-              </a:schemeClr>
-            </a:lnRef>
-            <a:fillRef idx="1">
-              <a:schemeClr val="accent1"/>
-            </a:fillRef>
-            <a:effectRef idx="0">
-              <a:schemeClr val="accent1"/>
-            </a:effectRef>
-            <a:fontRef idx="minor">
-              <a:schemeClr val="lt1"/>
-            </a:fontRef>
-          </p:style>
-          <p:txBody>
-            <a:bodyPr rtlCol="0" anchor="ctr"/>
-            <a:lstStyle/>
-            <a:p>
-              <a:pPr algn="ctr"/>
-              <a:r>
-                <a:rPr lang="en-GB" sz="1200" dirty="0">
-                  <a:solidFill>
-                    <a:schemeClr val="tx1"/>
-                  </a:solidFill>
-                </a:rPr>
-                <a:t>Is the ventricular peak lower than atrial one?</a:t>
-              </a:r>
-            </a:p>
-          </p:txBody>
-        </p:sp>
-        <p:sp>
-          <p:nvSpPr>
-            <p:cNvPr id="31" name="CasellaDiTesto 30">
-              <a:extLst>
-                <a:ext uri="{FF2B5EF4-FFF2-40B4-BE49-F238E27FC236}">
-                  <a16:creationId xmlns:a16="http://schemas.microsoft.com/office/drawing/2014/main" id="{1F0F3E7D-7C19-2F1C-C77E-B532BE5DCDF0}"/>
-                </a:ext>
-              </a:extLst>
-            </p:cNvPr>
-            <p:cNvSpPr txBox="1"/>
-            <p:nvPr/>
-          </p:nvSpPr>
-          <p:spPr>
-            <a:xfrm>
-              <a:off x="4315215" y="4128565"/>
-              <a:ext cx="217044" cy="307777"/>
-            </a:xfrm>
-            <a:prstGeom prst="rect">
-              <a:avLst/>
-            </a:prstGeom>
-            <a:noFill/>
-          </p:spPr>
-          <p:txBody>
-            <a:bodyPr wrap="square" rtlCol="0">
-              <a:spAutoFit/>
-            </a:bodyPr>
-            <a:lstStyle/>
-            <a:p>
-              <a:r>
-                <a:rPr lang="it-IT" sz="1400" b="1" dirty="0">
-                  <a:solidFill>
-                    <a:srgbClr val="0070C0"/>
-                  </a:solidFill>
-                </a:rPr>
-                <a:t>OR</a:t>
-              </a:r>
-            </a:p>
-          </p:txBody>
-        </p:sp>
-      </p:grpSp>
+              </a:rPr>
+              <a:t>Is the ventricular peak lower than atrial one?</a:t>
+            </a:r>
+          </a:p>
+        </p:txBody>
+      </p:sp>
     </p:spTree>
     <p:extLst>
       <p:ext uri="{BB962C8B-B14F-4D97-AF65-F5344CB8AC3E}">
@@ -9639,15 +9427,7 @@
             </a:pPr>
             <a:r>
               <a:rPr lang="en-US" sz="1200" dirty="0"/>
-              <a:t>Then the maximum of the </a:t>
-            </a:r>
-            <a:r>
-              <a:rPr lang="en-US" sz="1200" dirty="0" err="1"/>
-              <a:t>segmen</a:t>
-            </a:r>
-            <a:r>
-              <a:rPr lang="en-US" sz="1200" dirty="0"/>
-              <a:t> is evaluated and saved into a vector of </a:t>
+              <a:t>Then the maximum of the segment is evaluated and saved into a vector of </a:t>
             </a:r>
             <a:r>
               <a:rPr lang="en-US" sz="1200" dirty="0" err="1"/>
@@ -9749,7 +9529,7 @@
         </p:blipFill>
         <p:spPr>
           <a:xfrm>
-            <a:off x="4454757" y="1788574"/>
+            <a:off x="4454757" y="1812745"/>
             <a:ext cx="4026549" cy="2684366"/>
           </a:xfrm>
           <a:prstGeom prst="rect">
@@ -9759,7 +9539,7 @@
       </p:pic>
       <p:pic>
         <p:nvPicPr>
-          <p:cNvPr id="10" name="Immagine 9" descr="Immagine che contiene testo, schermata, diagramma, linea&#10;&#10;Descrizione generata automaticamente">
+          <p:cNvPr id="10" name="Immagine 9">
             <a:extLst>
               <a:ext uri="{FF2B5EF4-FFF2-40B4-BE49-F238E27FC236}">
                 <a16:creationId xmlns:a16="http://schemas.microsoft.com/office/drawing/2014/main" id="{891F19A0-3702-CDAB-571F-137CB9A39C41}"/>
@@ -9779,14 +9559,13 @@
               </a:ext>
             </a:extLst>
           </a:blip>
-          <a:stretch>
-            <a:fillRect/>
-          </a:stretch>
+          <a:srcRect/>
+          <a:stretch/>
         </p:blipFill>
         <p:spPr>
           <a:xfrm>
-            <a:off x="8101599" y="1812745"/>
-            <a:ext cx="3761202" cy="2684366"/>
+            <a:off x="8101599" y="1901194"/>
+            <a:ext cx="3761202" cy="2507468"/>
           </a:xfrm>
           <a:prstGeom prst="rect">
             <a:avLst/>
@@ -9837,13 +9616,15 @@
               </a:ext>
             </a:extLst>
           </p:cNvPr>
-          <p:cNvCxnSpPr/>
+          <p:cNvCxnSpPr>
+            <a:cxnSpLocks/>
+          </p:cNvCxnSpPr>
           <p:nvPr/>
         </p:nvCxnSpPr>
         <p:spPr>
           <a:xfrm flipV="1">
-            <a:off x="9419687" y="4029243"/>
-            <a:ext cx="0" cy="396240"/>
+            <a:off x="9419687" y="3796164"/>
+            <a:ext cx="0" cy="629319"/>
           </a:xfrm>
           <a:prstGeom prst="straightConnector1">
             <a:avLst/>
@@ -10141,7 +9922,7 @@
         <p:spPr>
           <a:xfrm>
             <a:off x="3378739" y="1891633"/>
-            <a:ext cx="4824381" cy="4302840"/>
+            <a:ext cx="4658837" cy="4302840"/>
           </a:xfrm>
         </p:spPr>
         <p:txBody>
@@ -10155,8 +9936,54 @@
               <a:buAutoNum type="arabicPeriod"/>
             </a:pPr>
             <a:r>
+              <a:rPr lang="en-US" sz="1400" dirty="0"/>
+              <a:t>The given </a:t>
+            </a:r>
+            <a:r>
+              <a:rPr lang="en-US" sz="1400" dirty="0">
+                <a:solidFill>
+                  <a:srgbClr val="00B0F0"/>
+                </a:solidFill>
+              </a:rPr>
+              <a:t>record</a:t>
+            </a:r>
+            <a:r>
+              <a:rPr lang="en-US" sz="1400" dirty="0"/>
+              <a:t> is divided into three segments and the </a:t>
+            </a:r>
+            <a:r>
+              <a:rPr lang="en-US" sz="1400" dirty="0">
+                <a:solidFill>
+                  <a:srgbClr val="7030A0"/>
+                </a:solidFill>
+              </a:rPr>
+              <a:t>modulus</a:t>
+            </a:r>
+            <a:r>
+              <a:rPr lang="en-US" sz="1400" dirty="0"/>
+              <a:t> is taken</a:t>
+            </a:r>
+          </a:p>
+          <a:p>
+            <a:pPr marL="800100" lvl="1" indent="-342900">
+              <a:buFont typeface="+mj-lt"/>
+              <a:buAutoNum type="arabicPeriod"/>
+            </a:pPr>
+            <a:r>
               <a:rPr lang="en-US" sz="1200" dirty="0"/>
-              <a:t>The given </a:t>
+              <a:t>Atrial phase: </a:t>
+            </a:r>
+            <a:r>
+              <a:rPr lang="en-US" sz="1200" dirty="0">
+                <a:solidFill>
+                  <a:srgbClr val="7030A0"/>
+                </a:solidFill>
+              </a:rPr>
+              <a:t>abs</a:t>
+            </a:r>
+            <a:r>
+              <a:rPr lang="en-US" sz="1200" dirty="0"/>
+              <a:t>(</a:t>
             </a:r>
             <a:r>
               <a:rPr lang="en-US" sz="1200" dirty="0">
@@ -10168,7 +9995,29 @@
             </a:r>
             <a:r>
               <a:rPr lang="en-US" sz="1200" dirty="0"/>
-              <a:t> is divided into three segments and the </a:t>
+              <a:t>[t=0 : t=</a:t>
+            </a:r>
+            <a:r>
+              <a:rPr lang="en-US" sz="1200" dirty="0">
+                <a:solidFill>
+                  <a:srgbClr val="0070C0"/>
+                </a:solidFill>
+              </a:rPr>
+              <a:t>0.38</a:t>
+            </a:r>
+            <a:r>
+              <a:rPr lang="en-US" sz="1200" dirty="0"/>
+              <a:t>])</a:t>
+            </a:r>
+          </a:p>
+          <a:p>
+            <a:pPr marL="800100" lvl="1" indent="-342900">
+              <a:buFont typeface="+mj-lt"/>
+              <a:buAutoNum type="arabicPeriod"/>
+            </a:pPr>
+            <a:r>
+              <a:rPr lang="en-US" sz="1200" dirty="0"/>
+              <a:t>Ventricular phase: </a:t>
             </a:r>
             <a:r>
               <a:rPr lang="en-US" sz="1200" dirty="0">
@@ -10176,36 +10025,14 @@
                   <a:srgbClr val="7030A0"/>
                 </a:solidFill>
               </a:rPr>
-              <a:t>modulus</a:t>
+              <a:t>abs</a:t>
             </a:r>
             <a:r>
               <a:rPr lang="en-US" sz="1200" dirty="0"/>
-              <a:t> is taken</a:t>
-            </a:r>
-          </a:p>
-          <a:p>
-            <a:pPr marL="800100" lvl="1" indent="-342900">
-              <a:buFont typeface="+mj-lt"/>
-              <a:buAutoNum type="arabicPeriod"/>
-            </a:pPr>
-            <a:r>
-              <a:rPr lang="en-US" sz="1050" dirty="0"/>
-              <a:t>Atrial phase: </a:t>
-            </a:r>
-            <a:r>
-              <a:rPr lang="en-US" sz="1050" dirty="0">
-                <a:solidFill>
-                  <a:srgbClr val="7030A0"/>
-                </a:solidFill>
-              </a:rPr>
-              <a:t>abs</a:t>
-            </a:r>
-            <a:r>
-              <a:rPr lang="en-US" sz="1050" dirty="0"/>
               <a:t>(</a:t>
             </a:r>
             <a:r>
-              <a:rPr lang="en-US" sz="1050" dirty="0">
+              <a:rPr lang="en-US" sz="1200" dirty="0">
                 <a:solidFill>
                   <a:srgbClr val="00B0F0"/>
                 </a:solidFill>
@@ -10213,57 +10040,11 @@
               <a:t>record</a:t>
             </a:r>
             <a:r>
-              <a:rPr lang="en-US" sz="1050" dirty="0"/>
-              <a:t>[t=0 : t=</a:t>
-            </a:r>
-            <a:r>
-              <a:rPr lang="en-US" sz="1050" dirty="0">
-                <a:solidFill>
-                  <a:srgbClr val="0070C0"/>
-                </a:solidFill>
-              </a:rPr>
-              <a:t>0.38</a:t>
-            </a:r>
-            <a:r>
-              <a:rPr lang="en-US" sz="1050" dirty="0"/>
-              <a:t>])</a:t>
-            </a:r>
-          </a:p>
-          <a:p>
-            <a:pPr marL="800100" lvl="1" indent="-342900">
-              <a:buFont typeface="+mj-lt"/>
-              <a:buAutoNum type="arabicPeriod"/>
-            </a:pPr>
-            <a:r>
-              <a:rPr lang="en-US" sz="1050" dirty="0"/>
-              <a:t>Ventricular phase: </a:t>
-            </a:r>
-            <a:r>
-              <a:rPr lang="en-US" sz="1050" dirty="0">
-                <a:solidFill>
-                  <a:srgbClr val="7030A0"/>
-                </a:solidFill>
-              </a:rPr>
-              <a:t>abs</a:t>
-            </a:r>
-            <a:r>
-              <a:rPr lang="en-US" sz="1050" dirty="0"/>
-              <a:t>(</a:t>
-            </a:r>
-            <a:r>
-              <a:rPr lang="en-US" sz="1050" dirty="0">
-                <a:solidFill>
-                  <a:srgbClr val="00B0F0"/>
-                </a:solidFill>
-              </a:rPr>
-              <a:t>record</a:t>
-            </a:r>
-            <a:r>
-              <a:rPr lang="en-US" sz="1050" dirty="0"/>
+              <a:rPr lang="en-US" sz="1200" dirty="0"/>
               <a:t>[t=</a:t>
             </a:r>
             <a:r>
-              <a:rPr lang="en-US" sz="1050" dirty="0">
+              <a:rPr lang="en-US" sz="1200" dirty="0">
                 <a:solidFill>
                   <a:schemeClr val="accent6">
                     <a:lumMod val="75000"/>
@@ -10273,15 +10054,15 @@
               <a:t>0.42</a:t>
             </a:r>
             <a:r>
-              <a:rPr lang="en-US" sz="1050" dirty="0"/>
+              <a:rPr lang="en-US" sz="1200" dirty="0"/>
               <a:t> : t=</a:t>
             </a:r>
             <a:r>
-              <a:rPr lang="en-US" sz="1050" dirty="0" err="1"/>
+              <a:rPr lang="en-US" sz="1200" dirty="0" err="1"/>
               <a:t>t_end</a:t>
             </a:r>
             <a:r>
-              <a:rPr lang="en-US" sz="1050" dirty="0"/>
+              <a:rPr lang="en-US" sz="1200" dirty="0"/>
               <a:t>])</a:t>
             </a:r>
           </a:p>
@@ -10291,11 +10072,11 @@
               <a:buAutoNum type="arabicPeriod"/>
             </a:pPr>
             <a:r>
-              <a:rPr lang="en-US" sz="1050" dirty="0"/>
+              <a:rPr lang="en-US" sz="1200" dirty="0"/>
               <a:t>His phase: </a:t>
             </a:r>
             <a:r>
-              <a:rPr lang="en-US" sz="1050" dirty="0">
+              <a:rPr lang="en-US" sz="1200" dirty="0">
                 <a:solidFill>
                   <a:srgbClr val="7030A0"/>
                 </a:solidFill>
@@ -10303,11 +10084,11 @@
               <a:t>abs</a:t>
             </a:r>
             <a:r>
-              <a:rPr lang="en-US" sz="1050" dirty="0"/>
+              <a:rPr lang="en-US" sz="1200" dirty="0"/>
               <a:t>(</a:t>
             </a:r>
             <a:r>
-              <a:rPr lang="en-US" sz="1050" dirty="0">
+              <a:rPr lang="en-US" sz="1200" dirty="0">
                 <a:solidFill>
                   <a:srgbClr val="00B0F0"/>
                 </a:solidFill>
@@ -10315,11 +10096,11 @@
               <a:t>record</a:t>
             </a:r>
             <a:r>
-              <a:rPr lang="en-US" sz="1050" dirty="0"/>
+              <a:rPr lang="en-US" sz="1200" dirty="0"/>
               <a:t>[t=</a:t>
             </a:r>
             <a:r>
-              <a:rPr lang="en-US" sz="1050" dirty="0">
+              <a:rPr lang="en-US" sz="1200" dirty="0">
                 <a:solidFill>
                   <a:srgbClr val="0070C0"/>
                 </a:solidFill>
@@ -10327,11 +10108,11 @@
               <a:t>0.38</a:t>
             </a:r>
             <a:r>
-              <a:rPr lang="en-US" sz="1050" dirty="0"/>
+              <a:rPr lang="en-US" sz="1200" dirty="0"/>
               <a:t> : t=</a:t>
             </a:r>
             <a:r>
-              <a:rPr lang="en-US" sz="1050" dirty="0">
+              <a:rPr lang="en-US" sz="1200" dirty="0">
                 <a:solidFill>
                   <a:schemeClr val="accent6">
                     <a:lumMod val="75000"/>
@@ -10341,7 +10122,7 @@
               <a:t>0.42</a:t>
             </a:r>
             <a:r>
-              <a:rPr lang="en-US" sz="1050" dirty="0"/>
+              <a:rPr lang="en-US" sz="1200" dirty="0"/>
               <a:t>])</a:t>
             </a:r>
           </a:p>
@@ -10351,10 +10132,10 @@
               <a:buAutoNum type="arabicPeriod"/>
             </a:pPr>
             <a:r>
-              <a:rPr lang="en-US" sz="1200" dirty="0"/>
+              <a:rPr lang="en-US" sz="1400" dirty="0"/>
               <a:t>Into each segment the maximum is evaluated</a:t>
             </a:r>
-            <a:endParaRPr lang="en-US" sz="1050" dirty="0"/>
+            <a:endParaRPr lang="en-US" sz="1100" dirty="0"/>
           </a:p>
           <a:p>
             <a:pPr marL="342900" indent="-342900">
@@ -10362,11 +10143,11 @@
               <a:buAutoNum type="arabicPeriod"/>
             </a:pPr>
             <a:r>
-              <a:rPr lang="en-US" sz="1200" dirty="0" err="1"/>
+              <a:rPr lang="en-US" sz="1400" dirty="0" err="1"/>
               <a:t>His_bundle</a:t>
             </a:r>
             <a:r>
-              <a:rPr lang="en-US" sz="1200" dirty="0"/>
+              <a:rPr lang="en-US" sz="1400" dirty="0"/>
               <a:t> peak is compared with the threshold</a:t>
             </a:r>
           </a:p>
@@ -10376,7 +10157,7 @@
               <a:buAutoNum type="arabicPeriod"/>
             </a:pPr>
             <a:r>
-              <a:rPr lang="en-US" sz="1050" dirty="0">
+              <a:rPr lang="en-US" sz="1200" dirty="0">
                 <a:solidFill>
                   <a:srgbClr val="7030A0"/>
                 </a:solidFill>
@@ -10384,41 +10165,41 @@
               <a:t>If </a:t>
             </a:r>
             <a:r>
-              <a:rPr lang="en-US" sz="1050" dirty="0" err="1"/>
+              <a:rPr lang="en-US" sz="1200" dirty="0" err="1"/>
               <a:t>his_peak</a:t>
             </a:r>
             <a:r>
-              <a:rPr lang="en-US" sz="1050" dirty="0"/>
+              <a:rPr lang="en-US" sz="1200" dirty="0"/>
               <a:t>&lt;</a:t>
             </a:r>
             <a:r>
-              <a:rPr lang="en-US" sz="1050" dirty="0" err="1"/>
+              <a:rPr lang="en-US" sz="1200" dirty="0" err="1"/>
               <a:t>his_bundle_th</a:t>
             </a:r>
             <a:r>
-              <a:rPr lang="en-US" sz="1050" dirty="0"/>
+              <a:rPr lang="en-US" sz="1200" dirty="0"/>
               <a:t> </a:t>
             </a:r>
             <a:r>
-              <a:rPr lang="en-US" sz="1050" dirty="0">
+              <a:rPr lang="en-US" sz="1200" dirty="0">
                 <a:sym typeface="Wingdings" panose="05000000000000000000" pitchFamily="2" charset="2"/>
               </a:rPr>
               <a:t> </a:t>
             </a:r>
             <a:r>
-              <a:rPr lang="en-US" sz="1050" dirty="0" err="1">
+              <a:rPr lang="en-US" sz="1200" dirty="0" err="1">
                 <a:sym typeface="Wingdings" panose="05000000000000000000" pitchFamily="2" charset="2"/>
               </a:rPr>
               <a:t>his_peak</a:t>
             </a:r>
             <a:r>
-              <a:rPr lang="en-US" sz="1050" dirty="0">
+              <a:rPr lang="en-US" sz="1200" dirty="0">
                 <a:sym typeface="Wingdings" panose="05000000000000000000" pitchFamily="2" charset="2"/>
               </a:rPr>
               <a:t> = </a:t>
             </a:r>
             <a:r>
-              <a:rPr lang="en-US" sz="1050" dirty="0" err="1">
+              <a:rPr lang="en-US" sz="1200" dirty="0" err="1">
                 <a:solidFill>
                   <a:srgbClr val="7030A0"/>
                 </a:solidFill>
@@ -10426,7 +10207,7 @@
               </a:rPr>
               <a:t>NaN</a:t>
             </a:r>
-            <a:endParaRPr lang="en-US" sz="1050" dirty="0">
+            <a:endParaRPr lang="en-US" sz="1200" dirty="0">
               <a:solidFill>
                 <a:srgbClr val="7030A0"/>
               </a:solidFill>
@@ -10437,7 +10218,7 @@
               <a:buFont typeface="+mj-lt"/>
               <a:buAutoNum type="arabicPeriod"/>
             </a:pPr>
-            <a:endParaRPr lang="en-US" sz="1050" dirty="0"/>
+            <a:endParaRPr lang="en-US" sz="1100" dirty="0"/>
           </a:p>
           <a:p>
             <a:pPr marL="342900" indent="-342900">
@@ -10445,8 +10226,8 @@
               <a:buAutoNum type="arabicPeriod"/>
             </a:pPr>
             <a:r>
-              <a:rPr lang="en-US" sz="1200" dirty="0"/>
-              <a:t>Finally, the three peaks are compared:</a:t>
+              <a:rPr lang="en-US" sz="1400" dirty="0"/>
+              <a:t>Finally, the three peaks are compared, and the classification is made:</a:t>
             </a:r>
           </a:p>
           <a:p>
@@ -10455,7 +10236,7 @@
               <a:buAutoNum type="arabicPeriod"/>
             </a:pPr>
             <a:r>
-              <a:rPr lang="en-US" sz="1050" dirty="0">
+              <a:rPr lang="en-US" sz="1200" dirty="0">
                 <a:solidFill>
                   <a:srgbClr val="7030A0"/>
                 </a:solidFill>
@@ -10463,11 +10244,11 @@
               <a:t>If</a:t>
             </a:r>
             <a:r>
-              <a:rPr lang="en-US" sz="1050" dirty="0"/>
+              <a:rPr lang="en-US" sz="1200" dirty="0"/>
               <a:t> not(</a:t>
             </a:r>
             <a:r>
-              <a:rPr lang="en-US" sz="1050" dirty="0" err="1">
+              <a:rPr lang="en-US" sz="1200" dirty="0" err="1">
                 <a:solidFill>
                   <a:srgbClr val="7030A0"/>
                 </a:solidFill>
@@ -10475,25 +10256,25 @@
               <a:t>isnan</a:t>
             </a:r>
             <a:r>
-              <a:rPr lang="en-US" sz="1050" dirty="0"/>
+              <a:rPr lang="en-US" sz="1200" dirty="0"/>
               <a:t>(</a:t>
             </a:r>
             <a:r>
-              <a:rPr lang="en-US" sz="1050" dirty="0" err="1"/>
+              <a:rPr lang="en-US" sz="1200" dirty="0" err="1"/>
               <a:t>his_peak</a:t>
             </a:r>
             <a:r>
-              <a:rPr lang="en-US" sz="1050" dirty="0"/>
+              <a:rPr lang="en-US" sz="1200" dirty="0"/>
               <a:t>)) </a:t>
             </a:r>
             <a:r>
-              <a:rPr lang="en-US" sz="1050" dirty="0">
+              <a:rPr lang="en-US" sz="1200" dirty="0">
                 <a:sym typeface="Wingdings" panose="05000000000000000000" pitchFamily="2" charset="2"/>
               </a:rPr>
               <a:t> </a:t>
             </a:r>
             <a:r>
-              <a:rPr lang="en-US" sz="1050" dirty="0">
+              <a:rPr lang="en-US" sz="1200" dirty="0">
                 <a:solidFill>
                   <a:schemeClr val="accent1"/>
                 </a:solidFill>
@@ -10508,7 +10289,7 @@
               <a:buAutoNum type="arabicPeriod"/>
             </a:pPr>
             <a:r>
-              <a:rPr lang="en-US" sz="1050" dirty="0" err="1">
+              <a:rPr lang="en-US" sz="1200" dirty="0" err="1">
                 <a:solidFill>
                   <a:srgbClr val="7030A0"/>
                 </a:solidFill>
@@ -10517,7 +10298,7 @@
               <a:t>Elif</a:t>
             </a:r>
             <a:r>
-              <a:rPr lang="en-US" sz="1050" dirty="0">
+              <a:rPr lang="en-US" sz="1200" dirty="0">
                 <a:solidFill>
                   <a:srgbClr val="7030A0"/>
                 </a:solidFill>
@@ -10526,79 +10307,37 @@
               <a:t> </a:t>
             </a:r>
             <a:r>
-              <a:rPr lang="en-US" sz="1050" dirty="0">
+              <a:rPr lang="en-US" sz="1200" dirty="0">
                 <a:sym typeface="Wingdings" panose="05000000000000000000" pitchFamily="2" charset="2"/>
               </a:rPr>
               <a:t>[</a:t>
             </a:r>
             <a:r>
-              <a:rPr lang="en-US" sz="1050" dirty="0" err="1">
+              <a:rPr lang="en-US" sz="1200" dirty="0" err="1">
                 <a:sym typeface="Wingdings" panose="05000000000000000000" pitchFamily="2" charset="2"/>
               </a:rPr>
               <a:t>atrial_peak</a:t>
             </a:r>
             <a:r>
-              <a:rPr lang="en-US" sz="1050" dirty="0">
+              <a:rPr lang="en-US" sz="1200" dirty="0">
                 <a:sym typeface="Wingdings" panose="05000000000000000000" pitchFamily="2" charset="2"/>
               </a:rPr>
               <a:t>&gt;</a:t>
             </a:r>
             <a:r>
-              <a:rPr lang="en-US" sz="1050" dirty="0" err="1">
+              <a:rPr lang="en-US" sz="1200" dirty="0" err="1">
                 <a:sym typeface="Wingdings" panose="05000000000000000000" pitchFamily="2" charset="2"/>
               </a:rPr>
               <a:t>vent_peak</a:t>
             </a:r>
             <a:r>
-              <a:rPr lang="en-US" sz="1050" dirty="0">
+              <a:rPr lang="en-US" sz="1200" dirty="0">
                 <a:sym typeface="Wingdings" panose="05000000000000000000" pitchFamily="2" charset="2"/>
               </a:rPr>
-              <a:t> </a:t>
-            </a:r>
-            <a:r>
-              <a:rPr lang="en-US" sz="1050" dirty="0">
-                <a:solidFill>
-                  <a:srgbClr val="7030A0"/>
-                </a:solidFill>
-                <a:sym typeface="Wingdings" panose="05000000000000000000" pitchFamily="2" charset="2"/>
-              </a:rPr>
-              <a:t>OR</a:t>
-            </a:r>
-            <a:r>
-              <a:rPr lang="en-US" sz="1050" dirty="0">
-                <a:sym typeface="Wingdings" panose="05000000000000000000" pitchFamily="2" charset="2"/>
-              </a:rPr>
-              <a:t> </a:t>
-            </a:r>
-            <a:r>
-              <a:rPr lang="en-US" sz="1050" dirty="0" err="1">
-                <a:solidFill>
-                  <a:srgbClr val="7030A0"/>
-                </a:solidFill>
-                <a:sym typeface="Wingdings" panose="05000000000000000000" pitchFamily="2" charset="2"/>
-              </a:rPr>
-              <a:t>isnan</a:t>
-            </a:r>
-            <a:r>
-              <a:rPr lang="en-US" sz="1050" dirty="0">
-                <a:sym typeface="Wingdings" panose="05000000000000000000" pitchFamily="2" charset="2"/>
-              </a:rPr>
-              <a:t>(</a:t>
-            </a:r>
-            <a:r>
-              <a:rPr lang="en-US" sz="1050" dirty="0" err="1">
-                <a:sym typeface="Wingdings" panose="05000000000000000000" pitchFamily="2" charset="2"/>
-              </a:rPr>
-              <a:t>vent_peak</a:t>
-            </a:r>
-            <a:r>
-              <a:rPr lang="en-US" sz="1050" dirty="0">
-                <a:sym typeface="Wingdings" panose="05000000000000000000" pitchFamily="2" charset="2"/>
-              </a:rPr>
-              <a:t>)]  </a:t>
-            </a:r>
-            <a:r>
-              <a:rPr lang="en-US" sz="1050" dirty="0">
+              <a:t>  </a:t>
+            </a:r>
+            <a:r>
+              <a:rPr lang="en-US" sz="1200" dirty="0">
                 <a:solidFill>
                   <a:srgbClr val="0070C0"/>
                 </a:solidFill>
@@ -10613,7 +10352,7 @@
               <a:buAutoNum type="arabicPeriod"/>
             </a:pPr>
             <a:r>
-              <a:rPr lang="en-US" sz="1050" dirty="0">
+              <a:rPr lang="en-US" sz="1200" dirty="0">
                 <a:solidFill>
                   <a:srgbClr val="7030A0"/>
                 </a:solidFill>
@@ -10622,13 +10361,13 @@
               <a:t>Else </a:t>
             </a:r>
             <a:r>
-              <a:rPr lang="en-US" sz="1050" dirty="0">
+              <a:rPr lang="en-US" sz="1200" dirty="0">
                 <a:sym typeface="Wingdings" panose="05000000000000000000" pitchFamily="2" charset="2"/>
               </a:rPr>
               <a:t> </a:t>
             </a:r>
             <a:r>
-              <a:rPr lang="en-US" sz="1050" dirty="0">
+              <a:rPr lang="en-US" sz="1200" dirty="0">
                 <a:solidFill>
                   <a:srgbClr val="00B050"/>
                 </a:solidFill>
@@ -10636,7 +10375,7 @@
               </a:rPr>
               <a:t>MAP_B</a:t>
             </a:r>
-            <a:endParaRPr lang="en-US" sz="1050" dirty="0">
+            <a:endParaRPr lang="en-US" sz="1200" dirty="0">
               <a:solidFill>
                 <a:srgbClr val="00B050"/>
               </a:solidFill>
@@ -10674,36 +10413,109 @@
           </a:prstGeom>
         </p:spPr>
       </p:pic>
-      <p:pic>
-        <p:nvPicPr>
-          <p:cNvPr id="6" name="Immagine 5">
-            <a:extLst>
-              <a:ext uri="{FF2B5EF4-FFF2-40B4-BE49-F238E27FC236}">
-                <a16:creationId xmlns:a16="http://schemas.microsoft.com/office/drawing/2014/main" id="{2CD50E2B-D6D4-627F-0722-58A573A89FFE}"/>
-              </a:ext>
-            </a:extLst>
-          </p:cNvPr>
-          <p:cNvPicPr>
-            <a:picLocks noChangeAspect="1"/>
-          </p:cNvPicPr>
+      <p:grpSp>
+        <p:nvGrpSpPr>
+          <p:cNvPr id="7" name="Gruppo 6">
+            <a:extLst>
+              <a:ext uri="{FF2B5EF4-FFF2-40B4-BE49-F238E27FC236}">
+                <a16:creationId xmlns:a16="http://schemas.microsoft.com/office/drawing/2014/main" id="{0846F5A0-A544-51F5-2D28-88BCF38A76E9}"/>
+              </a:ext>
+            </a:extLst>
+          </p:cNvPr>
+          <p:cNvGrpSpPr/>
           <p:nvPr/>
-        </p:nvPicPr>
-        <p:blipFill>
-          <a:blip r:embed="rId4"/>
-          <a:stretch>
-            <a:fillRect/>
-          </a:stretch>
-        </p:blipFill>
-        <p:spPr>
+        </p:nvGrpSpPr>
+        <p:grpSpPr>
           <a:xfrm>
             <a:off x="351887" y="1891632"/>
             <a:ext cx="2935107" cy="4417727"/>
+            <a:chOff x="351887" y="1891632"/>
+            <a:chExt cx="2935107" cy="4417727"/>
           </a:xfrm>
-          <a:prstGeom prst="rect">
-            <a:avLst/>
-          </a:prstGeom>
-        </p:spPr>
-      </p:pic>
+        </p:grpSpPr>
+        <p:pic>
+          <p:nvPicPr>
+            <p:cNvPr id="6" name="Immagine 5">
+              <a:extLst>
+                <a:ext uri="{FF2B5EF4-FFF2-40B4-BE49-F238E27FC236}">
+                  <a16:creationId xmlns:a16="http://schemas.microsoft.com/office/drawing/2014/main" id="{2CD50E2B-D6D4-627F-0722-58A573A89FFE}"/>
+                </a:ext>
+              </a:extLst>
+            </p:cNvPr>
+            <p:cNvPicPr>
+              <a:picLocks noChangeAspect="1"/>
+            </p:cNvPicPr>
+            <p:nvPr/>
+          </p:nvPicPr>
+          <p:blipFill>
+            <a:blip r:embed="rId4"/>
+            <a:stretch>
+              <a:fillRect/>
+            </a:stretch>
+          </p:blipFill>
+          <p:spPr>
+            <a:xfrm>
+              <a:off x="351887" y="1891632"/>
+              <a:ext cx="2935107" cy="4417727"/>
+            </a:xfrm>
+            <a:prstGeom prst="rect">
+              <a:avLst/>
+            </a:prstGeom>
+          </p:spPr>
+        </p:pic>
+        <p:sp>
+          <p:nvSpPr>
+            <p:cNvPr id="3" name="Rettangolo 2">
+              <a:extLst>
+                <a:ext uri="{FF2B5EF4-FFF2-40B4-BE49-F238E27FC236}">
+                  <a16:creationId xmlns:a16="http://schemas.microsoft.com/office/drawing/2014/main" id="{D9807772-7A5A-CD0B-46D3-56CBE779DAB2}"/>
+                </a:ext>
+              </a:extLst>
+            </p:cNvPr>
+            <p:cNvSpPr/>
+            <p:nvPr/>
+          </p:nvSpPr>
+          <p:spPr>
+            <a:xfrm>
+              <a:off x="1950720" y="5359400"/>
+              <a:ext cx="1259840" cy="233680"/>
+            </a:xfrm>
+            <a:prstGeom prst="rect">
+              <a:avLst/>
+            </a:prstGeom>
+            <a:solidFill>
+              <a:srgbClr val="19232D"/>
+            </a:solidFill>
+            <a:ln>
+              <a:noFill/>
+            </a:ln>
+          </p:spPr>
+          <p:style>
+            <a:lnRef idx="2">
+              <a:schemeClr val="accent1">
+                <a:shade val="15000"/>
+              </a:schemeClr>
+            </a:lnRef>
+            <a:fillRef idx="1">
+              <a:schemeClr val="accent1"/>
+            </a:fillRef>
+            <a:effectRef idx="0">
+              <a:schemeClr val="accent1"/>
+            </a:effectRef>
+            <a:fontRef idx="minor">
+              <a:schemeClr val="lt1"/>
+            </a:fontRef>
+          </p:style>
+          <p:txBody>
+            <a:bodyPr rtlCol="0" anchor="ctr"/>
+            <a:lstStyle/>
+            <a:p>
+              <a:pPr algn="ctr"/>
+              <a:endParaRPr lang="it-IT"/>
+            </a:p>
+          </p:txBody>
+        </p:sp>
+      </p:grpSp>
     </p:spTree>
     <p:extLst>
       <p:ext uri="{BB962C8B-B14F-4D97-AF65-F5344CB8AC3E}">
@@ -11231,7 +11043,7 @@
       </p:sp>
       <p:pic>
         <p:nvPicPr>
-          <p:cNvPr id="8" name="Immagine 7" descr="Immagine che contiene testo, schermata, linea, Diagramma&#10;&#10;Descrizione generata automaticamente">
+          <p:cNvPr id="8" name="Immagine 7">
             <a:extLst>
               <a:ext uri="{FF2B5EF4-FFF2-40B4-BE49-F238E27FC236}">
                 <a16:creationId xmlns:a16="http://schemas.microsoft.com/office/drawing/2014/main" id="{24D296F0-A735-98B3-EB18-218F27D51C3C}"/>
@@ -11251,9 +11063,8 @@
               </a:ext>
             </a:extLst>
           </a:blip>
-          <a:stretch>
-            <a:fillRect/>
-          </a:stretch>
+          <a:srcRect/>
+          <a:stretch/>
         </p:blipFill>
         <p:spPr>
           <a:xfrm>
@@ -11583,7 +11394,7 @@
       </p:sp>
       <p:pic>
         <p:nvPicPr>
-          <p:cNvPr id="10" name="Immagine 9" descr="Immagine che contiene testo, linea, Diagramma, schermata&#10;&#10;Descrizione generata automaticamente">
+          <p:cNvPr id="10" name="Immagine 9">
             <a:extLst>
               <a:ext uri="{FF2B5EF4-FFF2-40B4-BE49-F238E27FC236}">
                 <a16:creationId xmlns:a16="http://schemas.microsoft.com/office/drawing/2014/main" id="{E41F11A2-BE5F-3532-67C2-20B26E602DC0}"/>
@@ -11603,9 +11414,8 @@
               </a:ext>
             </a:extLst>
           </a:blip>
-          <a:stretch>
-            <a:fillRect/>
-          </a:stretch>
+          <a:srcRect/>
+          <a:stretch/>
         </p:blipFill>
         <p:spPr>
           <a:xfrm>
@@ -11952,7 +11762,7 @@
       </p:sp>
       <p:pic>
         <p:nvPicPr>
-          <p:cNvPr id="3" name="Immagine 2" descr="Immagine che contiene testo, linea, diagramma, Diagramma&#10;&#10;Descrizione generata automaticamente">
+          <p:cNvPr id="3" name="Immagine 2">
             <a:extLst>
               <a:ext uri="{FF2B5EF4-FFF2-40B4-BE49-F238E27FC236}">
                 <a16:creationId xmlns:a16="http://schemas.microsoft.com/office/drawing/2014/main" id="{0487F610-3158-4B24-3F08-FE91F59FDBCD}"/>
@@ -11972,9 +11782,8 @@
               </a:ext>
             </a:extLst>
           </a:blip>
-          <a:stretch>
-            <a:fillRect/>
-          </a:stretch>
+          <a:srcRect/>
+          <a:stretch/>
         </p:blipFill>
         <p:spPr>
           <a:xfrm>
@@ -12318,7 +12127,7 @@
       </p:sp>
       <p:pic>
         <p:nvPicPr>
-          <p:cNvPr id="7" name="Immagine 6" descr="Immagine che contiene testo, linea, diagramma, Diagramma&#10;&#10;Descrizione generata automaticamente">
+          <p:cNvPr id="7" name="Immagine 6">
             <a:extLst>
               <a:ext uri="{FF2B5EF4-FFF2-40B4-BE49-F238E27FC236}">
                 <a16:creationId xmlns:a16="http://schemas.microsoft.com/office/drawing/2014/main" id="{A07A61A7-FBB3-A813-9D0D-B0A93772E337}"/>
@@ -12338,9 +12147,8 @@
               </a:ext>
             </a:extLst>
           </a:blip>
-          <a:stretch>
-            <a:fillRect/>
-          </a:stretch>
+          <a:srcRect/>
+          <a:stretch/>
         </p:blipFill>
         <p:spPr>
           <a:xfrm>
@@ -12840,7 +12648,7 @@
       </p:sp>
       <p:pic>
         <p:nvPicPr>
-          <p:cNvPr id="6" name="Immagine 5" descr="Immagine che contiene testo, linea, diagramma, Diagramma&#10;&#10;Descrizione generata automaticamente">
+          <p:cNvPr id="6" name="Immagine 5">
             <a:extLst>
               <a:ext uri="{FF2B5EF4-FFF2-40B4-BE49-F238E27FC236}">
                 <a16:creationId xmlns:a16="http://schemas.microsoft.com/office/drawing/2014/main" id="{1B0220A3-17FF-6921-4BFC-C3A9A3B9263D}"/>
@@ -12860,9 +12668,8 @@
               </a:ext>
             </a:extLst>
           </a:blip>
-          <a:stretch>
-            <a:fillRect/>
-          </a:stretch>
+          <a:srcRect/>
+          <a:stretch/>
         </p:blipFill>
         <p:spPr>
           <a:xfrm>
@@ -13209,7 +13016,7 @@
       </p:sp>
       <p:pic>
         <p:nvPicPr>
-          <p:cNvPr id="6" name="Immagine 5" descr="Immagine che contiene testo, linea, schermata, Diagramma&#10;&#10;Descrizione generata automaticamente">
+          <p:cNvPr id="6" name="Immagine 5">
             <a:extLst>
               <a:ext uri="{FF2B5EF4-FFF2-40B4-BE49-F238E27FC236}">
                 <a16:creationId xmlns:a16="http://schemas.microsoft.com/office/drawing/2014/main" id="{F829D469-1A08-394A-2C90-253D7099CDB9}"/>
@@ -13229,9 +13036,8 @@
               </a:ext>
             </a:extLst>
           </a:blip>
-          <a:stretch>
-            <a:fillRect/>
-          </a:stretch>
+          <a:srcRect/>
+          <a:stretch/>
         </p:blipFill>
         <p:spPr>
           <a:xfrm>
@@ -17409,7 +17215,7 @@
         <p:spPr>
           <a:xfrm>
             <a:off x="607277" y="1606160"/>
-            <a:ext cx="10274083" cy="2910976"/>
+            <a:ext cx="11060467" cy="4575184"/>
           </a:xfrm>
         </p:spPr>
         <p:txBody>
@@ -17693,8 +17499,6 @@
               <a:rPr lang="en-US" sz="1600" dirty="0"/>
               <a:t> to recognize these signals, even if clearly not sufficient. </a:t>
             </a:r>
-          </a:p>
-          <a:p>
             <a:endParaRPr lang="en-US" sz="1600" b="1" dirty="0"/>
           </a:p>
           <a:p>
@@ -17774,7 +17578,26 @@
             <a:pPr marL="0" indent="0">
               <a:buNone/>
             </a:pPr>
-            <a:endParaRPr lang="en-US" sz="1600" dirty="0"/>
+            <a:r>
+              <a:rPr lang="en-US" sz="1600" dirty="0"/>
+              <a:t>The most important advantage of this algorithm is the </a:t>
+            </a:r>
+            <a:r>
+              <a:rPr lang="en-US" sz="1600" b="1" dirty="0"/>
+              <a:t>full explainability of the process</a:t>
+            </a:r>
+            <a:r>
+              <a:rPr lang="en-US" sz="1600" dirty="0"/>
+              <a:t>. In fact, the significance of the His Bundle peak can be easily explained, differently from what happened when </a:t>
+            </a:r>
+            <a:r>
+              <a:rPr lang="en-US" sz="1600" i="1" dirty="0"/>
+              <a:t>built-in </a:t>
+            </a:r>
+            <a:r>
+              <a:rPr lang="en-US" sz="1600" dirty="0"/>
+              <a:t>functions.</a:t>
+            </a:r>
           </a:p>
           <a:p>
             <a:pPr marL="0" indent="0">

--- a/Documentation/5. Heuristic classifier strategy B.pptx
+++ b/Documentation/5. Heuristic classifier strategy B.pptx
@@ -20,8 +20,8 @@
     <p:sldId id="644" r:id="rId11"/>
     <p:sldId id="641" r:id="rId12"/>
     <p:sldId id="635" r:id="rId13"/>
-    <p:sldId id="650" r:id="rId14"/>
-    <p:sldId id="654" r:id="rId15"/>
+    <p:sldId id="654" r:id="rId14"/>
+    <p:sldId id="650" r:id="rId15"/>
     <p:sldId id="642" r:id="rId16"/>
     <p:sldId id="651" r:id="rId17"/>
     <p:sldId id="652" r:id="rId18"/>
@@ -798,7 +798,7 @@
         <p:cNvPr id="1" name="">
           <a:extLst>
             <a:ext uri="{FF2B5EF4-FFF2-40B4-BE49-F238E27FC236}">
-              <a16:creationId xmlns:a16="http://schemas.microsoft.com/office/drawing/2014/main" id="{0D77B7DA-0ACF-A5F8-79C4-0FB556D97F56}"/>
+              <a16:creationId xmlns:a16="http://schemas.microsoft.com/office/drawing/2014/main" id="{8AF4A77A-6C6B-1D3A-60D1-EEF9166664E1}"/>
             </a:ext>
           </a:extLst>
         </p:cNvPr>
@@ -818,7 +818,7 @@
           <p:cNvPr id="2" name="Segnaposto immagine diapositiva 1">
             <a:extLst>
               <a:ext uri="{FF2B5EF4-FFF2-40B4-BE49-F238E27FC236}">
-                <a16:creationId xmlns:a16="http://schemas.microsoft.com/office/drawing/2014/main" id="{3B4A0DA4-6F09-A9F0-88D1-00804A7E30E2}"/>
+                <a16:creationId xmlns:a16="http://schemas.microsoft.com/office/drawing/2014/main" id="{236653BE-2550-D784-1C7C-898E6671D031}"/>
               </a:ext>
             </a:extLst>
           </p:cNvPr>
@@ -836,7 +836,7 @@
           <p:cNvPr id="3" name="Segnaposto note 2">
             <a:extLst>
               <a:ext uri="{FF2B5EF4-FFF2-40B4-BE49-F238E27FC236}">
-                <a16:creationId xmlns:a16="http://schemas.microsoft.com/office/drawing/2014/main" id="{4BB23A41-852C-84DA-3AEB-2AD5F65149F0}"/>
+                <a16:creationId xmlns:a16="http://schemas.microsoft.com/office/drawing/2014/main" id="{31008133-79E2-7080-8A1C-0E8360903B41}"/>
               </a:ext>
             </a:extLst>
           </p:cNvPr>
@@ -861,7 +861,7 @@
           <p:cNvPr id="4" name="Segnaposto numero diapositiva 3">
             <a:extLst>
               <a:ext uri="{FF2B5EF4-FFF2-40B4-BE49-F238E27FC236}">
-                <a16:creationId xmlns:a16="http://schemas.microsoft.com/office/drawing/2014/main" id="{DC9C8460-5BE8-C080-7808-06A84A84C2C7}"/>
+                <a16:creationId xmlns:a16="http://schemas.microsoft.com/office/drawing/2014/main" id="{C018B108-90B4-A15D-3F72-ACA926132CC1}"/>
               </a:ext>
             </a:extLst>
           </p:cNvPr>
@@ -888,7 +888,7 @@
     </p:spTree>
     <p:extLst>
       <p:ext uri="{BB962C8B-B14F-4D97-AF65-F5344CB8AC3E}">
-        <p14:creationId xmlns:p14="http://schemas.microsoft.com/office/powerpoint/2010/main" val="1094532318"/>
+        <p14:creationId xmlns:p14="http://schemas.microsoft.com/office/powerpoint/2010/main" val="579123036"/>
       </p:ext>
     </p:extLst>
   </p:cSld>
@@ -906,7 +906,7 @@
         <p:cNvPr id="1" name="">
           <a:extLst>
             <a:ext uri="{FF2B5EF4-FFF2-40B4-BE49-F238E27FC236}">
-              <a16:creationId xmlns:a16="http://schemas.microsoft.com/office/drawing/2014/main" id="{8AF4A77A-6C6B-1D3A-60D1-EEF9166664E1}"/>
+              <a16:creationId xmlns:a16="http://schemas.microsoft.com/office/drawing/2014/main" id="{0D77B7DA-0ACF-A5F8-79C4-0FB556D97F56}"/>
             </a:ext>
           </a:extLst>
         </p:cNvPr>
@@ -926,7 +926,7 @@
           <p:cNvPr id="2" name="Segnaposto immagine diapositiva 1">
             <a:extLst>
               <a:ext uri="{FF2B5EF4-FFF2-40B4-BE49-F238E27FC236}">
-                <a16:creationId xmlns:a16="http://schemas.microsoft.com/office/drawing/2014/main" id="{236653BE-2550-D784-1C7C-898E6671D031}"/>
+                <a16:creationId xmlns:a16="http://schemas.microsoft.com/office/drawing/2014/main" id="{3B4A0DA4-6F09-A9F0-88D1-00804A7E30E2}"/>
               </a:ext>
             </a:extLst>
           </p:cNvPr>
@@ -944,7 +944,7 @@
           <p:cNvPr id="3" name="Segnaposto note 2">
             <a:extLst>
               <a:ext uri="{FF2B5EF4-FFF2-40B4-BE49-F238E27FC236}">
-                <a16:creationId xmlns:a16="http://schemas.microsoft.com/office/drawing/2014/main" id="{31008133-79E2-7080-8A1C-0E8360903B41}"/>
+                <a16:creationId xmlns:a16="http://schemas.microsoft.com/office/drawing/2014/main" id="{4BB23A41-852C-84DA-3AEB-2AD5F65149F0}"/>
               </a:ext>
             </a:extLst>
           </p:cNvPr>
@@ -969,7 +969,7 @@
           <p:cNvPr id="4" name="Segnaposto numero diapositiva 3">
             <a:extLst>
               <a:ext uri="{FF2B5EF4-FFF2-40B4-BE49-F238E27FC236}">
-                <a16:creationId xmlns:a16="http://schemas.microsoft.com/office/drawing/2014/main" id="{C018B108-90B4-A15D-3F72-ACA926132CC1}"/>
+                <a16:creationId xmlns:a16="http://schemas.microsoft.com/office/drawing/2014/main" id="{DC9C8460-5BE8-C080-7808-06A84A84C2C7}"/>
               </a:ext>
             </a:extLst>
           </p:cNvPr>
@@ -996,7 +996,7 @@
     </p:spTree>
     <p:extLst>
       <p:ext uri="{BB962C8B-B14F-4D97-AF65-F5344CB8AC3E}">
-        <p14:creationId xmlns:p14="http://schemas.microsoft.com/office/powerpoint/2010/main" val="579123036"/>
+        <p14:creationId xmlns:p14="http://schemas.microsoft.com/office/powerpoint/2010/main" val="1094532318"/>
       </p:ext>
     </p:extLst>
   </p:cSld>
@@ -9085,637 +9085,6 @@
         <p:cNvPr id="1" name="">
           <a:extLst>
             <a:ext uri="{FF2B5EF4-FFF2-40B4-BE49-F238E27FC236}">
-              <a16:creationId xmlns:a16="http://schemas.microsoft.com/office/drawing/2014/main" id="{E6C73941-4408-5253-0DB3-AA36D7BE61C4}"/>
-            </a:ext>
-          </a:extLst>
-        </p:cNvPr>
-        <p:cNvGrpSpPr/>
-        <p:nvPr/>
-      </p:nvGrpSpPr>
-      <p:grpSpPr>
-        <a:xfrm>
-          <a:off x="0" y="0"/>
-          <a:ext cx="0" cy="0"/>
-          <a:chOff x="0" y="0"/>
-          <a:chExt cx="0" cy="0"/>
-        </a:xfrm>
-      </p:grpSpPr>
-      <p:sp>
-        <p:nvSpPr>
-          <p:cNvPr id="2" name="Titolo 1">
-            <a:extLst>
-              <a:ext uri="{FF2B5EF4-FFF2-40B4-BE49-F238E27FC236}">
-                <a16:creationId xmlns:a16="http://schemas.microsoft.com/office/drawing/2014/main" id="{69224F11-8509-2CDF-AB9A-C45DEB9D1E58}"/>
-              </a:ext>
-            </a:extLst>
-          </p:cNvPr>
-          <p:cNvSpPr>
-            <a:spLocks noGrp="1"/>
-          </p:cNvSpPr>
-          <p:nvPr>
-            <p:ph type="title"/>
-          </p:nvPr>
-        </p:nvSpPr>
-        <p:spPr>
-          <a:xfrm>
-            <a:off x="838200" y="209292"/>
-            <a:ext cx="9905460" cy="971551"/>
-          </a:xfrm>
-        </p:spPr>
-        <p:txBody>
-          <a:bodyPr>
-            <a:normAutofit/>
-          </a:bodyPr>
-          <a:lstStyle/>
-          <a:p>
-            <a:r>
-              <a:rPr lang="en-US" sz="3600" dirty="0"/>
-              <a:t>His threshold tuning</a:t>
-            </a:r>
-          </a:p>
-        </p:txBody>
-      </p:sp>
-      <p:sp>
-        <p:nvSpPr>
-          <p:cNvPr id="4" name="Segnaposto numero diapositiva 3">
-            <a:extLst>
-              <a:ext uri="{FF2B5EF4-FFF2-40B4-BE49-F238E27FC236}">
-                <a16:creationId xmlns:a16="http://schemas.microsoft.com/office/drawing/2014/main" id="{2F6B30D3-0568-AC50-E4D5-B50B9B275D2C}"/>
-              </a:ext>
-            </a:extLst>
-          </p:cNvPr>
-          <p:cNvSpPr>
-            <a:spLocks noGrp="1"/>
-          </p:cNvSpPr>
-          <p:nvPr>
-            <p:ph type="sldNum" sz="quarter" idx="12"/>
-          </p:nvPr>
-        </p:nvSpPr>
-        <p:spPr/>
-        <p:txBody>
-          <a:bodyPr/>
-          <a:lstStyle/>
-          <a:p>
-            <a:fld id="{2FA0223F-D95A-431D-9A71-EDA7FA0C2F5B}" type="slidenum">
-              <a:rPr lang="en-US" smtClean="0"/>
-              <a:t>13</a:t>
-            </a:fld>
-            <a:endParaRPr lang="en-US"/>
-          </a:p>
-        </p:txBody>
-      </p:sp>
-      <p:sp>
-        <p:nvSpPr>
-          <p:cNvPr id="27" name="Rettangolo 26">
-            <a:extLst>
-              <a:ext uri="{FF2B5EF4-FFF2-40B4-BE49-F238E27FC236}">
-                <a16:creationId xmlns:a16="http://schemas.microsoft.com/office/drawing/2014/main" id="{A6BB5279-3CCD-B0B7-6A8E-70E82471908E}"/>
-              </a:ext>
-            </a:extLst>
-          </p:cNvPr>
-          <p:cNvSpPr/>
-          <p:nvPr/>
-        </p:nvSpPr>
-        <p:spPr>
-          <a:xfrm>
-            <a:off x="6723157" y="1812745"/>
-            <a:ext cx="206547" cy="168094"/>
-          </a:xfrm>
-          <a:prstGeom prst="rect">
-            <a:avLst/>
-          </a:prstGeom>
-          <a:solidFill>
-            <a:schemeClr val="bg1"/>
-          </a:solidFill>
-          <a:ln>
-            <a:solidFill>
-              <a:schemeClr val="bg1"/>
-            </a:solidFill>
-          </a:ln>
-        </p:spPr>
-        <p:style>
-          <a:lnRef idx="2">
-            <a:schemeClr val="accent1">
-              <a:shade val="15000"/>
-            </a:schemeClr>
-          </a:lnRef>
-          <a:fillRef idx="1">
-            <a:schemeClr val="accent1"/>
-          </a:fillRef>
-          <a:effectRef idx="0">
-            <a:schemeClr val="accent1"/>
-          </a:effectRef>
-          <a:fontRef idx="minor">
-            <a:schemeClr val="lt1"/>
-          </a:fontRef>
-        </p:style>
-        <p:txBody>
-          <a:bodyPr rtlCol="0" anchor="ctr"/>
-          <a:lstStyle/>
-          <a:p>
-            <a:pPr algn="ctr"/>
-            <a:endParaRPr lang="it-IT"/>
-          </a:p>
-        </p:txBody>
-      </p:sp>
-      <p:sp>
-        <p:nvSpPr>
-          <p:cNvPr id="12" name="Rettangolo 11">
-            <a:extLst>
-              <a:ext uri="{FF2B5EF4-FFF2-40B4-BE49-F238E27FC236}">
-                <a16:creationId xmlns:a16="http://schemas.microsoft.com/office/drawing/2014/main" id="{D62B20FF-0949-D2FD-4C51-9FD930CA107D}"/>
-              </a:ext>
-            </a:extLst>
-          </p:cNvPr>
-          <p:cNvSpPr/>
-          <p:nvPr/>
-        </p:nvSpPr>
-        <p:spPr>
-          <a:xfrm>
-            <a:off x="5468844" y="2179320"/>
-            <a:ext cx="223296" cy="160020"/>
-          </a:xfrm>
-          <a:prstGeom prst="rect">
-            <a:avLst/>
-          </a:prstGeom>
-          <a:solidFill>
-            <a:schemeClr val="bg1"/>
-          </a:solidFill>
-          <a:ln>
-            <a:solidFill>
-              <a:schemeClr val="bg1"/>
-            </a:solidFill>
-          </a:ln>
-        </p:spPr>
-        <p:style>
-          <a:lnRef idx="2">
-            <a:schemeClr val="accent1">
-              <a:shade val="15000"/>
-            </a:schemeClr>
-          </a:lnRef>
-          <a:fillRef idx="1">
-            <a:schemeClr val="accent1"/>
-          </a:fillRef>
-          <a:effectRef idx="0">
-            <a:schemeClr val="accent1"/>
-          </a:effectRef>
-          <a:fontRef idx="minor">
-            <a:schemeClr val="lt1"/>
-          </a:fontRef>
-        </p:style>
-        <p:txBody>
-          <a:bodyPr rtlCol="0" anchor="ctr"/>
-          <a:lstStyle/>
-          <a:p>
-            <a:pPr algn="ctr"/>
-            <a:endParaRPr lang="it-IT"/>
-          </a:p>
-        </p:txBody>
-      </p:sp>
-      <p:sp>
-        <p:nvSpPr>
-          <p:cNvPr id="8" name="Segnaposto contenuto 2">
-            <a:extLst>
-              <a:ext uri="{FF2B5EF4-FFF2-40B4-BE49-F238E27FC236}">
-                <a16:creationId xmlns:a16="http://schemas.microsoft.com/office/drawing/2014/main" id="{AC0629B5-D94A-09E9-A897-A747B045F6BA}"/>
-              </a:ext>
-            </a:extLst>
-          </p:cNvPr>
-          <p:cNvSpPr>
-            <a:spLocks noGrp="1"/>
-          </p:cNvSpPr>
-          <p:nvPr>
-            <p:ph idx="1"/>
-          </p:nvPr>
-        </p:nvSpPr>
-        <p:spPr>
-          <a:xfrm>
-            <a:off x="335309" y="1644744"/>
-            <a:ext cx="3761204" cy="4302840"/>
-          </a:xfrm>
-        </p:spPr>
-        <p:txBody>
-          <a:bodyPr>
-            <a:noAutofit/>
-          </a:bodyPr>
-          <a:lstStyle/>
-          <a:p>
-            <a:pPr marL="0" indent="0">
-              <a:buNone/>
-            </a:pPr>
-            <a:r>
-              <a:rPr lang="en-US" sz="1200" b="1" dirty="0"/>
-              <a:t>His peak threshold is fixed as a percentile of the distribution of maxima points around the His Peak of the training signals. </a:t>
-            </a:r>
-          </a:p>
-          <a:p>
-            <a:pPr marL="0" indent="0">
-              <a:buNone/>
-            </a:pPr>
-            <a:r>
-              <a:rPr lang="en-US" sz="1200" dirty="0"/>
-              <a:t>To do it:</a:t>
-            </a:r>
-          </a:p>
-          <a:p>
-            <a:pPr marL="342900" indent="-342900">
-              <a:buFont typeface="+mj-lt"/>
-              <a:buAutoNum type="arabicPeriod"/>
-            </a:pPr>
-            <a:r>
-              <a:rPr lang="en-US" sz="1200" dirty="0"/>
-              <a:t>From each </a:t>
-            </a:r>
-            <a:r>
-              <a:rPr lang="en-US" sz="1200" dirty="0">
-                <a:solidFill>
-                  <a:srgbClr val="00B0F0"/>
-                </a:solidFill>
-              </a:rPr>
-              <a:t>record</a:t>
-            </a:r>
-            <a:r>
-              <a:rPr lang="en-US" sz="1200" dirty="0"/>
-              <a:t> the </a:t>
-            </a:r>
-            <a:r>
-              <a:rPr lang="en-US" sz="1200" dirty="0">
-                <a:solidFill>
-                  <a:srgbClr val="7030A0"/>
-                </a:solidFill>
-              </a:rPr>
-              <a:t>modulus</a:t>
-            </a:r>
-            <a:r>
-              <a:rPr lang="en-US" sz="1200" dirty="0"/>
-              <a:t> of the His segment is taken</a:t>
-            </a:r>
-          </a:p>
-          <a:p>
-            <a:pPr marL="800100" lvl="1" indent="-342900">
-              <a:buFont typeface="+mj-lt"/>
-              <a:buAutoNum type="arabicPeriod"/>
-            </a:pPr>
-            <a:r>
-              <a:rPr lang="en-US" sz="1050" dirty="0"/>
-              <a:t>His phase: </a:t>
-            </a:r>
-            <a:r>
-              <a:rPr lang="en-US" sz="1050" dirty="0">
-                <a:solidFill>
-                  <a:srgbClr val="7030A0"/>
-                </a:solidFill>
-              </a:rPr>
-              <a:t>abs</a:t>
-            </a:r>
-            <a:r>
-              <a:rPr lang="en-US" sz="1050" dirty="0"/>
-              <a:t>(</a:t>
-            </a:r>
-            <a:r>
-              <a:rPr lang="en-US" sz="1050" dirty="0">
-                <a:solidFill>
-                  <a:srgbClr val="00B0F0"/>
-                </a:solidFill>
-              </a:rPr>
-              <a:t>record</a:t>
-            </a:r>
-            <a:r>
-              <a:rPr lang="en-US" sz="1050" dirty="0"/>
-              <a:t>[t=</a:t>
-            </a:r>
-            <a:r>
-              <a:rPr lang="en-US" sz="1050" dirty="0">
-                <a:solidFill>
-                  <a:srgbClr val="0070C0"/>
-                </a:solidFill>
-              </a:rPr>
-              <a:t>0.38</a:t>
-            </a:r>
-            <a:r>
-              <a:rPr lang="en-US" sz="1050" dirty="0"/>
-              <a:t> : t=</a:t>
-            </a:r>
-            <a:r>
-              <a:rPr lang="en-US" sz="1050" dirty="0">
-                <a:solidFill>
-                  <a:schemeClr val="accent6">
-                    <a:lumMod val="75000"/>
-                  </a:schemeClr>
-                </a:solidFill>
-              </a:rPr>
-              <a:t>0.42</a:t>
-            </a:r>
-            <a:r>
-              <a:rPr lang="en-US" sz="1050" dirty="0"/>
-              <a:t>])</a:t>
-            </a:r>
-          </a:p>
-          <a:p>
-            <a:pPr marL="457200" lvl="1" indent="0">
-              <a:buNone/>
-            </a:pPr>
-            <a:r>
-              <a:rPr lang="en-US" sz="1050" i="1" dirty="0"/>
-              <a:t>Boundaries are fixed as wide as possible without f1-score reduction.</a:t>
-            </a:r>
-          </a:p>
-          <a:p>
-            <a:pPr marL="342900" indent="-342900">
-              <a:buFont typeface="+mj-lt"/>
-              <a:buAutoNum type="arabicPeriod"/>
-            </a:pPr>
-            <a:r>
-              <a:rPr lang="en-US" sz="1200" dirty="0"/>
-              <a:t>Then the maximum of the segment is evaluated and saved into a vector of </a:t>
-            </a:r>
-            <a:r>
-              <a:rPr lang="en-US" sz="1200" dirty="0" err="1"/>
-              <a:t>maximum_points</a:t>
-            </a:r>
-            <a:endParaRPr lang="en-US" sz="1050" dirty="0"/>
-          </a:p>
-          <a:p>
-            <a:pPr marL="342900" indent="-342900">
-              <a:buFont typeface="+mj-lt"/>
-              <a:buAutoNum type="arabicPeriod"/>
-            </a:pPr>
-            <a:r>
-              <a:rPr lang="en-US" sz="1200" dirty="0"/>
-              <a:t>For each class, the F1-score value is evaluated as a function of the threshold, leading to the plot on the right.</a:t>
-            </a:r>
-          </a:p>
-          <a:p>
-            <a:pPr marL="800100" lvl="1" indent="-342900">
-              <a:buFont typeface="+mj-lt"/>
-              <a:buAutoNum type="arabicPeriod"/>
-            </a:pPr>
-            <a:r>
-              <a:rPr lang="en-US" sz="1050" dirty="0"/>
-              <a:t>Higher class F1-score combination is reached with a threshold equal to the 75</a:t>
-            </a:r>
-            <a:r>
-              <a:rPr lang="en-US" sz="1050" baseline="30000" dirty="0"/>
-              <a:t>th</a:t>
-            </a:r>
-            <a:r>
-              <a:rPr lang="en-US" sz="1050" dirty="0"/>
-              <a:t> percentile</a:t>
-            </a:r>
-            <a:endParaRPr lang="en-US" sz="1050" dirty="0">
-              <a:solidFill>
-                <a:srgbClr val="7030A0"/>
-              </a:solidFill>
-            </a:endParaRPr>
-          </a:p>
-          <a:p>
-            <a:pPr marL="342900" indent="-342900">
-              <a:buFont typeface="+mj-lt"/>
-              <a:buAutoNum type="arabicPeriod"/>
-            </a:pPr>
-            <a:r>
-              <a:rPr lang="en-US" sz="1200" dirty="0"/>
-              <a:t>Finally, the value of the threshold is saved for being used in the classification phase</a:t>
-            </a:r>
-          </a:p>
-          <a:p>
-            <a:pPr marL="0" indent="0">
-              <a:buNone/>
-            </a:pPr>
-            <a:r>
-              <a:rPr lang="en-US" sz="1200" dirty="0"/>
-              <a:t>In conclusion, the threshold was </a:t>
-            </a:r>
-            <a:r>
-              <a:rPr lang="en-US" sz="1200" b="1" dirty="0"/>
-              <a:t>0.0377</a:t>
-            </a:r>
-            <a:r>
-              <a:rPr lang="en-US" sz="1200" dirty="0"/>
-              <a:t> </a:t>
-            </a:r>
-            <a:r>
-              <a:rPr lang="en-US" sz="1200" b="1" dirty="0"/>
-              <a:t>mV</a:t>
-            </a:r>
-          </a:p>
-        </p:txBody>
-      </p:sp>
-      <p:pic>
-        <p:nvPicPr>
-          <p:cNvPr id="6" name="Immagine 5" descr="Immagine che contiene testo, diagramma, Diagramma, linea&#10;&#10;Descrizione generata automaticamente">
-            <a:extLst>
-              <a:ext uri="{FF2B5EF4-FFF2-40B4-BE49-F238E27FC236}">
-                <a16:creationId xmlns:a16="http://schemas.microsoft.com/office/drawing/2014/main" id="{35717B7E-2B10-D619-BF9E-CE80FABD2986}"/>
-              </a:ext>
-            </a:extLst>
-          </p:cNvPr>
-          <p:cNvPicPr>
-            <a:picLocks noChangeAspect="1"/>
-          </p:cNvPicPr>
-          <p:nvPr/>
-        </p:nvPicPr>
-        <p:blipFill>
-          <a:blip r:embed="rId3">
-            <a:extLst>
-              <a:ext uri="{28A0092B-C50C-407E-A947-70E740481C1C}">
-                <a14:useLocalDpi xmlns:a14="http://schemas.microsoft.com/office/drawing/2010/main" val="0"/>
-              </a:ext>
-            </a:extLst>
-          </a:blip>
-          <a:stretch>
-            <a:fillRect/>
-          </a:stretch>
-        </p:blipFill>
-        <p:spPr>
-          <a:xfrm>
-            <a:off x="4454757" y="1812745"/>
-            <a:ext cx="4026549" cy="2684366"/>
-          </a:xfrm>
-          <a:prstGeom prst="rect">
-            <a:avLst/>
-          </a:prstGeom>
-        </p:spPr>
-      </p:pic>
-      <p:pic>
-        <p:nvPicPr>
-          <p:cNvPr id="10" name="Immagine 9">
-            <a:extLst>
-              <a:ext uri="{FF2B5EF4-FFF2-40B4-BE49-F238E27FC236}">
-                <a16:creationId xmlns:a16="http://schemas.microsoft.com/office/drawing/2014/main" id="{891F19A0-3702-CDAB-571F-137CB9A39C41}"/>
-              </a:ext>
-            </a:extLst>
-          </p:cNvPr>
-          <p:cNvPicPr>
-            <a:picLocks noChangeAspect="1"/>
-          </p:cNvPicPr>
-          <p:nvPr/>
-        </p:nvPicPr>
-        <p:blipFill>
-          <a:blip r:embed="rId4">
-            <a:extLst>
-              <a:ext uri="{28A0092B-C50C-407E-A947-70E740481C1C}">
-                <a14:useLocalDpi xmlns:a14="http://schemas.microsoft.com/office/drawing/2010/main" val="0"/>
-              </a:ext>
-            </a:extLst>
-          </a:blip>
-          <a:srcRect/>
-          <a:stretch/>
-        </p:blipFill>
-        <p:spPr>
-          <a:xfrm>
-            <a:off x="8101599" y="1901194"/>
-            <a:ext cx="3761202" cy="2507468"/>
-          </a:xfrm>
-          <a:prstGeom prst="rect">
-            <a:avLst/>
-          </a:prstGeom>
-        </p:spPr>
-      </p:pic>
-      <p:sp>
-        <p:nvSpPr>
-          <p:cNvPr id="16" name="CasellaDiTesto 15">
-            <a:extLst>
-              <a:ext uri="{FF2B5EF4-FFF2-40B4-BE49-F238E27FC236}">
-                <a16:creationId xmlns:a16="http://schemas.microsoft.com/office/drawing/2014/main" id="{73438B88-375D-86D8-B96A-0886F2737F39}"/>
-              </a:ext>
-            </a:extLst>
-          </p:cNvPr>
-          <p:cNvSpPr txBox="1"/>
-          <p:nvPr/>
-        </p:nvSpPr>
-        <p:spPr>
-          <a:xfrm>
-            <a:off x="8839550" y="4381695"/>
-            <a:ext cx="2056973" cy="230832"/>
-          </a:xfrm>
-          <a:prstGeom prst="rect">
-            <a:avLst/>
-          </a:prstGeom>
-          <a:noFill/>
-        </p:spPr>
-        <p:txBody>
-          <a:bodyPr wrap="none" rtlCol="0">
-            <a:spAutoFit/>
-          </a:bodyPr>
-          <a:lstStyle/>
-          <a:p>
-            <a:r>
-              <a:rPr lang="en-US" sz="900"/>
-              <a:t>Threshold position into the distribution </a:t>
-            </a:r>
-          </a:p>
-        </p:txBody>
-      </p:sp>
-      <p:cxnSp>
-        <p:nvCxnSpPr>
-          <p:cNvPr id="18" name="Connettore 2 17">
-            <a:extLst>
-              <a:ext uri="{FF2B5EF4-FFF2-40B4-BE49-F238E27FC236}">
-                <a16:creationId xmlns:a16="http://schemas.microsoft.com/office/drawing/2014/main" id="{3C33D372-582E-B67F-D113-DC896F48B505}"/>
-              </a:ext>
-            </a:extLst>
-          </p:cNvPr>
-          <p:cNvCxnSpPr>
-            <a:cxnSpLocks/>
-          </p:cNvCxnSpPr>
-          <p:nvPr/>
-        </p:nvCxnSpPr>
-        <p:spPr>
-          <a:xfrm flipV="1">
-            <a:off x="9419687" y="3796164"/>
-            <a:ext cx="0" cy="629319"/>
-          </a:xfrm>
-          <a:prstGeom prst="straightConnector1">
-            <a:avLst/>
-          </a:prstGeom>
-          <a:ln>
-            <a:tailEnd type="triangle"/>
-          </a:ln>
-        </p:spPr>
-        <p:style>
-          <a:lnRef idx="2">
-            <a:schemeClr val="accent3"/>
-          </a:lnRef>
-          <a:fillRef idx="0">
-            <a:schemeClr val="accent3"/>
-          </a:fillRef>
-          <a:effectRef idx="1">
-            <a:schemeClr val="accent3"/>
-          </a:effectRef>
-          <a:fontRef idx="minor">
-            <a:schemeClr val="tx1"/>
-          </a:fontRef>
-        </p:style>
-      </p:cxnSp>
-      <p:cxnSp>
-        <p:nvCxnSpPr>
-          <p:cNvPr id="20" name="Connettore diritto 19">
-            <a:extLst>
-              <a:ext uri="{FF2B5EF4-FFF2-40B4-BE49-F238E27FC236}">
-                <a16:creationId xmlns:a16="http://schemas.microsoft.com/office/drawing/2014/main" id="{AAD6D4DA-5625-DBBA-E692-93F5B3BAA74F}"/>
-              </a:ext>
-            </a:extLst>
-          </p:cNvPr>
-          <p:cNvCxnSpPr>
-            <a:cxnSpLocks/>
-          </p:cNvCxnSpPr>
-          <p:nvPr/>
-        </p:nvCxnSpPr>
-        <p:spPr>
-          <a:xfrm flipV="1">
-            <a:off x="7355000" y="2179320"/>
-            <a:ext cx="0" cy="1980973"/>
-          </a:xfrm>
-          <a:prstGeom prst="line">
-            <a:avLst/>
-          </a:prstGeom>
-          <a:ln w="19050" cap="flat" cmpd="sng" algn="ctr">
-            <a:solidFill>
-              <a:schemeClr val="dk1"/>
-            </a:solidFill>
-            <a:prstDash val="dash"/>
-            <a:round/>
-            <a:headEnd type="none" w="med" len="med"/>
-            <a:tailEnd type="none" w="med" len="med"/>
-          </a:ln>
-        </p:spPr>
-        <p:style>
-          <a:lnRef idx="0">
-            <a:scrgbClr r="0" g="0" b="0"/>
-          </a:lnRef>
-          <a:fillRef idx="0">
-            <a:scrgbClr r="0" g="0" b="0"/>
-          </a:fillRef>
-          <a:effectRef idx="0">
-            <a:scrgbClr r="0" g="0" b="0"/>
-          </a:effectRef>
-          <a:fontRef idx="minor">
-            <a:schemeClr val="tx1"/>
-          </a:fontRef>
-        </p:style>
-      </p:cxnSp>
-    </p:spTree>
-    <p:extLst>
-      <p:ext uri="{BB962C8B-B14F-4D97-AF65-F5344CB8AC3E}">
-        <p14:creationId xmlns:p14="http://schemas.microsoft.com/office/powerpoint/2010/main" val="190187654"/>
-      </p:ext>
-    </p:extLst>
-  </p:cSld>
-  <p:clrMapOvr>
-    <a:masterClrMapping/>
-  </p:clrMapOvr>
-</p:sld>
-</file>
-
-<file path=ppt/slides/slide14.xml><?xml version="1.0" encoding="utf-8"?>
-<p:sld xmlns:a="http://schemas.openxmlformats.org/drawingml/2006/main" xmlns:r="http://schemas.openxmlformats.org/officeDocument/2006/relationships" xmlns:p="http://schemas.openxmlformats.org/presentationml/2006/main">
-  <p:cSld>
-    <p:spTree>
-      <p:nvGrpSpPr>
-        <p:cNvPr id="1" name="">
-          <a:extLst>
-            <a:ext uri="{FF2B5EF4-FFF2-40B4-BE49-F238E27FC236}">
               <a16:creationId xmlns:a16="http://schemas.microsoft.com/office/drawing/2014/main" id="{77E1989D-2F0E-98E7-D9D4-6E2B119EB4AD}"/>
             </a:ext>
           </a:extLst>
@@ -9789,7 +9158,7 @@
           <a:p>
             <a:fld id="{2FA0223F-D95A-431D-9A71-EDA7FA0C2F5B}" type="slidenum">
               <a:rPr lang="en-US" smtClean="0"/>
-              <a:t>14</a:t>
+              <a:t>13</a:t>
             </a:fld>
             <a:endParaRPr lang="en-US"/>
           </a:p>
@@ -10520,6 +9889,637 @@
     <p:extLst>
       <p:ext uri="{BB962C8B-B14F-4D97-AF65-F5344CB8AC3E}">
         <p14:creationId xmlns:p14="http://schemas.microsoft.com/office/powerpoint/2010/main" val="3415613353"/>
+      </p:ext>
+    </p:extLst>
+  </p:cSld>
+  <p:clrMapOvr>
+    <a:masterClrMapping/>
+  </p:clrMapOvr>
+</p:sld>
+</file>
+
+<file path=ppt/slides/slide14.xml><?xml version="1.0" encoding="utf-8"?>
+<p:sld xmlns:a="http://schemas.openxmlformats.org/drawingml/2006/main" xmlns:r="http://schemas.openxmlformats.org/officeDocument/2006/relationships" xmlns:p="http://schemas.openxmlformats.org/presentationml/2006/main">
+  <p:cSld>
+    <p:spTree>
+      <p:nvGrpSpPr>
+        <p:cNvPr id="1" name="">
+          <a:extLst>
+            <a:ext uri="{FF2B5EF4-FFF2-40B4-BE49-F238E27FC236}">
+              <a16:creationId xmlns:a16="http://schemas.microsoft.com/office/drawing/2014/main" id="{E6C73941-4408-5253-0DB3-AA36D7BE61C4}"/>
+            </a:ext>
+          </a:extLst>
+        </p:cNvPr>
+        <p:cNvGrpSpPr/>
+        <p:nvPr/>
+      </p:nvGrpSpPr>
+      <p:grpSpPr>
+        <a:xfrm>
+          <a:off x="0" y="0"/>
+          <a:ext cx="0" cy="0"/>
+          <a:chOff x="0" y="0"/>
+          <a:chExt cx="0" cy="0"/>
+        </a:xfrm>
+      </p:grpSpPr>
+      <p:sp>
+        <p:nvSpPr>
+          <p:cNvPr id="2" name="Titolo 1">
+            <a:extLst>
+              <a:ext uri="{FF2B5EF4-FFF2-40B4-BE49-F238E27FC236}">
+                <a16:creationId xmlns:a16="http://schemas.microsoft.com/office/drawing/2014/main" id="{69224F11-8509-2CDF-AB9A-C45DEB9D1E58}"/>
+              </a:ext>
+            </a:extLst>
+          </p:cNvPr>
+          <p:cNvSpPr>
+            <a:spLocks noGrp="1"/>
+          </p:cNvSpPr>
+          <p:nvPr>
+            <p:ph type="title"/>
+          </p:nvPr>
+        </p:nvSpPr>
+        <p:spPr>
+          <a:xfrm>
+            <a:off x="838200" y="209292"/>
+            <a:ext cx="9905460" cy="971551"/>
+          </a:xfrm>
+        </p:spPr>
+        <p:txBody>
+          <a:bodyPr>
+            <a:normAutofit/>
+          </a:bodyPr>
+          <a:lstStyle/>
+          <a:p>
+            <a:r>
+              <a:rPr lang="en-US" sz="3600" dirty="0"/>
+              <a:t>His threshold tuning</a:t>
+            </a:r>
+          </a:p>
+        </p:txBody>
+      </p:sp>
+      <p:sp>
+        <p:nvSpPr>
+          <p:cNvPr id="4" name="Segnaposto numero diapositiva 3">
+            <a:extLst>
+              <a:ext uri="{FF2B5EF4-FFF2-40B4-BE49-F238E27FC236}">
+                <a16:creationId xmlns:a16="http://schemas.microsoft.com/office/drawing/2014/main" id="{2F6B30D3-0568-AC50-E4D5-B50B9B275D2C}"/>
+              </a:ext>
+            </a:extLst>
+          </p:cNvPr>
+          <p:cNvSpPr>
+            <a:spLocks noGrp="1"/>
+          </p:cNvSpPr>
+          <p:nvPr>
+            <p:ph type="sldNum" sz="quarter" idx="12"/>
+          </p:nvPr>
+        </p:nvSpPr>
+        <p:spPr/>
+        <p:txBody>
+          <a:bodyPr/>
+          <a:lstStyle/>
+          <a:p>
+            <a:fld id="{2FA0223F-D95A-431D-9A71-EDA7FA0C2F5B}" type="slidenum">
+              <a:rPr lang="en-US" smtClean="0"/>
+              <a:t>14</a:t>
+            </a:fld>
+            <a:endParaRPr lang="en-US"/>
+          </a:p>
+        </p:txBody>
+      </p:sp>
+      <p:sp>
+        <p:nvSpPr>
+          <p:cNvPr id="27" name="Rettangolo 26">
+            <a:extLst>
+              <a:ext uri="{FF2B5EF4-FFF2-40B4-BE49-F238E27FC236}">
+                <a16:creationId xmlns:a16="http://schemas.microsoft.com/office/drawing/2014/main" id="{A6BB5279-3CCD-B0B7-6A8E-70E82471908E}"/>
+              </a:ext>
+            </a:extLst>
+          </p:cNvPr>
+          <p:cNvSpPr/>
+          <p:nvPr/>
+        </p:nvSpPr>
+        <p:spPr>
+          <a:xfrm>
+            <a:off x="6723157" y="1812745"/>
+            <a:ext cx="206547" cy="168094"/>
+          </a:xfrm>
+          <a:prstGeom prst="rect">
+            <a:avLst/>
+          </a:prstGeom>
+          <a:solidFill>
+            <a:schemeClr val="bg1"/>
+          </a:solidFill>
+          <a:ln>
+            <a:solidFill>
+              <a:schemeClr val="bg1"/>
+            </a:solidFill>
+          </a:ln>
+        </p:spPr>
+        <p:style>
+          <a:lnRef idx="2">
+            <a:schemeClr val="accent1">
+              <a:shade val="15000"/>
+            </a:schemeClr>
+          </a:lnRef>
+          <a:fillRef idx="1">
+            <a:schemeClr val="accent1"/>
+          </a:fillRef>
+          <a:effectRef idx="0">
+            <a:schemeClr val="accent1"/>
+          </a:effectRef>
+          <a:fontRef idx="minor">
+            <a:schemeClr val="lt1"/>
+          </a:fontRef>
+        </p:style>
+        <p:txBody>
+          <a:bodyPr rtlCol="0" anchor="ctr"/>
+          <a:lstStyle/>
+          <a:p>
+            <a:pPr algn="ctr"/>
+            <a:endParaRPr lang="it-IT"/>
+          </a:p>
+        </p:txBody>
+      </p:sp>
+      <p:sp>
+        <p:nvSpPr>
+          <p:cNvPr id="12" name="Rettangolo 11">
+            <a:extLst>
+              <a:ext uri="{FF2B5EF4-FFF2-40B4-BE49-F238E27FC236}">
+                <a16:creationId xmlns:a16="http://schemas.microsoft.com/office/drawing/2014/main" id="{D62B20FF-0949-D2FD-4C51-9FD930CA107D}"/>
+              </a:ext>
+            </a:extLst>
+          </p:cNvPr>
+          <p:cNvSpPr/>
+          <p:nvPr/>
+        </p:nvSpPr>
+        <p:spPr>
+          <a:xfrm>
+            <a:off x="5468844" y="2179320"/>
+            <a:ext cx="223296" cy="160020"/>
+          </a:xfrm>
+          <a:prstGeom prst="rect">
+            <a:avLst/>
+          </a:prstGeom>
+          <a:solidFill>
+            <a:schemeClr val="bg1"/>
+          </a:solidFill>
+          <a:ln>
+            <a:solidFill>
+              <a:schemeClr val="bg1"/>
+            </a:solidFill>
+          </a:ln>
+        </p:spPr>
+        <p:style>
+          <a:lnRef idx="2">
+            <a:schemeClr val="accent1">
+              <a:shade val="15000"/>
+            </a:schemeClr>
+          </a:lnRef>
+          <a:fillRef idx="1">
+            <a:schemeClr val="accent1"/>
+          </a:fillRef>
+          <a:effectRef idx="0">
+            <a:schemeClr val="accent1"/>
+          </a:effectRef>
+          <a:fontRef idx="minor">
+            <a:schemeClr val="lt1"/>
+          </a:fontRef>
+        </p:style>
+        <p:txBody>
+          <a:bodyPr rtlCol="0" anchor="ctr"/>
+          <a:lstStyle/>
+          <a:p>
+            <a:pPr algn="ctr"/>
+            <a:endParaRPr lang="it-IT"/>
+          </a:p>
+        </p:txBody>
+      </p:sp>
+      <p:sp>
+        <p:nvSpPr>
+          <p:cNvPr id="8" name="Segnaposto contenuto 2">
+            <a:extLst>
+              <a:ext uri="{FF2B5EF4-FFF2-40B4-BE49-F238E27FC236}">
+                <a16:creationId xmlns:a16="http://schemas.microsoft.com/office/drawing/2014/main" id="{AC0629B5-D94A-09E9-A897-A747B045F6BA}"/>
+              </a:ext>
+            </a:extLst>
+          </p:cNvPr>
+          <p:cNvSpPr>
+            <a:spLocks noGrp="1"/>
+          </p:cNvSpPr>
+          <p:nvPr>
+            <p:ph idx="1"/>
+          </p:nvPr>
+        </p:nvSpPr>
+        <p:spPr>
+          <a:xfrm>
+            <a:off x="335309" y="1644744"/>
+            <a:ext cx="3761204" cy="4302840"/>
+          </a:xfrm>
+        </p:spPr>
+        <p:txBody>
+          <a:bodyPr>
+            <a:noAutofit/>
+          </a:bodyPr>
+          <a:lstStyle/>
+          <a:p>
+            <a:pPr marL="0" indent="0">
+              <a:buNone/>
+            </a:pPr>
+            <a:r>
+              <a:rPr lang="en-US" sz="1200" b="1" dirty="0"/>
+              <a:t>His peak threshold is fixed as a percentile of the distribution of maxima points around the His Peak of the training signals. </a:t>
+            </a:r>
+          </a:p>
+          <a:p>
+            <a:pPr marL="0" indent="0">
+              <a:buNone/>
+            </a:pPr>
+            <a:r>
+              <a:rPr lang="en-US" sz="1200" dirty="0"/>
+              <a:t>To do it:</a:t>
+            </a:r>
+          </a:p>
+          <a:p>
+            <a:pPr marL="342900" indent="-342900">
+              <a:buFont typeface="+mj-lt"/>
+              <a:buAutoNum type="arabicPeriod"/>
+            </a:pPr>
+            <a:r>
+              <a:rPr lang="en-US" sz="1200" dirty="0"/>
+              <a:t>From each </a:t>
+            </a:r>
+            <a:r>
+              <a:rPr lang="en-US" sz="1200" dirty="0">
+                <a:solidFill>
+                  <a:srgbClr val="00B0F0"/>
+                </a:solidFill>
+              </a:rPr>
+              <a:t>record</a:t>
+            </a:r>
+            <a:r>
+              <a:rPr lang="en-US" sz="1200" dirty="0"/>
+              <a:t> the </a:t>
+            </a:r>
+            <a:r>
+              <a:rPr lang="en-US" sz="1200" dirty="0">
+                <a:solidFill>
+                  <a:srgbClr val="7030A0"/>
+                </a:solidFill>
+              </a:rPr>
+              <a:t>modulus</a:t>
+            </a:r>
+            <a:r>
+              <a:rPr lang="en-US" sz="1200" dirty="0"/>
+              <a:t> of the His segment is taken</a:t>
+            </a:r>
+          </a:p>
+          <a:p>
+            <a:pPr marL="800100" lvl="1" indent="-342900">
+              <a:buFont typeface="+mj-lt"/>
+              <a:buAutoNum type="arabicPeriod"/>
+            </a:pPr>
+            <a:r>
+              <a:rPr lang="en-US" sz="1050" dirty="0"/>
+              <a:t>His phase: </a:t>
+            </a:r>
+            <a:r>
+              <a:rPr lang="en-US" sz="1050" dirty="0">
+                <a:solidFill>
+                  <a:srgbClr val="7030A0"/>
+                </a:solidFill>
+              </a:rPr>
+              <a:t>abs</a:t>
+            </a:r>
+            <a:r>
+              <a:rPr lang="en-US" sz="1050" dirty="0"/>
+              <a:t>(</a:t>
+            </a:r>
+            <a:r>
+              <a:rPr lang="en-US" sz="1050" dirty="0">
+                <a:solidFill>
+                  <a:srgbClr val="00B0F0"/>
+                </a:solidFill>
+              </a:rPr>
+              <a:t>record</a:t>
+            </a:r>
+            <a:r>
+              <a:rPr lang="en-US" sz="1050" dirty="0"/>
+              <a:t>[t=</a:t>
+            </a:r>
+            <a:r>
+              <a:rPr lang="en-US" sz="1050" dirty="0">
+                <a:solidFill>
+                  <a:srgbClr val="0070C0"/>
+                </a:solidFill>
+              </a:rPr>
+              <a:t>0.38</a:t>
+            </a:r>
+            <a:r>
+              <a:rPr lang="en-US" sz="1050" dirty="0"/>
+              <a:t> : t=</a:t>
+            </a:r>
+            <a:r>
+              <a:rPr lang="en-US" sz="1050" dirty="0">
+                <a:solidFill>
+                  <a:schemeClr val="accent6">
+                    <a:lumMod val="75000"/>
+                  </a:schemeClr>
+                </a:solidFill>
+              </a:rPr>
+              <a:t>0.42</a:t>
+            </a:r>
+            <a:r>
+              <a:rPr lang="en-US" sz="1050" dirty="0"/>
+              <a:t>])</a:t>
+            </a:r>
+          </a:p>
+          <a:p>
+            <a:pPr marL="457200" lvl="1" indent="0">
+              <a:buNone/>
+            </a:pPr>
+            <a:r>
+              <a:rPr lang="en-US" sz="1050" i="1" dirty="0"/>
+              <a:t>Boundaries are fixed as wide as possible without f1-score reduction.</a:t>
+            </a:r>
+          </a:p>
+          <a:p>
+            <a:pPr marL="342900" indent="-342900">
+              <a:buFont typeface="+mj-lt"/>
+              <a:buAutoNum type="arabicPeriod"/>
+            </a:pPr>
+            <a:r>
+              <a:rPr lang="en-US" sz="1200" dirty="0"/>
+              <a:t>Then the maximum of the segment is evaluated and saved into a vector of </a:t>
+            </a:r>
+            <a:r>
+              <a:rPr lang="en-US" sz="1200" dirty="0" err="1"/>
+              <a:t>maximum_points</a:t>
+            </a:r>
+            <a:endParaRPr lang="en-US" sz="1050" dirty="0"/>
+          </a:p>
+          <a:p>
+            <a:pPr marL="342900" indent="-342900">
+              <a:buFont typeface="+mj-lt"/>
+              <a:buAutoNum type="arabicPeriod"/>
+            </a:pPr>
+            <a:r>
+              <a:rPr lang="en-US" sz="1200" dirty="0"/>
+              <a:t>For each class, the F1-score value is evaluated as a function of the threshold, leading to the plot on the right.</a:t>
+            </a:r>
+          </a:p>
+          <a:p>
+            <a:pPr marL="800100" lvl="1" indent="-342900">
+              <a:buFont typeface="+mj-lt"/>
+              <a:buAutoNum type="arabicPeriod"/>
+            </a:pPr>
+            <a:r>
+              <a:rPr lang="en-US" sz="1050" dirty="0"/>
+              <a:t>Higher class F1-score combination is reached with a threshold equal to the 75</a:t>
+            </a:r>
+            <a:r>
+              <a:rPr lang="en-US" sz="1050" baseline="30000" dirty="0"/>
+              <a:t>th</a:t>
+            </a:r>
+            <a:r>
+              <a:rPr lang="en-US" sz="1050" dirty="0"/>
+              <a:t> percentile</a:t>
+            </a:r>
+            <a:endParaRPr lang="en-US" sz="1050" dirty="0">
+              <a:solidFill>
+                <a:srgbClr val="7030A0"/>
+              </a:solidFill>
+            </a:endParaRPr>
+          </a:p>
+          <a:p>
+            <a:pPr marL="342900" indent="-342900">
+              <a:buFont typeface="+mj-lt"/>
+              <a:buAutoNum type="arabicPeriod"/>
+            </a:pPr>
+            <a:r>
+              <a:rPr lang="en-US" sz="1200" dirty="0"/>
+              <a:t>Finally, the value of the threshold is saved for being used in the classification phase</a:t>
+            </a:r>
+          </a:p>
+          <a:p>
+            <a:pPr marL="0" indent="0">
+              <a:buNone/>
+            </a:pPr>
+            <a:r>
+              <a:rPr lang="en-US" sz="1200" dirty="0"/>
+              <a:t>In conclusion, the threshold was </a:t>
+            </a:r>
+            <a:r>
+              <a:rPr lang="en-US" sz="1200" b="1" dirty="0"/>
+              <a:t>0.0377</a:t>
+            </a:r>
+            <a:r>
+              <a:rPr lang="en-US" sz="1200" dirty="0"/>
+              <a:t> </a:t>
+            </a:r>
+            <a:r>
+              <a:rPr lang="en-US" sz="1200" b="1" dirty="0"/>
+              <a:t>mV</a:t>
+            </a:r>
+          </a:p>
+        </p:txBody>
+      </p:sp>
+      <p:pic>
+        <p:nvPicPr>
+          <p:cNvPr id="6" name="Immagine 5" descr="Immagine che contiene testo, diagramma, Diagramma, linea&#10;&#10;Descrizione generata automaticamente">
+            <a:extLst>
+              <a:ext uri="{FF2B5EF4-FFF2-40B4-BE49-F238E27FC236}">
+                <a16:creationId xmlns:a16="http://schemas.microsoft.com/office/drawing/2014/main" id="{35717B7E-2B10-D619-BF9E-CE80FABD2986}"/>
+              </a:ext>
+            </a:extLst>
+          </p:cNvPr>
+          <p:cNvPicPr>
+            <a:picLocks noChangeAspect="1"/>
+          </p:cNvPicPr>
+          <p:nvPr/>
+        </p:nvPicPr>
+        <p:blipFill>
+          <a:blip r:embed="rId3">
+            <a:extLst>
+              <a:ext uri="{28A0092B-C50C-407E-A947-70E740481C1C}">
+                <a14:useLocalDpi xmlns:a14="http://schemas.microsoft.com/office/drawing/2010/main" val="0"/>
+              </a:ext>
+            </a:extLst>
+          </a:blip>
+          <a:stretch>
+            <a:fillRect/>
+          </a:stretch>
+        </p:blipFill>
+        <p:spPr>
+          <a:xfrm>
+            <a:off x="4454757" y="1812745"/>
+            <a:ext cx="4026549" cy="2684366"/>
+          </a:xfrm>
+          <a:prstGeom prst="rect">
+            <a:avLst/>
+          </a:prstGeom>
+        </p:spPr>
+      </p:pic>
+      <p:pic>
+        <p:nvPicPr>
+          <p:cNvPr id="10" name="Immagine 9">
+            <a:extLst>
+              <a:ext uri="{FF2B5EF4-FFF2-40B4-BE49-F238E27FC236}">
+                <a16:creationId xmlns:a16="http://schemas.microsoft.com/office/drawing/2014/main" id="{891F19A0-3702-CDAB-571F-137CB9A39C41}"/>
+              </a:ext>
+            </a:extLst>
+          </p:cNvPr>
+          <p:cNvPicPr>
+            <a:picLocks noChangeAspect="1"/>
+          </p:cNvPicPr>
+          <p:nvPr/>
+        </p:nvPicPr>
+        <p:blipFill>
+          <a:blip r:embed="rId4">
+            <a:extLst>
+              <a:ext uri="{28A0092B-C50C-407E-A947-70E740481C1C}">
+                <a14:useLocalDpi xmlns:a14="http://schemas.microsoft.com/office/drawing/2010/main" val="0"/>
+              </a:ext>
+            </a:extLst>
+          </a:blip>
+          <a:srcRect/>
+          <a:stretch/>
+        </p:blipFill>
+        <p:spPr>
+          <a:xfrm>
+            <a:off x="8101599" y="1901194"/>
+            <a:ext cx="3761202" cy="2507468"/>
+          </a:xfrm>
+          <a:prstGeom prst="rect">
+            <a:avLst/>
+          </a:prstGeom>
+        </p:spPr>
+      </p:pic>
+      <p:sp>
+        <p:nvSpPr>
+          <p:cNvPr id="16" name="CasellaDiTesto 15">
+            <a:extLst>
+              <a:ext uri="{FF2B5EF4-FFF2-40B4-BE49-F238E27FC236}">
+                <a16:creationId xmlns:a16="http://schemas.microsoft.com/office/drawing/2014/main" id="{73438B88-375D-86D8-B96A-0886F2737F39}"/>
+              </a:ext>
+            </a:extLst>
+          </p:cNvPr>
+          <p:cNvSpPr txBox="1"/>
+          <p:nvPr/>
+        </p:nvSpPr>
+        <p:spPr>
+          <a:xfrm>
+            <a:off x="8839550" y="4381695"/>
+            <a:ext cx="2056973" cy="230832"/>
+          </a:xfrm>
+          <a:prstGeom prst="rect">
+            <a:avLst/>
+          </a:prstGeom>
+          <a:noFill/>
+        </p:spPr>
+        <p:txBody>
+          <a:bodyPr wrap="none" rtlCol="0">
+            <a:spAutoFit/>
+          </a:bodyPr>
+          <a:lstStyle/>
+          <a:p>
+            <a:r>
+              <a:rPr lang="en-US" sz="900"/>
+              <a:t>Threshold position into the distribution </a:t>
+            </a:r>
+          </a:p>
+        </p:txBody>
+      </p:sp>
+      <p:cxnSp>
+        <p:nvCxnSpPr>
+          <p:cNvPr id="18" name="Connettore 2 17">
+            <a:extLst>
+              <a:ext uri="{FF2B5EF4-FFF2-40B4-BE49-F238E27FC236}">
+                <a16:creationId xmlns:a16="http://schemas.microsoft.com/office/drawing/2014/main" id="{3C33D372-582E-B67F-D113-DC896F48B505}"/>
+              </a:ext>
+            </a:extLst>
+          </p:cNvPr>
+          <p:cNvCxnSpPr>
+            <a:cxnSpLocks/>
+          </p:cNvCxnSpPr>
+          <p:nvPr/>
+        </p:nvCxnSpPr>
+        <p:spPr>
+          <a:xfrm flipV="1">
+            <a:off x="9419687" y="3796164"/>
+            <a:ext cx="0" cy="629319"/>
+          </a:xfrm>
+          <a:prstGeom prst="straightConnector1">
+            <a:avLst/>
+          </a:prstGeom>
+          <a:ln>
+            <a:tailEnd type="triangle"/>
+          </a:ln>
+        </p:spPr>
+        <p:style>
+          <a:lnRef idx="2">
+            <a:schemeClr val="accent3"/>
+          </a:lnRef>
+          <a:fillRef idx="0">
+            <a:schemeClr val="accent3"/>
+          </a:fillRef>
+          <a:effectRef idx="1">
+            <a:schemeClr val="accent3"/>
+          </a:effectRef>
+          <a:fontRef idx="minor">
+            <a:schemeClr val="tx1"/>
+          </a:fontRef>
+        </p:style>
+      </p:cxnSp>
+      <p:cxnSp>
+        <p:nvCxnSpPr>
+          <p:cNvPr id="20" name="Connettore diritto 19">
+            <a:extLst>
+              <a:ext uri="{FF2B5EF4-FFF2-40B4-BE49-F238E27FC236}">
+                <a16:creationId xmlns:a16="http://schemas.microsoft.com/office/drawing/2014/main" id="{AAD6D4DA-5625-DBBA-E692-93F5B3BAA74F}"/>
+              </a:ext>
+            </a:extLst>
+          </p:cNvPr>
+          <p:cNvCxnSpPr>
+            <a:cxnSpLocks/>
+          </p:cNvCxnSpPr>
+          <p:nvPr/>
+        </p:nvCxnSpPr>
+        <p:spPr>
+          <a:xfrm flipV="1">
+            <a:off x="7355000" y="2179320"/>
+            <a:ext cx="0" cy="1980973"/>
+          </a:xfrm>
+          <a:prstGeom prst="line">
+            <a:avLst/>
+          </a:prstGeom>
+          <a:ln w="19050" cap="flat" cmpd="sng" algn="ctr">
+            <a:solidFill>
+              <a:schemeClr val="dk1"/>
+            </a:solidFill>
+            <a:prstDash val="dash"/>
+            <a:round/>
+            <a:headEnd type="none" w="med" len="med"/>
+            <a:tailEnd type="none" w="med" len="med"/>
+          </a:ln>
+        </p:spPr>
+        <p:style>
+          <a:lnRef idx="0">
+            <a:scrgbClr r="0" g="0" b="0"/>
+          </a:lnRef>
+          <a:fillRef idx="0">
+            <a:scrgbClr r="0" g="0" b="0"/>
+          </a:fillRef>
+          <a:effectRef idx="0">
+            <a:scrgbClr r="0" g="0" b="0"/>
+          </a:effectRef>
+          <a:fontRef idx="minor">
+            <a:schemeClr val="tx1"/>
+          </a:fontRef>
+        </p:style>
+      </p:cxnSp>
+    </p:spTree>
+    <p:extLst>
+      <p:ext uri="{BB962C8B-B14F-4D97-AF65-F5344CB8AC3E}">
+        <p14:creationId xmlns:p14="http://schemas.microsoft.com/office/powerpoint/2010/main" val="190187654"/>
       </p:ext>
     </p:extLst>
   </p:cSld>
@@ -11076,6 +11076,75 @@
           </a:prstGeom>
         </p:spPr>
       </p:pic>
+      <p:sp>
+        <p:nvSpPr>
+          <p:cNvPr id="3" name="Rettangolo con angoli arrotondati 2">
+            <a:extLst>
+              <a:ext uri="{FF2B5EF4-FFF2-40B4-BE49-F238E27FC236}">
+                <a16:creationId xmlns:a16="http://schemas.microsoft.com/office/drawing/2014/main" id="{40ECFBE6-6BB9-2834-242C-239BA932F5BA}"/>
+              </a:ext>
+            </a:extLst>
+          </p:cNvPr>
+          <p:cNvSpPr/>
+          <p:nvPr/>
+        </p:nvSpPr>
+        <p:spPr>
+          <a:xfrm>
+            <a:off x="838200" y="5541264"/>
+            <a:ext cx="2057400" cy="685800"/>
+          </a:xfrm>
+          <a:prstGeom prst="roundRect">
+            <a:avLst/>
+          </a:prstGeom>
+        </p:spPr>
+        <p:style>
+          <a:lnRef idx="1">
+            <a:schemeClr val="accent4"/>
+          </a:lnRef>
+          <a:fillRef idx="2">
+            <a:schemeClr val="accent4"/>
+          </a:fillRef>
+          <a:effectRef idx="1">
+            <a:schemeClr val="accent4"/>
+          </a:effectRef>
+          <a:fontRef idx="minor">
+            <a:schemeClr val="dk1"/>
+          </a:fontRef>
+        </p:style>
+        <p:txBody>
+          <a:bodyPr rtlCol="0" anchor="ctr"/>
+          <a:lstStyle/>
+          <a:p>
+            <a:pPr algn="ctr"/>
+            <a:r>
+              <a:rPr lang="en-GB" sz="1200" dirty="0">
+                <a:solidFill>
+                  <a:schemeClr val="bg1">
+                    <a:lumMod val="50000"/>
+                  </a:schemeClr>
+                </a:solidFill>
+              </a:rPr>
+              <a:t>Gray lines</a:t>
+            </a:r>
+            <a:r>
+              <a:rPr lang="en-GB" sz="1200" dirty="0"/>
+              <a:t>: his peak searching box. </a:t>
+            </a:r>
+            <a:r>
+              <a:rPr lang="en-GB" sz="1200" dirty="0">
+                <a:solidFill>
+                  <a:srgbClr val="FF0000"/>
+                </a:solidFill>
+              </a:rPr>
+              <a:t>Red lines</a:t>
+            </a:r>
+            <a:r>
+              <a:rPr lang="en-GB" sz="1200" dirty="0"/>
+              <a:t>: his peak threshold</a:t>
+            </a:r>
+          </a:p>
+        </p:txBody>
+      </p:sp>
     </p:spTree>
     <p:extLst>
       <p:ext uri="{BB962C8B-B14F-4D97-AF65-F5344CB8AC3E}">
@@ -11427,6 +11496,75 @@
           </a:prstGeom>
         </p:spPr>
       </p:pic>
+      <p:sp>
+        <p:nvSpPr>
+          <p:cNvPr id="5" name="Rettangolo con angoli arrotondati 4">
+            <a:extLst>
+              <a:ext uri="{FF2B5EF4-FFF2-40B4-BE49-F238E27FC236}">
+                <a16:creationId xmlns:a16="http://schemas.microsoft.com/office/drawing/2014/main" id="{C8D5DF7B-F966-1FBF-DD09-D052F0F5E8F0}"/>
+              </a:ext>
+            </a:extLst>
+          </p:cNvPr>
+          <p:cNvSpPr/>
+          <p:nvPr/>
+        </p:nvSpPr>
+        <p:spPr>
+          <a:xfrm>
+            <a:off x="838200" y="5541264"/>
+            <a:ext cx="2057400" cy="685800"/>
+          </a:xfrm>
+          <a:prstGeom prst="roundRect">
+            <a:avLst/>
+          </a:prstGeom>
+        </p:spPr>
+        <p:style>
+          <a:lnRef idx="1">
+            <a:schemeClr val="accent4"/>
+          </a:lnRef>
+          <a:fillRef idx="2">
+            <a:schemeClr val="accent4"/>
+          </a:fillRef>
+          <a:effectRef idx="1">
+            <a:schemeClr val="accent4"/>
+          </a:effectRef>
+          <a:fontRef idx="minor">
+            <a:schemeClr val="dk1"/>
+          </a:fontRef>
+        </p:style>
+        <p:txBody>
+          <a:bodyPr rtlCol="0" anchor="ctr"/>
+          <a:lstStyle/>
+          <a:p>
+            <a:pPr algn="ctr"/>
+            <a:r>
+              <a:rPr lang="en-GB" sz="1200" dirty="0">
+                <a:solidFill>
+                  <a:schemeClr val="bg1">
+                    <a:lumMod val="50000"/>
+                  </a:schemeClr>
+                </a:solidFill>
+              </a:rPr>
+              <a:t>Gray lines</a:t>
+            </a:r>
+            <a:r>
+              <a:rPr lang="en-GB" sz="1200" dirty="0"/>
+              <a:t>: his peak searching box. </a:t>
+            </a:r>
+            <a:r>
+              <a:rPr lang="en-GB" sz="1200" dirty="0">
+                <a:solidFill>
+                  <a:srgbClr val="FF0000"/>
+                </a:solidFill>
+              </a:rPr>
+              <a:t>Red lines</a:t>
+            </a:r>
+            <a:r>
+              <a:rPr lang="en-GB" sz="1200" dirty="0"/>
+              <a:t>: his peak threshold</a:t>
+            </a:r>
+          </a:p>
+        </p:txBody>
+      </p:sp>
     </p:spTree>
     <p:extLst>
       <p:ext uri="{BB962C8B-B14F-4D97-AF65-F5344CB8AC3E}">
@@ -11795,6 +11933,140 @@
           </a:prstGeom>
         </p:spPr>
       </p:pic>
+      <p:pic>
+        <p:nvPicPr>
+          <p:cNvPr id="6" name="Immagine 5">
+            <a:extLst>
+              <a:ext uri="{FF2B5EF4-FFF2-40B4-BE49-F238E27FC236}">
+                <a16:creationId xmlns:a16="http://schemas.microsoft.com/office/drawing/2014/main" id="{FA48439A-D817-391C-7058-4A00D93D28D7}"/>
+              </a:ext>
+            </a:extLst>
+          </p:cNvPr>
+          <p:cNvPicPr>
+            <a:picLocks noChangeAspect="1"/>
+          </p:cNvPicPr>
+          <p:nvPr/>
+        </p:nvPicPr>
+        <p:blipFill>
+          <a:blip r:embed="rId3">
+            <a:extLst>
+              <a:ext uri="{28A0092B-C50C-407E-A947-70E740481C1C}">
+                <a14:useLocalDpi xmlns:a14="http://schemas.microsoft.com/office/drawing/2010/main" val="0"/>
+              </a:ext>
+            </a:extLst>
+          </a:blip>
+          <a:srcRect l="31353" t="27261" r="50716" b="50000"/>
+          <a:stretch/>
+        </p:blipFill>
+        <p:spPr>
+          <a:xfrm>
+            <a:off x="6492240" y="3570091"/>
+            <a:ext cx="1402845" cy="1185980"/>
+          </a:xfrm>
+          <a:prstGeom prst="rect">
+            <a:avLst/>
+          </a:prstGeom>
+          <a:solidFill>
+            <a:srgbClr val="FFFFFF">
+              <a:shade val="85000"/>
+            </a:srgbClr>
+          </a:solidFill>
+          <a:ln w="88900" cap="sq">
+            <a:solidFill>
+              <a:srgbClr val="FFFFFF"/>
+            </a:solidFill>
+            <a:miter lim="800000"/>
+          </a:ln>
+          <a:effectLst>
+            <a:outerShdw blurRad="55000" dist="18000" dir="5400000" algn="tl" rotWithShape="0">
+              <a:srgbClr val="000000">
+                <a:alpha val="40000"/>
+              </a:srgbClr>
+            </a:outerShdw>
+          </a:effectLst>
+          <a:scene3d>
+            <a:camera prst="orthographicFront"/>
+            <a:lightRig rig="twoPt" dir="t">
+              <a:rot lat="0" lon="0" rev="7200000"/>
+            </a:lightRig>
+          </a:scene3d>
+          <a:sp3d>
+            <a:bevelT w="25400" h="19050"/>
+            <a:contourClr>
+              <a:srgbClr val="FFFFFF"/>
+            </a:contourClr>
+          </a:sp3d>
+        </p:spPr>
+      </p:pic>
+      <p:sp>
+        <p:nvSpPr>
+          <p:cNvPr id="7" name="Rettangolo con angoli arrotondati 6">
+            <a:extLst>
+              <a:ext uri="{FF2B5EF4-FFF2-40B4-BE49-F238E27FC236}">
+                <a16:creationId xmlns:a16="http://schemas.microsoft.com/office/drawing/2014/main" id="{8E166CFE-1B4C-A772-D252-DCD51F5FE5E2}"/>
+              </a:ext>
+            </a:extLst>
+          </p:cNvPr>
+          <p:cNvSpPr/>
+          <p:nvPr/>
+        </p:nvSpPr>
+        <p:spPr>
+          <a:xfrm>
+            <a:off x="838200" y="5541264"/>
+            <a:ext cx="2057400" cy="685800"/>
+          </a:xfrm>
+          <a:prstGeom prst="roundRect">
+            <a:avLst/>
+          </a:prstGeom>
+        </p:spPr>
+        <p:style>
+          <a:lnRef idx="1">
+            <a:schemeClr val="accent4"/>
+          </a:lnRef>
+          <a:fillRef idx="2">
+            <a:schemeClr val="accent4"/>
+          </a:fillRef>
+          <a:effectRef idx="1">
+            <a:schemeClr val="accent4"/>
+          </a:effectRef>
+          <a:fontRef idx="minor">
+            <a:schemeClr val="dk1"/>
+          </a:fontRef>
+        </p:style>
+        <p:txBody>
+          <a:bodyPr rtlCol="0" anchor="ctr"/>
+          <a:lstStyle/>
+          <a:p>
+            <a:pPr algn="ctr"/>
+            <a:r>
+              <a:rPr lang="en-GB" sz="1200" dirty="0">
+                <a:solidFill>
+                  <a:schemeClr val="bg1">
+                    <a:lumMod val="50000"/>
+                  </a:schemeClr>
+                </a:solidFill>
+              </a:rPr>
+              <a:t>Gray lines</a:t>
+            </a:r>
+            <a:r>
+              <a:rPr lang="en-GB" sz="1200" dirty="0"/>
+              <a:t>: his peak searching box. </a:t>
+            </a:r>
+            <a:r>
+              <a:rPr lang="en-GB" sz="1200" dirty="0">
+                <a:solidFill>
+                  <a:srgbClr val="FF0000"/>
+                </a:solidFill>
+              </a:rPr>
+              <a:t>Red lines</a:t>
+            </a:r>
+            <a:r>
+              <a:rPr lang="en-GB" sz="1200" dirty="0"/>
+              <a:t>: his peak threshold</a:t>
+            </a:r>
+          </a:p>
+        </p:txBody>
+      </p:sp>
     </p:spTree>
     <p:extLst>
       <p:ext uri="{BB962C8B-B14F-4D97-AF65-F5344CB8AC3E}">
@@ -12160,6 +12432,75 @@
           </a:prstGeom>
         </p:spPr>
       </p:pic>
+      <p:sp>
+        <p:nvSpPr>
+          <p:cNvPr id="5" name="Rettangolo con angoli arrotondati 4">
+            <a:extLst>
+              <a:ext uri="{FF2B5EF4-FFF2-40B4-BE49-F238E27FC236}">
+                <a16:creationId xmlns:a16="http://schemas.microsoft.com/office/drawing/2014/main" id="{1EC5539E-FEB7-C444-3F81-F85A38760F6F}"/>
+              </a:ext>
+            </a:extLst>
+          </p:cNvPr>
+          <p:cNvSpPr/>
+          <p:nvPr/>
+        </p:nvSpPr>
+        <p:spPr>
+          <a:xfrm>
+            <a:off x="838200" y="5541264"/>
+            <a:ext cx="2057400" cy="685800"/>
+          </a:xfrm>
+          <a:prstGeom prst="roundRect">
+            <a:avLst/>
+          </a:prstGeom>
+        </p:spPr>
+        <p:style>
+          <a:lnRef idx="1">
+            <a:schemeClr val="accent4"/>
+          </a:lnRef>
+          <a:fillRef idx="2">
+            <a:schemeClr val="accent4"/>
+          </a:fillRef>
+          <a:effectRef idx="1">
+            <a:schemeClr val="accent4"/>
+          </a:effectRef>
+          <a:fontRef idx="minor">
+            <a:schemeClr val="dk1"/>
+          </a:fontRef>
+        </p:style>
+        <p:txBody>
+          <a:bodyPr rtlCol="0" anchor="ctr"/>
+          <a:lstStyle/>
+          <a:p>
+            <a:pPr algn="ctr"/>
+            <a:r>
+              <a:rPr lang="en-GB" sz="1200" dirty="0">
+                <a:solidFill>
+                  <a:schemeClr val="bg1">
+                    <a:lumMod val="50000"/>
+                  </a:schemeClr>
+                </a:solidFill>
+              </a:rPr>
+              <a:t>Gray lines</a:t>
+            </a:r>
+            <a:r>
+              <a:rPr lang="en-GB" sz="1200" dirty="0"/>
+              <a:t>: his peak searching box. </a:t>
+            </a:r>
+            <a:r>
+              <a:rPr lang="en-GB" sz="1200" dirty="0">
+                <a:solidFill>
+                  <a:srgbClr val="FF0000"/>
+                </a:solidFill>
+              </a:rPr>
+              <a:t>Red lines</a:t>
+            </a:r>
+            <a:r>
+              <a:rPr lang="en-GB" sz="1200" dirty="0"/>
+              <a:t>: his peak threshold</a:t>
+            </a:r>
+          </a:p>
+        </p:txBody>
+      </p:sp>
     </p:spTree>
     <p:extLst>
       <p:ext uri="{BB962C8B-B14F-4D97-AF65-F5344CB8AC3E}">
@@ -12681,6 +13022,75 @@
           </a:prstGeom>
         </p:spPr>
       </p:pic>
+      <p:sp>
+        <p:nvSpPr>
+          <p:cNvPr id="5" name="Rettangolo con angoli arrotondati 4">
+            <a:extLst>
+              <a:ext uri="{FF2B5EF4-FFF2-40B4-BE49-F238E27FC236}">
+                <a16:creationId xmlns:a16="http://schemas.microsoft.com/office/drawing/2014/main" id="{F73C0AAC-7889-5E11-9533-0346A9057F1C}"/>
+              </a:ext>
+            </a:extLst>
+          </p:cNvPr>
+          <p:cNvSpPr/>
+          <p:nvPr/>
+        </p:nvSpPr>
+        <p:spPr>
+          <a:xfrm>
+            <a:off x="838200" y="5541264"/>
+            <a:ext cx="2057400" cy="685800"/>
+          </a:xfrm>
+          <a:prstGeom prst="roundRect">
+            <a:avLst/>
+          </a:prstGeom>
+        </p:spPr>
+        <p:style>
+          <a:lnRef idx="1">
+            <a:schemeClr val="accent4"/>
+          </a:lnRef>
+          <a:fillRef idx="2">
+            <a:schemeClr val="accent4"/>
+          </a:fillRef>
+          <a:effectRef idx="1">
+            <a:schemeClr val="accent4"/>
+          </a:effectRef>
+          <a:fontRef idx="minor">
+            <a:schemeClr val="dk1"/>
+          </a:fontRef>
+        </p:style>
+        <p:txBody>
+          <a:bodyPr rtlCol="0" anchor="ctr"/>
+          <a:lstStyle/>
+          <a:p>
+            <a:pPr algn="ctr"/>
+            <a:r>
+              <a:rPr lang="en-GB" sz="1200" dirty="0">
+                <a:solidFill>
+                  <a:schemeClr val="bg1">
+                    <a:lumMod val="50000"/>
+                  </a:schemeClr>
+                </a:solidFill>
+              </a:rPr>
+              <a:t>Gray lines</a:t>
+            </a:r>
+            <a:r>
+              <a:rPr lang="en-GB" sz="1200" dirty="0"/>
+              <a:t>: his peak searching box. </a:t>
+            </a:r>
+            <a:r>
+              <a:rPr lang="en-GB" sz="1200" dirty="0">
+                <a:solidFill>
+                  <a:srgbClr val="FF0000"/>
+                </a:solidFill>
+              </a:rPr>
+              <a:t>Red lines</a:t>
+            </a:r>
+            <a:r>
+              <a:rPr lang="en-GB" sz="1200" dirty="0"/>
+              <a:t>: his peak threshold</a:t>
+            </a:r>
+          </a:p>
+        </p:txBody>
+      </p:sp>
     </p:spTree>
     <p:extLst>
       <p:ext uri="{BB962C8B-B14F-4D97-AF65-F5344CB8AC3E}">
@@ -13049,6 +13459,75 @@
           </a:prstGeom>
         </p:spPr>
       </p:pic>
+      <p:sp>
+        <p:nvSpPr>
+          <p:cNvPr id="5" name="Rettangolo con angoli arrotondati 4">
+            <a:extLst>
+              <a:ext uri="{FF2B5EF4-FFF2-40B4-BE49-F238E27FC236}">
+                <a16:creationId xmlns:a16="http://schemas.microsoft.com/office/drawing/2014/main" id="{79F2FD08-CAB0-7CA0-5A9C-F4E42A97B5C4}"/>
+              </a:ext>
+            </a:extLst>
+          </p:cNvPr>
+          <p:cNvSpPr/>
+          <p:nvPr/>
+        </p:nvSpPr>
+        <p:spPr>
+          <a:xfrm>
+            <a:off x="838200" y="5541264"/>
+            <a:ext cx="2057400" cy="685800"/>
+          </a:xfrm>
+          <a:prstGeom prst="roundRect">
+            <a:avLst/>
+          </a:prstGeom>
+        </p:spPr>
+        <p:style>
+          <a:lnRef idx="1">
+            <a:schemeClr val="accent4"/>
+          </a:lnRef>
+          <a:fillRef idx="2">
+            <a:schemeClr val="accent4"/>
+          </a:fillRef>
+          <a:effectRef idx="1">
+            <a:schemeClr val="accent4"/>
+          </a:effectRef>
+          <a:fontRef idx="minor">
+            <a:schemeClr val="dk1"/>
+          </a:fontRef>
+        </p:style>
+        <p:txBody>
+          <a:bodyPr rtlCol="0" anchor="ctr"/>
+          <a:lstStyle/>
+          <a:p>
+            <a:pPr algn="ctr"/>
+            <a:r>
+              <a:rPr lang="en-GB" sz="1200" dirty="0">
+                <a:solidFill>
+                  <a:schemeClr val="bg1">
+                    <a:lumMod val="50000"/>
+                  </a:schemeClr>
+                </a:solidFill>
+              </a:rPr>
+              <a:t>Gray lines</a:t>
+            </a:r>
+            <a:r>
+              <a:rPr lang="en-GB" sz="1200" dirty="0"/>
+              <a:t>: his peak searching box. </a:t>
+            </a:r>
+            <a:r>
+              <a:rPr lang="en-GB" sz="1200" dirty="0">
+                <a:solidFill>
+                  <a:srgbClr val="FF0000"/>
+                </a:solidFill>
+              </a:rPr>
+              <a:t>Red lines</a:t>
+            </a:r>
+            <a:r>
+              <a:rPr lang="en-GB" sz="1200" dirty="0"/>
+              <a:t>: his peak threshold</a:t>
+            </a:r>
+          </a:p>
+        </p:txBody>
+      </p:sp>
     </p:spTree>
     <p:extLst>
       <p:ext uri="{BB962C8B-B14F-4D97-AF65-F5344CB8AC3E}">
@@ -17914,13 +18393,13 @@
               <a:buNone/>
             </a:pPr>
             <a:r>
-              <a:rPr lang="en-US" sz="1800" dirty="0"/>
+              <a:rPr lang="en-US" sz="1800" i="1" dirty="0"/>
               <a:t>Which model could act as baseline for building and comparing any other one?</a:t>
             </a:r>
           </a:p>
           <a:p>
             <a:r>
-              <a:rPr lang="en-US" sz="1800" dirty="0"/>
+              <a:rPr lang="en-US" sz="1600" dirty="0"/>
               <a:t>In literature there’s no evidence of AVNRT roving signals classification</a:t>
             </a:r>
           </a:p>
@@ -17949,7 +18428,11 @@
             </a:pPr>
             <a:r>
               <a:rPr lang="en-US" sz="1800" dirty="0"/>
-              <a:t>So, a first classifier, which could cover this role, could be a heuristic one based on prior information on these signals</a:t>
+              <a:t>So, a first classifier, which could cover this role, could be a </a:t>
+            </a:r>
+            <a:r>
+              <a:rPr lang="en-US" sz="1800" i="1" dirty="0"/>
+              <a:t>heuristic one based on prior information on these signals</a:t>
             </a:r>
           </a:p>
           <a:p>
@@ -17977,7 +18460,15 @@
             </a:pPr>
             <a:r>
               <a:rPr lang="en-US" sz="1800" dirty="0"/>
-              <a:t>Building a logical set of rules to classify roving signals exploiting the prior on them</a:t>
+              <a:t>Building </a:t>
+            </a:r>
+            <a:r>
+              <a:rPr lang="en-US" sz="1800" i="1" dirty="0"/>
+              <a:t>a logical set of rules to classify roving signals </a:t>
+            </a:r>
+            <a:r>
+              <a:rPr lang="en-US" sz="1800" dirty="0"/>
+              <a:t>exploiting the prior on them</a:t>
             </a:r>
           </a:p>
           <a:p>
@@ -22058,7 +22549,7 @@
         <p:spPr>
           <a:xfrm>
             <a:off x="529651" y="1615303"/>
-            <a:ext cx="3491915" cy="1822841"/>
+            <a:ext cx="3599467" cy="1822841"/>
           </a:xfrm>
           <a:prstGeom prst="rect">
             <a:avLst/>
@@ -22249,6 +22740,12 @@
           <a:p>
             <a:r>
               <a:rPr lang="en-US" sz="1600" dirty="0"/>
+              <a:t>Clear and biphasic atrial component</a:t>
+            </a:r>
+          </a:p>
+          <a:p>
+            <a:r>
+              <a:rPr lang="en-US" sz="1600" dirty="0"/>
               <a:t>3 components: atrial activity, ventricular activity and His Bundle passage</a:t>
             </a:r>
           </a:p>
@@ -22256,12 +22753,6 @@
             <a:r>
               <a:rPr lang="en-US" sz="1600" dirty="0"/>
               <a:t>Not fixed proportions between atrial and ventricular components</a:t>
-            </a:r>
-          </a:p>
-          <a:p>
-            <a:r>
-              <a:rPr lang="en-US" sz="1600" dirty="0"/>
-              <a:t>Clear and biphasic atrial component</a:t>
             </a:r>
           </a:p>
           <a:p>
@@ -22615,10 +23106,10 @@
         </p:nvGrpSpPr>
         <p:grpSpPr>
           <a:xfrm>
-            <a:off x="731520" y="1980839"/>
-            <a:ext cx="3030390" cy="779887"/>
-            <a:chOff x="731520" y="1980839"/>
-            <a:chExt cx="3030390" cy="779887"/>
+            <a:off x="758951" y="2222050"/>
+            <a:ext cx="3195619" cy="1948781"/>
+            <a:chOff x="828574" y="1980839"/>
+            <a:chExt cx="3195619" cy="1049489"/>
           </a:xfrm>
         </p:grpSpPr>
         <p:sp>
@@ -22635,8 +23126,8 @@
           </p:nvSpPr>
           <p:spPr>
             <a:xfrm>
-              <a:off x="731520" y="1980839"/>
-              <a:ext cx="3030390" cy="722737"/>
+              <a:off x="828574" y="1980839"/>
+              <a:ext cx="3195619" cy="782944"/>
             </a:xfrm>
             <a:prstGeom prst="roundRect">
               <a:avLst/>
@@ -22691,8 +23182,8 @@
           </p:nvSpPr>
           <p:spPr>
             <a:xfrm>
-              <a:off x="1786806" y="2494181"/>
-              <a:ext cx="1975104" cy="266545"/>
+              <a:off x="1650281" y="2763783"/>
+              <a:ext cx="2212847" cy="266545"/>
             </a:xfrm>
             <a:prstGeom prst="rect">
               <a:avLst/>
@@ -22872,24 +23363,24 @@
                 <a:buNone/>
               </a:pPr>
               <a:r>
-                <a:rPr lang="en-US" sz="1100" b="1" i="1" dirty="0">
+                <a:rPr lang="en-US" sz="1200" b="1" i="1" dirty="0">
                   <a:solidFill>
                     <a:srgbClr val="C00000"/>
                   </a:solidFill>
                 </a:rPr>
                 <a:t>Used for building the classifier</a:t>
               </a:r>
-              <a:endParaRPr lang="en-US" sz="1100" dirty="0"/>
+              <a:endParaRPr lang="en-US" sz="1200" dirty="0"/>
             </a:p>
             <a:p>
-              <a:endParaRPr lang="en-US" sz="1100" dirty="0"/>
+              <a:endParaRPr lang="en-US" sz="1200" dirty="0"/>
             </a:p>
             <a:p>
               <a:pPr marL="0" indent="0">
                 <a:buFont typeface="Arial" panose="020B0604020202020204" pitchFamily="34" charset="0"/>
                 <a:buNone/>
               </a:pPr>
-              <a:endParaRPr lang="en-US" sz="1100" dirty="0">
+              <a:endParaRPr lang="en-US" sz="1200" dirty="0">
                 <a:solidFill>
                   <a:schemeClr val="tx2">
                     <a:lumMod val="60000"/>
@@ -22899,7 +23390,7 @@
               </a:endParaRPr>
             </a:p>
             <a:p>
-              <a:endParaRPr lang="en-US" sz="1100" dirty="0"/>
+              <a:endParaRPr lang="en-US" sz="1200" dirty="0"/>
             </a:p>
           </p:txBody>
         </p:sp>

--- a/Documentation/5. Heuristic classifier strategy B.pptx
+++ b/Documentation/5. Heuristic classifier strategy B.pptx
@@ -5,7 +5,7 @@
     <p:sldMasterId id="2147483661" r:id="rId1"/>
   </p:sldMasterIdLst>
   <p:notesMasterIdLst>
-    <p:notesMasterId r:id="rId29"/>
+    <p:notesMasterId r:id="rId33"/>
   </p:notesMasterIdLst>
   <p:sldIdLst>
     <p:sldId id="573" r:id="rId2"/>
@@ -20,21 +20,25 @@
     <p:sldId id="644" r:id="rId11"/>
     <p:sldId id="641" r:id="rId12"/>
     <p:sldId id="635" r:id="rId13"/>
-    <p:sldId id="654" r:id="rId14"/>
-    <p:sldId id="650" r:id="rId15"/>
-    <p:sldId id="642" r:id="rId16"/>
-    <p:sldId id="651" r:id="rId17"/>
-    <p:sldId id="652" r:id="rId18"/>
-    <p:sldId id="653" r:id="rId19"/>
-    <p:sldId id="647" r:id="rId20"/>
-    <p:sldId id="648" r:id="rId21"/>
-    <p:sldId id="649" r:id="rId22"/>
-    <p:sldId id="645" r:id="rId23"/>
-    <p:sldId id="636" r:id="rId24"/>
-    <p:sldId id="637" r:id="rId25"/>
-    <p:sldId id="646" r:id="rId26"/>
-    <p:sldId id="643" r:id="rId27"/>
-    <p:sldId id="638" r:id="rId28"/>
+    <p:sldId id="660" r:id="rId14"/>
+    <p:sldId id="654" r:id="rId15"/>
+    <p:sldId id="650" r:id="rId16"/>
+    <p:sldId id="642" r:id="rId17"/>
+    <p:sldId id="651" r:id="rId18"/>
+    <p:sldId id="652" r:id="rId19"/>
+    <p:sldId id="653" r:id="rId20"/>
+    <p:sldId id="647" r:id="rId21"/>
+    <p:sldId id="648" r:id="rId22"/>
+    <p:sldId id="649" r:id="rId23"/>
+    <p:sldId id="645" r:id="rId24"/>
+    <p:sldId id="636" r:id="rId25"/>
+    <p:sldId id="637" r:id="rId26"/>
+    <p:sldId id="646" r:id="rId27"/>
+    <p:sldId id="643" r:id="rId28"/>
+    <p:sldId id="638" r:id="rId29"/>
+    <p:sldId id="657" r:id="rId30"/>
+    <p:sldId id="658" r:id="rId31"/>
+    <p:sldId id="659" r:id="rId32"/>
   </p:sldIdLst>
   <p:sldSz cx="12192000" cy="6858000"/>
   <p:notesSz cx="6858000" cy="9144000"/>
@@ -223,7 +227,7 @@
           <a:p>
             <a:fld id="{1A21894F-B278-4D96-9594-A030EA633187}" type="datetimeFigureOut">
               <a:rPr lang="it-IT" smtClean="0"/>
-              <a:t>29/10/2024</a:t>
+              <a:t>01/11/2024</a:t>
             </a:fld>
             <a:endParaRPr lang="it-IT"/>
           </a:p>
@@ -798,6 +802,114 @@
         <p:cNvPr id="1" name="">
           <a:extLst>
             <a:ext uri="{FF2B5EF4-FFF2-40B4-BE49-F238E27FC236}">
+              <a16:creationId xmlns:a16="http://schemas.microsoft.com/office/drawing/2014/main" id="{C2552BE4-55A0-C395-E6BC-C071E8C44BE6}"/>
+            </a:ext>
+          </a:extLst>
+        </p:cNvPr>
+        <p:cNvGrpSpPr/>
+        <p:nvPr/>
+      </p:nvGrpSpPr>
+      <p:grpSpPr>
+        <a:xfrm>
+          <a:off x="0" y="0"/>
+          <a:ext cx="0" cy="0"/>
+          <a:chOff x="0" y="0"/>
+          <a:chExt cx="0" cy="0"/>
+        </a:xfrm>
+      </p:grpSpPr>
+      <p:sp>
+        <p:nvSpPr>
+          <p:cNvPr id="2" name="Segnaposto immagine diapositiva 1">
+            <a:extLst>
+              <a:ext uri="{FF2B5EF4-FFF2-40B4-BE49-F238E27FC236}">
+                <a16:creationId xmlns:a16="http://schemas.microsoft.com/office/drawing/2014/main" id="{A395E2CD-31C9-92B8-56F0-142EDFEBFD70}"/>
+              </a:ext>
+            </a:extLst>
+          </p:cNvPr>
+          <p:cNvSpPr>
+            <a:spLocks noGrp="1" noRot="1" noChangeAspect="1"/>
+          </p:cNvSpPr>
+          <p:nvPr>
+            <p:ph type="sldImg"/>
+          </p:nvPr>
+        </p:nvSpPr>
+        <p:spPr/>
+      </p:sp>
+      <p:sp>
+        <p:nvSpPr>
+          <p:cNvPr id="3" name="Segnaposto note 2">
+            <a:extLst>
+              <a:ext uri="{FF2B5EF4-FFF2-40B4-BE49-F238E27FC236}">
+                <a16:creationId xmlns:a16="http://schemas.microsoft.com/office/drawing/2014/main" id="{0445CA16-10D0-B456-0D02-94522A803D40}"/>
+              </a:ext>
+            </a:extLst>
+          </p:cNvPr>
+          <p:cNvSpPr>
+            <a:spLocks noGrp="1"/>
+          </p:cNvSpPr>
+          <p:nvPr>
+            <p:ph type="body" idx="1"/>
+          </p:nvPr>
+        </p:nvSpPr>
+        <p:spPr/>
+        <p:txBody>
+          <a:bodyPr/>
+          <a:lstStyle/>
+          <a:p>
+            <a:endParaRPr lang="en-US" dirty="0"/>
+          </a:p>
+        </p:txBody>
+      </p:sp>
+      <p:sp>
+        <p:nvSpPr>
+          <p:cNvPr id="4" name="Segnaposto numero diapositiva 3">
+            <a:extLst>
+              <a:ext uri="{FF2B5EF4-FFF2-40B4-BE49-F238E27FC236}">
+                <a16:creationId xmlns:a16="http://schemas.microsoft.com/office/drawing/2014/main" id="{10637A88-C793-7D72-8775-77D3DD4A25C0}"/>
+              </a:ext>
+            </a:extLst>
+          </p:cNvPr>
+          <p:cNvSpPr>
+            <a:spLocks noGrp="1"/>
+          </p:cNvSpPr>
+          <p:nvPr>
+            <p:ph type="sldNum" sz="quarter" idx="5"/>
+          </p:nvPr>
+        </p:nvSpPr>
+        <p:spPr/>
+        <p:txBody>
+          <a:bodyPr/>
+          <a:lstStyle/>
+          <a:p>
+            <a:fld id="{802E5CB9-2BE2-4860-85EE-BBFABBF2603A}" type="slidenum">
+              <a:rPr lang="en-US" smtClean="0"/>
+              <a:t>13</a:t>
+            </a:fld>
+            <a:endParaRPr lang="en-US"/>
+          </a:p>
+        </p:txBody>
+      </p:sp>
+    </p:spTree>
+    <p:extLst>
+      <p:ext uri="{BB962C8B-B14F-4D97-AF65-F5344CB8AC3E}">
+        <p14:creationId xmlns:p14="http://schemas.microsoft.com/office/powerpoint/2010/main" val="3307628410"/>
+      </p:ext>
+    </p:extLst>
+  </p:cSld>
+  <p:clrMapOvr>
+    <a:masterClrMapping/>
+  </p:clrMapOvr>
+</p:notes>
+</file>
+
+<file path=ppt/notesSlides/notesSlide13.xml><?xml version="1.0" encoding="utf-8"?>
+<p:notes xmlns:a="http://schemas.openxmlformats.org/drawingml/2006/main" xmlns:r="http://schemas.openxmlformats.org/officeDocument/2006/relationships" xmlns:p="http://schemas.openxmlformats.org/presentationml/2006/main">
+  <p:cSld>
+    <p:spTree>
+      <p:nvGrpSpPr>
+        <p:cNvPr id="1" name="">
+          <a:extLst>
+            <a:ext uri="{FF2B5EF4-FFF2-40B4-BE49-F238E27FC236}">
               <a16:creationId xmlns:a16="http://schemas.microsoft.com/office/drawing/2014/main" id="{8AF4A77A-6C6B-1D3A-60D1-EEF9166664E1}"/>
             </a:ext>
           </a:extLst>
@@ -879,7 +991,7 @@
           <a:p>
             <a:fld id="{802E5CB9-2BE2-4860-85EE-BBFABBF2603A}" type="slidenum">
               <a:rPr lang="en-US" smtClean="0"/>
-              <a:t>13</a:t>
+              <a:t>14</a:t>
             </a:fld>
             <a:endParaRPr lang="en-US"/>
           </a:p>
@@ -898,7 +1010,7 @@
 </p:notes>
 </file>
 
-<file path=ppt/notesSlides/notesSlide13.xml><?xml version="1.0" encoding="utf-8"?>
+<file path=ppt/notesSlides/notesSlide14.xml><?xml version="1.0" encoding="utf-8"?>
 <p:notes xmlns:a="http://schemas.openxmlformats.org/drawingml/2006/main" xmlns:r="http://schemas.openxmlformats.org/officeDocument/2006/relationships" xmlns:p="http://schemas.openxmlformats.org/presentationml/2006/main">
   <p:cSld>
     <p:spTree>
@@ -987,7 +1099,7 @@
           <a:p>
             <a:fld id="{802E5CB9-2BE2-4860-85EE-BBFABBF2603A}" type="slidenum">
               <a:rPr lang="en-US" smtClean="0"/>
-              <a:t>14</a:t>
+              <a:t>15</a:t>
             </a:fld>
             <a:endParaRPr lang="en-US"/>
           </a:p>
@@ -1006,7 +1118,7 @@
 </p:notes>
 </file>
 
-<file path=ppt/notesSlides/notesSlide14.xml><?xml version="1.0" encoding="utf-8"?>
+<file path=ppt/notesSlides/notesSlide15.xml><?xml version="1.0" encoding="utf-8"?>
 <p:notes xmlns:a="http://schemas.openxmlformats.org/drawingml/2006/main" xmlns:r="http://schemas.openxmlformats.org/officeDocument/2006/relationships" xmlns:p="http://schemas.openxmlformats.org/presentationml/2006/main">
   <p:cSld>
     <p:spTree>
@@ -1095,7 +1207,7 @@
           <a:p>
             <a:fld id="{802E5CB9-2BE2-4860-85EE-BBFABBF2603A}" type="slidenum">
               <a:rPr lang="en-US" smtClean="0"/>
-              <a:t>15</a:t>
+              <a:t>16</a:t>
             </a:fld>
             <a:endParaRPr lang="en-US" dirty="0"/>
           </a:p>
@@ -1114,7 +1226,7 @@
 </p:notes>
 </file>
 
-<file path=ppt/notesSlides/notesSlide15.xml><?xml version="1.0" encoding="utf-8"?>
+<file path=ppt/notesSlides/notesSlide16.xml><?xml version="1.0" encoding="utf-8"?>
 <p:notes xmlns:a="http://schemas.openxmlformats.org/drawingml/2006/main" xmlns:r="http://schemas.openxmlformats.org/officeDocument/2006/relationships" xmlns:p="http://schemas.openxmlformats.org/presentationml/2006/main">
   <p:cSld>
     <p:spTree>
@@ -1203,7 +1315,7 @@
           <a:p>
             <a:fld id="{802E5CB9-2BE2-4860-85EE-BBFABBF2603A}" type="slidenum">
               <a:rPr lang="en-US" smtClean="0"/>
-              <a:t>16</a:t>
+              <a:t>17</a:t>
             </a:fld>
             <a:endParaRPr lang="en-US"/>
           </a:p>
@@ -1222,7 +1334,7 @@
 </p:notes>
 </file>
 
-<file path=ppt/notesSlides/notesSlide16.xml><?xml version="1.0" encoding="utf-8"?>
+<file path=ppt/notesSlides/notesSlide17.xml><?xml version="1.0" encoding="utf-8"?>
 <p:notes xmlns:a="http://schemas.openxmlformats.org/drawingml/2006/main" xmlns:r="http://schemas.openxmlformats.org/officeDocument/2006/relationships" xmlns:p="http://schemas.openxmlformats.org/presentationml/2006/main">
   <p:cSld>
     <p:spTree>
@@ -1311,7 +1423,7 @@
           <a:p>
             <a:fld id="{802E5CB9-2BE2-4860-85EE-BBFABBF2603A}" type="slidenum">
               <a:rPr lang="en-US" smtClean="0"/>
-              <a:t>17</a:t>
+              <a:t>18</a:t>
             </a:fld>
             <a:endParaRPr lang="en-US"/>
           </a:p>
@@ -1330,7 +1442,7 @@
 </p:notes>
 </file>
 
-<file path=ppt/notesSlides/notesSlide17.xml><?xml version="1.0" encoding="utf-8"?>
+<file path=ppt/notesSlides/notesSlide18.xml><?xml version="1.0" encoding="utf-8"?>
 <p:notes xmlns:a="http://schemas.openxmlformats.org/drawingml/2006/main" xmlns:r="http://schemas.openxmlformats.org/officeDocument/2006/relationships" xmlns:p="http://schemas.openxmlformats.org/presentationml/2006/main">
   <p:cSld>
     <p:spTree>
@@ -1419,7 +1531,7 @@
           <a:p>
             <a:fld id="{802E5CB9-2BE2-4860-85EE-BBFABBF2603A}" type="slidenum">
               <a:rPr lang="en-US" smtClean="0"/>
-              <a:t>18</a:t>
+              <a:t>19</a:t>
             </a:fld>
             <a:endParaRPr lang="en-US"/>
           </a:p>
@@ -1438,7 +1550,7 @@
 </p:notes>
 </file>
 
-<file path=ppt/notesSlides/notesSlide18.xml><?xml version="1.0" encoding="utf-8"?>
+<file path=ppt/notesSlides/notesSlide19.xml><?xml version="1.0" encoding="utf-8"?>
 <p:notes xmlns:a="http://schemas.openxmlformats.org/drawingml/2006/main" xmlns:r="http://schemas.openxmlformats.org/officeDocument/2006/relationships" xmlns:p="http://schemas.openxmlformats.org/presentationml/2006/main">
   <p:cSld>
     <p:spTree>
@@ -1527,7 +1639,7 @@
           <a:p>
             <a:fld id="{802E5CB9-2BE2-4860-85EE-BBFABBF2603A}" type="slidenum">
               <a:rPr lang="en-US" smtClean="0"/>
-              <a:t>19</a:t>
+              <a:t>20</a:t>
             </a:fld>
             <a:endParaRPr lang="en-US"/>
           </a:p>
@@ -1537,114 +1649,6 @@
     <p:extLst>
       <p:ext uri="{BB962C8B-B14F-4D97-AF65-F5344CB8AC3E}">
         <p14:creationId xmlns:p14="http://schemas.microsoft.com/office/powerpoint/2010/main" val="2747683349"/>
-      </p:ext>
-    </p:extLst>
-  </p:cSld>
-  <p:clrMapOvr>
-    <a:masterClrMapping/>
-  </p:clrMapOvr>
-</p:notes>
-</file>
-
-<file path=ppt/notesSlides/notesSlide19.xml><?xml version="1.0" encoding="utf-8"?>
-<p:notes xmlns:a="http://schemas.openxmlformats.org/drawingml/2006/main" xmlns:r="http://schemas.openxmlformats.org/officeDocument/2006/relationships" xmlns:p="http://schemas.openxmlformats.org/presentationml/2006/main">
-  <p:cSld>
-    <p:spTree>
-      <p:nvGrpSpPr>
-        <p:cNvPr id="1" name="">
-          <a:extLst>
-            <a:ext uri="{FF2B5EF4-FFF2-40B4-BE49-F238E27FC236}">
-              <a16:creationId xmlns:a16="http://schemas.microsoft.com/office/drawing/2014/main" id="{627480E0-B886-E974-EF3B-7CB357F99069}"/>
-            </a:ext>
-          </a:extLst>
-        </p:cNvPr>
-        <p:cNvGrpSpPr/>
-        <p:nvPr/>
-      </p:nvGrpSpPr>
-      <p:grpSpPr>
-        <a:xfrm>
-          <a:off x="0" y="0"/>
-          <a:ext cx="0" cy="0"/>
-          <a:chOff x="0" y="0"/>
-          <a:chExt cx="0" cy="0"/>
-        </a:xfrm>
-      </p:grpSpPr>
-      <p:sp>
-        <p:nvSpPr>
-          <p:cNvPr id="2" name="Segnaposto immagine diapositiva 1">
-            <a:extLst>
-              <a:ext uri="{FF2B5EF4-FFF2-40B4-BE49-F238E27FC236}">
-                <a16:creationId xmlns:a16="http://schemas.microsoft.com/office/drawing/2014/main" id="{9235C26E-6A83-4B46-6C32-D76EA23AEC7D}"/>
-              </a:ext>
-            </a:extLst>
-          </p:cNvPr>
-          <p:cNvSpPr>
-            <a:spLocks noGrp="1" noRot="1" noChangeAspect="1"/>
-          </p:cNvSpPr>
-          <p:nvPr>
-            <p:ph type="sldImg"/>
-          </p:nvPr>
-        </p:nvSpPr>
-        <p:spPr/>
-      </p:sp>
-      <p:sp>
-        <p:nvSpPr>
-          <p:cNvPr id="3" name="Segnaposto note 2">
-            <a:extLst>
-              <a:ext uri="{FF2B5EF4-FFF2-40B4-BE49-F238E27FC236}">
-                <a16:creationId xmlns:a16="http://schemas.microsoft.com/office/drawing/2014/main" id="{5B4079D3-F4E6-D73F-1516-C89A120EFE94}"/>
-              </a:ext>
-            </a:extLst>
-          </p:cNvPr>
-          <p:cNvSpPr>
-            <a:spLocks noGrp="1"/>
-          </p:cNvSpPr>
-          <p:nvPr>
-            <p:ph type="body" idx="1"/>
-          </p:nvPr>
-        </p:nvSpPr>
-        <p:spPr/>
-        <p:txBody>
-          <a:bodyPr/>
-          <a:lstStyle/>
-          <a:p>
-            <a:endParaRPr lang="en-US" dirty="0"/>
-          </a:p>
-        </p:txBody>
-      </p:sp>
-      <p:sp>
-        <p:nvSpPr>
-          <p:cNvPr id="4" name="Segnaposto numero diapositiva 3">
-            <a:extLst>
-              <a:ext uri="{FF2B5EF4-FFF2-40B4-BE49-F238E27FC236}">
-                <a16:creationId xmlns:a16="http://schemas.microsoft.com/office/drawing/2014/main" id="{6021FF03-BB85-2DB2-09B7-13AC2715E43C}"/>
-              </a:ext>
-            </a:extLst>
-          </p:cNvPr>
-          <p:cNvSpPr>
-            <a:spLocks noGrp="1"/>
-          </p:cNvSpPr>
-          <p:nvPr>
-            <p:ph type="sldNum" sz="quarter" idx="5"/>
-          </p:nvPr>
-        </p:nvSpPr>
-        <p:spPr/>
-        <p:txBody>
-          <a:bodyPr/>
-          <a:lstStyle/>
-          <a:p>
-            <a:fld id="{802E5CB9-2BE2-4860-85EE-BBFABBF2603A}" type="slidenum">
-              <a:rPr lang="en-US" smtClean="0"/>
-              <a:t>20</a:t>
-            </a:fld>
-            <a:endParaRPr lang="en-US"/>
-          </a:p>
-        </p:txBody>
-      </p:sp>
-    </p:spTree>
-    <p:extLst>
-      <p:ext uri="{BB962C8B-B14F-4D97-AF65-F5344CB8AC3E}">
-        <p14:creationId xmlns:p14="http://schemas.microsoft.com/office/powerpoint/2010/main" val="3625022151"/>
       </p:ext>
     </p:extLst>
   </p:cSld>
@@ -1770,6 +1774,114 @@
         <p:cNvPr id="1" name="">
           <a:extLst>
             <a:ext uri="{FF2B5EF4-FFF2-40B4-BE49-F238E27FC236}">
+              <a16:creationId xmlns:a16="http://schemas.microsoft.com/office/drawing/2014/main" id="{627480E0-B886-E974-EF3B-7CB357F99069}"/>
+            </a:ext>
+          </a:extLst>
+        </p:cNvPr>
+        <p:cNvGrpSpPr/>
+        <p:nvPr/>
+      </p:nvGrpSpPr>
+      <p:grpSpPr>
+        <a:xfrm>
+          <a:off x="0" y="0"/>
+          <a:ext cx="0" cy="0"/>
+          <a:chOff x="0" y="0"/>
+          <a:chExt cx="0" cy="0"/>
+        </a:xfrm>
+      </p:grpSpPr>
+      <p:sp>
+        <p:nvSpPr>
+          <p:cNvPr id="2" name="Segnaposto immagine diapositiva 1">
+            <a:extLst>
+              <a:ext uri="{FF2B5EF4-FFF2-40B4-BE49-F238E27FC236}">
+                <a16:creationId xmlns:a16="http://schemas.microsoft.com/office/drawing/2014/main" id="{9235C26E-6A83-4B46-6C32-D76EA23AEC7D}"/>
+              </a:ext>
+            </a:extLst>
+          </p:cNvPr>
+          <p:cNvSpPr>
+            <a:spLocks noGrp="1" noRot="1" noChangeAspect="1"/>
+          </p:cNvSpPr>
+          <p:nvPr>
+            <p:ph type="sldImg"/>
+          </p:nvPr>
+        </p:nvSpPr>
+        <p:spPr/>
+      </p:sp>
+      <p:sp>
+        <p:nvSpPr>
+          <p:cNvPr id="3" name="Segnaposto note 2">
+            <a:extLst>
+              <a:ext uri="{FF2B5EF4-FFF2-40B4-BE49-F238E27FC236}">
+                <a16:creationId xmlns:a16="http://schemas.microsoft.com/office/drawing/2014/main" id="{5B4079D3-F4E6-D73F-1516-C89A120EFE94}"/>
+              </a:ext>
+            </a:extLst>
+          </p:cNvPr>
+          <p:cNvSpPr>
+            <a:spLocks noGrp="1"/>
+          </p:cNvSpPr>
+          <p:nvPr>
+            <p:ph type="body" idx="1"/>
+          </p:nvPr>
+        </p:nvSpPr>
+        <p:spPr/>
+        <p:txBody>
+          <a:bodyPr/>
+          <a:lstStyle/>
+          <a:p>
+            <a:endParaRPr lang="en-US" dirty="0"/>
+          </a:p>
+        </p:txBody>
+      </p:sp>
+      <p:sp>
+        <p:nvSpPr>
+          <p:cNvPr id="4" name="Segnaposto numero diapositiva 3">
+            <a:extLst>
+              <a:ext uri="{FF2B5EF4-FFF2-40B4-BE49-F238E27FC236}">
+                <a16:creationId xmlns:a16="http://schemas.microsoft.com/office/drawing/2014/main" id="{6021FF03-BB85-2DB2-09B7-13AC2715E43C}"/>
+              </a:ext>
+            </a:extLst>
+          </p:cNvPr>
+          <p:cNvSpPr>
+            <a:spLocks noGrp="1"/>
+          </p:cNvSpPr>
+          <p:nvPr>
+            <p:ph type="sldNum" sz="quarter" idx="5"/>
+          </p:nvPr>
+        </p:nvSpPr>
+        <p:spPr/>
+        <p:txBody>
+          <a:bodyPr/>
+          <a:lstStyle/>
+          <a:p>
+            <a:fld id="{802E5CB9-2BE2-4860-85EE-BBFABBF2603A}" type="slidenum">
+              <a:rPr lang="en-US" smtClean="0"/>
+              <a:t>21</a:t>
+            </a:fld>
+            <a:endParaRPr lang="en-US"/>
+          </a:p>
+        </p:txBody>
+      </p:sp>
+    </p:spTree>
+    <p:extLst>
+      <p:ext uri="{BB962C8B-B14F-4D97-AF65-F5344CB8AC3E}">
+        <p14:creationId xmlns:p14="http://schemas.microsoft.com/office/powerpoint/2010/main" val="3625022151"/>
+      </p:ext>
+    </p:extLst>
+  </p:cSld>
+  <p:clrMapOvr>
+    <a:masterClrMapping/>
+  </p:clrMapOvr>
+</p:notes>
+</file>
+
+<file path=ppt/notesSlides/notesSlide21.xml><?xml version="1.0" encoding="utf-8"?>
+<p:notes xmlns:a="http://schemas.openxmlformats.org/drawingml/2006/main" xmlns:r="http://schemas.openxmlformats.org/officeDocument/2006/relationships" xmlns:p="http://schemas.openxmlformats.org/presentationml/2006/main">
+  <p:cSld>
+    <p:spTree>
+      <p:nvGrpSpPr>
+        <p:cNvPr id="1" name="">
+          <a:extLst>
+            <a:ext uri="{FF2B5EF4-FFF2-40B4-BE49-F238E27FC236}">
               <a16:creationId xmlns:a16="http://schemas.microsoft.com/office/drawing/2014/main" id="{5F8E2A9A-3EBF-8357-7310-33D60FB5B5F9}"/>
             </a:ext>
           </a:extLst>
@@ -1851,7 +1963,7 @@
           <a:p>
             <a:fld id="{802E5CB9-2BE2-4860-85EE-BBFABBF2603A}" type="slidenum">
               <a:rPr lang="en-US" smtClean="0"/>
-              <a:t>21</a:t>
+              <a:t>22</a:t>
             </a:fld>
             <a:endParaRPr lang="en-US"/>
           </a:p>
@@ -1870,7 +1982,7 @@
 </p:notes>
 </file>
 
-<file path=ppt/notesSlides/notesSlide21.xml><?xml version="1.0" encoding="utf-8"?>
+<file path=ppt/notesSlides/notesSlide22.xml><?xml version="1.0" encoding="utf-8"?>
 <p:notes xmlns:a="http://schemas.openxmlformats.org/drawingml/2006/main" xmlns:r="http://schemas.openxmlformats.org/officeDocument/2006/relationships" xmlns:p="http://schemas.openxmlformats.org/presentationml/2006/main">
   <p:cSld>
     <p:spTree>
@@ -1959,7 +2071,7 @@
           <a:p>
             <a:fld id="{802E5CB9-2BE2-4860-85EE-BBFABBF2603A}" type="slidenum">
               <a:rPr lang="en-US" smtClean="0"/>
-              <a:t>22</a:t>
+              <a:t>23</a:t>
             </a:fld>
             <a:endParaRPr lang="en-US"/>
           </a:p>
@@ -1978,7 +2090,7 @@
 </p:notes>
 </file>
 
-<file path=ppt/notesSlides/notesSlide22.xml><?xml version="1.0" encoding="utf-8"?>
+<file path=ppt/notesSlides/notesSlide23.xml><?xml version="1.0" encoding="utf-8"?>
 <p:notes xmlns:a="http://schemas.openxmlformats.org/drawingml/2006/main" xmlns:r="http://schemas.openxmlformats.org/officeDocument/2006/relationships" xmlns:p="http://schemas.openxmlformats.org/presentationml/2006/main">
   <p:cSld>
     <p:spTree>
@@ -2067,7 +2179,7 @@
           <a:p>
             <a:fld id="{802E5CB9-2BE2-4860-85EE-BBFABBF2603A}" type="slidenum">
               <a:rPr lang="en-US" smtClean="0"/>
-              <a:t>23</a:t>
+              <a:t>24</a:t>
             </a:fld>
             <a:endParaRPr lang="en-US"/>
           </a:p>
@@ -2086,7 +2198,7 @@
 </p:notes>
 </file>
 
-<file path=ppt/notesSlides/notesSlide23.xml><?xml version="1.0" encoding="utf-8"?>
+<file path=ppt/notesSlides/notesSlide24.xml><?xml version="1.0" encoding="utf-8"?>
 <p:notes xmlns:a="http://schemas.openxmlformats.org/drawingml/2006/main" xmlns:r="http://schemas.openxmlformats.org/officeDocument/2006/relationships" xmlns:p="http://schemas.openxmlformats.org/presentationml/2006/main">
   <p:cSld>
     <p:spTree>
@@ -2175,7 +2287,7 @@
           <a:p>
             <a:fld id="{802E5CB9-2BE2-4860-85EE-BBFABBF2603A}" type="slidenum">
               <a:rPr lang="en-US" smtClean="0"/>
-              <a:t>24</a:t>
+              <a:t>25</a:t>
             </a:fld>
             <a:endParaRPr lang="en-US"/>
           </a:p>
@@ -2194,7 +2306,7 @@
 </p:notes>
 </file>
 
-<file path=ppt/notesSlides/notesSlide24.xml><?xml version="1.0" encoding="utf-8"?>
+<file path=ppt/notesSlides/notesSlide25.xml><?xml version="1.0" encoding="utf-8"?>
 <p:notes xmlns:a="http://schemas.openxmlformats.org/drawingml/2006/main" xmlns:r="http://schemas.openxmlformats.org/officeDocument/2006/relationships" xmlns:p="http://schemas.openxmlformats.org/presentationml/2006/main">
   <p:cSld>
     <p:spTree>
@@ -2283,7 +2395,7 @@
           <a:p>
             <a:fld id="{802E5CB9-2BE2-4860-85EE-BBFABBF2603A}" type="slidenum">
               <a:rPr lang="en-US" smtClean="0"/>
-              <a:t>25</a:t>
+              <a:t>26</a:t>
             </a:fld>
             <a:endParaRPr lang="en-US"/>
           </a:p>
@@ -2302,7 +2414,7 @@
 </p:notes>
 </file>
 
-<file path=ppt/notesSlides/notesSlide25.xml><?xml version="1.0" encoding="utf-8"?>
+<file path=ppt/notesSlides/notesSlide26.xml><?xml version="1.0" encoding="utf-8"?>
 <p:notes xmlns:a="http://schemas.openxmlformats.org/drawingml/2006/main" xmlns:r="http://schemas.openxmlformats.org/officeDocument/2006/relationships" xmlns:p="http://schemas.openxmlformats.org/presentationml/2006/main">
   <p:cSld>
     <p:spTree>
@@ -2391,7 +2503,7 @@
           <a:p>
             <a:fld id="{802E5CB9-2BE2-4860-85EE-BBFABBF2603A}" type="slidenum">
               <a:rPr lang="en-US" smtClean="0"/>
-              <a:t>26</a:t>
+              <a:t>27</a:t>
             </a:fld>
             <a:endParaRPr lang="en-US" dirty="0"/>
           </a:p>
@@ -2410,7 +2522,7 @@
 </p:notes>
 </file>
 
-<file path=ppt/notesSlides/notesSlide26.xml><?xml version="1.0" encoding="utf-8"?>
+<file path=ppt/notesSlides/notesSlide27.xml><?xml version="1.0" encoding="utf-8"?>
 <p:notes xmlns:a="http://schemas.openxmlformats.org/drawingml/2006/main" xmlns:r="http://schemas.openxmlformats.org/officeDocument/2006/relationships" xmlns:p="http://schemas.openxmlformats.org/presentationml/2006/main">
   <p:cSld>
     <p:spTree>
@@ -2499,7 +2611,7 @@
           <a:p>
             <a:fld id="{802E5CB9-2BE2-4860-85EE-BBFABBF2603A}" type="slidenum">
               <a:rPr lang="en-US" smtClean="0"/>
-              <a:t>27</a:t>
+              <a:t>28</a:t>
             </a:fld>
             <a:endParaRPr lang="en-US"/>
           </a:p>
@@ -2509,6 +2621,222 @@
     <p:extLst>
       <p:ext uri="{BB962C8B-B14F-4D97-AF65-F5344CB8AC3E}">
         <p14:creationId xmlns:p14="http://schemas.microsoft.com/office/powerpoint/2010/main" val="1525967442"/>
+      </p:ext>
+    </p:extLst>
+  </p:cSld>
+  <p:clrMapOvr>
+    <a:masterClrMapping/>
+  </p:clrMapOvr>
+</p:notes>
+</file>
+
+<file path=ppt/notesSlides/notesSlide28.xml><?xml version="1.0" encoding="utf-8"?>
+<p:notes xmlns:a="http://schemas.openxmlformats.org/drawingml/2006/main" xmlns:r="http://schemas.openxmlformats.org/officeDocument/2006/relationships" xmlns:p="http://schemas.openxmlformats.org/presentationml/2006/main">
+  <p:cSld>
+    <p:spTree>
+      <p:nvGrpSpPr>
+        <p:cNvPr id="1" name="">
+          <a:extLst>
+            <a:ext uri="{FF2B5EF4-FFF2-40B4-BE49-F238E27FC236}">
+              <a16:creationId xmlns:a16="http://schemas.microsoft.com/office/drawing/2014/main" id="{38AFDC9A-468D-A62B-8AB9-ED47C8126E44}"/>
+            </a:ext>
+          </a:extLst>
+        </p:cNvPr>
+        <p:cNvGrpSpPr/>
+        <p:nvPr/>
+      </p:nvGrpSpPr>
+      <p:grpSpPr>
+        <a:xfrm>
+          <a:off x="0" y="0"/>
+          <a:ext cx="0" cy="0"/>
+          <a:chOff x="0" y="0"/>
+          <a:chExt cx="0" cy="0"/>
+        </a:xfrm>
+      </p:grpSpPr>
+      <p:sp>
+        <p:nvSpPr>
+          <p:cNvPr id="2" name="Segnaposto immagine diapositiva 1">
+            <a:extLst>
+              <a:ext uri="{FF2B5EF4-FFF2-40B4-BE49-F238E27FC236}">
+                <a16:creationId xmlns:a16="http://schemas.microsoft.com/office/drawing/2014/main" id="{AED08D33-1D48-87AD-4991-D11221DFCB56}"/>
+              </a:ext>
+            </a:extLst>
+          </p:cNvPr>
+          <p:cNvSpPr>
+            <a:spLocks noGrp="1" noRot="1" noChangeAspect="1"/>
+          </p:cNvSpPr>
+          <p:nvPr>
+            <p:ph type="sldImg"/>
+          </p:nvPr>
+        </p:nvSpPr>
+        <p:spPr/>
+      </p:sp>
+      <p:sp>
+        <p:nvSpPr>
+          <p:cNvPr id="3" name="Segnaposto note 2">
+            <a:extLst>
+              <a:ext uri="{FF2B5EF4-FFF2-40B4-BE49-F238E27FC236}">
+                <a16:creationId xmlns:a16="http://schemas.microsoft.com/office/drawing/2014/main" id="{D1505EF0-8C03-4341-E09C-28EEC308F3EA}"/>
+              </a:ext>
+            </a:extLst>
+          </p:cNvPr>
+          <p:cNvSpPr>
+            <a:spLocks noGrp="1"/>
+          </p:cNvSpPr>
+          <p:nvPr>
+            <p:ph type="body" idx="1"/>
+          </p:nvPr>
+        </p:nvSpPr>
+        <p:spPr/>
+        <p:txBody>
+          <a:bodyPr/>
+          <a:lstStyle/>
+          <a:p>
+            <a:endParaRPr lang="en-US" dirty="0"/>
+          </a:p>
+        </p:txBody>
+      </p:sp>
+      <p:sp>
+        <p:nvSpPr>
+          <p:cNvPr id="4" name="Segnaposto numero diapositiva 3">
+            <a:extLst>
+              <a:ext uri="{FF2B5EF4-FFF2-40B4-BE49-F238E27FC236}">
+                <a16:creationId xmlns:a16="http://schemas.microsoft.com/office/drawing/2014/main" id="{7DF74430-9EDE-069B-CAAF-7CAFF20B25BD}"/>
+              </a:ext>
+            </a:extLst>
+          </p:cNvPr>
+          <p:cNvSpPr>
+            <a:spLocks noGrp="1"/>
+          </p:cNvSpPr>
+          <p:nvPr>
+            <p:ph type="sldNum" sz="quarter" idx="5"/>
+          </p:nvPr>
+        </p:nvSpPr>
+        <p:spPr/>
+        <p:txBody>
+          <a:bodyPr/>
+          <a:lstStyle/>
+          <a:p>
+            <a:fld id="{802E5CB9-2BE2-4860-85EE-BBFABBF2603A}" type="slidenum">
+              <a:rPr lang="en-US" smtClean="0"/>
+              <a:t>29</a:t>
+            </a:fld>
+            <a:endParaRPr lang="en-US"/>
+          </a:p>
+        </p:txBody>
+      </p:sp>
+    </p:spTree>
+    <p:extLst>
+      <p:ext uri="{BB962C8B-B14F-4D97-AF65-F5344CB8AC3E}">
+        <p14:creationId xmlns:p14="http://schemas.microsoft.com/office/powerpoint/2010/main" val="3630781153"/>
+      </p:ext>
+    </p:extLst>
+  </p:cSld>
+  <p:clrMapOvr>
+    <a:masterClrMapping/>
+  </p:clrMapOvr>
+</p:notes>
+</file>
+
+<file path=ppt/notesSlides/notesSlide29.xml><?xml version="1.0" encoding="utf-8"?>
+<p:notes xmlns:a="http://schemas.openxmlformats.org/drawingml/2006/main" xmlns:r="http://schemas.openxmlformats.org/officeDocument/2006/relationships" xmlns:p="http://schemas.openxmlformats.org/presentationml/2006/main">
+  <p:cSld>
+    <p:spTree>
+      <p:nvGrpSpPr>
+        <p:cNvPr id="1" name="">
+          <a:extLst>
+            <a:ext uri="{FF2B5EF4-FFF2-40B4-BE49-F238E27FC236}">
+              <a16:creationId xmlns:a16="http://schemas.microsoft.com/office/drawing/2014/main" id="{61B247B7-33D3-62F1-F61E-D733C399E33D}"/>
+            </a:ext>
+          </a:extLst>
+        </p:cNvPr>
+        <p:cNvGrpSpPr/>
+        <p:nvPr/>
+      </p:nvGrpSpPr>
+      <p:grpSpPr>
+        <a:xfrm>
+          <a:off x="0" y="0"/>
+          <a:ext cx="0" cy="0"/>
+          <a:chOff x="0" y="0"/>
+          <a:chExt cx="0" cy="0"/>
+        </a:xfrm>
+      </p:grpSpPr>
+      <p:sp>
+        <p:nvSpPr>
+          <p:cNvPr id="2" name="Segnaposto immagine diapositiva 1">
+            <a:extLst>
+              <a:ext uri="{FF2B5EF4-FFF2-40B4-BE49-F238E27FC236}">
+                <a16:creationId xmlns:a16="http://schemas.microsoft.com/office/drawing/2014/main" id="{95D34FDB-D121-8823-8D29-1E35D06F21CE}"/>
+              </a:ext>
+            </a:extLst>
+          </p:cNvPr>
+          <p:cNvSpPr>
+            <a:spLocks noGrp="1" noRot="1" noChangeAspect="1"/>
+          </p:cNvSpPr>
+          <p:nvPr>
+            <p:ph type="sldImg"/>
+          </p:nvPr>
+        </p:nvSpPr>
+        <p:spPr/>
+      </p:sp>
+      <p:sp>
+        <p:nvSpPr>
+          <p:cNvPr id="3" name="Segnaposto note 2">
+            <a:extLst>
+              <a:ext uri="{FF2B5EF4-FFF2-40B4-BE49-F238E27FC236}">
+                <a16:creationId xmlns:a16="http://schemas.microsoft.com/office/drawing/2014/main" id="{60F6C1B5-1CE5-C2FC-1FB8-7E6376508ED2}"/>
+              </a:ext>
+            </a:extLst>
+          </p:cNvPr>
+          <p:cNvSpPr>
+            <a:spLocks noGrp="1"/>
+          </p:cNvSpPr>
+          <p:nvPr>
+            <p:ph type="body" idx="1"/>
+          </p:nvPr>
+        </p:nvSpPr>
+        <p:spPr/>
+        <p:txBody>
+          <a:bodyPr/>
+          <a:lstStyle/>
+          <a:p>
+            <a:endParaRPr lang="en-US" dirty="0"/>
+          </a:p>
+        </p:txBody>
+      </p:sp>
+      <p:sp>
+        <p:nvSpPr>
+          <p:cNvPr id="4" name="Segnaposto numero diapositiva 3">
+            <a:extLst>
+              <a:ext uri="{FF2B5EF4-FFF2-40B4-BE49-F238E27FC236}">
+                <a16:creationId xmlns:a16="http://schemas.microsoft.com/office/drawing/2014/main" id="{9FFD9F94-761C-3F7A-FE7D-4608FD6AFE1C}"/>
+              </a:ext>
+            </a:extLst>
+          </p:cNvPr>
+          <p:cNvSpPr>
+            <a:spLocks noGrp="1"/>
+          </p:cNvSpPr>
+          <p:nvPr>
+            <p:ph type="sldNum" sz="quarter" idx="5"/>
+          </p:nvPr>
+        </p:nvSpPr>
+        <p:spPr/>
+        <p:txBody>
+          <a:bodyPr/>
+          <a:lstStyle/>
+          <a:p>
+            <a:fld id="{802E5CB9-2BE2-4860-85EE-BBFABBF2603A}" type="slidenum">
+              <a:rPr lang="en-US" smtClean="0"/>
+              <a:t>30</a:t>
+            </a:fld>
+            <a:endParaRPr lang="en-US"/>
+          </a:p>
+        </p:txBody>
+      </p:sp>
+    </p:spTree>
+    <p:extLst>
+      <p:ext uri="{BB962C8B-B14F-4D97-AF65-F5344CB8AC3E}">
+        <p14:creationId xmlns:p14="http://schemas.microsoft.com/office/powerpoint/2010/main" val="4242444859"/>
       </p:ext>
     </p:extLst>
   </p:cSld>
@@ -2593,6 +2921,114 @@
     <p:extLst>
       <p:ext uri="{BB962C8B-B14F-4D97-AF65-F5344CB8AC3E}">
         <p14:creationId xmlns:p14="http://schemas.microsoft.com/office/powerpoint/2010/main" val="2070191439"/>
+      </p:ext>
+    </p:extLst>
+  </p:cSld>
+  <p:clrMapOvr>
+    <a:masterClrMapping/>
+  </p:clrMapOvr>
+</p:notes>
+</file>
+
+<file path=ppt/notesSlides/notesSlide30.xml><?xml version="1.0" encoding="utf-8"?>
+<p:notes xmlns:a="http://schemas.openxmlformats.org/drawingml/2006/main" xmlns:r="http://schemas.openxmlformats.org/officeDocument/2006/relationships" xmlns:p="http://schemas.openxmlformats.org/presentationml/2006/main">
+  <p:cSld>
+    <p:spTree>
+      <p:nvGrpSpPr>
+        <p:cNvPr id="1" name="">
+          <a:extLst>
+            <a:ext uri="{FF2B5EF4-FFF2-40B4-BE49-F238E27FC236}">
+              <a16:creationId xmlns:a16="http://schemas.microsoft.com/office/drawing/2014/main" id="{044A9405-ACC6-5E94-030D-67B7A62CE20D}"/>
+            </a:ext>
+          </a:extLst>
+        </p:cNvPr>
+        <p:cNvGrpSpPr/>
+        <p:nvPr/>
+      </p:nvGrpSpPr>
+      <p:grpSpPr>
+        <a:xfrm>
+          <a:off x="0" y="0"/>
+          <a:ext cx="0" cy="0"/>
+          <a:chOff x="0" y="0"/>
+          <a:chExt cx="0" cy="0"/>
+        </a:xfrm>
+      </p:grpSpPr>
+      <p:sp>
+        <p:nvSpPr>
+          <p:cNvPr id="2" name="Segnaposto immagine diapositiva 1">
+            <a:extLst>
+              <a:ext uri="{FF2B5EF4-FFF2-40B4-BE49-F238E27FC236}">
+                <a16:creationId xmlns:a16="http://schemas.microsoft.com/office/drawing/2014/main" id="{F6D51973-A18E-1A0E-5944-5D74202DD822}"/>
+              </a:ext>
+            </a:extLst>
+          </p:cNvPr>
+          <p:cNvSpPr>
+            <a:spLocks noGrp="1" noRot="1" noChangeAspect="1"/>
+          </p:cNvSpPr>
+          <p:nvPr>
+            <p:ph type="sldImg"/>
+          </p:nvPr>
+        </p:nvSpPr>
+        <p:spPr/>
+      </p:sp>
+      <p:sp>
+        <p:nvSpPr>
+          <p:cNvPr id="3" name="Segnaposto note 2">
+            <a:extLst>
+              <a:ext uri="{FF2B5EF4-FFF2-40B4-BE49-F238E27FC236}">
+                <a16:creationId xmlns:a16="http://schemas.microsoft.com/office/drawing/2014/main" id="{16458907-D94E-5EDF-4EF2-AFAF1F6BCE7C}"/>
+              </a:ext>
+            </a:extLst>
+          </p:cNvPr>
+          <p:cNvSpPr>
+            <a:spLocks noGrp="1"/>
+          </p:cNvSpPr>
+          <p:nvPr>
+            <p:ph type="body" idx="1"/>
+          </p:nvPr>
+        </p:nvSpPr>
+        <p:spPr/>
+        <p:txBody>
+          <a:bodyPr/>
+          <a:lstStyle/>
+          <a:p>
+            <a:endParaRPr lang="en-US" dirty="0"/>
+          </a:p>
+        </p:txBody>
+      </p:sp>
+      <p:sp>
+        <p:nvSpPr>
+          <p:cNvPr id="4" name="Segnaposto numero diapositiva 3">
+            <a:extLst>
+              <a:ext uri="{FF2B5EF4-FFF2-40B4-BE49-F238E27FC236}">
+                <a16:creationId xmlns:a16="http://schemas.microsoft.com/office/drawing/2014/main" id="{FE4AE664-C3A3-53E5-6458-506D6DC4B5B4}"/>
+              </a:ext>
+            </a:extLst>
+          </p:cNvPr>
+          <p:cNvSpPr>
+            <a:spLocks noGrp="1"/>
+          </p:cNvSpPr>
+          <p:nvPr>
+            <p:ph type="sldNum" sz="quarter" idx="5"/>
+          </p:nvPr>
+        </p:nvSpPr>
+        <p:spPr/>
+        <p:txBody>
+          <a:bodyPr/>
+          <a:lstStyle/>
+          <a:p>
+            <a:fld id="{802E5CB9-2BE2-4860-85EE-BBFABBF2603A}" type="slidenum">
+              <a:rPr lang="en-US" smtClean="0"/>
+              <a:t>31</a:t>
+            </a:fld>
+            <a:endParaRPr lang="en-US"/>
+          </a:p>
+        </p:txBody>
+      </p:sp>
+    </p:spTree>
+    <p:extLst>
+      <p:ext uri="{BB962C8B-B14F-4D97-AF65-F5344CB8AC3E}">
+        <p14:creationId xmlns:p14="http://schemas.microsoft.com/office/powerpoint/2010/main" val="2002192801"/>
       </p:ext>
     </p:extLst>
   </p:cSld>
@@ -3663,7 +4099,7 @@
           <a:p>
             <a:fld id="{58E4D78B-0F35-4E3B-A0B9-554BA787D8A4}" type="datetime1">
               <a:rPr lang="en-US" smtClean="0"/>
-              <a:t>10/29/2024</a:t>
+              <a:t>11/1/2024</a:t>
             </a:fld>
             <a:endParaRPr lang="en-US"/>
           </a:p>
@@ -3873,7 +4309,7 @@
           <a:p>
             <a:fld id="{604487E5-BE79-4BAC-AEB7-0CE0533B5E5C}" type="datetime1">
               <a:rPr lang="en-US" smtClean="0"/>
-              <a:t>10/29/2024</a:t>
+              <a:t>11/1/2024</a:t>
             </a:fld>
             <a:endParaRPr lang="en-US"/>
           </a:p>
@@ -4073,7 +4509,7 @@
           <a:p>
             <a:fld id="{DDA7E0CB-9E21-49FD-99A0-0CD75BBC45F4}" type="datetime1">
               <a:rPr lang="en-US" smtClean="0"/>
-              <a:t>10/29/2024</a:t>
+              <a:t>11/1/2024</a:t>
             </a:fld>
             <a:endParaRPr lang="en-US"/>
           </a:p>
@@ -4349,7 +4785,7 @@
           <a:p>
             <a:fld id="{661D7149-FE96-419A-8F67-9BD351842985}" type="datetime1">
               <a:rPr lang="en-US" smtClean="0"/>
-              <a:t>10/29/2024</a:t>
+              <a:t>11/1/2024</a:t>
             </a:fld>
             <a:endParaRPr lang="en-US"/>
           </a:p>
@@ -4617,7 +5053,7 @@
           <a:p>
             <a:fld id="{6CA97CEF-DD94-4A20-85BC-5094F3EA8887}" type="datetime1">
               <a:rPr lang="en-US" smtClean="0"/>
-              <a:t>10/29/2024</a:t>
+              <a:t>11/1/2024</a:t>
             </a:fld>
             <a:endParaRPr lang="en-US"/>
           </a:p>
@@ -5032,7 +5468,7 @@
           <a:p>
             <a:fld id="{9862EB4C-45F8-47BA-B435-B6097D61B684}" type="datetime1">
               <a:rPr lang="en-US" smtClean="0"/>
-              <a:t>10/29/2024</a:t>
+              <a:t>11/1/2024</a:t>
             </a:fld>
             <a:endParaRPr lang="en-US"/>
           </a:p>
@@ -5174,7 +5610,7 @@
           <a:p>
             <a:fld id="{FA7CD0E2-B7EC-4D81-9389-8F889EE865AB}" type="datetime1">
               <a:rPr lang="en-US" smtClean="0"/>
-              <a:t>10/29/2024</a:t>
+              <a:t>11/1/2024</a:t>
             </a:fld>
             <a:endParaRPr lang="en-US"/>
           </a:p>
@@ -5287,7 +5723,7 @@
           <a:p>
             <a:fld id="{18B47F5C-7FA0-44DA-BF82-413AB90208B7}" type="datetime1">
               <a:rPr lang="en-US" smtClean="0"/>
-              <a:t>10/29/2024</a:t>
+              <a:t>11/1/2024</a:t>
             </a:fld>
             <a:endParaRPr lang="en-US"/>
           </a:p>
@@ -5600,7 +6036,7 @@
           <a:p>
             <a:fld id="{403415A8-F8BD-47CC-8D20-53798396961D}" type="datetime1">
               <a:rPr lang="en-US" smtClean="0"/>
-              <a:t>10/29/2024</a:t>
+              <a:t>11/1/2024</a:t>
             </a:fld>
             <a:endParaRPr lang="en-US"/>
           </a:p>
@@ -5889,7 +6325,7 @@
           <a:p>
             <a:fld id="{6A12F5A1-6669-4CDD-B1B4-04FFE5C41ADE}" type="datetime1">
               <a:rPr lang="en-US" smtClean="0"/>
-              <a:t>10/29/2024</a:t>
+              <a:t>11/1/2024</a:t>
             </a:fld>
             <a:endParaRPr lang="en-US"/>
           </a:p>
@@ -6093,7 +6529,7 @@
           <a:p>
             <a:fld id="{63421662-C242-4258-8799-9F32C0D7CC75}" type="datetime1">
               <a:rPr lang="en-US" smtClean="0"/>
-              <a:t>10/29/2024</a:t>
+              <a:t>11/1/2024</a:t>
             </a:fld>
             <a:endParaRPr lang="en-US"/>
           </a:p>
@@ -7822,7 +8258,7 @@
 </file>
 
 <file path=ppt/slides/slide12.xml><?xml version="1.0" encoding="utf-8"?>
-<p:sld xmlns:a="http://schemas.openxmlformats.org/drawingml/2006/main" xmlns:r="http://schemas.openxmlformats.org/officeDocument/2006/relationships" xmlns:p="http://schemas.openxmlformats.org/presentationml/2006/main">
+<p:sld xmlns:a="http://schemas.openxmlformats.org/drawingml/2006/main" xmlns:r="http://schemas.openxmlformats.org/officeDocument/2006/relationships" xmlns:p="http://schemas.openxmlformats.org/presentationml/2006/main" show="0">
   <p:cSld>
     <p:spTree>
       <p:nvGrpSpPr>
@@ -9085,6 +9521,1215 @@
         <p:cNvPr id="1" name="">
           <a:extLst>
             <a:ext uri="{FF2B5EF4-FFF2-40B4-BE49-F238E27FC236}">
+              <a16:creationId xmlns:a16="http://schemas.microsoft.com/office/drawing/2014/main" id="{DE3909DA-E8D2-3455-2149-0284D8679EA4}"/>
+            </a:ext>
+          </a:extLst>
+        </p:cNvPr>
+        <p:cNvGrpSpPr/>
+        <p:nvPr/>
+      </p:nvGrpSpPr>
+      <p:grpSpPr>
+        <a:xfrm>
+          <a:off x="0" y="0"/>
+          <a:ext cx="0" cy="0"/>
+          <a:chOff x="0" y="0"/>
+          <a:chExt cx="0" cy="0"/>
+        </a:xfrm>
+      </p:grpSpPr>
+      <p:sp>
+        <p:nvSpPr>
+          <p:cNvPr id="2" name="Titolo 1">
+            <a:extLst>
+              <a:ext uri="{FF2B5EF4-FFF2-40B4-BE49-F238E27FC236}">
+                <a16:creationId xmlns:a16="http://schemas.microsoft.com/office/drawing/2014/main" id="{CC4FC968-CCA5-2432-6448-B5125EB2EDAE}"/>
+              </a:ext>
+            </a:extLst>
+          </p:cNvPr>
+          <p:cNvSpPr>
+            <a:spLocks noGrp="1"/>
+          </p:cNvSpPr>
+          <p:nvPr>
+            <p:ph type="title"/>
+          </p:nvPr>
+        </p:nvSpPr>
+        <p:spPr>
+          <a:xfrm>
+            <a:off x="838200" y="209292"/>
+            <a:ext cx="9905460" cy="971551"/>
+          </a:xfrm>
+        </p:spPr>
+        <p:txBody>
+          <a:bodyPr>
+            <a:normAutofit/>
+          </a:bodyPr>
+          <a:lstStyle/>
+          <a:p>
+            <a:r>
+              <a:rPr lang="en-US" sz="3600" dirty="0"/>
+              <a:t>Heuristic classifier: pseudo code</a:t>
+            </a:r>
+          </a:p>
+        </p:txBody>
+      </p:sp>
+      <p:sp>
+        <p:nvSpPr>
+          <p:cNvPr id="4" name="Segnaposto numero diapositiva 3">
+            <a:extLst>
+              <a:ext uri="{FF2B5EF4-FFF2-40B4-BE49-F238E27FC236}">
+                <a16:creationId xmlns:a16="http://schemas.microsoft.com/office/drawing/2014/main" id="{E6D1120F-360E-CA01-FBE0-3218DC89FE98}"/>
+              </a:ext>
+            </a:extLst>
+          </p:cNvPr>
+          <p:cNvSpPr>
+            <a:spLocks noGrp="1"/>
+          </p:cNvSpPr>
+          <p:nvPr>
+            <p:ph type="sldNum" sz="quarter" idx="12"/>
+          </p:nvPr>
+        </p:nvSpPr>
+        <p:spPr/>
+        <p:txBody>
+          <a:bodyPr/>
+          <a:lstStyle/>
+          <a:p>
+            <a:fld id="{2FA0223F-D95A-431D-9A71-EDA7FA0C2F5B}" type="slidenum">
+              <a:rPr lang="en-US" smtClean="0"/>
+              <a:t>13</a:t>
+            </a:fld>
+            <a:endParaRPr lang="en-US"/>
+          </a:p>
+        </p:txBody>
+      </p:sp>
+      <p:sp>
+        <p:nvSpPr>
+          <p:cNvPr id="27" name="Rettangolo 26">
+            <a:extLst>
+              <a:ext uri="{FF2B5EF4-FFF2-40B4-BE49-F238E27FC236}">
+                <a16:creationId xmlns:a16="http://schemas.microsoft.com/office/drawing/2014/main" id="{8ED6A644-4825-ACE7-24B6-5A276E948BE8}"/>
+              </a:ext>
+            </a:extLst>
+          </p:cNvPr>
+          <p:cNvSpPr/>
+          <p:nvPr/>
+        </p:nvSpPr>
+        <p:spPr>
+          <a:xfrm>
+            <a:off x="6723157" y="1812745"/>
+            <a:ext cx="206547" cy="168094"/>
+          </a:xfrm>
+          <a:prstGeom prst="rect">
+            <a:avLst/>
+          </a:prstGeom>
+          <a:solidFill>
+            <a:schemeClr val="bg1"/>
+          </a:solidFill>
+          <a:ln>
+            <a:solidFill>
+              <a:schemeClr val="bg1"/>
+            </a:solidFill>
+          </a:ln>
+        </p:spPr>
+        <p:style>
+          <a:lnRef idx="2">
+            <a:schemeClr val="accent1">
+              <a:shade val="15000"/>
+            </a:schemeClr>
+          </a:lnRef>
+          <a:fillRef idx="1">
+            <a:schemeClr val="accent1"/>
+          </a:fillRef>
+          <a:effectRef idx="0">
+            <a:schemeClr val="accent1"/>
+          </a:effectRef>
+          <a:fontRef idx="minor">
+            <a:schemeClr val="lt1"/>
+          </a:fontRef>
+        </p:style>
+        <p:txBody>
+          <a:bodyPr rtlCol="0" anchor="ctr"/>
+          <a:lstStyle/>
+          <a:p>
+            <a:pPr algn="ctr"/>
+            <a:endParaRPr lang="it-IT"/>
+          </a:p>
+        </p:txBody>
+      </p:sp>
+      <p:sp>
+        <p:nvSpPr>
+          <p:cNvPr id="12" name="Rettangolo 11">
+            <a:extLst>
+              <a:ext uri="{FF2B5EF4-FFF2-40B4-BE49-F238E27FC236}">
+                <a16:creationId xmlns:a16="http://schemas.microsoft.com/office/drawing/2014/main" id="{51DBE589-F25C-4105-BF52-CF12D63FAD4A}"/>
+              </a:ext>
+            </a:extLst>
+          </p:cNvPr>
+          <p:cNvSpPr/>
+          <p:nvPr/>
+        </p:nvSpPr>
+        <p:spPr>
+          <a:xfrm>
+            <a:off x="5468844" y="2179320"/>
+            <a:ext cx="223296" cy="160020"/>
+          </a:xfrm>
+          <a:prstGeom prst="rect">
+            <a:avLst/>
+          </a:prstGeom>
+          <a:solidFill>
+            <a:schemeClr val="bg1"/>
+          </a:solidFill>
+          <a:ln>
+            <a:solidFill>
+              <a:schemeClr val="bg1"/>
+            </a:solidFill>
+          </a:ln>
+        </p:spPr>
+        <p:style>
+          <a:lnRef idx="2">
+            <a:schemeClr val="accent1">
+              <a:shade val="15000"/>
+            </a:schemeClr>
+          </a:lnRef>
+          <a:fillRef idx="1">
+            <a:schemeClr val="accent1"/>
+          </a:fillRef>
+          <a:effectRef idx="0">
+            <a:schemeClr val="accent1"/>
+          </a:effectRef>
+          <a:fontRef idx="minor">
+            <a:schemeClr val="lt1"/>
+          </a:fontRef>
+        </p:style>
+        <p:txBody>
+          <a:bodyPr rtlCol="0" anchor="ctr"/>
+          <a:lstStyle/>
+          <a:p>
+            <a:pPr algn="ctr"/>
+            <a:endParaRPr lang="it-IT"/>
+          </a:p>
+        </p:txBody>
+      </p:sp>
+      <p:sp>
+        <p:nvSpPr>
+          <p:cNvPr id="9" name="Segnaposto contenuto 2">
+            <a:extLst>
+              <a:ext uri="{FF2B5EF4-FFF2-40B4-BE49-F238E27FC236}">
+                <a16:creationId xmlns:a16="http://schemas.microsoft.com/office/drawing/2014/main" id="{6A3CE9EE-677E-ACAE-0538-F7234755DCFF}"/>
+              </a:ext>
+            </a:extLst>
+          </p:cNvPr>
+          <p:cNvSpPr>
+            <a:spLocks noGrp="1"/>
+          </p:cNvSpPr>
+          <p:nvPr>
+            <p:ph idx="1"/>
+          </p:nvPr>
+        </p:nvSpPr>
+        <p:spPr>
+          <a:xfrm>
+            <a:off x="218694" y="1483770"/>
+            <a:ext cx="9743731" cy="4127129"/>
+          </a:xfrm>
+        </p:spPr>
+        <p:txBody>
+          <a:bodyPr>
+            <a:noAutofit/>
+          </a:bodyPr>
+          <a:lstStyle/>
+          <a:p>
+            <a:pPr marL="0" indent="0">
+              <a:buNone/>
+            </a:pPr>
+            <a:r>
+              <a:rPr lang="en-US" sz="1600" dirty="0"/>
+              <a:t>For each roving trace (post-alignment):</a:t>
+            </a:r>
+          </a:p>
+          <a:p>
+            <a:pPr marL="342900" indent="-342900">
+              <a:buFont typeface="+mj-lt"/>
+              <a:buAutoNum type="arabicPeriod"/>
+            </a:pPr>
+            <a:r>
+              <a:rPr lang="en-US" sz="1600" dirty="0"/>
+              <a:t>Divide the trace in three segments:</a:t>
+            </a:r>
+          </a:p>
+          <a:p>
+            <a:pPr marL="800100" lvl="1" indent="-342900">
+              <a:buFont typeface="+mj-lt"/>
+              <a:buAutoNum type="arabicPeriod"/>
+            </a:pPr>
+            <a:r>
+              <a:rPr lang="en-US" sz="1400" dirty="0">
+                <a:solidFill>
+                  <a:schemeClr val="accent5">
+                    <a:lumMod val="75000"/>
+                  </a:schemeClr>
+                </a:solidFill>
+              </a:rPr>
+              <a:t>Atrial: t&lt;0.38s</a:t>
+            </a:r>
+          </a:p>
+          <a:p>
+            <a:pPr marL="800100" lvl="1" indent="-342900">
+              <a:buFont typeface="+mj-lt"/>
+              <a:buAutoNum type="arabicPeriod"/>
+            </a:pPr>
+            <a:r>
+              <a:rPr lang="en-US" sz="1400" dirty="0">
+                <a:solidFill>
+                  <a:schemeClr val="accent6"/>
+                </a:solidFill>
+              </a:rPr>
+              <a:t>Ventricular: after t&gt;0.42</a:t>
+            </a:r>
+          </a:p>
+          <a:p>
+            <a:pPr marL="800100" lvl="1" indent="-342900">
+              <a:buFont typeface="+mj-lt"/>
+              <a:buAutoNum type="arabicPeriod"/>
+            </a:pPr>
+            <a:r>
+              <a:rPr lang="en-US" sz="1400" dirty="0">
+                <a:solidFill>
+                  <a:srgbClr val="C00000"/>
+                </a:solidFill>
+              </a:rPr>
+              <a:t>His bundle: 0.38&lt;t&lt;0.42</a:t>
+            </a:r>
+          </a:p>
+          <a:p>
+            <a:pPr marL="342900" indent="-342900">
+              <a:buFont typeface="+mj-lt"/>
+              <a:buAutoNum type="arabicPeriod"/>
+            </a:pPr>
+            <a:r>
+              <a:rPr lang="en-US" sz="1600" dirty="0"/>
+              <a:t>Compute the absolute value of the segment, then into each (modulus) segment find the maximum:</a:t>
+            </a:r>
+          </a:p>
+          <a:p>
+            <a:pPr marL="800100" lvl="1" indent="-342900">
+              <a:buFont typeface="+mj-lt"/>
+              <a:buAutoNum type="arabicPeriod"/>
+            </a:pPr>
+            <a:r>
+              <a:rPr lang="en-US" sz="1400" dirty="0"/>
+              <a:t>For </a:t>
+            </a:r>
+            <a:r>
+              <a:rPr lang="en-US" sz="1400" b="1" dirty="0"/>
+              <a:t>atrial</a:t>
+            </a:r>
+            <a:r>
+              <a:rPr lang="en-US" sz="1400" dirty="0"/>
+              <a:t> and </a:t>
+            </a:r>
+            <a:r>
+              <a:rPr lang="en-US" sz="1400" b="1" dirty="0"/>
+              <a:t>ventricular</a:t>
+            </a:r>
+            <a:r>
+              <a:rPr lang="en-US" sz="1400" dirty="0"/>
+              <a:t> phase take the maximum </a:t>
+            </a:r>
+            <a:r>
+              <a:rPr lang="en-US" sz="1400" b="1" dirty="0"/>
+              <a:t>as</a:t>
+            </a:r>
+            <a:r>
+              <a:rPr lang="en-US" sz="1400" dirty="0"/>
+              <a:t> </a:t>
+            </a:r>
+            <a:r>
+              <a:rPr lang="en-US" sz="1400" b="1" dirty="0"/>
+              <a:t>it</a:t>
+            </a:r>
+            <a:r>
+              <a:rPr lang="en-US" sz="1400" dirty="0"/>
+              <a:t> </a:t>
+            </a:r>
+            <a:r>
+              <a:rPr lang="en-US" sz="1400" b="1" dirty="0"/>
+              <a:t>is</a:t>
+            </a:r>
+          </a:p>
+          <a:p>
+            <a:pPr marL="800100" lvl="1" indent="-342900">
+              <a:buFont typeface="+mj-lt"/>
+              <a:buAutoNum type="arabicPeriod"/>
+            </a:pPr>
+            <a:r>
+              <a:rPr lang="en-US" sz="1400" dirty="0"/>
+              <a:t>For </a:t>
+            </a:r>
+            <a:r>
+              <a:rPr lang="en-US" sz="1400" b="1" dirty="0"/>
+              <a:t>His</a:t>
+            </a:r>
+            <a:r>
+              <a:rPr lang="en-US" sz="1400" dirty="0"/>
+              <a:t> </a:t>
+            </a:r>
+            <a:r>
+              <a:rPr lang="en-US" sz="1400" b="1" dirty="0"/>
+              <a:t>phase</a:t>
+            </a:r>
+            <a:r>
+              <a:rPr lang="en-US" sz="1400" dirty="0"/>
+              <a:t>, consider the maximum </a:t>
+            </a:r>
+            <a:r>
+              <a:rPr lang="en-US" sz="1400" b="1" dirty="0"/>
+              <a:t>significant</a:t>
+            </a:r>
+            <a:r>
+              <a:rPr lang="en-US" sz="1400" dirty="0"/>
+              <a:t> </a:t>
+            </a:r>
+            <a:r>
+              <a:rPr lang="en-US" sz="1400" b="1" dirty="0"/>
+              <a:t>if</a:t>
+            </a:r>
+            <a:r>
+              <a:rPr lang="en-US" sz="1400" dirty="0"/>
+              <a:t> </a:t>
+            </a:r>
+            <a:r>
+              <a:rPr lang="en-US" sz="1400" b="1" dirty="0"/>
+              <a:t>higher</a:t>
+            </a:r>
+            <a:r>
+              <a:rPr lang="en-US" sz="1400" dirty="0"/>
+              <a:t> </a:t>
+            </a:r>
+            <a:r>
+              <a:rPr lang="en-US" sz="1400" b="1" dirty="0"/>
+              <a:t>than</a:t>
+            </a:r>
+            <a:r>
+              <a:rPr lang="en-US" sz="1400" dirty="0"/>
+              <a:t> a </a:t>
+            </a:r>
+            <a:r>
+              <a:rPr lang="en-US" sz="1400" b="1" dirty="0"/>
+              <a:t>threshold</a:t>
+            </a:r>
+            <a:r>
+              <a:rPr lang="en-US" sz="1400" dirty="0"/>
+              <a:t>, </a:t>
+            </a:r>
+            <a:r>
+              <a:rPr lang="en-US" sz="1400" b="1" dirty="0"/>
+              <a:t>otherwise</a:t>
+            </a:r>
+            <a:r>
+              <a:rPr lang="en-US" sz="1400" dirty="0"/>
+              <a:t> assign </a:t>
+            </a:r>
+            <a:r>
+              <a:rPr lang="en-US" sz="1400" b="1" dirty="0" err="1"/>
+              <a:t>NaN</a:t>
+            </a:r>
+            <a:r>
+              <a:rPr lang="en-US" sz="1400" dirty="0"/>
+              <a:t> to its value</a:t>
+            </a:r>
+          </a:p>
+          <a:p>
+            <a:pPr marL="342900" indent="-342900">
+              <a:buFont typeface="+mj-lt"/>
+              <a:buAutoNum type="arabicPeriod"/>
+            </a:pPr>
+            <a:r>
+              <a:rPr lang="en-US" sz="1600" dirty="0"/>
+              <a:t>Then apply the following set of rules:</a:t>
+            </a:r>
+          </a:p>
+          <a:p>
+            <a:pPr marL="800100" lvl="1" indent="-342900">
+              <a:buFont typeface="+mj-lt"/>
+              <a:buAutoNum type="arabicPeriod"/>
+            </a:pPr>
+            <a:endParaRPr lang="en-US" sz="1200" dirty="0">
+              <a:solidFill>
+                <a:schemeClr val="tx2">
+                  <a:lumMod val="60000"/>
+                  <a:lumOff val="40000"/>
+                </a:schemeClr>
+              </a:solidFill>
+            </a:endParaRPr>
+          </a:p>
+          <a:p>
+            <a:endParaRPr lang="en-US" sz="1600" dirty="0"/>
+          </a:p>
+        </p:txBody>
+      </p:sp>
+      <p:sp>
+        <p:nvSpPr>
+          <p:cNvPr id="3" name="Rettangolo con angoli arrotondati 2">
+            <a:extLst>
+              <a:ext uri="{FF2B5EF4-FFF2-40B4-BE49-F238E27FC236}">
+                <a16:creationId xmlns:a16="http://schemas.microsoft.com/office/drawing/2014/main" id="{66DA0E75-943B-556D-2A66-4EA22EDF72A1}"/>
+              </a:ext>
+            </a:extLst>
+          </p:cNvPr>
+          <p:cNvSpPr/>
+          <p:nvPr/>
+        </p:nvSpPr>
+        <p:spPr>
+          <a:xfrm>
+            <a:off x="745236" y="4296525"/>
+            <a:ext cx="1591056" cy="585216"/>
+          </a:xfrm>
+          <a:prstGeom prst="roundRect">
+            <a:avLst/>
+          </a:prstGeom>
+          <a:noFill/>
+          <a:ln w="28575">
+            <a:solidFill>
+              <a:srgbClr val="0070C0"/>
+            </a:solidFill>
+          </a:ln>
+        </p:spPr>
+        <p:style>
+          <a:lnRef idx="2">
+            <a:schemeClr val="accent1">
+              <a:shade val="15000"/>
+            </a:schemeClr>
+          </a:lnRef>
+          <a:fillRef idx="1">
+            <a:schemeClr val="accent1"/>
+          </a:fillRef>
+          <a:effectRef idx="0">
+            <a:schemeClr val="accent1"/>
+          </a:effectRef>
+          <a:fontRef idx="minor">
+            <a:schemeClr val="lt1"/>
+          </a:fontRef>
+        </p:style>
+        <p:txBody>
+          <a:bodyPr rtlCol="0" anchor="ctr"/>
+          <a:lstStyle/>
+          <a:p>
+            <a:pPr algn="ctr"/>
+            <a:r>
+              <a:rPr lang="en-GB" sz="1400" dirty="0">
+                <a:solidFill>
+                  <a:schemeClr val="tx1"/>
+                </a:solidFill>
+              </a:rPr>
+              <a:t>Does the signal have an His peak? </a:t>
+            </a:r>
+          </a:p>
+        </p:txBody>
+      </p:sp>
+      <p:sp>
+        <p:nvSpPr>
+          <p:cNvPr id="6" name="Rettangolo 5">
+            <a:extLst>
+              <a:ext uri="{FF2B5EF4-FFF2-40B4-BE49-F238E27FC236}">
+                <a16:creationId xmlns:a16="http://schemas.microsoft.com/office/drawing/2014/main" id="{1E4EDD05-CA39-6DF0-14B3-66DDD3213C76}"/>
+              </a:ext>
+            </a:extLst>
+          </p:cNvPr>
+          <p:cNvSpPr/>
+          <p:nvPr/>
+        </p:nvSpPr>
+        <p:spPr>
+          <a:xfrm>
+            <a:off x="1175004" y="5975145"/>
+            <a:ext cx="731520" cy="247018"/>
+          </a:xfrm>
+          <a:prstGeom prst="rect">
+            <a:avLst/>
+          </a:prstGeom>
+        </p:spPr>
+        <p:style>
+          <a:lnRef idx="1">
+            <a:schemeClr val="accent1"/>
+          </a:lnRef>
+          <a:fillRef idx="2">
+            <a:schemeClr val="accent1"/>
+          </a:fillRef>
+          <a:effectRef idx="1">
+            <a:schemeClr val="accent1"/>
+          </a:effectRef>
+          <a:fontRef idx="minor">
+            <a:schemeClr val="dk1"/>
+          </a:fontRef>
+        </p:style>
+        <p:txBody>
+          <a:bodyPr rtlCol="0" anchor="ctr"/>
+          <a:lstStyle/>
+          <a:p>
+            <a:pPr algn="ctr"/>
+            <a:r>
+              <a:rPr lang="it-IT" sz="1400" b="1" dirty="0">
+                <a:solidFill>
+                  <a:schemeClr val="bg1"/>
+                </a:solidFill>
+              </a:rPr>
+              <a:t>MAP C</a:t>
+            </a:r>
+          </a:p>
+        </p:txBody>
+      </p:sp>
+      <p:sp>
+        <p:nvSpPr>
+          <p:cNvPr id="7" name="Rettangolo 6">
+            <a:extLst>
+              <a:ext uri="{FF2B5EF4-FFF2-40B4-BE49-F238E27FC236}">
+                <a16:creationId xmlns:a16="http://schemas.microsoft.com/office/drawing/2014/main" id="{82872C97-356D-3F4D-466C-038D36989145}"/>
+              </a:ext>
+            </a:extLst>
+          </p:cNvPr>
+          <p:cNvSpPr/>
+          <p:nvPr/>
+        </p:nvSpPr>
+        <p:spPr>
+          <a:xfrm>
+            <a:off x="3820105" y="5975144"/>
+            <a:ext cx="731520" cy="247018"/>
+          </a:xfrm>
+          <a:prstGeom prst="rect">
+            <a:avLst/>
+          </a:prstGeom>
+        </p:spPr>
+        <p:style>
+          <a:lnRef idx="1">
+            <a:schemeClr val="accent5"/>
+          </a:lnRef>
+          <a:fillRef idx="2">
+            <a:schemeClr val="accent5"/>
+          </a:fillRef>
+          <a:effectRef idx="1">
+            <a:schemeClr val="accent5"/>
+          </a:effectRef>
+          <a:fontRef idx="minor">
+            <a:schemeClr val="dk1"/>
+          </a:fontRef>
+        </p:style>
+        <p:txBody>
+          <a:bodyPr rtlCol="0" anchor="ctr"/>
+          <a:lstStyle/>
+          <a:p>
+            <a:pPr algn="ctr"/>
+            <a:r>
+              <a:rPr lang="it-IT" sz="1400" b="1" dirty="0">
+                <a:solidFill>
+                  <a:schemeClr val="bg1"/>
+                </a:solidFill>
+              </a:rPr>
+              <a:t>MAP A</a:t>
+            </a:r>
+          </a:p>
+        </p:txBody>
+      </p:sp>
+      <p:sp>
+        <p:nvSpPr>
+          <p:cNvPr id="8" name="Rettangolo 7">
+            <a:extLst>
+              <a:ext uri="{FF2B5EF4-FFF2-40B4-BE49-F238E27FC236}">
+                <a16:creationId xmlns:a16="http://schemas.microsoft.com/office/drawing/2014/main" id="{FB837C50-E920-3947-1E9C-50018C434217}"/>
+              </a:ext>
+            </a:extLst>
+          </p:cNvPr>
+          <p:cNvSpPr/>
+          <p:nvPr/>
+        </p:nvSpPr>
+        <p:spPr>
+          <a:xfrm>
+            <a:off x="5950383" y="4475782"/>
+            <a:ext cx="731520" cy="247018"/>
+          </a:xfrm>
+          <a:prstGeom prst="rect">
+            <a:avLst/>
+          </a:prstGeom>
+        </p:spPr>
+        <p:style>
+          <a:lnRef idx="1">
+            <a:schemeClr val="accent6"/>
+          </a:lnRef>
+          <a:fillRef idx="2">
+            <a:schemeClr val="accent6"/>
+          </a:fillRef>
+          <a:effectRef idx="1">
+            <a:schemeClr val="accent6"/>
+          </a:effectRef>
+          <a:fontRef idx="minor">
+            <a:schemeClr val="dk1"/>
+          </a:fontRef>
+        </p:style>
+        <p:txBody>
+          <a:bodyPr rtlCol="0" anchor="ctr"/>
+          <a:lstStyle/>
+          <a:p>
+            <a:pPr algn="ctr"/>
+            <a:r>
+              <a:rPr lang="it-IT" sz="1400" b="1" dirty="0">
+                <a:solidFill>
+                  <a:schemeClr val="bg1"/>
+                </a:solidFill>
+              </a:rPr>
+              <a:t>MAP B</a:t>
+            </a:r>
+          </a:p>
+        </p:txBody>
+      </p:sp>
+      <p:cxnSp>
+        <p:nvCxnSpPr>
+          <p:cNvPr id="14" name="Connettore 2 13">
+            <a:extLst>
+              <a:ext uri="{FF2B5EF4-FFF2-40B4-BE49-F238E27FC236}">
+                <a16:creationId xmlns:a16="http://schemas.microsoft.com/office/drawing/2014/main" id="{321A6F28-B046-DDB1-C133-D8010640C7EA}"/>
+              </a:ext>
+            </a:extLst>
+          </p:cNvPr>
+          <p:cNvCxnSpPr>
+            <a:stCxn id="3" idx="2"/>
+            <a:endCxn id="6" idx="0"/>
+          </p:cNvCxnSpPr>
+          <p:nvPr/>
+        </p:nvCxnSpPr>
+        <p:spPr>
+          <a:xfrm>
+            <a:off x="1540764" y="4881741"/>
+            <a:ext cx="0" cy="1093404"/>
+          </a:xfrm>
+          <a:prstGeom prst="straightConnector1">
+            <a:avLst/>
+          </a:prstGeom>
+          <a:ln>
+            <a:tailEnd type="triangle"/>
+          </a:ln>
+        </p:spPr>
+        <p:style>
+          <a:lnRef idx="1">
+            <a:schemeClr val="dk1"/>
+          </a:lnRef>
+          <a:fillRef idx="0">
+            <a:schemeClr val="dk1"/>
+          </a:fillRef>
+          <a:effectRef idx="0">
+            <a:schemeClr val="dk1"/>
+          </a:effectRef>
+          <a:fontRef idx="minor">
+            <a:schemeClr val="tx1"/>
+          </a:fontRef>
+        </p:style>
+      </p:cxnSp>
+      <p:cxnSp>
+        <p:nvCxnSpPr>
+          <p:cNvPr id="16" name="Connettore 2 15">
+            <a:extLst>
+              <a:ext uri="{FF2B5EF4-FFF2-40B4-BE49-F238E27FC236}">
+                <a16:creationId xmlns:a16="http://schemas.microsoft.com/office/drawing/2014/main" id="{40C93AA5-C258-154F-858F-D60E77E67C69}"/>
+              </a:ext>
+            </a:extLst>
+          </p:cNvPr>
+          <p:cNvCxnSpPr>
+            <a:cxnSpLocks/>
+            <a:stCxn id="3" idx="3"/>
+            <a:endCxn id="26" idx="1"/>
+          </p:cNvCxnSpPr>
+          <p:nvPr/>
+        </p:nvCxnSpPr>
+        <p:spPr>
+          <a:xfrm>
+            <a:off x="2336292" y="4589133"/>
+            <a:ext cx="854786" cy="10158"/>
+          </a:xfrm>
+          <a:prstGeom prst="straightConnector1">
+            <a:avLst/>
+          </a:prstGeom>
+          <a:ln>
+            <a:tailEnd type="triangle"/>
+          </a:ln>
+        </p:spPr>
+        <p:style>
+          <a:lnRef idx="1">
+            <a:schemeClr val="dk1"/>
+          </a:lnRef>
+          <a:fillRef idx="0">
+            <a:schemeClr val="dk1"/>
+          </a:fillRef>
+          <a:effectRef idx="0">
+            <a:schemeClr val="dk1"/>
+          </a:effectRef>
+          <a:fontRef idx="minor">
+            <a:schemeClr val="tx1"/>
+          </a:fontRef>
+        </p:style>
+      </p:cxnSp>
+      <p:cxnSp>
+        <p:nvCxnSpPr>
+          <p:cNvPr id="25" name="Connettore 2 24">
+            <a:extLst>
+              <a:ext uri="{FF2B5EF4-FFF2-40B4-BE49-F238E27FC236}">
+                <a16:creationId xmlns:a16="http://schemas.microsoft.com/office/drawing/2014/main" id="{A24B7B33-2A02-3767-3E72-325F6CD68953}"/>
+              </a:ext>
+            </a:extLst>
+          </p:cNvPr>
+          <p:cNvCxnSpPr>
+            <a:cxnSpLocks/>
+            <a:stCxn id="26" idx="3"/>
+            <a:endCxn id="8" idx="1"/>
+          </p:cNvCxnSpPr>
+          <p:nvPr/>
+        </p:nvCxnSpPr>
+        <p:spPr>
+          <a:xfrm>
+            <a:off x="5180653" y="4599291"/>
+            <a:ext cx="769730" cy="0"/>
+          </a:xfrm>
+          <a:prstGeom prst="straightConnector1">
+            <a:avLst/>
+          </a:prstGeom>
+          <a:ln>
+            <a:tailEnd type="triangle"/>
+          </a:ln>
+        </p:spPr>
+        <p:style>
+          <a:lnRef idx="1">
+            <a:schemeClr val="dk1"/>
+          </a:lnRef>
+          <a:fillRef idx="0">
+            <a:schemeClr val="dk1"/>
+          </a:fillRef>
+          <a:effectRef idx="0">
+            <a:schemeClr val="dk1"/>
+          </a:effectRef>
+          <a:fontRef idx="minor">
+            <a:schemeClr val="tx1"/>
+          </a:fontRef>
+        </p:style>
+      </p:cxnSp>
+      <p:cxnSp>
+        <p:nvCxnSpPr>
+          <p:cNvPr id="30" name="Connettore 2 29">
+            <a:extLst>
+              <a:ext uri="{FF2B5EF4-FFF2-40B4-BE49-F238E27FC236}">
+                <a16:creationId xmlns:a16="http://schemas.microsoft.com/office/drawing/2014/main" id="{12595AA1-7652-A1BD-1930-7663B046C851}"/>
+              </a:ext>
+            </a:extLst>
+          </p:cNvPr>
+          <p:cNvCxnSpPr>
+            <a:cxnSpLocks/>
+            <a:stCxn id="26" idx="2"/>
+            <a:endCxn id="7" idx="0"/>
+          </p:cNvCxnSpPr>
+          <p:nvPr/>
+        </p:nvCxnSpPr>
+        <p:spPr>
+          <a:xfrm flipH="1">
+            <a:off x="4185865" y="4898131"/>
+            <a:ext cx="1" cy="1077013"/>
+          </a:xfrm>
+          <a:prstGeom prst="straightConnector1">
+            <a:avLst/>
+          </a:prstGeom>
+          <a:ln>
+            <a:tailEnd type="triangle"/>
+          </a:ln>
+        </p:spPr>
+        <p:style>
+          <a:lnRef idx="1">
+            <a:schemeClr val="dk1"/>
+          </a:lnRef>
+          <a:fillRef idx="0">
+            <a:schemeClr val="dk1"/>
+          </a:fillRef>
+          <a:effectRef idx="0">
+            <a:schemeClr val="dk1"/>
+          </a:effectRef>
+          <a:fontRef idx="minor">
+            <a:schemeClr val="tx1"/>
+          </a:fontRef>
+        </p:style>
+      </p:cxnSp>
+      <p:sp>
+        <p:nvSpPr>
+          <p:cNvPr id="32" name="CasellaDiTesto 31">
+            <a:extLst>
+              <a:ext uri="{FF2B5EF4-FFF2-40B4-BE49-F238E27FC236}">
+                <a16:creationId xmlns:a16="http://schemas.microsoft.com/office/drawing/2014/main" id="{E7437D97-CDF5-D0C1-699E-F6645B4EC535}"/>
+              </a:ext>
+            </a:extLst>
+          </p:cNvPr>
+          <p:cNvSpPr txBox="1"/>
+          <p:nvPr/>
+        </p:nvSpPr>
+        <p:spPr>
+          <a:xfrm>
+            <a:off x="2496478" y="4296525"/>
+            <a:ext cx="505968" cy="307777"/>
+          </a:xfrm>
+          <a:prstGeom prst="rect">
+            <a:avLst/>
+          </a:prstGeom>
+          <a:noFill/>
+        </p:spPr>
+        <p:txBody>
+          <a:bodyPr wrap="square" rtlCol="0">
+            <a:spAutoFit/>
+          </a:bodyPr>
+          <a:lstStyle/>
+          <a:p>
+            <a:r>
+              <a:rPr lang="it-IT" sz="1400" dirty="0"/>
+              <a:t>No</a:t>
+            </a:r>
+          </a:p>
+        </p:txBody>
+      </p:sp>
+      <p:sp>
+        <p:nvSpPr>
+          <p:cNvPr id="33" name="CasellaDiTesto 32">
+            <a:extLst>
+              <a:ext uri="{FF2B5EF4-FFF2-40B4-BE49-F238E27FC236}">
+                <a16:creationId xmlns:a16="http://schemas.microsoft.com/office/drawing/2014/main" id="{5A3C9DDB-FBD6-F876-3985-8199BF7F9424}"/>
+              </a:ext>
+            </a:extLst>
+          </p:cNvPr>
+          <p:cNvSpPr txBox="1"/>
+          <p:nvPr/>
+        </p:nvSpPr>
+        <p:spPr>
+          <a:xfrm>
+            <a:off x="5309356" y="4281356"/>
+            <a:ext cx="505968" cy="307777"/>
+          </a:xfrm>
+          <a:prstGeom prst="rect">
+            <a:avLst/>
+          </a:prstGeom>
+          <a:noFill/>
+        </p:spPr>
+        <p:txBody>
+          <a:bodyPr wrap="square" rtlCol="0">
+            <a:spAutoFit/>
+          </a:bodyPr>
+          <a:lstStyle/>
+          <a:p>
+            <a:r>
+              <a:rPr lang="it-IT" sz="1400" dirty="0"/>
+              <a:t>No</a:t>
+            </a:r>
+          </a:p>
+        </p:txBody>
+      </p:sp>
+      <p:sp>
+        <p:nvSpPr>
+          <p:cNvPr id="34" name="CasellaDiTesto 33">
+            <a:extLst>
+              <a:ext uri="{FF2B5EF4-FFF2-40B4-BE49-F238E27FC236}">
+                <a16:creationId xmlns:a16="http://schemas.microsoft.com/office/drawing/2014/main" id="{F93AC450-7BEB-BA28-58DE-D39E15618B68}"/>
+              </a:ext>
+            </a:extLst>
+          </p:cNvPr>
+          <p:cNvSpPr txBox="1"/>
+          <p:nvPr/>
+        </p:nvSpPr>
+        <p:spPr>
+          <a:xfrm>
+            <a:off x="4185865" y="5367900"/>
+            <a:ext cx="505968" cy="307777"/>
+          </a:xfrm>
+          <a:prstGeom prst="rect">
+            <a:avLst/>
+          </a:prstGeom>
+          <a:noFill/>
+        </p:spPr>
+        <p:txBody>
+          <a:bodyPr wrap="square" rtlCol="0">
+            <a:spAutoFit/>
+          </a:bodyPr>
+          <a:lstStyle/>
+          <a:p>
+            <a:r>
+              <a:rPr lang="en-GB" sz="1400" dirty="0"/>
+              <a:t>Yes</a:t>
+            </a:r>
+          </a:p>
+        </p:txBody>
+      </p:sp>
+      <p:sp>
+        <p:nvSpPr>
+          <p:cNvPr id="35" name="CasellaDiTesto 34">
+            <a:extLst>
+              <a:ext uri="{FF2B5EF4-FFF2-40B4-BE49-F238E27FC236}">
+                <a16:creationId xmlns:a16="http://schemas.microsoft.com/office/drawing/2014/main" id="{0849EED3-ADFD-EAC0-BA29-76BE75D010BB}"/>
+              </a:ext>
+            </a:extLst>
+          </p:cNvPr>
+          <p:cNvSpPr txBox="1"/>
+          <p:nvPr/>
+        </p:nvSpPr>
+        <p:spPr>
+          <a:xfrm>
+            <a:off x="1527613" y="5364317"/>
+            <a:ext cx="505968" cy="307777"/>
+          </a:xfrm>
+          <a:prstGeom prst="rect">
+            <a:avLst/>
+          </a:prstGeom>
+          <a:noFill/>
+        </p:spPr>
+        <p:txBody>
+          <a:bodyPr wrap="square" rtlCol="0">
+            <a:spAutoFit/>
+          </a:bodyPr>
+          <a:lstStyle/>
+          <a:p>
+            <a:r>
+              <a:rPr lang="en-GB" sz="1400" dirty="0"/>
+              <a:t>Yes</a:t>
+            </a:r>
+          </a:p>
+        </p:txBody>
+      </p:sp>
+      <p:sp>
+        <p:nvSpPr>
+          <p:cNvPr id="45" name="Rettangolo con angoli arrotondati 44">
+            <a:extLst>
+              <a:ext uri="{FF2B5EF4-FFF2-40B4-BE49-F238E27FC236}">
+                <a16:creationId xmlns:a16="http://schemas.microsoft.com/office/drawing/2014/main" id="{81FFB696-E2F0-209D-A950-71BC8A2AFFC6}"/>
+              </a:ext>
+            </a:extLst>
+          </p:cNvPr>
+          <p:cNvSpPr/>
+          <p:nvPr/>
+        </p:nvSpPr>
+        <p:spPr>
+          <a:xfrm>
+            <a:off x="8107832" y="4282679"/>
+            <a:ext cx="3863339" cy="1692465"/>
+          </a:xfrm>
+          <a:prstGeom prst="roundRect">
+            <a:avLst/>
+          </a:prstGeom>
+        </p:spPr>
+        <p:style>
+          <a:lnRef idx="1">
+            <a:schemeClr val="accent4"/>
+          </a:lnRef>
+          <a:fillRef idx="2">
+            <a:schemeClr val="accent4"/>
+          </a:fillRef>
+          <a:effectRef idx="1">
+            <a:schemeClr val="accent4"/>
+          </a:effectRef>
+          <a:fontRef idx="minor">
+            <a:schemeClr val="dk1"/>
+          </a:fontRef>
+        </p:style>
+        <p:txBody>
+          <a:bodyPr rtlCol="0" anchor="ctr"/>
+          <a:lstStyle/>
+          <a:p>
+            <a:r>
+              <a:rPr lang="en-GB" sz="1200" dirty="0"/>
+              <a:t>NB: in this way MAP B, </a:t>
+            </a:r>
+            <a:r>
+              <a:rPr lang="en-GB" sz="1200" b="1" dirty="0"/>
+              <a:t>effective</a:t>
+            </a:r>
+            <a:r>
+              <a:rPr lang="en-GB" sz="1200" dirty="0"/>
+              <a:t>, is </a:t>
+            </a:r>
+            <a:r>
+              <a:rPr lang="en-GB" sz="1200" b="1" dirty="0"/>
+              <a:t>harder</a:t>
+            </a:r>
+            <a:r>
+              <a:rPr lang="en-GB" sz="1200" dirty="0"/>
+              <a:t> to </a:t>
+            </a:r>
+            <a:r>
+              <a:rPr lang="en-GB" sz="1200" b="1" dirty="0"/>
+              <a:t>be</a:t>
+            </a:r>
+            <a:r>
+              <a:rPr lang="en-GB" sz="1200" dirty="0"/>
+              <a:t> </a:t>
+            </a:r>
+            <a:r>
+              <a:rPr lang="en-GB" sz="1200" b="1" dirty="0"/>
+              <a:t>chosen</a:t>
+            </a:r>
+            <a:r>
+              <a:rPr lang="en-GB" sz="1200" dirty="0"/>
+              <a:t>, leading to a more </a:t>
+            </a:r>
+            <a:r>
+              <a:rPr lang="en-GB" sz="1200" b="1" dirty="0"/>
+              <a:t>“conservative”</a:t>
+            </a:r>
+            <a:r>
+              <a:rPr lang="en-GB" sz="1200" dirty="0"/>
+              <a:t> </a:t>
+            </a:r>
+            <a:r>
+              <a:rPr lang="en-GB" sz="1200" b="1" dirty="0"/>
+              <a:t>algorithm</a:t>
+            </a:r>
+            <a:r>
+              <a:rPr lang="en-GB" sz="1200" dirty="0"/>
+              <a:t>, as is should be the surgeon. </a:t>
+            </a:r>
+          </a:p>
+          <a:p>
+            <a:r>
+              <a:rPr lang="en-GB" sz="1200" dirty="0"/>
+              <a:t>MAP A, </a:t>
+            </a:r>
+            <a:r>
+              <a:rPr lang="en-GB" sz="1200" b="1" dirty="0"/>
+              <a:t>indifferent</a:t>
+            </a:r>
+            <a:r>
+              <a:rPr lang="en-GB" sz="1200" dirty="0"/>
+              <a:t>, is chosen if the atrial peak is higher than the ventricular one.</a:t>
+            </a:r>
+          </a:p>
+          <a:p>
+            <a:r>
+              <a:rPr lang="en-GB" sz="1200" dirty="0"/>
+              <a:t>Finally, MAP C, </a:t>
+            </a:r>
+            <a:r>
+              <a:rPr lang="en-GB" sz="1200" b="1" dirty="0"/>
+              <a:t>dangerous</a:t>
+            </a:r>
+            <a:r>
+              <a:rPr lang="en-GB" sz="1200" dirty="0"/>
+              <a:t>, is chosen as </a:t>
+            </a:r>
+            <a:r>
+              <a:rPr lang="en-GB" sz="1200" b="1" dirty="0"/>
+              <a:t>first</a:t>
+            </a:r>
+            <a:r>
+              <a:rPr lang="en-GB" sz="1200" dirty="0"/>
+              <a:t> </a:t>
+            </a:r>
+            <a:r>
+              <a:rPr lang="en-GB" sz="1200" b="1" dirty="0"/>
+              <a:t>one</a:t>
+            </a:r>
+            <a:r>
+              <a:rPr lang="en-GB" sz="1200" dirty="0"/>
+              <a:t> if there’s an </a:t>
+            </a:r>
+            <a:r>
+              <a:rPr lang="en-GB" sz="1200" b="1" dirty="0"/>
+              <a:t>over-threshold</a:t>
+            </a:r>
+            <a:r>
+              <a:rPr lang="en-GB" sz="1200" dirty="0"/>
+              <a:t> </a:t>
+            </a:r>
+            <a:r>
+              <a:rPr lang="en-GB" sz="1200" b="1" dirty="0"/>
+              <a:t>peak </a:t>
+            </a:r>
+            <a:r>
+              <a:rPr lang="en-GB" sz="1200" dirty="0"/>
+              <a:t> into the </a:t>
+            </a:r>
+            <a:r>
+              <a:rPr lang="en-GB" sz="1200" b="1" dirty="0"/>
+              <a:t>His</a:t>
+            </a:r>
+            <a:r>
+              <a:rPr lang="en-GB" sz="1200" dirty="0"/>
+              <a:t> bundle.</a:t>
+            </a:r>
+          </a:p>
+        </p:txBody>
+      </p:sp>
+      <p:sp>
+        <p:nvSpPr>
+          <p:cNvPr id="26" name="Rettangolo con angoli arrotondati 25">
+            <a:extLst>
+              <a:ext uri="{FF2B5EF4-FFF2-40B4-BE49-F238E27FC236}">
+                <a16:creationId xmlns:a16="http://schemas.microsoft.com/office/drawing/2014/main" id="{698449B6-0691-FB20-2748-A9020EAAEF1E}"/>
+              </a:ext>
+            </a:extLst>
+          </p:cNvPr>
+          <p:cNvSpPr/>
+          <p:nvPr/>
+        </p:nvSpPr>
+        <p:spPr>
+          <a:xfrm>
+            <a:off x="3191078" y="4300451"/>
+            <a:ext cx="1989575" cy="597680"/>
+          </a:xfrm>
+          <a:prstGeom prst="roundRect">
+            <a:avLst/>
+          </a:prstGeom>
+          <a:noFill/>
+          <a:ln w="28575">
+            <a:solidFill>
+              <a:srgbClr val="0070C0"/>
+            </a:solidFill>
+          </a:ln>
+        </p:spPr>
+        <p:style>
+          <a:lnRef idx="2">
+            <a:schemeClr val="accent1">
+              <a:shade val="15000"/>
+            </a:schemeClr>
+          </a:lnRef>
+          <a:fillRef idx="1">
+            <a:schemeClr val="accent1"/>
+          </a:fillRef>
+          <a:effectRef idx="0">
+            <a:schemeClr val="accent1"/>
+          </a:effectRef>
+          <a:fontRef idx="minor">
+            <a:schemeClr val="lt1"/>
+          </a:fontRef>
+        </p:style>
+        <p:txBody>
+          <a:bodyPr rtlCol="0" anchor="ctr"/>
+          <a:lstStyle/>
+          <a:p>
+            <a:pPr algn="ctr"/>
+            <a:r>
+              <a:rPr lang="en-GB" sz="1400" dirty="0">
+                <a:solidFill>
+                  <a:schemeClr val="tx1"/>
+                </a:solidFill>
+              </a:rPr>
+              <a:t>Is the ventricular peak lower than atrial one?</a:t>
+            </a:r>
+          </a:p>
+        </p:txBody>
+      </p:sp>
+    </p:spTree>
+    <p:extLst>
+      <p:ext uri="{BB962C8B-B14F-4D97-AF65-F5344CB8AC3E}">
+        <p14:creationId xmlns:p14="http://schemas.microsoft.com/office/powerpoint/2010/main" val="1695041370"/>
+      </p:ext>
+    </p:extLst>
+  </p:cSld>
+  <p:clrMapOvr>
+    <a:masterClrMapping/>
+  </p:clrMapOvr>
+</p:sld>
+</file>
+
+<file path=ppt/slides/slide14.xml><?xml version="1.0" encoding="utf-8"?>
+<p:sld xmlns:a="http://schemas.openxmlformats.org/drawingml/2006/main" xmlns:r="http://schemas.openxmlformats.org/officeDocument/2006/relationships" xmlns:p="http://schemas.openxmlformats.org/presentationml/2006/main">
+  <p:cSld>
+    <p:spTree>
+      <p:nvGrpSpPr>
+        <p:cNvPr id="1" name="">
+          <a:extLst>
+            <a:ext uri="{FF2B5EF4-FFF2-40B4-BE49-F238E27FC236}">
               <a16:creationId xmlns:a16="http://schemas.microsoft.com/office/drawing/2014/main" id="{77E1989D-2F0E-98E7-D9D4-6E2B119EB4AD}"/>
             </a:ext>
           </a:extLst>
@@ -9158,7 +10803,7 @@
           <a:p>
             <a:fld id="{2FA0223F-D95A-431D-9A71-EDA7FA0C2F5B}" type="slidenum">
               <a:rPr lang="en-US" smtClean="0"/>
-              <a:t>13</a:t>
+              <a:t>14</a:t>
             </a:fld>
             <a:endParaRPr lang="en-US"/>
           </a:p>
@@ -9898,7 +11543,7 @@
 </p:sld>
 </file>
 
-<file path=ppt/slides/slide14.xml><?xml version="1.0" encoding="utf-8"?>
+<file path=ppt/slides/slide15.xml><?xml version="1.0" encoding="utf-8"?>
 <p:sld xmlns:a="http://schemas.openxmlformats.org/drawingml/2006/main" xmlns:r="http://schemas.openxmlformats.org/officeDocument/2006/relationships" xmlns:p="http://schemas.openxmlformats.org/presentationml/2006/main">
   <p:cSld>
     <p:spTree>
@@ -9979,7 +11624,7 @@
           <a:p>
             <a:fld id="{2FA0223F-D95A-431D-9A71-EDA7FA0C2F5B}" type="slidenum">
               <a:rPr lang="en-US" smtClean="0"/>
-              <a:t>14</a:t>
+              <a:t>15</a:t>
             </a:fld>
             <a:endParaRPr lang="en-US"/>
           </a:p>
@@ -10529,7 +12174,7 @@
 </p:sld>
 </file>
 
-<file path=ppt/slides/slide15.xml><?xml version="1.0" encoding="utf-8"?>
+<file path=ppt/slides/slide16.xml><?xml version="1.0" encoding="utf-8"?>
 <p:sld xmlns:a="http://schemas.openxmlformats.org/drawingml/2006/main" xmlns:r="http://schemas.openxmlformats.org/officeDocument/2006/relationships" xmlns:p="http://schemas.openxmlformats.org/presentationml/2006/main">
   <p:cSld>
     <p:spTree>
@@ -10705,7 +12350,7 @@
           <a:p>
             <a:fld id="{2FA0223F-D95A-431D-9A71-EDA7FA0C2F5B}" type="slidenum">
               <a:rPr lang="en-US" smtClean="0"/>
-              <a:t>15</a:t>
+              <a:t>16</a:t>
             </a:fld>
             <a:endParaRPr lang="en-US" dirty="0"/>
           </a:p>
@@ -10724,7 +12369,7 @@
 </p:sld>
 </file>
 
-<file path=ppt/slides/slide16.xml><?xml version="1.0" encoding="utf-8"?>
+<file path=ppt/slides/slide17.xml><?xml version="1.0" encoding="utf-8"?>
 <p:sld xmlns:a="http://schemas.openxmlformats.org/drawingml/2006/main" xmlns:r="http://schemas.openxmlformats.org/officeDocument/2006/relationships" xmlns:p="http://schemas.openxmlformats.org/presentationml/2006/main">
   <p:cSld>
     <p:spTree>
@@ -10805,7 +12450,7 @@
           <a:p>
             <a:fld id="{2FA0223F-D95A-431D-9A71-EDA7FA0C2F5B}" type="slidenum">
               <a:rPr lang="en-US" smtClean="0"/>
-              <a:t>16</a:t>
+              <a:t>17</a:t>
             </a:fld>
             <a:endParaRPr lang="en-US"/>
           </a:p>
@@ -11158,7 +12803,7 @@
 </p:sld>
 </file>
 
-<file path=ppt/slides/slide17.xml><?xml version="1.0" encoding="utf-8"?>
+<file path=ppt/slides/slide18.xml><?xml version="1.0" encoding="utf-8"?>
 <p:sld xmlns:a="http://schemas.openxmlformats.org/drawingml/2006/main" xmlns:r="http://schemas.openxmlformats.org/officeDocument/2006/relationships" xmlns:p="http://schemas.openxmlformats.org/presentationml/2006/main">
   <p:cSld>
     <p:spTree>
@@ -11239,7 +12884,7 @@
           <a:p>
             <a:fld id="{2FA0223F-D95A-431D-9A71-EDA7FA0C2F5B}" type="slidenum">
               <a:rPr lang="en-US" smtClean="0"/>
-              <a:t>17</a:t>
+              <a:t>18</a:t>
             </a:fld>
             <a:endParaRPr lang="en-US"/>
           </a:p>
@@ -11578,7 +13223,7 @@
 </p:sld>
 </file>
 
-<file path=ppt/slides/slide18.xml><?xml version="1.0" encoding="utf-8"?>
+<file path=ppt/slides/slide19.xml><?xml version="1.0" encoding="utf-8"?>
 <p:sld xmlns:a="http://schemas.openxmlformats.org/drawingml/2006/main" xmlns:r="http://schemas.openxmlformats.org/officeDocument/2006/relationships" xmlns:p="http://schemas.openxmlformats.org/presentationml/2006/main">
   <p:cSld>
     <p:spTree>
@@ -11659,7 +13304,7 @@
           <a:p>
             <a:fld id="{2FA0223F-D95A-431D-9A71-EDA7FA0C2F5B}" type="slidenum">
               <a:rPr lang="en-US" smtClean="0"/>
-              <a:t>18</a:t>
+              <a:t>19</a:t>
             </a:fld>
             <a:endParaRPr lang="en-US"/>
           </a:p>
@@ -12080,7 +13725,160 @@
 </p:sld>
 </file>
 
-<file path=ppt/slides/slide19.xml><?xml version="1.0" encoding="utf-8"?>
+<file path=ppt/slides/slide2.xml><?xml version="1.0" encoding="utf-8"?>
+<p:sld xmlns:a="http://schemas.openxmlformats.org/drawingml/2006/main" xmlns:r="http://schemas.openxmlformats.org/officeDocument/2006/relationships" xmlns:p="http://schemas.openxmlformats.org/presentationml/2006/main">
+  <p:cSld>
+    <p:spTree>
+      <p:nvGrpSpPr>
+        <p:cNvPr id="1" name=""/>
+        <p:cNvGrpSpPr/>
+        <p:nvPr/>
+      </p:nvGrpSpPr>
+      <p:grpSpPr>
+        <a:xfrm>
+          <a:off x="0" y="0"/>
+          <a:ext cx="0" cy="0"/>
+          <a:chOff x="0" y="0"/>
+          <a:chExt cx="0" cy="0"/>
+        </a:xfrm>
+      </p:grpSpPr>
+      <p:sp>
+        <p:nvSpPr>
+          <p:cNvPr id="2" name="Titolo 1">
+            <a:extLst>
+              <a:ext uri="{FF2B5EF4-FFF2-40B4-BE49-F238E27FC236}">
+                <a16:creationId xmlns:a16="http://schemas.microsoft.com/office/drawing/2014/main" id="{90F52EA4-9809-985C-8A8C-85AEDD39AF3B}"/>
+              </a:ext>
+            </a:extLst>
+          </p:cNvPr>
+          <p:cNvSpPr>
+            <a:spLocks noGrp="1"/>
+          </p:cNvSpPr>
+          <p:nvPr>
+            <p:ph type="title"/>
+          </p:nvPr>
+        </p:nvSpPr>
+        <p:spPr/>
+        <p:txBody>
+          <a:bodyPr/>
+          <a:lstStyle/>
+          <a:p>
+            <a:r>
+              <a:rPr lang="en-US" dirty="0"/>
+              <a:t>Outline </a:t>
+            </a:r>
+          </a:p>
+        </p:txBody>
+      </p:sp>
+      <p:sp>
+        <p:nvSpPr>
+          <p:cNvPr id="3" name="Segnaposto contenuto 2">
+            <a:extLst>
+              <a:ext uri="{FF2B5EF4-FFF2-40B4-BE49-F238E27FC236}">
+                <a16:creationId xmlns:a16="http://schemas.microsoft.com/office/drawing/2014/main" id="{B080D17D-5CB5-7A4C-86CF-032C6E6BEB1F}"/>
+              </a:ext>
+            </a:extLst>
+          </p:cNvPr>
+          <p:cNvSpPr>
+            <a:spLocks noGrp="1"/>
+          </p:cNvSpPr>
+          <p:nvPr>
+            <p:ph idx="1"/>
+          </p:nvPr>
+        </p:nvSpPr>
+        <p:spPr>
+          <a:xfrm>
+            <a:off x="664464" y="2041497"/>
+            <a:ext cx="10098024" cy="2613436"/>
+          </a:xfrm>
+        </p:spPr>
+        <p:txBody>
+          <a:bodyPr>
+            <a:noAutofit/>
+          </a:bodyPr>
+          <a:lstStyle/>
+          <a:p>
+            <a:r>
+              <a:rPr lang="en-US" sz="2000" dirty="0"/>
+              <a:t>Why building a heuristic classifier</a:t>
+            </a:r>
+          </a:p>
+          <a:p>
+            <a:r>
+              <a:rPr lang="en-US" sz="2000" dirty="0"/>
+              <a:t>Knowledge on roving signals: recap</a:t>
+            </a:r>
+          </a:p>
+          <a:p>
+            <a:r>
+              <a:rPr lang="en-US" sz="2000" dirty="0"/>
+              <a:t>Heuristic classifier: pseudo code</a:t>
+            </a:r>
+          </a:p>
+          <a:p>
+            <a:r>
+              <a:rPr lang="en-US" sz="2000" dirty="0"/>
+              <a:t>Performance</a:t>
+            </a:r>
+          </a:p>
+          <a:p>
+            <a:r>
+              <a:rPr lang="en-US" sz="2000" dirty="0"/>
+              <a:t>Conclusions </a:t>
+            </a:r>
+            <a:endParaRPr lang="en-US" sz="1600" dirty="0"/>
+          </a:p>
+          <a:p>
+            <a:pPr marL="0" indent="0">
+              <a:buNone/>
+            </a:pPr>
+            <a:endParaRPr lang="en-US" sz="1600" dirty="0"/>
+          </a:p>
+        </p:txBody>
+      </p:sp>
+      <p:sp>
+        <p:nvSpPr>
+          <p:cNvPr id="4" name="Segnaposto numero diapositiva 3">
+            <a:extLst>
+              <a:ext uri="{FF2B5EF4-FFF2-40B4-BE49-F238E27FC236}">
+                <a16:creationId xmlns:a16="http://schemas.microsoft.com/office/drawing/2014/main" id="{8B351BE6-1815-C162-224E-864AC8EF79D2}"/>
+              </a:ext>
+            </a:extLst>
+          </p:cNvPr>
+          <p:cNvSpPr>
+            <a:spLocks noGrp="1"/>
+          </p:cNvSpPr>
+          <p:nvPr>
+            <p:ph type="sldNum" sz="quarter" idx="12"/>
+          </p:nvPr>
+        </p:nvSpPr>
+        <p:spPr/>
+        <p:txBody>
+          <a:bodyPr/>
+          <a:lstStyle/>
+          <a:p>
+            <a:fld id="{2FA0223F-D95A-431D-9A71-EDA7FA0C2F5B}" type="slidenum">
+              <a:rPr lang="en-US" smtClean="0"/>
+              <a:t>2</a:t>
+            </a:fld>
+            <a:endParaRPr lang="en-US" dirty="0"/>
+          </a:p>
+        </p:txBody>
+      </p:sp>
+    </p:spTree>
+    <p:extLst>
+      <p:ext uri="{BB962C8B-B14F-4D97-AF65-F5344CB8AC3E}">
+        <p14:creationId xmlns:p14="http://schemas.microsoft.com/office/powerpoint/2010/main" val="1561499463"/>
+      </p:ext>
+    </p:extLst>
+  </p:cSld>
+  <p:clrMapOvr>
+    <a:masterClrMapping/>
+  </p:clrMapOvr>
+</p:sld>
+</file>
+
+<file path=ppt/slides/slide20.xml><?xml version="1.0" encoding="utf-8"?>
 <p:sld xmlns:a="http://schemas.openxmlformats.org/drawingml/2006/main" xmlns:r="http://schemas.openxmlformats.org/officeDocument/2006/relationships" xmlns:p="http://schemas.openxmlformats.org/presentationml/2006/main">
   <p:cSld>
     <p:spTree>
@@ -12161,7 +13959,7 @@
           <a:p>
             <a:fld id="{2FA0223F-D95A-431D-9A71-EDA7FA0C2F5B}" type="slidenum">
               <a:rPr lang="en-US" smtClean="0"/>
-              <a:t>19</a:t>
+              <a:t>20</a:t>
             </a:fld>
             <a:endParaRPr lang="en-US"/>
           </a:p>
@@ -12514,160 +14312,7 @@
 </p:sld>
 </file>
 
-<file path=ppt/slides/slide2.xml><?xml version="1.0" encoding="utf-8"?>
-<p:sld xmlns:a="http://schemas.openxmlformats.org/drawingml/2006/main" xmlns:r="http://schemas.openxmlformats.org/officeDocument/2006/relationships" xmlns:p="http://schemas.openxmlformats.org/presentationml/2006/main">
-  <p:cSld>
-    <p:spTree>
-      <p:nvGrpSpPr>
-        <p:cNvPr id="1" name=""/>
-        <p:cNvGrpSpPr/>
-        <p:nvPr/>
-      </p:nvGrpSpPr>
-      <p:grpSpPr>
-        <a:xfrm>
-          <a:off x="0" y="0"/>
-          <a:ext cx="0" cy="0"/>
-          <a:chOff x="0" y="0"/>
-          <a:chExt cx="0" cy="0"/>
-        </a:xfrm>
-      </p:grpSpPr>
-      <p:sp>
-        <p:nvSpPr>
-          <p:cNvPr id="2" name="Titolo 1">
-            <a:extLst>
-              <a:ext uri="{FF2B5EF4-FFF2-40B4-BE49-F238E27FC236}">
-                <a16:creationId xmlns:a16="http://schemas.microsoft.com/office/drawing/2014/main" id="{90F52EA4-9809-985C-8A8C-85AEDD39AF3B}"/>
-              </a:ext>
-            </a:extLst>
-          </p:cNvPr>
-          <p:cNvSpPr>
-            <a:spLocks noGrp="1"/>
-          </p:cNvSpPr>
-          <p:nvPr>
-            <p:ph type="title"/>
-          </p:nvPr>
-        </p:nvSpPr>
-        <p:spPr/>
-        <p:txBody>
-          <a:bodyPr/>
-          <a:lstStyle/>
-          <a:p>
-            <a:r>
-              <a:rPr lang="en-US" dirty="0"/>
-              <a:t>Outline </a:t>
-            </a:r>
-          </a:p>
-        </p:txBody>
-      </p:sp>
-      <p:sp>
-        <p:nvSpPr>
-          <p:cNvPr id="3" name="Segnaposto contenuto 2">
-            <a:extLst>
-              <a:ext uri="{FF2B5EF4-FFF2-40B4-BE49-F238E27FC236}">
-                <a16:creationId xmlns:a16="http://schemas.microsoft.com/office/drawing/2014/main" id="{B080D17D-5CB5-7A4C-86CF-032C6E6BEB1F}"/>
-              </a:ext>
-            </a:extLst>
-          </p:cNvPr>
-          <p:cNvSpPr>
-            <a:spLocks noGrp="1"/>
-          </p:cNvSpPr>
-          <p:nvPr>
-            <p:ph idx="1"/>
-          </p:nvPr>
-        </p:nvSpPr>
-        <p:spPr>
-          <a:xfrm>
-            <a:off x="664464" y="2041497"/>
-            <a:ext cx="10098024" cy="2613436"/>
-          </a:xfrm>
-        </p:spPr>
-        <p:txBody>
-          <a:bodyPr>
-            <a:noAutofit/>
-          </a:bodyPr>
-          <a:lstStyle/>
-          <a:p>
-            <a:r>
-              <a:rPr lang="en-US" sz="2000" dirty="0"/>
-              <a:t>Why building a heuristic classifier</a:t>
-            </a:r>
-          </a:p>
-          <a:p>
-            <a:r>
-              <a:rPr lang="en-US" sz="2000" dirty="0"/>
-              <a:t>Knowledge on roving signals: recap</a:t>
-            </a:r>
-          </a:p>
-          <a:p>
-            <a:r>
-              <a:rPr lang="en-US" sz="2000" dirty="0"/>
-              <a:t>Heuristic classifier: pseudo code</a:t>
-            </a:r>
-          </a:p>
-          <a:p>
-            <a:r>
-              <a:rPr lang="en-US" sz="2000" dirty="0"/>
-              <a:t>Performance</a:t>
-            </a:r>
-          </a:p>
-          <a:p>
-            <a:r>
-              <a:rPr lang="en-US" sz="2000" dirty="0"/>
-              <a:t>Conclusions </a:t>
-            </a:r>
-            <a:endParaRPr lang="en-US" sz="1600" dirty="0"/>
-          </a:p>
-          <a:p>
-            <a:pPr marL="0" indent="0">
-              <a:buNone/>
-            </a:pPr>
-            <a:endParaRPr lang="en-US" sz="1600" dirty="0"/>
-          </a:p>
-        </p:txBody>
-      </p:sp>
-      <p:sp>
-        <p:nvSpPr>
-          <p:cNvPr id="4" name="Segnaposto numero diapositiva 3">
-            <a:extLst>
-              <a:ext uri="{FF2B5EF4-FFF2-40B4-BE49-F238E27FC236}">
-                <a16:creationId xmlns:a16="http://schemas.microsoft.com/office/drawing/2014/main" id="{8B351BE6-1815-C162-224E-864AC8EF79D2}"/>
-              </a:ext>
-            </a:extLst>
-          </p:cNvPr>
-          <p:cNvSpPr>
-            <a:spLocks noGrp="1"/>
-          </p:cNvSpPr>
-          <p:nvPr>
-            <p:ph type="sldNum" sz="quarter" idx="12"/>
-          </p:nvPr>
-        </p:nvSpPr>
-        <p:spPr/>
-        <p:txBody>
-          <a:bodyPr/>
-          <a:lstStyle/>
-          <a:p>
-            <a:fld id="{2FA0223F-D95A-431D-9A71-EDA7FA0C2F5B}" type="slidenum">
-              <a:rPr lang="en-US" smtClean="0"/>
-              <a:t>2</a:t>
-            </a:fld>
-            <a:endParaRPr lang="en-US" dirty="0"/>
-          </a:p>
-        </p:txBody>
-      </p:sp>
-    </p:spTree>
-    <p:extLst>
-      <p:ext uri="{BB962C8B-B14F-4D97-AF65-F5344CB8AC3E}">
-        <p14:creationId xmlns:p14="http://schemas.microsoft.com/office/powerpoint/2010/main" val="1561499463"/>
-      </p:ext>
-    </p:extLst>
-  </p:cSld>
-  <p:clrMapOvr>
-    <a:masterClrMapping/>
-  </p:clrMapOvr>
-</p:sld>
-</file>
-
-<file path=ppt/slides/slide20.xml><?xml version="1.0" encoding="utf-8"?>
+<file path=ppt/slides/slide21.xml><?xml version="1.0" encoding="utf-8"?>
 <p:sld xmlns:a="http://schemas.openxmlformats.org/drawingml/2006/main" xmlns:r="http://schemas.openxmlformats.org/officeDocument/2006/relationships" xmlns:p="http://schemas.openxmlformats.org/presentationml/2006/main">
   <p:cSld>
     <p:spTree>
@@ -12748,7 +14393,7 @@
           <a:p>
             <a:fld id="{2FA0223F-D95A-431D-9A71-EDA7FA0C2F5B}" type="slidenum">
               <a:rPr lang="en-US" smtClean="0"/>
-              <a:t>20</a:t>
+              <a:t>21</a:t>
             </a:fld>
             <a:endParaRPr lang="en-US"/>
           </a:p>
@@ -13104,7 +14749,7 @@
 </p:sld>
 </file>
 
-<file path=ppt/slides/slide21.xml><?xml version="1.0" encoding="utf-8"?>
+<file path=ppt/slides/slide22.xml><?xml version="1.0" encoding="utf-8"?>
 <p:sld xmlns:a="http://schemas.openxmlformats.org/drawingml/2006/main" xmlns:r="http://schemas.openxmlformats.org/officeDocument/2006/relationships" xmlns:p="http://schemas.openxmlformats.org/presentationml/2006/main">
   <p:cSld>
     <p:spTree>
@@ -13185,7 +14830,7 @@
           <a:p>
             <a:fld id="{2FA0223F-D95A-431D-9A71-EDA7FA0C2F5B}" type="slidenum">
               <a:rPr lang="en-US" smtClean="0"/>
-              <a:t>21</a:t>
+              <a:t>22</a:t>
             </a:fld>
             <a:endParaRPr lang="en-US"/>
           </a:p>
@@ -13541,7 +15186,7 @@
 </p:sld>
 </file>
 
-<file path=ppt/slides/slide22.xml><?xml version="1.0" encoding="utf-8"?>
+<file path=ppt/slides/slide23.xml><?xml version="1.0" encoding="utf-8"?>
 <p:sld xmlns:a="http://schemas.openxmlformats.org/drawingml/2006/main" xmlns:r="http://schemas.openxmlformats.org/officeDocument/2006/relationships" xmlns:p="http://schemas.openxmlformats.org/presentationml/2006/main">
   <p:cSld>
     <p:spTree>
@@ -13622,7 +15267,7 @@
           <a:p>
             <a:fld id="{2FA0223F-D95A-431D-9A71-EDA7FA0C2F5B}" type="slidenum">
               <a:rPr lang="en-US" smtClean="0"/>
-              <a:t>22</a:t>
+              <a:t>23</a:t>
             </a:fld>
             <a:endParaRPr lang="en-US"/>
           </a:p>
@@ -13788,7 +15433,7 @@
       </p:sp>
       <p:pic>
         <p:nvPicPr>
-          <p:cNvPr id="6" name="Immagine 5" descr="Immagine che contiene testo, schermata, numero, diagramma&#10;&#10;Descrizione generata automaticamente">
+          <p:cNvPr id="6" name="Immagine 5">
             <a:extLst>
               <a:ext uri="{FF2B5EF4-FFF2-40B4-BE49-F238E27FC236}">
                 <a16:creationId xmlns:a16="http://schemas.microsoft.com/office/drawing/2014/main" id="{27EDDCF2-A6B2-EE67-373A-91D561BEBB9B}"/>
@@ -13808,14 +15453,13 @@
               </a:ext>
             </a:extLst>
           </a:blip>
-          <a:stretch>
-            <a:fillRect/>
-          </a:stretch>
+          <a:srcRect/>
+          <a:stretch/>
         </p:blipFill>
         <p:spPr>
           <a:xfrm>
-            <a:off x="93810" y="1980839"/>
-            <a:ext cx="5486682" cy="3657788"/>
+            <a:off x="707150" y="1980839"/>
+            <a:ext cx="4260002" cy="3657788"/>
           </a:xfrm>
           <a:prstGeom prst="rect">
             <a:avLst/>
@@ -13824,7 +15468,7 @@
       </p:pic>
       <p:pic>
         <p:nvPicPr>
-          <p:cNvPr id="10" name="Immagine 9" descr="Immagine che contiene testo, schermata, numero, diagramma&#10;&#10;Descrizione generata automaticamente">
+          <p:cNvPr id="10" name="Immagine 9">
             <a:extLst>
               <a:ext uri="{FF2B5EF4-FFF2-40B4-BE49-F238E27FC236}">
                 <a16:creationId xmlns:a16="http://schemas.microsoft.com/office/drawing/2014/main" id="{3C9114B9-6CF9-6143-075D-61CCB1D78824}"/>
@@ -13844,14 +15488,13 @@
               </a:ext>
             </a:extLst>
           </a:blip>
-          <a:stretch>
-            <a:fillRect/>
-          </a:stretch>
+          <a:srcRect/>
+          <a:stretch/>
         </p:blipFill>
         <p:spPr>
           <a:xfrm>
-            <a:off x="5790930" y="1980839"/>
-            <a:ext cx="5486682" cy="3657788"/>
+            <a:off x="6404270" y="1980839"/>
+            <a:ext cx="4260002" cy="3657788"/>
           </a:xfrm>
           <a:prstGeom prst="rect">
             <a:avLst/>
@@ -13871,8 +15514,8 @@
 </p:sld>
 </file>
 
-<file path=ppt/slides/slide23.xml><?xml version="1.0" encoding="utf-8"?>
-<p:sld xmlns:a="http://schemas.openxmlformats.org/drawingml/2006/main" xmlns:r="http://schemas.openxmlformats.org/officeDocument/2006/relationships" xmlns:p="http://schemas.openxmlformats.org/presentationml/2006/main">
+<file path=ppt/slides/slide24.xml><?xml version="1.0" encoding="utf-8"?>
+<p:sld xmlns:a="http://schemas.openxmlformats.org/drawingml/2006/main" xmlns:r="http://schemas.openxmlformats.org/officeDocument/2006/relationships" xmlns:p="http://schemas.openxmlformats.org/presentationml/2006/main" show="0">
   <p:cSld>
     <p:spTree>
       <p:nvGrpSpPr>
@@ -13952,7 +15595,7 @@
           <a:p>
             <a:fld id="{2FA0223F-D95A-431D-9A71-EDA7FA0C2F5B}" type="slidenum">
               <a:rPr lang="en-US" smtClean="0"/>
-              <a:t>23</a:t>
+              <a:t>24</a:t>
             </a:fld>
             <a:endParaRPr lang="en-US"/>
           </a:p>
@@ -14201,7 +15844,7 @@
 </p:sld>
 </file>
 
-<file path=ppt/slides/slide24.xml><?xml version="1.0" encoding="utf-8"?>
+<file path=ppt/slides/slide25.xml><?xml version="1.0" encoding="utf-8"?>
 <p:sld xmlns:a="http://schemas.openxmlformats.org/drawingml/2006/main" xmlns:r="http://schemas.openxmlformats.org/officeDocument/2006/relationships" xmlns:p="http://schemas.openxmlformats.org/presentationml/2006/main">
   <p:cSld>
     <p:spTree>
@@ -14282,7 +15925,7 @@
           <a:p>
             <a:fld id="{2FA0223F-D95A-431D-9A71-EDA7FA0C2F5B}" type="slidenum">
               <a:rPr lang="en-US" smtClean="0"/>
-              <a:t>24</a:t>
+              <a:t>25</a:t>
             </a:fld>
             <a:endParaRPr lang="en-US"/>
           </a:p>
@@ -15762,7 +17405,7 @@
 </p:sld>
 </file>
 
-<file path=ppt/slides/slide25.xml><?xml version="1.0" encoding="utf-8"?>
+<file path=ppt/slides/slide26.xml><?xml version="1.0" encoding="utf-8"?>
 <p:sld xmlns:a="http://schemas.openxmlformats.org/drawingml/2006/main" xmlns:r="http://schemas.openxmlformats.org/officeDocument/2006/relationships" xmlns:p="http://schemas.openxmlformats.org/presentationml/2006/main">
   <p:cSld>
     <p:spTree>
@@ -15843,7 +17486,7 @@
           <a:p>
             <a:fld id="{2FA0223F-D95A-431D-9A71-EDA7FA0C2F5B}" type="slidenum">
               <a:rPr lang="en-US" smtClean="0"/>
-              <a:t>25</a:t>
+              <a:t>26</a:t>
             </a:fld>
             <a:endParaRPr lang="en-US"/>
           </a:p>
@@ -17291,7 +18934,7 @@
 </p:sld>
 </file>
 
-<file path=ppt/slides/slide26.xml><?xml version="1.0" encoding="utf-8"?>
+<file path=ppt/slides/slide27.xml><?xml version="1.0" encoding="utf-8"?>
 <p:sld xmlns:a="http://schemas.openxmlformats.org/drawingml/2006/main" xmlns:r="http://schemas.openxmlformats.org/officeDocument/2006/relationships" xmlns:p="http://schemas.openxmlformats.org/presentationml/2006/main">
   <p:cSld>
     <p:spTree>
@@ -17461,7 +19104,7 @@
           <a:p>
             <a:fld id="{2FA0223F-D95A-431D-9A71-EDA7FA0C2F5B}" type="slidenum">
               <a:rPr lang="en-US" smtClean="0"/>
-              <a:t>26</a:t>
+              <a:t>27</a:t>
             </a:fld>
             <a:endParaRPr lang="en-US" dirty="0"/>
           </a:p>
@@ -17480,7 +19123,7 @@
 </p:sld>
 </file>
 
-<file path=ppt/slides/slide27.xml><?xml version="1.0" encoding="utf-8"?>
+<file path=ppt/slides/slide28.xml><?xml version="1.0" encoding="utf-8"?>
 <p:sld xmlns:a="http://schemas.openxmlformats.org/drawingml/2006/main" xmlns:r="http://schemas.openxmlformats.org/officeDocument/2006/relationships" xmlns:p="http://schemas.openxmlformats.org/presentationml/2006/main">
   <p:cSld>
     <p:spTree>
@@ -17561,7 +19204,7 @@
           <a:p>
             <a:fld id="{2FA0223F-D95A-431D-9A71-EDA7FA0C2F5B}" type="slidenum">
               <a:rPr lang="en-US" smtClean="0"/>
-              <a:t>27</a:t>
+              <a:t>28</a:t>
             </a:fld>
             <a:endParaRPr lang="en-US"/>
           </a:p>
@@ -18108,6 +19751,1333 @@
 </p:sld>
 </file>
 
+<file path=ppt/slides/slide29.xml><?xml version="1.0" encoding="utf-8"?>
+<p:sld xmlns:a="http://schemas.openxmlformats.org/drawingml/2006/main" xmlns:r="http://schemas.openxmlformats.org/officeDocument/2006/relationships" xmlns:p="http://schemas.openxmlformats.org/presentationml/2006/main">
+  <p:cSld>
+    <p:spTree>
+      <p:nvGrpSpPr>
+        <p:cNvPr id="1" name="">
+          <a:extLst>
+            <a:ext uri="{FF2B5EF4-FFF2-40B4-BE49-F238E27FC236}">
+              <a16:creationId xmlns:a16="http://schemas.microsoft.com/office/drawing/2014/main" id="{F50A20E1-A2EE-3BA2-E20F-42F77DA2CD52}"/>
+            </a:ext>
+          </a:extLst>
+        </p:cNvPr>
+        <p:cNvGrpSpPr/>
+        <p:nvPr/>
+      </p:nvGrpSpPr>
+      <p:grpSpPr>
+        <a:xfrm>
+          <a:off x="0" y="0"/>
+          <a:ext cx="0" cy="0"/>
+          <a:chOff x="0" y="0"/>
+          <a:chExt cx="0" cy="0"/>
+        </a:xfrm>
+      </p:grpSpPr>
+      <p:sp>
+        <p:nvSpPr>
+          <p:cNvPr id="2" name="Titolo 1">
+            <a:extLst>
+              <a:ext uri="{FF2B5EF4-FFF2-40B4-BE49-F238E27FC236}">
+                <a16:creationId xmlns:a16="http://schemas.microsoft.com/office/drawing/2014/main" id="{F3E01017-BD9B-E506-CC30-CE028338F79F}"/>
+              </a:ext>
+            </a:extLst>
+          </p:cNvPr>
+          <p:cNvSpPr>
+            <a:spLocks noGrp="1"/>
+          </p:cNvSpPr>
+          <p:nvPr>
+            <p:ph type="title"/>
+          </p:nvPr>
+        </p:nvSpPr>
+        <p:spPr>
+          <a:xfrm>
+            <a:off x="838200" y="209292"/>
+            <a:ext cx="9905460" cy="971551"/>
+          </a:xfrm>
+        </p:spPr>
+        <p:txBody>
+          <a:bodyPr>
+            <a:normAutofit/>
+          </a:bodyPr>
+          <a:lstStyle/>
+          <a:p>
+            <a:r>
+              <a:rPr lang="en-US" sz="3600" dirty="0"/>
+              <a:t>Appendix 1: what if LOPOCV is performed?</a:t>
+            </a:r>
+          </a:p>
+        </p:txBody>
+      </p:sp>
+      <p:sp>
+        <p:nvSpPr>
+          <p:cNvPr id="4" name="Segnaposto numero diapositiva 3">
+            <a:extLst>
+              <a:ext uri="{FF2B5EF4-FFF2-40B4-BE49-F238E27FC236}">
+                <a16:creationId xmlns:a16="http://schemas.microsoft.com/office/drawing/2014/main" id="{98D60FC1-2F35-C277-6BBE-785E73CD0F5F}"/>
+              </a:ext>
+            </a:extLst>
+          </p:cNvPr>
+          <p:cNvSpPr>
+            <a:spLocks noGrp="1"/>
+          </p:cNvSpPr>
+          <p:nvPr>
+            <p:ph type="sldNum" sz="quarter" idx="12"/>
+          </p:nvPr>
+        </p:nvSpPr>
+        <p:spPr/>
+        <p:txBody>
+          <a:bodyPr/>
+          <a:lstStyle/>
+          <a:p>
+            <a:fld id="{2FA0223F-D95A-431D-9A71-EDA7FA0C2F5B}" type="slidenum">
+              <a:rPr lang="en-US" smtClean="0"/>
+              <a:t>29</a:t>
+            </a:fld>
+            <a:endParaRPr lang="en-US"/>
+          </a:p>
+        </p:txBody>
+      </p:sp>
+      <p:pic>
+        <p:nvPicPr>
+          <p:cNvPr id="11" name="Immagine 10" descr="Immagine che contiene schermata, testo, quadrato, Rettangolo&#10;&#10;Descrizione generata automaticamente">
+            <a:extLst>
+              <a:ext uri="{FF2B5EF4-FFF2-40B4-BE49-F238E27FC236}">
+                <a16:creationId xmlns:a16="http://schemas.microsoft.com/office/drawing/2014/main" id="{7D5F2744-75C6-CA09-199C-CDE6C134C628}"/>
+              </a:ext>
+            </a:extLst>
+          </p:cNvPr>
+          <p:cNvPicPr>
+            <a:picLocks noChangeAspect="1"/>
+          </p:cNvPicPr>
+          <p:nvPr/>
+        </p:nvPicPr>
+        <p:blipFill>
+          <a:blip r:embed="rId3">
+            <a:extLst>
+              <a:ext uri="{28A0092B-C50C-407E-A947-70E740481C1C}">
+                <a14:useLocalDpi xmlns:a14="http://schemas.microsoft.com/office/drawing/2010/main" val="0"/>
+              </a:ext>
+            </a:extLst>
+          </a:blip>
+          <a:srcRect t="19896"/>
+          <a:stretch/>
+        </p:blipFill>
+        <p:spPr>
+          <a:xfrm>
+            <a:off x="4882238" y="1860460"/>
+            <a:ext cx="6071514" cy="2918092"/>
+          </a:xfrm>
+          <a:prstGeom prst="rect">
+            <a:avLst/>
+          </a:prstGeom>
+        </p:spPr>
+      </p:pic>
+      <p:sp>
+        <p:nvSpPr>
+          <p:cNvPr id="27" name="Rettangolo 26">
+            <a:extLst>
+              <a:ext uri="{FF2B5EF4-FFF2-40B4-BE49-F238E27FC236}">
+                <a16:creationId xmlns:a16="http://schemas.microsoft.com/office/drawing/2014/main" id="{EC6BDD00-C8B6-0A5A-43EE-8538A5CC49BC}"/>
+              </a:ext>
+            </a:extLst>
+          </p:cNvPr>
+          <p:cNvSpPr/>
+          <p:nvPr/>
+        </p:nvSpPr>
+        <p:spPr>
+          <a:xfrm>
+            <a:off x="6723157" y="1812745"/>
+            <a:ext cx="206547" cy="168094"/>
+          </a:xfrm>
+          <a:prstGeom prst="rect">
+            <a:avLst/>
+          </a:prstGeom>
+          <a:solidFill>
+            <a:schemeClr val="bg1"/>
+          </a:solidFill>
+          <a:ln>
+            <a:solidFill>
+              <a:schemeClr val="bg1"/>
+            </a:solidFill>
+          </a:ln>
+        </p:spPr>
+        <p:style>
+          <a:lnRef idx="2">
+            <a:schemeClr val="accent1">
+              <a:shade val="15000"/>
+            </a:schemeClr>
+          </a:lnRef>
+          <a:fillRef idx="1">
+            <a:schemeClr val="accent1"/>
+          </a:fillRef>
+          <a:effectRef idx="0">
+            <a:schemeClr val="accent1"/>
+          </a:effectRef>
+          <a:fontRef idx="minor">
+            <a:schemeClr val="lt1"/>
+          </a:fontRef>
+        </p:style>
+        <p:txBody>
+          <a:bodyPr rtlCol="0" anchor="ctr"/>
+          <a:lstStyle/>
+          <a:p>
+            <a:pPr algn="ctr"/>
+            <a:endParaRPr lang="it-IT"/>
+          </a:p>
+        </p:txBody>
+      </p:sp>
+      <p:sp>
+        <p:nvSpPr>
+          <p:cNvPr id="9" name="Segnaposto contenuto 2">
+            <a:extLst>
+              <a:ext uri="{FF2B5EF4-FFF2-40B4-BE49-F238E27FC236}">
+                <a16:creationId xmlns:a16="http://schemas.microsoft.com/office/drawing/2014/main" id="{34281787-DE27-39D9-7D98-2990E5070ED2}"/>
+              </a:ext>
+            </a:extLst>
+          </p:cNvPr>
+          <p:cNvSpPr>
+            <a:spLocks noGrp="1"/>
+          </p:cNvSpPr>
+          <p:nvPr>
+            <p:ph idx="1"/>
+          </p:nvPr>
+        </p:nvSpPr>
+        <p:spPr>
+          <a:xfrm>
+            <a:off x="395465" y="1504120"/>
+            <a:ext cx="3866529" cy="4154560"/>
+          </a:xfrm>
+        </p:spPr>
+        <p:txBody>
+          <a:bodyPr>
+            <a:noAutofit/>
+          </a:bodyPr>
+          <a:lstStyle/>
+          <a:p>
+            <a:pPr marL="0" indent="0">
+              <a:buNone/>
+            </a:pPr>
+            <a:r>
+              <a:rPr lang="en-US" sz="1200" dirty="0"/>
+              <a:t>Instead of using a train/test split, one could try to match the inter-subject variability by using a </a:t>
+            </a:r>
+            <a:r>
+              <a:rPr lang="en-US" sz="1200" b="1" dirty="0"/>
+              <a:t>Leave One Patient Out Cross Validation </a:t>
+            </a:r>
+            <a:r>
+              <a:rPr lang="en-US" sz="1200" dirty="0"/>
+              <a:t>technique.</a:t>
+            </a:r>
+          </a:p>
+          <a:p>
+            <a:r>
+              <a:rPr lang="en-US" sz="1200" dirty="0"/>
+              <a:t>Iteratively, each patient is the test set while the others act as train set</a:t>
+            </a:r>
+          </a:p>
+          <a:p>
+            <a:pPr marL="0" indent="0">
+              <a:buNone/>
+            </a:pPr>
+            <a:endParaRPr lang="en-US" sz="1400" dirty="0"/>
+          </a:p>
+          <a:p>
+            <a:pPr marL="0" indent="0">
+              <a:buNone/>
+            </a:pPr>
+            <a:r>
+              <a:rPr lang="en-US" sz="1200" dirty="0"/>
+              <a:t>The CM and the metrics summary are reported on the right.</a:t>
+            </a:r>
+          </a:p>
+          <a:p>
+            <a:r>
+              <a:rPr lang="en-US" sz="1200" dirty="0"/>
+              <a:t>Metrics are comparable with the ones obtained with train/test split</a:t>
+            </a:r>
+          </a:p>
+          <a:p>
+            <a:pPr marL="0" indent="0">
+              <a:buNone/>
+            </a:pPr>
+            <a:r>
+              <a:rPr lang="en-US" sz="1200" dirty="0"/>
+              <a:t>In addition, respect to train/test split, this strategy allow to check the number of </a:t>
+            </a:r>
+            <a:r>
+              <a:rPr lang="en-US" sz="1200" b="1" dirty="0"/>
+              <a:t>misclassified</a:t>
+            </a:r>
+            <a:r>
+              <a:rPr lang="en-US" sz="1200" dirty="0"/>
+              <a:t> </a:t>
+            </a:r>
+            <a:r>
+              <a:rPr lang="en-US" sz="1200" b="1" dirty="0"/>
+              <a:t>signals</a:t>
+            </a:r>
+            <a:r>
+              <a:rPr lang="en-US" sz="1200" dirty="0"/>
+              <a:t> </a:t>
+            </a:r>
+            <a:r>
+              <a:rPr lang="en-US" sz="1200" b="1" dirty="0"/>
+              <a:t>for</a:t>
+            </a:r>
+            <a:r>
+              <a:rPr lang="en-US" sz="1200" dirty="0"/>
+              <a:t> </a:t>
+            </a:r>
+            <a:r>
+              <a:rPr lang="en-US" sz="1200" b="1" dirty="0"/>
+              <a:t>each</a:t>
+            </a:r>
+            <a:r>
+              <a:rPr lang="en-US" sz="1200" dirty="0"/>
+              <a:t> </a:t>
+            </a:r>
+            <a:r>
+              <a:rPr lang="en-US" sz="1200" b="1" dirty="0"/>
+              <a:t>subject</a:t>
+            </a:r>
+            <a:r>
+              <a:rPr lang="en-US" sz="1200" dirty="0"/>
+              <a:t> and for each class.</a:t>
+            </a:r>
+          </a:p>
+          <a:p>
+            <a:r>
+              <a:rPr lang="en-US" sz="1200" dirty="0"/>
+              <a:t>Seems that some subjects carry the greatest number of misclassifications (1,2,3,4,6)</a:t>
+            </a:r>
+          </a:p>
+          <a:p>
+            <a:r>
+              <a:rPr lang="en-US" sz="1200" dirty="0"/>
+              <a:t>Sub 2 has the highest number of misclassified signals relatively to the number of MAP A signals (66 on 78). </a:t>
+            </a:r>
+          </a:p>
+          <a:p>
+            <a:endParaRPr lang="en-US" sz="1400" dirty="0"/>
+          </a:p>
+          <a:p>
+            <a:endParaRPr lang="en-US" sz="1400" dirty="0"/>
+          </a:p>
+          <a:p>
+            <a:endParaRPr lang="en-US" sz="1400" b="1" dirty="0"/>
+          </a:p>
+        </p:txBody>
+      </p:sp>
+      <p:pic>
+        <p:nvPicPr>
+          <p:cNvPr id="5" name="Immagine 4">
+            <a:extLst>
+              <a:ext uri="{FF2B5EF4-FFF2-40B4-BE49-F238E27FC236}">
+                <a16:creationId xmlns:a16="http://schemas.microsoft.com/office/drawing/2014/main" id="{AC298227-2F28-8C10-128F-0C787E351ACD}"/>
+              </a:ext>
+            </a:extLst>
+          </p:cNvPr>
+          <p:cNvPicPr>
+            <a:picLocks noChangeAspect="1"/>
+          </p:cNvPicPr>
+          <p:nvPr/>
+        </p:nvPicPr>
+        <p:blipFill>
+          <a:blip r:embed="rId4">
+            <a:extLst>
+              <a:ext uri="{28A0092B-C50C-407E-A947-70E740481C1C}">
+                <a14:useLocalDpi xmlns:a14="http://schemas.microsoft.com/office/drawing/2010/main" val="0"/>
+              </a:ext>
+            </a:extLst>
+          </a:blip>
+          <a:srcRect/>
+          <a:stretch/>
+        </p:blipFill>
+        <p:spPr>
+          <a:xfrm>
+            <a:off x="4573469" y="1606160"/>
+            <a:ext cx="3398524" cy="2918093"/>
+          </a:xfrm>
+          <a:prstGeom prst="rect">
+            <a:avLst/>
+          </a:prstGeom>
+        </p:spPr>
+      </p:pic>
+      <p:pic>
+        <p:nvPicPr>
+          <p:cNvPr id="10" name="Immagine 9">
+            <a:extLst>
+              <a:ext uri="{FF2B5EF4-FFF2-40B4-BE49-F238E27FC236}">
+                <a16:creationId xmlns:a16="http://schemas.microsoft.com/office/drawing/2014/main" id="{6C893A85-1B95-B1F2-83DB-7B181F369663}"/>
+              </a:ext>
+            </a:extLst>
+          </p:cNvPr>
+          <p:cNvPicPr>
+            <a:picLocks noChangeAspect="1"/>
+          </p:cNvPicPr>
+          <p:nvPr/>
+        </p:nvPicPr>
+        <p:blipFill>
+          <a:blip r:embed="rId5">
+            <a:extLst>
+              <a:ext uri="{28A0092B-C50C-407E-A947-70E740481C1C}">
+                <a14:useLocalDpi xmlns:a14="http://schemas.microsoft.com/office/drawing/2010/main" val="0"/>
+              </a:ext>
+            </a:extLst>
+          </a:blip>
+          <a:srcRect/>
+          <a:stretch/>
+        </p:blipFill>
+        <p:spPr>
+          <a:xfrm>
+            <a:off x="7971994" y="1879771"/>
+            <a:ext cx="3525738" cy="2931035"/>
+          </a:xfrm>
+          <a:prstGeom prst="rect">
+            <a:avLst/>
+          </a:prstGeom>
+        </p:spPr>
+      </p:pic>
+      <p:pic>
+        <p:nvPicPr>
+          <p:cNvPr id="6" name="Immagine 5">
+            <a:extLst>
+              <a:ext uri="{FF2B5EF4-FFF2-40B4-BE49-F238E27FC236}">
+                <a16:creationId xmlns:a16="http://schemas.microsoft.com/office/drawing/2014/main" id="{85C61896-0155-0E52-054E-72F8007858D0}"/>
+              </a:ext>
+            </a:extLst>
+          </p:cNvPr>
+          <p:cNvPicPr>
+            <a:picLocks noChangeAspect="1"/>
+          </p:cNvPicPr>
+          <p:nvPr/>
+        </p:nvPicPr>
+        <p:blipFill>
+          <a:blip r:embed="rId6">
+            <a:extLst>
+              <a:ext uri="{28A0092B-C50C-407E-A947-70E740481C1C}">
+                <a14:useLocalDpi xmlns:a14="http://schemas.microsoft.com/office/drawing/2010/main" val="0"/>
+              </a:ext>
+            </a:extLst>
+          </a:blip>
+          <a:srcRect/>
+          <a:stretch/>
+        </p:blipFill>
+        <p:spPr>
+          <a:xfrm>
+            <a:off x="4573469" y="1628998"/>
+            <a:ext cx="7332255" cy="3106309"/>
+          </a:xfrm>
+          <a:prstGeom prst="rect">
+            <a:avLst/>
+          </a:prstGeom>
+        </p:spPr>
+      </p:pic>
+      <p:sp>
+        <p:nvSpPr>
+          <p:cNvPr id="7" name="AutoShape 2">
+            <a:extLst>
+              <a:ext uri="{FF2B5EF4-FFF2-40B4-BE49-F238E27FC236}">
+                <a16:creationId xmlns:a16="http://schemas.microsoft.com/office/drawing/2014/main" id="{440CA05B-5B14-C4A9-0834-B62FF40E0B02}"/>
+              </a:ext>
+            </a:extLst>
+          </p:cNvPr>
+          <p:cNvSpPr>
+            <a:spLocks noChangeAspect="1" noChangeArrowheads="1"/>
+          </p:cNvSpPr>
+          <p:nvPr/>
+        </p:nvSpPr>
+        <p:spPr bwMode="auto">
+          <a:xfrm>
+            <a:off x="5943600" y="3276600"/>
+            <a:ext cx="304800" cy="304800"/>
+          </a:xfrm>
+          <a:prstGeom prst="rect">
+            <a:avLst/>
+          </a:prstGeom>
+          <a:noFill/>
+          <a:extLst>
+            <a:ext uri="{909E8E84-426E-40DD-AFC4-6F175D3DCCD1}">
+              <a14:hiddenFill xmlns:a14="http://schemas.microsoft.com/office/drawing/2010/main">
+                <a:solidFill>
+                  <a:srgbClr val="FFFFFF"/>
+                </a:solidFill>
+              </a14:hiddenFill>
+            </a:ext>
+          </a:extLst>
+        </p:spPr>
+        <p:txBody>
+          <a:bodyPr vert="horz" wrap="square" lIns="91440" tIns="45720" rIns="91440" bIns="45720" numCol="1" anchor="t" anchorCtr="0" compatLnSpc="1">
+            <a:prstTxWarp prst="textNoShape">
+              <a:avLst/>
+            </a:prstTxWarp>
+          </a:bodyPr>
+          <a:lstStyle/>
+          <a:p>
+            <a:endParaRPr lang="it-IT"/>
+          </a:p>
+        </p:txBody>
+      </p:sp>
+      <p:sp>
+        <p:nvSpPr>
+          <p:cNvPr id="13" name="Rettangolo 12">
+            <a:extLst>
+              <a:ext uri="{FF2B5EF4-FFF2-40B4-BE49-F238E27FC236}">
+                <a16:creationId xmlns:a16="http://schemas.microsoft.com/office/drawing/2014/main" id="{9E04A8B2-8E32-A486-CAEE-0FC7E7B15AF8}"/>
+              </a:ext>
+            </a:extLst>
+          </p:cNvPr>
+          <p:cNvSpPr/>
+          <p:nvPr/>
+        </p:nvSpPr>
+        <p:spPr>
+          <a:xfrm>
+            <a:off x="5686192" y="2362776"/>
+            <a:ext cx="975965" cy="1009904"/>
+          </a:xfrm>
+          <a:prstGeom prst="rect">
+            <a:avLst/>
+          </a:prstGeom>
+          <a:noFill/>
+          <a:ln w="38100">
+            <a:solidFill>
+              <a:srgbClr val="C00000"/>
+            </a:solidFill>
+          </a:ln>
+        </p:spPr>
+        <p:style>
+          <a:lnRef idx="2">
+            <a:schemeClr val="accent1">
+              <a:shade val="15000"/>
+            </a:schemeClr>
+          </a:lnRef>
+          <a:fillRef idx="1">
+            <a:schemeClr val="accent1"/>
+          </a:fillRef>
+          <a:effectRef idx="0">
+            <a:schemeClr val="accent1"/>
+          </a:effectRef>
+          <a:fontRef idx="minor">
+            <a:schemeClr val="lt1"/>
+          </a:fontRef>
+        </p:style>
+        <p:txBody>
+          <a:bodyPr rtlCol="0" anchor="ctr"/>
+          <a:lstStyle/>
+          <a:p>
+            <a:pPr algn="ctr"/>
+            <a:endParaRPr lang="it-IT"/>
+          </a:p>
+        </p:txBody>
+      </p:sp>
+    </p:spTree>
+    <p:extLst>
+      <p:ext uri="{BB962C8B-B14F-4D97-AF65-F5344CB8AC3E}">
+        <p14:creationId xmlns:p14="http://schemas.microsoft.com/office/powerpoint/2010/main" val="180107327"/>
+      </p:ext>
+    </p:extLst>
+  </p:cSld>
+  <p:clrMapOvr>
+    <a:masterClrMapping/>
+  </p:clrMapOvr>
+  <p:timing>
+    <p:tnLst>
+      <p:par>
+        <p:cTn id="1" dur="indefinite" restart="never" nodeType="tmRoot">
+          <p:childTnLst>
+            <p:seq concurrent="1" nextAc="seek">
+              <p:cTn id="2" dur="indefinite" nodeType="mainSeq">
+                <p:childTnLst>
+                  <p:par>
+                    <p:cTn id="3" fill="hold">
+                      <p:stCondLst>
+                        <p:cond delay="indefinite"/>
+                      </p:stCondLst>
+                      <p:childTnLst>
+                        <p:par>
+                          <p:cTn id="4" fill="hold">
+                            <p:stCondLst>
+                              <p:cond delay="0"/>
+                            </p:stCondLst>
+                            <p:childTnLst>
+                              <p:par>
+                                <p:cTn id="5" presetID="2" presetClass="entr" presetSubtype="4" fill="hold" nodeType="clickEffect">
+                                  <p:stCondLst>
+                                    <p:cond delay="0"/>
+                                  </p:stCondLst>
+                                  <p:childTnLst>
+                                    <p:set>
+                                      <p:cBhvr>
+                                        <p:cTn id="6" dur="1" fill="hold">
+                                          <p:stCondLst>
+                                            <p:cond delay="0"/>
+                                          </p:stCondLst>
+                                        </p:cTn>
+                                        <p:tgtEl>
+                                          <p:spTgt spid="9">
+                                            <p:txEl>
+                                              <p:pRg st="3" end="3"/>
+                                            </p:txEl>
+                                          </p:spTgt>
+                                        </p:tgtEl>
+                                        <p:attrNameLst>
+                                          <p:attrName>style.visibility</p:attrName>
+                                        </p:attrNameLst>
+                                      </p:cBhvr>
+                                      <p:to>
+                                        <p:strVal val="visible"/>
+                                      </p:to>
+                                    </p:set>
+                                    <p:anim calcmode="lin" valueType="num">
+                                      <p:cBhvr additive="base">
+                                        <p:cTn id="7" dur="500" fill="hold"/>
+                                        <p:tgtEl>
+                                          <p:spTgt spid="9">
+                                            <p:txEl>
+                                              <p:pRg st="3" end="3"/>
+                                            </p:txEl>
+                                          </p:spTgt>
+                                        </p:tgtEl>
+                                        <p:attrNameLst>
+                                          <p:attrName>ppt_x</p:attrName>
+                                        </p:attrNameLst>
+                                      </p:cBhvr>
+                                      <p:tavLst>
+                                        <p:tav tm="0">
+                                          <p:val>
+                                            <p:strVal val="#ppt_x"/>
+                                          </p:val>
+                                        </p:tav>
+                                        <p:tav tm="100000">
+                                          <p:val>
+                                            <p:strVal val="#ppt_x"/>
+                                          </p:val>
+                                        </p:tav>
+                                      </p:tavLst>
+                                    </p:anim>
+                                    <p:anim calcmode="lin" valueType="num">
+                                      <p:cBhvr additive="base">
+                                        <p:cTn id="8" dur="500" fill="hold"/>
+                                        <p:tgtEl>
+                                          <p:spTgt spid="9">
+                                            <p:txEl>
+                                              <p:pRg st="3" end="3"/>
+                                            </p:txEl>
+                                          </p:spTgt>
+                                        </p:tgtEl>
+                                        <p:attrNameLst>
+                                          <p:attrName>ppt_y</p:attrName>
+                                        </p:attrNameLst>
+                                      </p:cBhvr>
+                                      <p:tavLst>
+                                        <p:tav tm="0">
+                                          <p:val>
+                                            <p:strVal val="1+#ppt_h/2"/>
+                                          </p:val>
+                                        </p:tav>
+                                        <p:tav tm="100000">
+                                          <p:val>
+                                            <p:strVal val="#ppt_y"/>
+                                          </p:val>
+                                        </p:tav>
+                                      </p:tavLst>
+                                    </p:anim>
+                                  </p:childTnLst>
+                                </p:cTn>
+                              </p:par>
+                              <p:par>
+                                <p:cTn id="9" presetID="2" presetClass="entr" presetSubtype="4" fill="hold" nodeType="withEffect">
+                                  <p:stCondLst>
+                                    <p:cond delay="0"/>
+                                  </p:stCondLst>
+                                  <p:childTnLst>
+                                    <p:set>
+                                      <p:cBhvr>
+                                        <p:cTn id="10" dur="1" fill="hold">
+                                          <p:stCondLst>
+                                            <p:cond delay="0"/>
+                                          </p:stCondLst>
+                                        </p:cTn>
+                                        <p:tgtEl>
+                                          <p:spTgt spid="9">
+                                            <p:txEl>
+                                              <p:pRg st="4" end="4"/>
+                                            </p:txEl>
+                                          </p:spTgt>
+                                        </p:tgtEl>
+                                        <p:attrNameLst>
+                                          <p:attrName>style.visibility</p:attrName>
+                                        </p:attrNameLst>
+                                      </p:cBhvr>
+                                      <p:to>
+                                        <p:strVal val="visible"/>
+                                      </p:to>
+                                    </p:set>
+                                    <p:anim calcmode="lin" valueType="num">
+                                      <p:cBhvr additive="base">
+                                        <p:cTn id="11" dur="500" fill="hold"/>
+                                        <p:tgtEl>
+                                          <p:spTgt spid="9">
+                                            <p:txEl>
+                                              <p:pRg st="4" end="4"/>
+                                            </p:txEl>
+                                          </p:spTgt>
+                                        </p:tgtEl>
+                                        <p:attrNameLst>
+                                          <p:attrName>ppt_x</p:attrName>
+                                        </p:attrNameLst>
+                                      </p:cBhvr>
+                                      <p:tavLst>
+                                        <p:tav tm="0">
+                                          <p:val>
+                                            <p:strVal val="#ppt_x"/>
+                                          </p:val>
+                                        </p:tav>
+                                        <p:tav tm="100000">
+                                          <p:val>
+                                            <p:strVal val="#ppt_x"/>
+                                          </p:val>
+                                        </p:tav>
+                                      </p:tavLst>
+                                    </p:anim>
+                                    <p:anim calcmode="lin" valueType="num">
+                                      <p:cBhvr additive="base">
+                                        <p:cTn id="12" dur="500" fill="hold"/>
+                                        <p:tgtEl>
+                                          <p:spTgt spid="9">
+                                            <p:txEl>
+                                              <p:pRg st="4" end="4"/>
+                                            </p:txEl>
+                                          </p:spTgt>
+                                        </p:tgtEl>
+                                        <p:attrNameLst>
+                                          <p:attrName>ppt_y</p:attrName>
+                                        </p:attrNameLst>
+                                      </p:cBhvr>
+                                      <p:tavLst>
+                                        <p:tav tm="0">
+                                          <p:val>
+                                            <p:strVal val="1+#ppt_h/2"/>
+                                          </p:val>
+                                        </p:tav>
+                                        <p:tav tm="100000">
+                                          <p:val>
+                                            <p:strVal val="#ppt_y"/>
+                                          </p:val>
+                                        </p:tav>
+                                      </p:tavLst>
+                                    </p:anim>
+                                  </p:childTnLst>
+                                </p:cTn>
+                              </p:par>
+                              <p:par>
+                                <p:cTn id="13" presetID="10" presetClass="exit" presetSubtype="0" fill="hold" nodeType="withEffect">
+                                  <p:stCondLst>
+                                    <p:cond delay="0"/>
+                                  </p:stCondLst>
+                                  <p:childTnLst>
+                                    <p:animEffect transition="out" filter="fade">
+                                      <p:cBhvr>
+                                        <p:cTn id="14" dur="500"/>
+                                        <p:tgtEl>
+                                          <p:spTgt spid="11"/>
+                                        </p:tgtEl>
+                                      </p:cBhvr>
+                                    </p:animEffect>
+                                    <p:set>
+                                      <p:cBhvr>
+                                        <p:cTn id="15" dur="1" fill="hold">
+                                          <p:stCondLst>
+                                            <p:cond delay="499"/>
+                                          </p:stCondLst>
+                                        </p:cTn>
+                                        <p:tgtEl>
+                                          <p:spTgt spid="11"/>
+                                        </p:tgtEl>
+                                        <p:attrNameLst>
+                                          <p:attrName>style.visibility</p:attrName>
+                                        </p:attrNameLst>
+                                      </p:cBhvr>
+                                      <p:to>
+                                        <p:strVal val="hidden"/>
+                                      </p:to>
+                                    </p:set>
+                                  </p:childTnLst>
+                                </p:cTn>
+                              </p:par>
+                            </p:childTnLst>
+                          </p:cTn>
+                        </p:par>
+                        <p:par>
+                          <p:cTn id="16" fill="hold">
+                            <p:stCondLst>
+                              <p:cond delay="500"/>
+                            </p:stCondLst>
+                            <p:childTnLst>
+                              <p:par>
+                                <p:cTn id="17" presetID="6" presetClass="entr" presetSubtype="32" fill="hold" nodeType="afterEffect">
+                                  <p:stCondLst>
+                                    <p:cond delay="0"/>
+                                  </p:stCondLst>
+                                  <p:childTnLst>
+                                    <p:set>
+                                      <p:cBhvr>
+                                        <p:cTn id="18" dur="1" fill="hold">
+                                          <p:stCondLst>
+                                            <p:cond delay="0"/>
+                                          </p:stCondLst>
+                                        </p:cTn>
+                                        <p:tgtEl>
+                                          <p:spTgt spid="5"/>
+                                        </p:tgtEl>
+                                        <p:attrNameLst>
+                                          <p:attrName>style.visibility</p:attrName>
+                                        </p:attrNameLst>
+                                      </p:cBhvr>
+                                      <p:to>
+                                        <p:strVal val="visible"/>
+                                      </p:to>
+                                    </p:set>
+                                    <p:animEffect transition="in" filter="circle(out)">
+                                      <p:cBhvr>
+                                        <p:cTn id="19" dur="500"/>
+                                        <p:tgtEl>
+                                          <p:spTgt spid="5"/>
+                                        </p:tgtEl>
+                                      </p:cBhvr>
+                                    </p:animEffect>
+                                  </p:childTnLst>
+                                </p:cTn>
+                              </p:par>
+                              <p:par>
+                                <p:cTn id="20" presetID="6" presetClass="entr" presetSubtype="32" fill="hold" nodeType="withEffect">
+                                  <p:stCondLst>
+                                    <p:cond delay="0"/>
+                                  </p:stCondLst>
+                                  <p:childTnLst>
+                                    <p:set>
+                                      <p:cBhvr>
+                                        <p:cTn id="21" dur="1" fill="hold">
+                                          <p:stCondLst>
+                                            <p:cond delay="0"/>
+                                          </p:stCondLst>
+                                        </p:cTn>
+                                        <p:tgtEl>
+                                          <p:spTgt spid="10"/>
+                                        </p:tgtEl>
+                                        <p:attrNameLst>
+                                          <p:attrName>style.visibility</p:attrName>
+                                        </p:attrNameLst>
+                                      </p:cBhvr>
+                                      <p:to>
+                                        <p:strVal val="visible"/>
+                                      </p:to>
+                                    </p:set>
+                                    <p:animEffect transition="in" filter="circle(out)">
+                                      <p:cBhvr>
+                                        <p:cTn id="22" dur="500"/>
+                                        <p:tgtEl>
+                                          <p:spTgt spid="10"/>
+                                        </p:tgtEl>
+                                      </p:cBhvr>
+                                    </p:animEffect>
+                                  </p:childTnLst>
+                                </p:cTn>
+                              </p:par>
+                            </p:childTnLst>
+                          </p:cTn>
+                        </p:par>
+                      </p:childTnLst>
+                    </p:cTn>
+                  </p:par>
+                  <p:par>
+                    <p:cTn id="23" fill="hold">
+                      <p:stCondLst>
+                        <p:cond delay="indefinite"/>
+                      </p:stCondLst>
+                      <p:childTnLst>
+                        <p:par>
+                          <p:cTn id="24" fill="hold">
+                            <p:stCondLst>
+                              <p:cond delay="0"/>
+                            </p:stCondLst>
+                            <p:childTnLst>
+                              <p:par>
+                                <p:cTn id="25" presetID="2" presetClass="entr" presetSubtype="4" fill="hold" nodeType="clickEffect">
+                                  <p:stCondLst>
+                                    <p:cond delay="0"/>
+                                  </p:stCondLst>
+                                  <p:childTnLst>
+                                    <p:set>
+                                      <p:cBhvr>
+                                        <p:cTn id="26" dur="1" fill="hold">
+                                          <p:stCondLst>
+                                            <p:cond delay="0"/>
+                                          </p:stCondLst>
+                                        </p:cTn>
+                                        <p:tgtEl>
+                                          <p:spTgt spid="9">
+                                            <p:txEl>
+                                              <p:pRg st="5" end="5"/>
+                                            </p:txEl>
+                                          </p:spTgt>
+                                        </p:tgtEl>
+                                        <p:attrNameLst>
+                                          <p:attrName>style.visibility</p:attrName>
+                                        </p:attrNameLst>
+                                      </p:cBhvr>
+                                      <p:to>
+                                        <p:strVal val="visible"/>
+                                      </p:to>
+                                    </p:set>
+                                    <p:anim calcmode="lin" valueType="num">
+                                      <p:cBhvr additive="base">
+                                        <p:cTn id="27" dur="500" fill="hold"/>
+                                        <p:tgtEl>
+                                          <p:spTgt spid="9">
+                                            <p:txEl>
+                                              <p:pRg st="5" end="5"/>
+                                            </p:txEl>
+                                          </p:spTgt>
+                                        </p:tgtEl>
+                                        <p:attrNameLst>
+                                          <p:attrName>ppt_x</p:attrName>
+                                        </p:attrNameLst>
+                                      </p:cBhvr>
+                                      <p:tavLst>
+                                        <p:tav tm="0">
+                                          <p:val>
+                                            <p:strVal val="#ppt_x"/>
+                                          </p:val>
+                                        </p:tav>
+                                        <p:tav tm="100000">
+                                          <p:val>
+                                            <p:strVal val="#ppt_x"/>
+                                          </p:val>
+                                        </p:tav>
+                                      </p:tavLst>
+                                    </p:anim>
+                                    <p:anim calcmode="lin" valueType="num">
+                                      <p:cBhvr additive="base">
+                                        <p:cTn id="28" dur="500" fill="hold"/>
+                                        <p:tgtEl>
+                                          <p:spTgt spid="9">
+                                            <p:txEl>
+                                              <p:pRg st="5" end="5"/>
+                                            </p:txEl>
+                                          </p:spTgt>
+                                        </p:tgtEl>
+                                        <p:attrNameLst>
+                                          <p:attrName>ppt_y</p:attrName>
+                                        </p:attrNameLst>
+                                      </p:cBhvr>
+                                      <p:tavLst>
+                                        <p:tav tm="0">
+                                          <p:val>
+                                            <p:strVal val="1+#ppt_h/2"/>
+                                          </p:val>
+                                        </p:tav>
+                                        <p:tav tm="100000">
+                                          <p:val>
+                                            <p:strVal val="#ppt_y"/>
+                                          </p:val>
+                                        </p:tav>
+                                      </p:tavLst>
+                                    </p:anim>
+                                  </p:childTnLst>
+                                </p:cTn>
+                              </p:par>
+                              <p:par>
+                                <p:cTn id="29" presetID="10" presetClass="exit" presetSubtype="0" fill="hold" nodeType="withEffect">
+                                  <p:stCondLst>
+                                    <p:cond delay="0"/>
+                                  </p:stCondLst>
+                                  <p:childTnLst>
+                                    <p:animEffect transition="out" filter="fade">
+                                      <p:cBhvr>
+                                        <p:cTn id="30" dur="500"/>
+                                        <p:tgtEl>
+                                          <p:spTgt spid="5"/>
+                                        </p:tgtEl>
+                                      </p:cBhvr>
+                                    </p:animEffect>
+                                    <p:set>
+                                      <p:cBhvr>
+                                        <p:cTn id="31" dur="1" fill="hold">
+                                          <p:stCondLst>
+                                            <p:cond delay="499"/>
+                                          </p:stCondLst>
+                                        </p:cTn>
+                                        <p:tgtEl>
+                                          <p:spTgt spid="5"/>
+                                        </p:tgtEl>
+                                        <p:attrNameLst>
+                                          <p:attrName>style.visibility</p:attrName>
+                                        </p:attrNameLst>
+                                      </p:cBhvr>
+                                      <p:to>
+                                        <p:strVal val="hidden"/>
+                                      </p:to>
+                                    </p:set>
+                                  </p:childTnLst>
+                                </p:cTn>
+                              </p:par>
+                              <p:par>
+                                <p:cTn id="32" presetID="10" presetClass="exit" presetSubtype="0" fill="hold" nodeType="withEffect">
+                                  <p:stCondLst>
+                                    <p:cond delay="0"/>
+                                  </p:stCondLst>
+                                  <p:childTnLst>
+                                    <p:animEffect transition="out" filter="fade">
+                                      <p:cBhvr>
+                                        <p:cTn id="33" dur="500"/>
+                                        <p:tgtEl>
+                                          <p:spTgt spid="10"/>
+                                        </p:tgtEl>
+                                      </p:cBhvr>
+                                    </p:animEffect>
+                                    <p:set>
+                                      <p:cBhvr>
+                                        <p:cTn id="34" dur="1" fill="hold">
+                                          <p:stCondLst>
+                                            <p:cond delay="499"/>
+                                          </p:stCondLst>
+                                        </p:cTn>
+                                        <p:tgtEl>
+                                          <p:spTgt spid="10"/>
+                                        </p:tgtEl>
+                                        <p:attrNameLst>
+                                          <p:attrName>style.visibility</p:attrName>
+                                        </p:attrNameLst>
+                                      </p:cBhvr>
+                                      <p:to>
+                                        <p:strVal val="hidden"/>
+                                      </p:to>
+                                    </p:set>
+                                  </p:childTnLst>
+                                </p:cTn>
+                              </p:par>
+                            </p:childTnLst>
+                          </p:cTn>
+                        </p:par>
+                        <p:par>
+                          <p:cTn id="35" fill="hold">
+                            <p:stCondLst>
+                              <p:cond delay="500"/>
+                            </p:stCondLst>
+                            <p:childTnLst>
+                              <p:par>
+                                <p:cTn id="36" presetID="6" presetClass="entr" presetSubtype="32" fill="hold" nodeType="afterEffect">
+                                  <p:stCondLst>
+                                    <p:cond delay="0"/>
+                                  </p:stCondLst>
+                                  <p:childTnLst>
+                                    <p:set>
+                                      <p:cBhvr>
+                                        <p:cTn id="37" dur="1" fill="hold">
+                                          <p:stCondLst>
+                                            <p:cond delay="0"/>
+                                          </p:stCondLst>
+                                        </p:cTn>
+                                        <p:tgtEl>
+                                          <p:spTgt spid="6"/>
+                                        </p:tgtEl>
+                                        <p:attrNameLst>
+                                          <p:attrName>style.visibility</p:attrName>
+                                        </p:attrNameLst>
+                                      </p:cBhvr>
+                                      <p:to>
+                                        <p:strVal val="visible"/>
+                                      </p:to>
+                                    </p:set>
+                                    <p:animEffect transition="in" filter="circle(out)">
+                                      <p:cBhvr>
+                                        <p:cTn id="38" dur="500"/>
+                                        <p:tgtEl>
+                                          <p:spTgt spid="6"/>
+                                        </p:tgtEl>
+                                      </p:cBhvr>
+                                    </p:animEffect>
+                                  </p:childTnLst>
+                                </p:cTn>
+                              </p:par>
+                            </p:childTnLst>
+                          </p:cTn>
+                        </p:par>
+                      </p:childTnLst>
+                    </p:cTn>
+                  </p:par>
+                  <p:par>
+                    <p:cTn id="39" fill="hold">
+                      <p:stCondLst>
+                        <p:cond delay="indefinite"/>
+                      </p:stCondLst>
+                      <p:childTnLst>
+                        <p:par>
+                          <p:cTn id="40" fill="hold">
+                            <p:stCondLst>
+                              <p:cond delay="0"/>
+                            </p:stCondLst>
+                            <p:childTnLst>
+                              <p:par>
+                                <p:cTn id="41" presetID="2" presetClass="entr" presetSubtype="4" fill="hold" nodeType="clickEffect">
+                                  <p:stCondLst>
+                                    <p:cond delay="0"/>
+                                  </p:stCondLst>
+                                  <p:childTnLst>
+                                    <p:set>
+                                      <p:cBhvr>
+                                        <p:cTn id="42" dur="1" fill="hold">
+                                          <p:stCondLst>
+                                            <p:cond delay="0"/>
+                                          </p:stCondLst>
+                                        </p:cTn>
+                                        <p:tgtEl>
+                                          <p:spTgt spid="9">
+                                            <p:txEl>
+                                              <p:pRg st="6" end="6"/>
+                                            </p:txEl>
+                                          </p:spTgt>
+                                        </p:tgtEl>
+                                        <p:attrNameLst>
+                                          <p:attrName>style.visibility</p:attrName>
+                                        </p:attrNameLst>
+                                      </p:cBhvr>
+                                      <p:to>
+                                        <p:strVal val="visible"/>
+                                      </p:to>
+                                    </p:set>
+                                    <p:anim calcmode="lin" valueType="num">
+                                      <p:cBhvr additive="base">
+                                        <p:cTn id="43" dur="500" fill="hold"/>
+                                        <p:tgtEl>
+                                          <p:spTgt spid="9">
+                                            <p:txEl>
+                                              <p:pRg st="6" end="6"/>
+                                            </p:txEl>
+                                          </p:spTgt>
+                                        </p:tgtEl>
+                                        <p:attrNameLst>
+                                          <p:attrName>ppt_x</p:attrName>
+                                        </p:attrNameLst>
+                                      </p:cBhvr>
+                                      <p:tavLst>
+                                        <p:tav tm="0">
+                                          <p:val>
+                                            <p:strVal val="#ppt_x"/>
+                                          </p:val>
+                                        </p:tav>
+                                        <p:tav tm="100000">
+                                          <p:val>
+                                            <p:strVal val="#ppt_x"/>
+                                          </p:val>
+                                        </p:tav>
+                                      </p:tavLst>
+                                    </p:anim>
+                                    <p:anim calcmode="lin" valueType="num">
+                                      <p:cBhvr additive="base">
+                                        <p:cTn id="44" dur="500" fill="hold"/>
+                                        <p:tgtEl>
+                                          <p:spTgt spid="9">
+                                            <p:txEl>
+                                              <p:pRg st="6" end="6"/>
+                                            </p:txEl>
+                                          </p:spTgt>
+                                        </p:tgtEl>
+                                        <p:attrNameLst>
+                                          <p:attrName>ppt_y</p:attrName>
+                                        </p:attrNameLst>
+                                      </p:cBhvr>
+                                      <p:tavLst>
+                                        <p:tav tm="0">
+                                          <p:val>
+                                            <p:strVal val="1+#ppt_h/2"/>
+                                          </p:val>
+                                        </p:tav>
+                                        <p:tav tm="100000">
+                                          <p:val>
+                                            <p:strVal val="#ppt_y"/>
+                                          </p:val>
+                                        </p:tav>
+                                      </p:tavLst>
+                                    </p:anim>
+                                  </p:childTnLst>
+                                </p:cTn>
+                              </p:par>
+                              <p:par>
+                                <p:cTn id="45" presetID="6" presetClass="entr" presetSubtype="32" fill="hold" grpId="0" nodeType="withEffect">
+                                  <p:stCondLst>
+                                    <p:cond delay="0"/>
+                                  </p:stCondLst>
+                                  <p:childTnLst>
+                                    <p:set>
+                                      <p:cBhvr>
+                                        <p:cTn id="46" dur="1" fill="hold">
+                                          <p:stCondLst>
+                                            <p:cond delay="0"/>
+                                          </p:stCondLst>
+                                        </p:cTn>
+                                        <p:tgtEl>
+                                          <p:spTgt spid="13"/>
+                                        </p:tgtEl>
+                                        <p:attrNameLst>
+                                          <p:attrName>style.visibility</p:attrName>
+                                        </p:attrNameLst>
+                                      </p:cBhvr>
+                                      <p:to>
+                                        <p:strVal val="visible"/>
+                                      </p:to>
+                                    </p:set>
+                                    <p:animEffect transition="in" filter="circle(out)">
+                                      <p:cBhvr>
+                                        <p:cTn id="47" dur="500"/>
+                                        <p:tgtEl>
+                                          <p:spTgt spid="13"/>
+                                        </p:tgtEl>
+                                      </p:cBhvr>
+                                    </p:animEffect>
+                                  </p:childTnLst>
+                                </p:cTn>
+                              </p:par>
+                            </p:childTnLst>
+                          </p:cTn>
+                        </p:par>
+                      </p:childTnLst>
+                    </p:cTn>
+                  </p:par>
+                  <p:par>
+                    <p:cTn id="48" fill="hold">
+                      <p:stCondLst>
+                        <p:cond delay="indefinite"/>
+                      </p:stCondLst>
+                      <p:childTnLst>
+                        <p:par>
+                          <p:cTn id="49" fill="hold">
+                            <p:stCondLst>
+                              <p:cond delay="0"/>
+                            </p:stCondLst>
+                            <p:childTnLst>
+                              <p:par>
+                                <p:cTn id="50" presetID="2" presetClass="entr" presetSubtype="4" fill="hold" nodeType="clickEffect">
+                                  <p:stCondLst>
+                                    <p:cond delay="0"/>
+                                  </p:stCondLst>
+                                  <p:childTnLst>
+                                    <p:set>
+                                      <p:cBhvr>
+                                        <p:cTn id="51" dur="1" fill="hold">
+                                          <p:stCondLst>
+                                            <p:cond delay="0"/>
+                                          </p:stCondLst>
+                                        </p:cTn>
+                                        <p:tgtEl>
+                                          <p:spTgt spid="9">
+                                            <p:txEl>
+                                              <p:pRg st="7" end="7"/>
+                                            </p:txEl>
+                                          </p:spTgt>
+                                        </p:tgtEl>
+                                        <p:attrNameLst>
+                                          <p:attrName>style.visibility</p:attrName>
+                                        </p:attrNameLst>
+                                      </p:cBhvr>
+                                      <p:to>
+                                        <p:strVal val="visible"/>
+                                      </p:to>
+                                    </p:set>
+                                    <p:anim calcmode="lin" valueType="num">
+                                      <p:cBhvr additive="base">
+                                        <p:cTn id="52" dur="500" fill="hold"/>
+                                        <p:tgtEl>
+                                          <p:spTgt spid="9">
+                                            <p:txEl>
+                                              <p:pRg st="7" end="7"/>
+                                            </p:txEl>
+                                          </p:spTgt>
+                                        </p:tgtEl>
+                                        <p:attrNameLst>
+                                          <p:attrName>ppt_x</p:attrName>
+                                        </p:attrNameLst>
+                                      </p:cBhvr>
+                                      <p:tavLst>
+                                        <p:tav tm="0">
+                                          <p:val>
+                                            <p:strVal val="#ppt_x"/>
+                                          </p:val>
+                                        </p:tav>
+                                        <p:tav tm="100000">
+                                          <p:val>
+                                            <p:strVal val="#ppt_x"/>
+                                          </p:val>
+                                        </p:tav>
+                                      </p:tavLst>
+                                    </p:anim>
+                                    <p:anim calcmode="lin" valueType="num">
+                                      <p:cBhvr additive="base">
+                                        <p:cTn id="53" dur="500" fill="hold"/>
+                                        <p:tgtEl>
+                                          <p:spTgt spid="9">
+                                            <p:txEl>
+                                              <p:pRg st="7" end="7"/>
+                                            </p:txEl>
+                                          </p:spTgt>
+                                        </p:tgtEl>
+                                        <p:attrNameLst>
+                                          <p:attrName>ppt_y</p:attrName>
+                                        </p:attrNameLst>
+                                      </p:cBhvr>
+                                      <p:tavLst>
+                                        <p:tav tm="0">
+                                          <p:val>
+                                            <p:strVal val="1+#ppt_h/2"/>
+                                          </p:val>
+                                        </p:tav>
+                                        <p:tav tm="100000">
+                                          <p:val>
+                                            <p:strVal val="#ppt_y"/>
+                                          </p:val>
+                                        </p:tav>
+                                      </p:tavLst>
+                                    </p:anim>
+                                  </p:childTnLst>
+                                </p:cTn>
+                              </p:par>
+                            </p:childTnLst>
+                          </p:cTn>
+                        </p:par>
+                      </p:childTnLst>
+                    </p:cTn>
+                  </p:par>
+                </p:childTnLst>
+              </p:cTn>
+              <p:prevCondLst>
+                <p:cond evt="onPrev" delay="0">
+                  <p:tgtEl>
+                    <p:sldTgt/>
+                  </p:tgtEl>
+                </p:cond>
+              </p:prevCondLst>
+              <p:nextCondLst>
+                <p:cond evt="onNext" delay="0">
+                  <p:tgtEl>
+                    <p:sldTgt/>
+                  </p:tgtEl>
+                </p:cond>
+              </p:nextCondLst>
+            </p:seq>
+          </p:childTnLst>
+        </p:cTn>
+      </p:par>
+    </p:tnLst>
+    <p:bldLst>
+      <p:bldP spid="13" grpId="0" animBg="1"/>
+    </p:bldLst>
+  </p:timing>
+</p:sld>
+</file>
+
 <file path=ppt/slides/slide3.xml><?xml version="1.0" encoding="utf-8"?>
 <p:sld xmlns:a="http://schemas.openxmlformats.org/drawingml/2006/main" xmlns:r="http://schemas.openxmlformats.org/officeDocument/2006/relationships" xmlns:p="http://schemas.openxmlformats.org/presentationml/2006/main">
   <p:cSld>
@@ -18300,6 +21270,2959 @@
   <p:clrMapOvr>
     <a:masterClrMapping/>
   </p:clrMapOvr>
+</p:sld>
+</file>
+
+<file path=ppt/slides/slide30.xml><?xml version="1.0" encoding="utf-8"?>
+<p:sld xmlns:a="http://schemas.openxmlformats.org/drawingml/2006/main" xmlns:r="http://schemas.openxmlformats.org/officeDocument/2006/relationships" xmlns:p="http://schemas.openxmlformats.org/presentationml/2006/main">
+  <p:cSld>
+    <p:spTree>
+      <p:nvGrpSpPr>
+        <p:cNvPr id="1" name="">
+          <a:extLst>
+            <a:ext uri="{FF2B5EF4-FFF2-40B4-BE49-F238E27FC236}">
+              <a16:creationId xmlns:a16="http://schemas.microsoft.com/office/drawing/2014/main" id="{AF4FA5D9-8833-B744-0F01-BE1BBD128E1B}"/>
+            </a:ext>
+          </a:extLst>
+        </p:cNvPr>
+        <p:cNvGrpSpPr/>
+        <p:nvPr/>
+      </p:nvGrpSpPr>
+      <p:grpSpPr>
+        <a:xfrm>
+          <a:off x="0" y="0"/>
+          <a:ext cx="0" cy="0"/>
+          <a:chOff x="0" y="0"/>
+          <a:chExt cx="0" cy="0"/>
+        </a:xfrm>
+      </p:grpSpPr>
+      <p:sp>
+        <p:nvSpPr>
+          <p:cNvPr id="2" name="Titolo 1">
+            <a:extLst>
+              <a:ext uri="{FF2B5EF4-FFF2-40B4-BE49-F238E27FC236}">
+                <a16:creationId xmlns:a16="http://schemas.microsoft.com/office/drawing/2014/main" id="{6338A356-FF2F-6D29-6F7E-9F5681C2CD19}"/>
+              </a:ext>
+            </a:extLst>
+          </p:cNvPr>
+          <p:cNvSpPr>
+            <a:spLocks noGrp="1"/>
+          </p:cNvSpPr>
+          <p:nvPr>
+            <p:ph type="title"/>
+          </p:nvPr>
+        </p:nvSpPr>
+        <p:spPr>
+          <a:xfrm>
+            <a:off x="838200" y="209292"/>
+            <a:ext cx="9905460" cy="971551"/>
+          </a:xfrm>
+        </p:spPr>
+        <p:txBody>
+          <a:bodyPr>
+            <a:normAutofit/>
+          </a:bodyPr>
+          <a:lstStyle/>
+          <a:p>
+            <a:r>
+              <a:rPr lang="en-US" sz="3600" dirty="0"/>
+              <a:t>Appendix 2: what if subject 2 is left out?</a:t>
+            </a:r>
+          </a:p>
+        </p:txBody>
+      </p:sp>
+      <p:sp>
+        <p:nvSpPr>
+          <p:cNvPr id="4" name="Segnaposto numero diapositiva 3">
+            <a:extLst>
+              <a:ext uri="{FF2B5EF4-FFF2-40B4-BE49-F238E27FC236}">
+                <a16:creationId xmlns:a16="http://schemas.microsoft.com/office/drawing/2014/main" id="{7A94120B-9669-B1EB-F411-8357711A26E9}"/>
+              </a:ext>
+            </a:extLst>
+          </p:cNvPr>
+          <p:cNvSpPr>
+            <a:spLocks noGrp="1"/>
+          </p:cNvSpPr>
+          <p:nvPr>
+            <p:ph type="sldNum" sz="quarter" idx="12"/>
+          </p:nvPr>
+        </p:nvSpPr>
+        <p:spPr/>
+        <p:txBody>
+          <a:bodyPr/>
+          <a:lstStyle/>
+          <a:p>
+            <a:fld id="{2FA0223F-D95A-431D-9A71-EDA7FA0C2F5B}" type="slidenum">
+              <a:rPr lang="en-US" smtClean="0"/>
+              <a:t>30</a:t>
+            </a:fld>
+            <a:endParaRPr lang="en-US"/>
+          </a:p>
+        </p:txBody>
+      </p:sp>
+      <p:sp>
+        <p:nvSpPr>
+          <p:cNvPr id="27" name="Rettangolo 26">
+            <a:extLst>
+              <a:ext uri="{FF2B5EF4-FFF2-40B4-BE49-F238E27FC236}">
+                <a16:creationId xmlns:a16="http://schemas.microsoft.com/office/drawing/2014/main" id="{F3E13CEB-C456-C6E3-02EB-6DF965C8947A}"/>
+              </a:ext>
+            </a:extLst>
+          </p:cNvPr>
+          <p:cNvSpPr/>
+          <p:nvPr/>
+        </p:nvSpPr>
+        <p:spPr>
+          <a:xfrm>
+            <a:off x="6723157" y="1812745"/>
+            <a:ext cx="206547" cy="168094"/>
+          </a:xfrm>
+          <a:prstGeom prst="rect">
+            <a:avLst/>
+          </a:prstGeom>
+          <a:solidFill>
+            <a:schemeClr val="bg1"/>
+          </a:solidFill>
+          <a:ln>
+            <a:solidFill>
+              <a:schemeClr val="bg1"/>
+            </a:solidFill>
+          </a:ln>
+        </p:spPr>
+        <p:style>
+          <a:lnRef idx="2">
+            <a:schemeClr val="accent1">
+              <a:shade val="15000"/>
+            </a:schemeClr>
+          </a:lnRef>
+          <a:fillRef idx="1">
+            <a:schemeClr val="accent1"/>
+          </a:fillRef>
+          <a:effectRef idx="0">
+            <a:schemeClr val="accent1"/>
+          </a:effectRef>
+          <a:fontRef idx="minor">
+            <a:schemeClr val="lt1"/>
+          </a:fontRef>
+        </p:style>
+        <p:txBody>
+          <a:bodyPr rtlCol="0" anchor="ctr"/>
+          <a:lstStyle/>
+          <a:p>
+            <a:pPr algn="ctr"/>
+            <a:endParaRPr lang="it-IT"/>
+          </a:p>
+        </p:txBody>
+      </p:sp>
+      <p:sp>
+        <p:nvSpPr>
+          <p:cNvPr id="7" name="AutoShape 2">
+            <a:extLst>
+              <a:ext uri="{FF2B5EF4-FFF2-40B4-BE49-F238E27FC236}">
+                <a16:creationId xmlns:a16="http://schemas.microsoft.com/office/drawing/2014/main" id="{827F740D-183C-3256-809F-27EC846C740F}"/>
+              </a:ext>
+            </a:extLst>
+          </p:cNvPr>
+          <p:cNvSpPr>
+            <a:spLocks noChangeAspect="1" noChangeArrowheads="1"/>
+          </p:cNvSpPr>
+          <p:nvPr/>
+        </p:nvSpPr>
+        <p:spPr bwMode="auto">
+          <a:xfrm>
+            <a:off x="5943600" y="3276600"/>
+            <a:ext cx="304800" cy="304800"/>
+          </a:xfrm>
+          <a:prstGeom prst="rect">
+            <a:avLst/>
+          </a:prstGeom>
+          <a:noFill/>
+          <a:extLst>
+            <a:ext uri="{909E8E84-426E-40DD-AFC4-6F175D3DCCD1}">
+              <a14:hiddenFill xmlns:a14="http://schemas.microsoft.com/office/drawing/2010/main">
+                <a:solidFill>
+                  <a:srgbClr val="FFFFFF"/>
+                </a:solidFill>
+              </a14:hiddenFill>
+            </a:ext>
+          </a:extLst>
+        </p:spPr>
+        <p:txBody>
+          <a:bodyPr vert="horz" wrap="square" lIns="91440" tIns="45720" rIns="91440" bIns="45720" numCol="1" anchor="t" anchorCtr="0" compatLnSpc="1">
+            <a:prstTxWarp prst="textNoShape">
+              <a:avLst/>
+            </a:prstTxWarp>
+          </a:bodyPr>
+          <a:lstStyle/>
+          <a:p>
+            <a:endParaRPr lang="it-IT"/>
+          </a:p>
+        </p:txBody>
+      </p:sp>
+      <p:pic>
+        <p:nvPicPr>
+          <p:cNvPr id="16" name="Immagine 15" descr="Immagine che contiene linea, diagramma, Parallelo, Diagramma&#10;&#10;Descrizione generata automaticamente">
+            <a:extLst>
+              <a:ext uri="{FF2B5EF4-FFF2-40B4-BE49-F238E27FC236}">
+                <a16:creationId xmlns:a16="http://schemas.microsoft.com/office/drawing/2014/main" id="{2E2777E6-8DCE-ADC6-2CF7-396FC9361CAC}"/>
+              </a:ext>
+            </a:extLst>
+          </p:cNvPr>
+          <p:cNvPicPr>
+            <a:picLocks noChangeAspect="1"/>
+          </p:cNvPicPr>
+          <p:nvPr/>
+        </p:nvPicPr>
+        <p:blipFill>
+          <a:blip r:embed="rId3">
+            <a:extLst>
+              <a:ext uri="{28A0092B-C50C-407E-A947-70E740481C1C}">
+                <a14:useLocalDpi xmlns:a14="http://schemas.microsoft.com/office/drawing/2010/main" val="0"/>
+              </a:ext>
+            </a:extLst>
+          </a:blip>
+          <a:srcRect l="9600" t="4562" r="8199" b="5438"/>
+          <a:stretch/>
+        </p:blipFill>
+        <p:spPr>
+          <a:xfrm>
+            <a:off x="5066446" y="1680986"/>
+            <a:ext cx="6762509" cy="3800827"/>
+          </a:xfrm>
+          <a:prstGeom prst="rect">
+            <a:avLst/>
+          </a:prstGeom>
+        </p:spPr>
+      </p:pic>
+      <p:sp>
+        <p:nvSpPr>
+          <p:cNvPr id="15" name="Segnaposto contenuto 2">
+            <a:extLst>
+              <a:ext uri="{FF2B5EF4-FFF2-40B4-BE49-F238E27FC236}">
+                <a16:creationId xmlns:a16="http://schemas.microsoft.com/office/drawing/2014/main" id="{73077180-3631-9F2F-E915-76248D2AE42C}"/>
+              </a:ext>
+            </a:extLst>
+          </p:cNvPr>
+          <p:cNvSpPr txBox="1">
+            <a:spLocks/>
+          </p:cNvSpPr>
+          <p:nvPr/>
+        </p:nvSpPr>
+        <p:spPr>
+          <a:xfrm>
+            <a:off x="309129" y="1504120"/>
+            <a:ext cx="3650223" cy="4154560"/>
+          </a:xfrm>
+          <a:prstGeom prst="rect">
+            <a:avLst/>
+          </a:prstGeom>
+        </p:spPr>
+        <p:txBody>
+          <a:bodyPr vert="horz" lIns="91440" tIns="45720" rIns="91440" bIns="45720" rtlCol="0">
+            <a:noAutofit/>
+          </a:bodyPr>
+          <a:lstStyle>
+            <a:lvl1pPr marL="228600" indent="-228600" algn="l" defTabSz="914400" rtl="0" eaLnBrk="1" latinLnBrk="0" hangingPunct="1">
+              <a:lnSpc>
+                <a:spcPct val="90000"/>
+              </a:lnSpc>
+              <a:spcBef>
+                <a:spcPts val="1000"/>
+              </a:spcBef>
+              <a:buFont typeface="Arial" panose="020B0604020202020204" pitchFamily="34" charset="0"/>
+              <a:buChar char="•"/>
+              <a:defRPr sz="2800" kern="1200">
+                <a:solidFill>
+                  <a:schemeClr val="tx1"/>
+                </a:solidFill>
+                <a:latin typeface="+mn-lt"/>
+                <a:ea typeface="+mn-ea"/>
+                <a:cs typeface="+mn-cs"/>
+              </a:defRPr>
+            </a:lvl1pPr>
+            <a:lvl2pPr marL="685800" indent="-228600" algn="l" defTabSz="914400" rtl="0" eaLnBrk="1" latinLnBrk="0" hangingPunct="1">
+              <a:lnSpc>
+                <a:spcPct val="90000"/>
+              </a:lnSpc>
+              <a:spcBef>
+                <a:spcPts val="500"/>
+              </a:spcBef>
+              <a:buFont typeface="Arial" panose="020B0604020202020204" pitchFamily="34" charset="0"/>
+              <a:buChar char="•"/>
+              <a:defRPr sz="2400" kern="1200">
+                <a:solidFill>
+                  <a:schemeClr val="tx1"/>
+                </a:solidFill>
+                <a:latin typeface="+mn-lt"/>
+                <a:ea typeface="+mn-ea"/>
+                <a:cs typeface="+mn-cs"/>
+              </a:defRPr>
+            </a:lvl2pPr>
+            <a:lvl3pPr marL="1143000" indent="-228600" algn="l" defTabSz="914400" rtl="0" eaLnBrk="1" latinLnBrk="0" hangingPunct="1">
+              <a:lnSpc>
+                <a:spcPct val="90000"/>
+              </a:lnSpc>
+              <a:spcBef>
+                <a:spcPts val="500"/>
+              </a:spcBef>
+              <a:buFont typeface="Arial" panose="020B0604020202020204" pitchFamily="34" charset="0"/>
+              <a:buChar char="•"/>
+              <a:defRPr sz="2000" kern="1200">
+                <a:solidFill>
+                  <a:schemeClr val="tx1"/>
+                </a:solidFill>
+                <a:latin typeface="+mn-lt"/>
+                <a:ea typeface="+mn-ea"/>
+                <a:cs typeface="+mn-cs"/>
+              </a:defRPr>
+            </a:lvl3pPr>
+            <a:lvl4pPr marL="1600200" indent="-228600" algn="l" defTabSz="914400" rtl="0" eaLnBrk="1" latinLnBrk="0" hangingPunct="1">
+              <a:lnSpc>
+                <a:spcPct val="90000"/>
+              </a:lnSpc>
+              <a:spcBef>
+                <a:spcPts val="500"/>
+              </a:spcBef>
+              <a:buFont typeface="Arial" panose="020B0604020202020204" pitchFamily="34" charset="0"/>
+              <a:buChar char="•"/>
+              <a:defRPr sz="1800" kern="1200">
+                <a:solidFill>
+                  <a:schemeClr val="tx1"/>
+                </a:solidFill>
+                <a:latin typeface="+mn-lt"/>
+                <a:ea typeface="+mn-ea"/>
+                <a:cs typeface="+mn-cs"/>
+              </a:defRPr>
+            </a:lvl4pPr>
+            <a:lvl5pPr marL="2057400" indent="-228600" algn="l" defTabSz="914400" rtl="0" eaLnBrk="1" latinLnBrk="0" hangingPunct="1">
+              <a:lnSpc>
+                <a:spcPct val="90000"/>
+              </a:lnSpc>
+              <a:spcBef>
+                <a:spcPts val="500"/>
+              </a:spcBef>
+              <a:buFont typeface="Arial" panose="020B0604020202020204" pitchFamily="34" charset="0"/>
+              <a:buChar char="•"/>
+              <a:defRPr sz="1800" kern="1200">
+                <a:solidFill>
+                  <a:schemeClr val="tx1"/>
+                </a:solidFill>
+                <a:latin typeface="+mn-lt"/>
+                <a:ea typeface="+mn-ea"/>
+                <a:cs typeface="+mn-cs"/>
+              </a:defRPr>
+            </a:lvl5pPr>
+            <a:lvl6pPr marL="2514600" indent="-228600" algn="l" defTabSz="914400" rtl="0" eaLnBrk="1" latinLnBrk="0" hangingPunct="1">
+              <a:lnSpc>
+                <a:spcPct val="90000"/>
+              </a:lnSpc>
+              <a:spcBef>
+                <a:spcPts val="500"/>
+              </a:spcBef>
+              <a:buFont typeface="Arial" panose="020B0604020202020204" pitchFamily="34" charset="0"/>
+              <a:buChar char="•"/>
+              <a:defRPr sz="1800" kern="1200">
+                <a:solidFill>
+                  <a:schemeClr val="tx1"/>
+                </a:solidFill>
+                <a:latin typeface="+mn-lt"/>
+                <a:ea typeface="+mn-ea"/>
+                <a:cs typeface="+mn-cs"/>
+              </a:defRPr>
+            </a:lvl6pPr>
+            <a:lvl7pPr marL="2971800" indent="-228600" algn="l" defTabSz="914400" rtl="0" eaLnBrk="1" latinLnBrk="0" hangingPunct="1">
+              <a:lnSpc>
+                <a:spcPct val="90000"/>
+              </a:lnSpc>
+              <a:spcBef>
+                <a:spcPts val="500"/>
+              </a:spcBef>
+              <a:buFont typeface="Arial" panose="020B0604020202020204" pitchFamily="34" charset="0"/>
+              <a:buChar char="•"/>
+              <a:defRPr sz="1800" kern="1200">
+                <a:solidFill>
+                  <a:schemeClr val="tx1"/>
+                </a:solidFill>
+                <a:latin typeface="+mn-lt"/>
+                <a:ea typeface="+mn-ea"/>
+                <a:cs typeface="+mn-cs"/>
+              </a:defRPr>
+            </a:lvl7pPr>
+            <a:lvl8pPr marL="3429000" indent="-228600" algn="l" defTabSz="914400" rtl="0" eaLnBrk="1" latinLnBrk="0" hangingPunct="1">
+              <a:lnSpc>
+                <a:spcPct val="90000"/>
+              </a:lnSpc>
+              <a:spcBef>
+                <a:spcPts val="500"/>
+              </a:spcBef>
+              <a:buFont typeface="Arial" panose="020B0604020202020204" pitchFamily="34" charset="0"/>
+              <a:buChar char="•"/>
+              <a:defRPr sz="1800" kern="1200">
+                <a:solidFill>
+                  <a:schemeClr val="tx1"/>
+                </a:solidFill>
+                <a:latin typeface="+mn-lt"/>
+                <a:ea typeface="+mn-ea"/>
+                <a:cs typeface="+mn-cs"/>
+              </a:defRPr>
+            </a:lvl8pPr>
+            <a:lvl9pPr marL="3886200" indent="-228600" algn="l" defTabSz="914400" rtl="0" eaLnBrk="1" latinLnBrk="0" hangingPunct="1">
+              <a:lnSpc>
+                <a:spcPct val="90000"/>
+              </a:lnSpc>
+              <a:spcBef>
+                <a:spcPts val="500"/>
+              </a:spcBef>
+              <a:buFont typeface="Arial" panose="020B0604020202020204" pitchFamily="34" charset="0"/>
+              <a:buChar char="•"/>
+              <a:defRPr sz="1800" kern="1200">
+                <a:solidFill>
+                  <a:schemeClr val="tx1"/>
+                </a:solidFill>
+                <a:latin typeface="+mn-lt"/>
+                <a:ea typeface="+mn-ea"/>
+                <a:cs typeface="+mn-cs"/>
+              </a:defRPr>
+            </a:lvl9pPr>
+          </a:lstStyle>
+          <a:p>
+            <a:pPr marL="0" indent="0">
+              <a:buFont typeface="Arial" panose="020B0604020202020204" pitchFamily="34" charset="0"/>
+              <a:buNone/>
+            </a:pPr>
+            <a:r>
+              <a:rPr lang="en-US" sz="1200" dirty="0"/>
+              <a:t>Subject 2 has a problematic peculiarity: almost all signals classified as MAP A have MAP B characteristics.</a:t>
+            </a:r>
+          </a:p>
+          <a:p>
+            <a:pPr marL="0" indent="0" algn="ctr">
+              <a:buFont typeface="Arial" panose="020B0604020202020204" pitchFamily="34" charset="0"/>
+              <a:buNone/>
+            </a:pPr>
+            <a:r>
+              <a:rPr lang="en-US" sz="1600" b="1" dirty="0">
+                <a:solidFill>
+                  <a:srgbClr val="0070C0"/>
+                </a:solidFill>
+              </a:rPr>
+              <a:t>What if subject 2 is left out?</a:t>
+            </a:r>
+          </a:p>
+          <a:p>
+            <a:pPr marL="0" indent="0" algn="ctr">
+              <a:buFont typeface="Arial" panose="020B0604020202020204" pitchFamily="34" charset="0"/>
+              <a:buNone/>
+            </a:pPr>
+            <a:endParaRPr lang="en-US" sz="1600" dirty="0"/>
+          </a:p>
+          <a:p>
+            <a:pPr marL="0" indent="0">
+              <a:buFont typeface="Arial" panose="020B0604020202020204" pitchFamily="34" charset="0"/>
+              <a:buNone/>
+            </a:pPr>
+            <a:r>
+              <a:rPr lang="en-US" sz="1200" dirty="0"/>
+              <a:t>In both train/test and LOPOCV strategies: </a:t>
+            </a:r>
+          </a:p>
+          <a:p>
+            <a:r>
+              <a:rPr lang="en-US" sz="1200" dirty="0"/>
+              <a:t>Accuracy slightly decreases, because of worse performance on MAP C classification</a:t>
+            </a:r>
+          </a:p>
+          <a:p>
+            <a:r>
+              <a:rPr lang="en-US" sz="1200" dirty="0"/>
+              <a:t>On the other hand, MAP B seems to be better detected.</a:t>
+            </a:r>
+          </a:p>
+          <a:p>
+            <a:pPr marL="0" indent="0">
+              <a:buNone/>
+            </a:pPr>
+            <a:endParaRPr lang="en-US" sz="1400" dirty="0"/>
+          </a:p>
+          <a:p>
+            <a:pPr marL="0" indent="0">
+              <a:buNone/>
+            </a:pPr>
+            <a:r>
+              <a:rPr lang="en-US" sz="1400" i="1" dirty="0">
+                <a:solidFill>
+                  <a:schemeClr val="tx2"/>
+                </a:solidFill>
+              </a:rPr>
+              <a:t>Remains an open question: how should we interpretate these observations?</a:t>
+            </a:r>
+          </a:p>
+          <a:p>
+            <a:pPr marL="0" indent="0">
+              <a:buNone/>
+            </a:pPr>
+            <a:endParaRPr lang="en-US" sz="1400" dirty="0"/>
+          </a:p>
+          <a:p>
+            <a:endParaRPr lang="en-US" sz="1400" dirty="0"/>
+          </a:p>
+          <a:p>
+            <a:endParaRPr lang="en-US" sz="1400" b="1" dirty="0"/>
+          </a:p>
+        </p:txBody>
+      </p:sp>
+      <p:grpSp>
+        <p:nvGrpSpPr>
+          <p:cNvPr id="28" name="Gruppo 27">
+            <a:extLst>
+              <a:ext uri="{FF2B5EF4-FFF2-40B4-BE49-F238E27FC236}">
+                <a16:creationId xmlns:a16="http://schemas.microsoft.com/office/drawing/2014/main" id="{81A7CA7F-F929-AA67-59E8-083FD6D188C8}"/>
+              </a:ext>
+            </a:extLst>
+          </p:cNvPr>
+          <p:cNvGrpSpPr/>
+          <p:nvPr/>
+        </p:nvGrpSpPr>
+        <p:grpSpPr>
+          <a:xfrm>
+            <a:off x="4745736" y="1504120"/>
+            <a:ext cx="6437376" cy="4776042"/>
+            <a:chOff x="4745736" y="1504120"/>
+            <a:chExt cx="6437376" cy="4776042"/>
+          </a:xfrm>
+        </p:grpSpPr>
+        <p:pic>
+          <p:nvPicPr>
+            <p:cNvPr id="18" name="Immagine 17">
+              <a:extLst>
+                <a:ext uri="{FF2B5EF4-FFF2-40B4-BE49-F238E27FC236}">
+                  <a16:creationId xmlns:a16="http://schemas.microsoft.com/office/drawing/2014/main" id="{35B2A573-B25C-2048-D508-AC0450FB9CA8}"/>
+                </a:ext>
+              </a:extLst>
+            </p:cNvPr>
+            <p:cNvPicPr>
+              <a:picLocks noChangeAspect="1"/>
+            </p:cNvPicPr>
+            <p:nvPr/>
+          </p:nvPicPr>
+          <p:blipFill>
+            <a:blip r:embed="rId4">
+              <a:extLst>
+                <a:ext uri="{28A0092B-C50C-407E-A947-70E740481C1C}">
+                  <a14:useLocalDpi xmlns:a14="http://schemas.microsoft.com/office/drawing/2010/main" val="0"/>
+                </a:ext>
+              </a:extLst>
+            </a:blip>
+            <a:srcRect/>
+            <a:stretch/>
+          </p:blipFill>
+          <p:spPr>
+            <a:xfrm>
+              <a:off x="4857809" y="1504120"/>
+              <a:ext cx="2781183" cy="2388021"/>
+            </a:xfrm>
+            <a:prstGeom prst="rect">
+              <a:avLst/>
+            </a:prstGeom>
+          </p:spPr>
+        </p:pic>
+        <p:pic>
+          <p:nvPicPr>
+            <p:cNvPr id="20" name="Immagine 19">
+              <a:extLst>
+                <a:ext uri="{FF2B5EF4-FFF2-40B4-BE49-F238E27FC236}">
+                  <a16:creationId xmlns:a16="http://schemas.microsoft.com/office/drawing/2014/main" id="{2C129016-0544-751B-B877-16CDC85A1AC4}"/>
+                </a:ext>
+              </a:extLst>
+            </p:cNvPr>
+            <p:cNvPicPr>
+              <a:picLocks noChangeAspect="1"/>
+            </p:cNvPicPr>
+            <p:nvPr/>
+          </p:nvPicPr>
+          <p:blipFill>
+            <a:blip r:embed="rId5">
+              <a:extLst>
+                <a:ext uri="{28A0092B-C50C-407E-A947-70E740481C1C}">
+                  <a14:useLocalDpi xmlns:a14="http://schemas.microsoft.com/office/drawing/2010/main" val="0"/>
+                </a:ext>
+              </a:extLst>
+            </a:blip>
+            <a:srcRect b="18609"/>
+            <a:stretch/>
+          </p:blipFill>
+          <p:spPr>
+            <a:xfrm>
+              <a:off x="7905111" y="1504121"/>
+              <a:ext cx="3204221" cy="2077280"/>
+            </a:xfrm>
+            <a:prstGeom prst="rect">
+              <a:avLst/>
+            </a:prstGeom>
+          </p:spPr>
+        </p:pic>
+        <p:pic>
+          <p:nvPicPr>
+            <p:cNvPr id="22" name="Immagine 21">
+              <a:extLst>
+                <a:ext uri="{FF2B5EF4-FFF2-40B4-BE49-F238E27FC236}">
+                  <a16:creationId xmlns:a16="http://schemas.microsoft.com/office/drawing/2014/main" id="{869C90C1-39BE-26F4-E450-6DB4E58E2C1F}"/>
+                </a:ext>
+              </a:extLst>
+            </p:cNvPr>
+            <p:cNvPicPr>
+              <a:picLocks noChangeAspect="1"/>
+            </p:cNvPicPr>
+            <p:nvPr/>
+          </p:nvPicPr>
+          <p:blipFill>
+            <a:blip r:embed="rId6">
+              <a:extLst>
+                <a:ext uri="{28A0092B-C50C-407E-A947-70E740481C1C}">
+                  <a14:useLocalDpi xmlns:a14="http://schemas.microsoft.com/office/drawing/2010/main" val="0"/>
+                </a:ext>
+              </a:extLst>
+            </a:blip>
+            <a:srcRect/>
+            <a:stretch/>
+          </p:blipFill>
+          <p:spPr>
+            <a:xfrm>
+              <a:off x="4857809" y="3892142"/>
+              <a:ext cx="2781182" cy="2388020"/>
+            </a:xfrm>
+            <a:prstGeom prst="rect">
+              <a:avLst/>
+            </a:prstGeom>
+          </p:spPr>
+        </p:pic>
+        <p:pic>
+          <p:nvPicPr>
+            <p:cNvPr id="24" name="Immagine 23">
+              <a:extLst>
+                <a:ext uri="{FF2B5EF4-FFF2-40B4-BE49-F238E27FC236}">
+                  <a16:creationId xmlns:a16="http://schemas.microsoft.com/office/drawing/2014/main" id="{16863D94-375D-8AE9-9D64-BD74B72041B6}"/>
+                </a:ext>
+              </a:extLst>
+            </p:cNvPr>
+            <p:cNvPicPr>
+              <a:picLocks noChangeAspect="1"/>
+            </p:cNvPicPr>
+            <p:nvPr/>
+          </p:nvPicPr>
+          <p:blipFill>
+            <a:blip r:embed="rId7">
+              <a:extLst>
+                <a:ext uri="{28A0092B-C50C-407E-A947-70E740481C1C}">
+                  <a14:useLocalDpi xmlns:a14="http://schemas.microsoft.com/office/drawing/2010/main" val="0"/>
+                </a:ext>
+              </a:extLst>
+            </a:blip>
+            <a:srcRect l="-1704" t="-5101" r="1704" b="16019"/>
+            <a:stretch/>
+          </p:blipFill>
+          <p:spPr>
+            <a:xfrm>
+              <a:off x="7905111" y="3892142"/>
+              <a:ext cx="3204221" cy="2077280"/>
+            </a:xfrm>
+            <a:prstGeom prst="rect">
+              <a:avLst/>
+            </a:prstGeom>
+          </p:spPr>
+        </p:pic>
+        <p:cxnSp>
+          <p:nvCxnSpPr>
+            <p:cNvPr id="26" name="Connettore diritto 25">
+              <a:extLst>
+                <a:ext uri="{FF2B5EF4-FFF2-40B4-BE49-F238E27FC236}">
+                  <a16:creationId xmlns:a16="http://schemas.microsoft.com/office/drawing/2014/main" id="{A0804D31-0D42-E141-0F10-9A02BF6D3EE0}"/>
+                </a:ext>
+              </a:extLst>
+            </p:cNvPr>
+            <p:cNvCxnSpPr/>
+            <p:nvPr/>
+          </p:nvCxnSpPr>
+          <p:spPr>
+            <a:xfrm>
+              <a:off x="4745736" y="3892142"/>
+              <a:ext cx="6437376" cy="0"/>
+            </a:xfrm>
+            <a:prstGeom prst="line">
+              <a:avLst/>
+            </a:prstGeom>
+          </p:spPr>
+          <p:style>
+            <a:lnRef idx="3">
+              <a:schemeClr val="dk1"/>
+            </a:lnRef>
+            <a:fillRef idx="0">
+              <a:schemeClr val="dk1"/>
+            </a:fillRef>
+            <a:effectRef idx="2">
+              <a:schemeClr val="dk1"/>
+            </a:effectRef>
+            <a:fontRef idx="minor">
+              <a:schemeClr val="tx1"/>
+            </a:fontRef>
+          </p:style>
+        </p:cxnSp>
+      </p:grpSp>
+    </p:spTree>
+    <p:extLst>
+      <p:ext uri="{BB962C8B-B14F-4D97-AF65-F5344CB8AC3E}">
+        <p14:creationId xmlns:p14="http://schemas.microsoft.com/office/powerpoint/2010/main" val="1133731973"/>
+      </p:ext>
+    </p:extLst>
+  </p:cSld>
+  <p:clrMapOvr>
+    <a:masterClrMapping/>
+  </p:clrMapOvr>
+  <p:timing>
+    <p:tnLst>
+      <p:par>
+        <p:cTn id="1" dur="indefinite" restart="never" nodeType="tmRoot">
+          <p:childTnLst>
+            <p:seq concurrent="1" nextAc="seek">
+              <p:cTn id="2" dur="indefinite" nodeType="mainSeq">
+                <p:childTnLst>
+                  <p:par>
+                    <p:cTn id="3" fill="hold">
+                      <p:stCondLst>
+                        <p:cond delay="indefinite"/>
+                      </p:stCondLst>
+                      <p:childTnLst>
+                        <p:par>
+                          <p:cTn id="4" fill="hold">
+                            <p:stCondLst>
+                              <p:cond delay="0"/>
+                            </p:stCondLst>
+                            <p:childTnLst>
+                              <p:par>
+                                <p:cTn id="5" presetID="16" presetClass="entr" presetSubtype="21" fill="hold" nodeType="clickEffect">
+                                  <p:stCondLst>
+                                    <p:cond delay="0"/>
+                                  </p:stCondLst>
+                                  <p:childTnLst>
+                                    <p:set>
+                                      <p:cBhvr>
+                                        <p:cTn id="6" dur="1" fill="hold">
+                                          <p:stCondLst>
+                                            <p:cond delay="0"/>
+                                          </p:stCondLst>
+                                        </p:cTn>
+                                        <p:tgtEl>
+                                          <p:spTgt spid="15">
+                                            <p:txEl>
+                                              <p:pRg st="1" end="1"/>
+                                            </p:txEl>
+                                          </p:spTgt>
+                                        </p:tgtEl>
+                                        <p:attrNameLst>
+                                          <p:attrName>style.visibility</p:attrName>
+                                        </p:attrNameLst>
+                                      </p:cBhvr>
+                                      <p:to>
+                                        <p:strVal val="visible"/>
+                                      </p:to>
+                                    </p:set>
+                                    <p:animEffect transition="in" filter="barn(inVertical)">
+                                      <p:cBhvr>
+                                        <p:cTn id="7" dur="500"/>
+                                        <p:tgtEl>
+                                          <p:spTgt spid="15">
+                                            <p:txEl>
+                                              <p:pRg st="1" end="1"/>
+                                            </p:txEl>
+                                          </p:spTgt>
+                                        </p:tgtEl>
+                                      </p:cBhvr>
+                                    </p:animEffect>
+                                  </p:childTnLst>
+                                </p:cTn>
+                              </p:par>
+                              <p:par>
+                                <p:cTn id="8" presetID="10" presetClass="exit" presetSubtype="0" fill="hold" nodeType="withEffect">
+                                  <p:stCondLst>
+                                    <p:cond delay="0"/>
+                                  </p:stCondLst>
+                                  <p:childTnLst>
+                                    <p:animEffect transition="out" filter="fade">
+                                      <p:cBhvr>
+                                        <p:cTn id="9" dur="500"/>
+                                        <p:tgtEl>
+                                          <p:spTgt spid="16"/>
+                                        </p:tgtEl>
+                                      </p:cBhvr>
+                                    </p:animEffect>
+                                    <p:set>
+                                      <p:cBhvr>
+                                        <p:cTn id="10" dur="1" fill="hold">
+                                          <p:stCondLst>
+                                            <p:cond delay="499"/>
+                                          </p:stCondLst>
+                                        </p:cTn>
+                                        <p:tgtEl>
+                                          <p:spTgt spid="16"/>
+                                        </p:tgtEl>
+                                        <p:attrNameLst>
+                                          <p:attrName>style.visibility</p:attrName>
+                                        </p:attrNameLst>
+                                      </p:cBhvr>
+                                      <p:to>
+                                        <p:strVal val="hidden"/>
+                                      </p:to>
+                                    </p:set>
+                                  </p:childTnLst>
+                                </p:cTn>
+                              </p:par>
+                            </p:childTnLst>
+                          </p:cTn>
+                        </p:par>
+                      </p:childTnLst>
+                    </p:cTn>
+                  </p:par>
+                  <p:par>
+                    <p:cTn id="11" fill="hold">
+                      <p:stCondLst>
+                        <p:cond delay="indefinite"/>
+                      </p:stCondLst>
+                      <p:childTnLst>
+                        <p:par>
+                          <p:cTn id="12" fill="hold">
+                            <p:stCondLst>
+                              <p:cond delay="0"/>
+                            </p:stCondLst>
+                            <p:childTnLst>
+                              <p:par>
+                                <p:cTn id="13" presetID="2" presetClass="entr" presetSubtype="4" fill="hold" nodeType="clickEffect">
+                                  <p:stCondLst>
+                                    <p:cond delay="0"/>
+                                  </p:stCondLst>
+                                  <p:childTnLst>
+                                    <p:set>
+                                      <p:cBhvr>
+                                        <p:cTn id="14" dur="1" fill="hold">
+                                          <p:stCondLst>
+                                            <p:cond delay="0"/>
+                                          </p:stCondLst>
+                                        </p:cTn>
+                                        <p:tgtEl>
+                                          <p:spTgt spid="15">
+                                            <p:txEl>
+                                              <p:pRg st="3" end="3"/>
+                                            </p:txEl>
+                                          </p:spTgt>
+                                        </p:tgtEl>
+                                        <p:attrNameLst>
+                                          <p:attrName>style.visibility</p:attrName>
+                                        </p:attrNameLst>
+                                      </p:cBhvr>
+                                      <p:to>
+                                        <p:strVal val="visible"/>
+                                      </p:to>
+                                    </p:set>
+                                    <p:anim calcmode="lin" valueType="num">
+                                      <p:cBhvr additive="base">
+                                        <p:cTn id="15" dur="500" fill="hold"/>
+                                        <p:tgtEl>
+                                          <p:spTgt spid="15">
+                                            <p:txEl>
+                                              <p:pRg st="3" end="3"/>
+                                            </p:txEl>
+                                          </p:spTgt>
+                                        </p:tgtEl>
+                                        <p:attrNameLst>
+                                          <p:attrName>ppt_x</p:attrName>
+                                        </p:attrNameLst>
+                                      </p:cBhvr>
+                                      <p:tavLst>
+                                        <p:tav tm="0">
+                                          <p:val>
+                                            <p:strVal val="#ppt_x"/>
+                                          </p:val>
+                                        </p:tav>
+                                        <p:tav tm="100000">
+                                          <p:val>
+                                            <p:strVal val="#ppt_x"/>
+                                          </p:val>
+                                        </p:tav>
+                                      </p:tavLst>
+                                    </p:anim>
+                                    <p:anim calcmode="lin" valueType="num">
+                                      <p:cBhvr additive="base">
+                                        <p:cTn id="16" dur="500" fill="hold"/>
+                                        <p:tgtEl>
+                                          <p:spTgt spid="15">
+                                            <p:txEl>
+                                              <p:pRg st="3" end="3"/>
+                                            </p:txEl>
+                                          </p:spTgt>
+                                        </p:tgtEl>
+                                        <p:attrNameLst>
+                                          <p:attrName>ppt_y</p:attrName>
+                                        </p:attrNameLst>
+                                      </p:cBhvr>
+                                      <p:tavLst>
+                                        <p:tav tm="0">
+                                          <p:val>
+                                            <p:strVal val="1+#ppt_h/2"/>
+                                          </p:val>
+                                        </p:tav>
+                                        <p:tav tm="100000">
+                                          <p:val>
+                                            <p:strVal val="#ppt_y"/>
+                                          </p:val>
+                                        </p:tav>
+                                      </p:tavLst>
+                                    </p:anim>
+                                  </p:childTnLst>
+                                </p:cTn>
+                              </p:par>
+                              <p:par>
+                                <p:cTn id="17" presetID="6" presetClass="entr" presetSubtype="32" fill="hold" nodeType="withEffect">
+                                  <p:stCondLst>
+                                    <p:cond delay="0"/>
+                                  </p:stCondLst>
+                                  <p:childTnLst>
+                                    <p:set>
+                                      <p:cBhvr>
+                                        <p:cTn id="18" dur="1" fill="hold">
+                                          <p:stCondLst>
+                                            <p:cond delay="0"/>
+                                          </p:stCondLst>
+                                        </p:cTn>
+                                        <p:tgtEl>
+                                          <p:spTgt spid="28"/>
+                                        </p:tgtEl>
+                                        <p:attrNameLst>
+                                          <p:attrName>style.visibility</p:attrName>
+                                        </p:attrNameLst>
+                                      </p:cBhvr>
+                                      <p:to>
+                                        <p:strVal val="visible"/>
+                                      </p:to>
+                                    </p:set>
+                                    <p:animEffect transition="in" filter="circle(out)">
+                                      <p:cBhvr>
+                                        <p:cTn id="19" dur="500"/>
+                                        <p:tgtEl>
+                                          <p:spTgt spid="28"/>
+                                        </p:tgtEl>
+                                      </p:cBhvr>
+                                    </p:animEffect>
+                                  </p:childTnLst>
+                                </p:cTn>
+                              </p:par>
+                              <p:par>
+                                <p:cTn id="20" presetID="2" presetClass="entr" presetSubtype="4" fill="hold" nodeType="withEffect">
+                                  <p:stCondLst>
+                                    <p:cond delay="0"/>
+                                  </p:stCondLst>
+                                  <p:childTnLst>
+                                    <p:set>
+                                      <p:cBhvr>
+                                        <p:cTn id="21" dur="1" fill="hold">
+                                          <p:stCondLst>
+                                            <p:cond delay="0"/>
+                                          </p:stCondLst>
+                                        </p:cTn>
+                                        <p:tgtEl>
+                                          <p:spTgt spid="15">
+                                            <p:txEl>
+                                              <p:pRg st="4" end="4"/>
+                                            </p:txEl>
+                                          </p:spTgt>
+                                        </p:tgtEl>
+                                        <p:attrNameLst>
+                                          <p:attrName>style.visibility</p:attrName>
+                                        </p:attrNameLst>
+                                      </p:cBhvr>
+                                      <p:to>
+                                        <p:strVal val="visible"/>
+                                      </p:to>
+                                    </p:set>
+                                    <p:anim calcmode="lin" valueType="num">
+                                      <p:cBhvr additive="base">
+                                        <p:cTn id="22" dur="500" fill="hold"/>
+                                        <p:tgtEl>
+                                          <p:spTgt spid="15">
+                                            <p:txEl>
+                                              <p:pRg st="4" end="4"/>
+                                            </p:txEl>
+                                          </p:spTgt>
+                                        </p:tgtEl>
+                                        <p:attrNameLst>
+                                          <p:attrName>ppt_x</p:attrName>
+                                        </p:attrNameLst>
+                                      </p:cBhvr>
+                                      <p:tavLst>
+                                        <p:tav tm="0">
+                                          <p:val>
+                                            <p:strVal val="#ppt_x"/>
+                                          </p:val>
+                                        </p:tav>
+                                        <p:tav tm="100000">
+                                          <p:val>
+                                            <p:strVal val="#ppt_x"/>
+                                          </p:val>
+                                        </p:tav>
+                                      </p:tavLst>
+                                    </p:anim>
+                                    <p:anim calcmode="lin" valueType="num">
+                                      <p:cBhvr additive="base">
+                                        <p:cTn id="23" dur="500" fill="hold"/>
+                                        <p:tgtEl>
+                                          <p:spTgt spid="15">
+                                            <p:txEl>
+                                              <p:pRg st="4" end="4"/>
+                                            </p:txEl>
+                                          </p:spTgt>
+                                        </p:tgtEl>
+                                        <p:attrNameLst>
+                                          <p:attrName>ppt_y</p:attrName>
+                                        </p:attrNameLst>
+                                      </p:cBhvr>
+                                      <p:tavLst>
+                                        <p:tav tm="0">
+                                          <p:val>
+                                            <p:strVal val="1+#ppt_h/2"/>
+                                          </p:val>
+                                        </p:tav>
+                                        <p:tav tm="100000">
+                                          <p:val>
+                                            <p:strVal val="#ppt_y"/>
+                                          </p:val>
+                                        </p:tav>
+                                      </p:tavLst>
+                                    </p:anim>
+                                  </p:childTnLst>
+                                </p:cTn>
+                              </p:par>
+                              <p:par>
+                                <p:cTn id="24" presetID="2" presetClass="entr" presetSubtype="4" fill="hold" nodeType="withEffect">
+                                  <p:stCondLst>
+                                    <p:cond delay="0"/>
+                                  </p:stCondLst>
+                                  <p:childTnLst>
+                                    <p:set>
+                                      <p:cBhvr>
+                                        <p:cTn id="25" dur="1" fill="hold">
+                                          <p:stCondLst>
+                                            <p:cond delay="0"/>
+                                          </p:stCondLst>
+                                        </p:cTn>
+                                        <p:tgtEl>
+                                          <p:spTgt spid="15">
+                                            <p:txEl>
+                                              <p:pRg st="5" end="5"/>
+                                            </p:txEl>
+                                          </p:spTgt>
+                                        </p:tgtEl>
+                                        <p:attrNameLst>
+                                          <p:attrName>style.visibility</p:attrName>
+                                        </p:attrNameLst>
+                                      </p:cBhvr>
+                                      <p:to>
+                                        <p:strVal val="visible"/>
+                                      </p:to>
+                                    </p:set>
+                                    <p:anim calcmode="lin" valueType="num">
+                                      <p:cBhvr additive="base">
+                                        <p:cTn id="26" dur="500" fill="hold"/>
+                                        <p:tgtEl>
+                                          <p:spTgt spid="15">
+                                            <p:txEl>
+                                              <p:pRg st="5" end="5"/>
+                                            </p:txEl>
+                                          </p:spTgt>
+                                        </p:tgtEl>
+                                        <p:attrNameLst>
+                                          <p:attrName>ppt_x</p:attrName>
+                                        </p:attrNameLst>
+                                      </p:cBhvr>
+                                      <p:tavLst>
+                                        <p:tav tm="0">
+                                          <p:val>
+                                            <p:strVal val="#ppt_x"/>
+                                          </p:val>
+                                        </p:tav>
+                                        <p:tav tm="100000">
+                                          <p:val>
+                                            <p:strVal val="#ppt_x"/>
+                                          </p:val>
+                                        </p:tav>
+                                      </p:tavLst>
+                                    </p:anim>
+                                    <p:anim calcmode="lin" valueType="num">
+                                      <p:cBhvr additive="base">
+                                        <p:cTn id="27" dur="500" fill="hold"/>
+                                        <p:tgtEl>
+                                          <p:spTgt spid="15">
+                                            <p:txEl>
+                                              <p:pRg st="5" end="5"/>
+                                            </p:txEl>
+                                          </p:spTgt>
+                                        </p:tgtEl>
+                                        <p:attrNameLst>
+                                          <p:attrName>ppt_y</p:attrName>
+                                        </p:attrNameLst>
+                                      </p:cBhvr>
+                                      <p:tavLst>
+                                        <p:tav tm="0">
+                                          <p:val>
+                                            <p:strVal val="1+#ppt_h/2"/>
+                                          </p:val>
+                                        </p:tav>
+                                        <p:tav tm="100000">
+                                          <p:val>
+                                            <p:strVal val="#ppt_y"/>
+                                          </p:val>
+                                        </p:tav>
+                                      </p:tavLst>
+                                    </p:anim>
+                                  </p:childTnLst>
+                                </p:cTn>
+                              </p:par>
+                            </p:childTnLst>
+                          </p:cTn>
+                        </p:par>
+                      </p:childTnLst>
+                    </p:cTn>
+                  </p:par>
+                  <p:par>
+                    <p:cTn id="28" fill="hold">
+                      <p:stCondLst>
+                        <p:cond delay="indefinite"/>
+                      </p:stCondLst>
+                      <p:childTnLst>
+                        <p:par>
+                          <p:cTn id="29" fill="hold">
+                            <p:stCondLst>
+                              <p:cond delay="0"/>
+                            </p:stCondLst>
+                            <p:childTnLst>
+                              <p:par>
+                                <p:cTn id="30" presetID="2" presetClass="entr" presetSubtype="4" fill="hold" nodeType="clickEffect">
+                                  <p:stCondLst>
+                                    <p:cond delay="0"/>
+                                  </p:stCondLst>
+                                  <p:childTnLst>
+                                    <p:set>
+                                      <p:cBhvr>
+                                        <p:cTn id="31" dur="1" fill="hold">
+                                          <p:stCondLst>
+                                            <p:cond delay="0"/>
+                                          </p:stCondLst>
+                                        </p:cTn>
+                                        <p:tgtEl>
+                                          <p:spTgt spid="15">
+                                            <p:txEl>
+                                              <p:pRg st="7" end="7"/>
+                                            </p:txEl>
+                                          </p:spTgt>
+                                        </p:tgtEl>
+                                        <p:attrNameLst>
+                                          <p:attrName>style.visibility</p:attrName>
+                                        </p:attrNameLst>
+                                      </p:cBhvr>
+                                      <p:to>
+                                        <p:strVal val="visible"/>
+                                      </p:to>
+                                    </p:set>
+                                    <p:anim calcmode="lin" valueType="num">
+                                      <p:cBhvr additive="base">
+                                        <p:cTn id="32" dur="500" fill="hold"/>
+                                        <p:tgtEl>
+                                          <p:spTgt spid="15">
+                                            <p:txEl>
+                                              <p:pRg st="7" end="7"/>
+                                            </p:txEl>
+                                          </p:spTgt>
+                                        </p:tgtEl>
+                                        <p:attrNameLst>
+                                          <p:attrName>ppt_x</p:attrName>
+                                        </p:attrNameLst>
+                                      </p:cBhvr>
+                                      <p:tavLst>
+                                        <p:tav tm="0">
+                                          <p:val>
+                                            <p:strVal val="#ppt_x"/>
+                                          </p:val>
+                                        </p:tav>
+                                        <p:tav tm="100000">
+                                          <p:val>
+                                            <p:strVal val="#ppt_x"/>
+                                          </p:val>
+                                        </p:tav>
+                                      </p:tavLst>
+                                    </p:anim>
+                                    <p:anim calcmode="lin" valueType="num">
+                                      <p:cBhvr additive="base">
+                                        <p:cTn id="33" dur="500" fill="hold"/>
+                                        <p:tgtEl>
+                                          <p:spTgt spid="15">
+                                            <p:txEl>
+                                              <p:pRg st="7" end="7"/>
+                                            </p:txEl>
+                                          </p:spTgt>
+                                        </p:tgtEl>
+                                        <p:attrNameLst>
+                                          <p:attrName>ppt_y</p:attrName>
+                                        </p:attrNameLst>
+                                      </p:cBhvr>
+                                      <p:tavLst>
+                                        <p:tav tm="0">
+                                          <p:val>
+                                            <p:strVal val="1+#ppt_h/2"/>
+                                          </p:val>
+                                        </p:tav>
+                                        <p:tav tm="100000">
+                                          <p:val>
+                                            <p:strVal val="#ppt_y"/>
+                                          </p:val>
+                                        </p:tav>
+                                      </p:tavLst>
+                                    </p:anim>
+                                  </p:childTnLst>
+                                </p:cTn>
+                              </p:par>
+                            </p:childTnLst>
+                          </p:cTn>
+                        </p:par>
+                      </p:childTnLst>
+                    </p:cTn>
+                  </p:par>
+                </p:childTnLst>
+              </p:cTn>
+              <p:prevCondLst>
+                <p:cond evt="onPrev" delay="0">
+                  <p:tgtEl>
+                    <p:sldTgt/>
+                  </p:tgtEl>
+                </p:cond>
+              </p:prevCondLst>
+              <p:nextCondLst>
+                <p:cond evt="onNext" delay="0">
+                  <p:tgtEl>
+                    <p:sldTgt/>
+                  </p:tgtEl>
+                </p:cond>
+              </p:nextCondLst>
+            </p:seq>
+          </p:childTnLst>
+        </p:cTn>
+      </p:par>
+    </p:tnLst>
+  </p:timing>
+</p:sld>
+</file>
+
+<file path=ppt/slides/slide31.xml><?xml version="1.0" encoding="utf-8"?>
+<p:sld xmlns:a="http://schemas.openxmlformats.org/drawingml/2006/main" xmlns:r="http://schemas.openxmlformats.org/officeDocument/2006/relationships" xmlns:p="http://schemas.openxmlformats.org/presentationml/2006/main">
+  <p:cSld>
+    <p:spTree>
+      <p:nvGrpSpPr>
+        <p:cNvPr id="1" name="">
+          <a:extLst>
+            <a:ext uri="{FF2B5EF4-FFF2-40B4-BE49-F238E27FC236}">
+              <a16:creationId xmlns:a16="http://schemas.microsoft.com/office/drawing/2014/main" id="{225CE315-4A50-9370-7F61-52724DF8E93B}"/>
+            </a:ext>
+          </a:extLst>
+        </p:cNvPr>
+        <p:cNvGrpSpPr/>
+        <p:nvPr/>
+      </p:nvGrpSpPr>
+      <p:grpSpPr>
+        <a:xfrm>
+          <a:off x="0" y="0"/>
+          <a:ext cx="0" cy="0"/>
+          <a:chOff x="0" y="0"/>
+          <a:chExt cx="0" cy="0"/>
+        </a:xfrm>
+      </p:grpSpPr>
+      <p:sp>
+        <p:nvSpPr>
+          <p:cNvPr id="2" name="Titolo 1">
+            <a:extLst>
+              <a:ext uri="{FF2B5EF4-FFF2-40B4-BE49-F238E27FC236}">
+                <a16:creationId xmlns:a16="http://schemas.microsoft.com/office/drawing/2014/main" id="{566067C0-72A5-2594-5026-D16591DF5FEA}"/>
+              </a:ext>
+            </a:extLst>
+          </p:cNvPr>
+          <p:cNvSpPr>
+            <a:spLocks noGrp="1"/>
+          </p:cNvSpPr>
+          <p:nvPr>
+            <p:ph type="title"/>
+          </p:nvPr>
+        </p:nvSpPr>
+        <p:spPr>
+          <a:xfrm>
+            <a:off x="838200" y="209292"/>
+            <a:ext cx="9905460" cy="971551"/>
+          </a:xfrm>
+        </p:spPr>
+        <p:txBody>
+          <a:bodyPr>
+            <a:normAutofit/>
+          </a:bodyPr>
+          <a:lstStyle/>
+          <a:p>
+            <a:r>
+              <a:rPr lang="en-US" sz="3600" dirty="0"/>
+              <a:t>Appendix 3: does have sense filtering?</a:t>
+            </a:r>
+          </a:p>
+        </p:txBody>
+      </p:sp>
+      <p:sp>
+        <p:nvSpPr>
+          <p:cNvPr id="4" name="Segnaposto numero diapositiva 3">
+            <a:extLst>
+              <a:ext uri="{FF2B5EF4-FFF2-40B4-BE49-F238E27FC236}">
+                <a16:creationId xmlns:a16="http://schemas.microsoft.com/office/drawing/2014/main" id="{F388C05E-4891-1164-6204-D4C77F589256}"/>
+              </a:ext>
+            </a:extLst>
+          </p:cNvPr>
+          <p:cNvSpPr>
+            <a:spLocks noGrp="1"/>
+          </p:cNvSpPr>
+          <p:nvPr>
+            <p:ph type="sldNum" sz="quarter" idx="12"/>
+          </p:nvPr>
+        </p:nvSpPr>
+        <p:spPr/>
+        <p:txBody>
+          <a:bodyPr/>
+          <a:lstStyle/>
+          <a:p>
+            <a:fld id="{2FA0223F-D95A-431D-9A71-EDA7FA0C2F5B}" type="slidenum">
+              <a:rPr lang="en-US" smtClean="0"/>
+              <a:t>31</a:t>
+            </a:fld>
+            <a:endParaRPr lang="en-US"/>
+          </a:p>
+        </p:txBody>
+      </p:sp>
+      <p:sp>
+        <p:nvSpPr>
+          <p:cNvPr id="27" name="Rettangolo 26">
+            <a:extLst>
+              <a:ext uri="{FF2B5EF4-FFF2-40B4-BE49-F238E27FC236}">
+                <a16:creationId xmlns:a16="http://schemas.microsoft.com/office/drawing/2014/main" id="{0A65ED4C-17CC-51FD-DF43-2C900B34E494}"/>
+              </a:ext>
+            </a:extLst>
+          </p:cNvPr>
+          <p:cNvSpPr/>
+          <p:nvPr/>
+        </p:nvSpPr>
+        <p:spPr>
+          <a:xfrm>
+            <a:off x="6723157" y="1812745"/>
+            <a:ext cx="206547" cy="168094"/>
+          </a:xfrm>
+          <a:prstGeom prst="rect">
+            <a:avLst/>
+          </a:prstGeom>
+          <a:solidFill>
+            <a:schemeClr val="bg1"/>
+          </a:solidFill>
+          <a:ln>
+            <a:solidFill>
+              <a:schemeClr val="bg1"/>
+            </a:solidFill>
+          </a:ln>
+        </p:spPr>
+        <p:style>
+          <a:lnRef idx="2">
+            <a:schemeClr val="accent1">
+              <a:shade val="15000"/>
+            </a:schemeClr>
+          </a:lnRef>
+          <a:fillRef idx="1">
+            <a:schemeClr val="accent1"/>
+          </a:fillRef>
+          <a:effectRef idx="0">
+            <a:schemeClr val="accent1"/>
+          </a:effectRef>
+          <a:fontRef idx="minor">
+            <a:schemeClr val="lt1"/>
+          </a:fontRef>
+        </p:style>
+        <p:txBody>
+          <a:bodyPr rtlCol="0" anchor="ctr"/>
+          <a:lstStyle/>
+          <a:p>
+            <a:pPr algn="ctr"/>
+            <a:endParaRPr lang="it-IT"/>
+          </a:p>
+        </p:txBody>
+      </p:sp>
+      <p:sp>
+        <p:nvSpPr>
+          <p:cNvPr id="7" name="AutoShape 2">
+            <a:extLst>
+              <a:ext uri="{FF2B5EF4-FFF2-40B4-BE49-F238E27FC236}">
+                <a16:creationId xmlns:a16="http://schemas.microsoft.com/office/drawing/2014/main" id="{BFEADA4B-DE54-30C8-A878-291ADE3BDC89}"/>
+              </a:ext>
+            </a:extLst>
+          </p:cNvPr>
+          <p:cNvSpPr>
+            <a:spLocks noChangeAspect="1" noChangeArrowheads="1"/>
+          </p:cNvSpPr>
+          <p:nvPr/>
+        </p:nvSpPr>
+        <p:spPr bwMode="auto">
+          <a:xfrm>
+            <a:off x="5943600" y="3276600"/>
+            <a:ext cx="304800" cy="304800"/>
+          </a:xfrm>
+          <a:prstGeom prst="rect">
+            <a:avLst/>
+          </a:prstGeom>
+          <a:noFill/>
+          <a:extLst>
+            <a:ext uri="{909E8E84-426E-40DD-AFC4-6F175D3DCCD1}">
+              <a14:hiddenFill xmlns:a14="http://schemas.microsoft.com/office/drawing/2010/main">
+                <a:solidFill>
+                  <a:srgbClr val="FFFFFF"/>
+                </a:solidFill>
+              </a14:hiddenFill>
+            </a:ext>
+          </a:extLst>
+        </p:spPr>
+        <p:txBody>
+          <a:bodyPr vert="horz" wrap="square" lIns="91440" tIns="45720" rIns="91440" bIns="45720" numCol="1" anchor="t" anchorCtr="0" compatLnSpc="1">
+            <a:prstTxWarp prst="textNoShape">
+              <a:avLst/>
+            </a:prstTxWarp>
+          </a:bodyPr>
+          <a:lstStyle/>
+          <a:p>
+            <a:endParaRPr lang="it-IT"/>
+          </a:p>
+        </p:txBody>
+      </p:sp>
+      <p:sp>
+        <p:nvSpPr>
+          <p:cNvPr id="15" name="Segnaposto contenuto 2">
+            <a:extLst>
+              <a:ext uri="{FF2B5EF4-FFF2-40B4-BE49-F238E27FC236}">
+                <a16:creationId xmlns:a16="http://schemas.microsoft.com/office/drawing/2014/main" id="{CEA6579C-DC91-D0EC-2BDA-52DFB13594A6}"/>
+              </a:ext>
+            </a:extLst>
+          </p:cNvPr>
+          <p:cNvSpPr txBox="1">
+            <a:spLocks/>
+          </p:cNvSpPr>
+          <p:nvPr/>
+        </p:nvSpPr>
+        <p:spPr>
+          <a:xfrm>
+            <a:off x="309129" y="1504120"/>
+            <a:ext cx="3650223" cy="4154560"/>
+          </a:xfrm>
+          <a:prstGeom prst="rect">
+            <a:avLst/>
+          </a:prstGeom>
+        </p:spPr>
+        <p:txBody>
+          <a:bodyPr vert="horz" lIns="91440" tIns="45720" rIns="91440" bIns="45720" rtlCol="0">
+            <a:noAutofit/>
+          </a:bodyPr>
+          <a:lstStyle>
+            <a:lvl1pPr marL="228600" indent="-228600" algn="l" defTabSz="914400" rtl="0" eaLnBrk="1" latinLnBrk="0" hangingPunct="1">
+              <a:lnSpc>
+                <a:spcPct val="90000"/>
+              </a:lnSpc>
+              <a:spcBef>
+                <a:spcPts val="1000"/>
+              </a:spcBef>
+              <a:buFont typeface="Arial" panose="020B0604020202020204" pitchFamily="34" charset="0"/>
+              <a:buChar char="•"/>
+              <a:defRPr sz="2800" kern="1200">
+                <a:solidFill>
+                  <a:schemeClr val="tx1"/>
+                </a:solidFill>
+                <a:latin typeface="+mn-lt"/>
+                <a:ea typeface="+mn-ea"/>
+                <a:cs typeface="+mn-cs"/>
+              </a:defRPr>
+            </a:lvl1pPr>
+            <a:lvl2pPr marL="685800" indent="-228600" algn="l" defTabSz="914400" rtl="0" eaLnBrk="1" latinLnBrk="0" hangingPunct="1">
+              <a:lnSpc>
+                <a:spcPct val="90000"/>
+              </a:lnSpc>
+              <a:spcBef>
+                <a:spcPts val="500"/>
+              </a:spcBef>
+              <a:buFont typeface="Arial" panose="020B0604020202020204" pitchFamily="34" charset="0"/>
+              <a:buChar char="•"/>
+              <a:defRPr sz="2400" kern="1200">
+                <a:solidFill>
+                  <a:schemeClr val="tx1"/>
+                </a:solidFill>
+                <a:latin typeface="+mn-lt"/>
+                <a:ea typeface="+mn-ea"/>
+                <a:cs typeface="+mn-cs"/>
+              </a:defRPr>
+            </a:lvl2pPr>
+            <a:lvl3pPr marL="1143000" indent="-228600" algn="l" defTabSz="914400" rtl="0" eaLnBrk="1" latinLnBrk="0" hangingPunct="1">
+              <a:lnSpc>
+                <a:spcPct val="90000"/>
+              </a:lnSpc>
+              <a:spcBef>
+                <a:spcPts val="500"/>
+              </a:spcBef>
+              <a:buFont typeface="Arial" panose="020B0604020202020204" pitchFamily="34" charset="0"/>
+              <a:buChar char="•"/>
+              <a:defRPr sz="2000" kern="1200">
+                <a:solidFill>
+                  <a:schemeClr val="tx1"/>
+                </a:solidFill>
+                <a:latin typeface="+mn-lt"/>
+                <a:ea typeface="+mn-ea"/>
+                <a:cs typeface="+mn-cs"/>
+              </a:defRPr>
+            </a:lvl3pPr>
+            <a:lvl4pPr marL="1600200" indent="-228600" algn="l" defTabSz="914400" rtl="0" eaLnBrk="1" latinLnBrk="0" hangingPunct="1">
+              <a:lnSpc>
+                <a:spcPct val="90000"/>
+              </a:lnSpc>
+              <a:spcBef>
+                <a:spcPts val="500"/>
+              </a:spcBef>
+              <a:buFont typeface="Arial" panose="020B0604020202020204" pitchFamily="34" charset="0"/>
+              <a:buChar char="•"/>
+              <a:defRPr sz="1800" kern="1200">
+                <a:solidFill>
+                  <a:schemeClr val="tx1"/>
+                </a:solidFill>
+                <a:latin typeface="+mn-lt"/>
+                <a:ea typeface="+mn-ea"/>
+                <a:cs typeface="+mn-cs"/>
+              </a:defRPr>
+            </a:lvl4pPr>
+            <a:lvl5pPr marL="2057400" indent="-228600" algn="l" defTabSz="914400" rtl="0" eaLnBrk="1" latinLnBrk="0" hangingPunct="1">
+              <a:lnSpc>
+                <a:spcPct val="90000"/>
+              </a:lnSpc>
+              <a:spcBef>
+                <a:spcPts val="500"/>
+              </a:spcBef>
+              <a:buFont typeface="Arial" panose="020B0604020202020204" pitchFamily="34" charset="0"/>
+              <a:buChar char="•"/>
+              <a:defRPr sz="1800" kern="1200">
+                <a:solidFill>
+                  <a:schemeClr val="tx1"/>
+                </a:solidFill>
+                <a:latin typeface="+mn-lt"/>
+                <a:ea typeface="+mn-ea"/>
+                <a:cs typeface="+mn-cs"/>
+              </a:defRPr>
+            </a:lvl5pPr>
+            <a:lvl6pPr marL="2514600" indent="-228600" algn="l" defTabSz="914400" rtl="0" eaLnBrk="1" latinLnBrk="0" hangingPunct="1">
+              <a:lnSpc>
+                <a:spcPct val="90000"/>
+              </a:lnSpc>
+              <a:spcBef>
+                <a:spcPts val="500"/>
+              </a:spcBef>
+              <a:buFont typeface="Arial" panose="020B0604020202020204" pitchFamily="34" charset="0"/>
+              <a:buChar char="•"/>
+              <a:defRPr sz="1800" kern="1200">
+                <a:solidFill>
+                  <a:schemeClr val="tx1"/>
+                </a:solidFill>
+                <a:latin typeface="+mn-lt"/>
+                <a:ea typeface="+mn-ea"/>
+                <a:cs typeface="+mn-cs"/>
+              </a:defRPr>
+            </a:lvl6pPr>
+            <a:lvl7pPr marL="2971800" indent="-228600" algn="l" defTabSz="914400" rtl="0" eaLnBrk="1" latinLnBrk="0" hangingPunct="1">
+              <a:lnSpc>
+                <a:spcPct val="90000"/>
+              </a:lnSpc>
+              <a:spcBef>
+                <a:spcPts val="500"/>
+              </a:spcBef>
+              <a:buFont typeface="Arial" panose="020B0604020202020204" pitchFamily="34" charset="0"/>
+              <a:buChar char="•"/>
+              <a:defRPr sz="1800" kern="1200">
+                <a:solidFill>
+                  <a:schemeClr val="tx1"/>
+                </a:solidFill>
+                <a:latin typeface="+mn-lt"/>
+                <a:ea typeface="+mn-ea"/>
+                <a:cs typeface="+mn-cs"/>
+              </a:defRPr>
+            </a:lvl7pPr>
+            <a:lvl8pPr marL="3429000" indent="-228600" algn="l" defTabSz="914400" rtl="0" eaLnBrk="1" latinLnBrk="0" hangingPunct="1">
+              <a:lnSpc>
+                <a:spcPct val="90000"/>
+              </a:lnSpc>
+              <a:spcBef>
+                <a:spcPts val="500"/>
+              </a:spcBef>
+              <a:buFont typeface="Arial" panose="020B0604020202020204" pitchFamily="34" charset="0"/>
+              <a:buChar char="•"/>
+              <a:defRPr sz="1800" kern="1200">
+                <a:solidFill>
+                  <a:schemeClr val="tx1"/>
+                </a:solidFill>
+                <a:latin typeface="+mn-lt"/>
+                <a:ea typeface="+mn-ea"/>
+                <a:cs typeface="+mn-cs"/>
+              </a:defRPr>
+            </a:lvl8pPr>
+            <a:lvl9pPr marL="3886200" indent="-228600" algn="l" defTabSz="914400" rtl="0" eaLnBrk="1" latinLnBrk="0" hangingPunct="1">
+              <a:lnSpc>
+                <a:spcPct val="90000"/>
+              </a:lnSpc>
+              <a:spcBef>
+                <a:spcPts val="500"/>
+              </a:spcBef>
+              <a:buFont typeface="Arial" panose="020B0604020202020204" pitchFamily="34" charset="0"/>
+              <a:buChar char="•"/>
+              <a:defRPr sz="1800" kern="1200">
+                <a:solidFill>
+                  <a:schemeClr val="tx1"/>
+                </a:solidFill>
+                <a:latin typeface="+mn-lt"/>
+                <a:ea typeface="+mn-ea"/>
+                <a:cs typeface="+mn-cs"/>
+              </a:defRPr>
+            </a:lvl9pPr>
+          </a:lstStyle>
+          <a:p>
+            <a:pPr marL="0" indent="0">
+              <a:buNone/>
+            </a:pPr>
+            <a:r>
+              <a:rPr lang="en-US" sz="1200" dirty="0"/>
+              <a:t>Even if a filtering pipeline is ready to be used, does have sense using it?</a:t>
+            </a:r>
+          </a:p>
+          <a:p>
+            <a:pPr marL="0" indent="0">
+              <a:buNone/>
+            </a:pPr>
+            <a:r>
+              <a:rPr lang="en-US" sz="1200" dirty="0"/>
+              <a:t>To answer, some observations should be done:</a:t>
+            </a:r>
+          </a:p>
+          <a:p>
+            <a:pPr marL="342900" indent="-342900">
+              <a:buFont typeface="+mj-lt"/>
+              <a:buAutoNum type="arabicPeriod"/>
+            </a:pPr>
+            <a:r>
+              <a:rPr lang="en-US" sz="1200" dirty="0"/>
+              <a:t>Filter pipeline has been built on ECG signals only, not on EGM.</a:t>
+            </a:r>
+          </a:p>
+          <a:p>
+            <a:pPr marL="342900" indent="-342900">
+              <a:buFont typeface="+mj-lt"/>
+              <a:buAutoNum type="arabicPeriod"/>
+            </a:pPr>
+            <a:r>
+              <a:rPr lang="en-US" sz="1200" dirty="0"/>
+              <a:t>Due to the low cut-off, high frequency peaks are killed.</a:t>
+            </a:r>
+          </a:p>
+          <a:p>
+            <a:pPr marL="342900" indent="-342900">
+              <a:buFont typeface="+mj-lt"/>
+              <a:buAutoNum type="arabicPeriod"/>
+            </a:pPr>
+            <a:r>
+              <a:rPr lang="en-US" sz="1200" dirty="0"/>
+              <a:t>Low-pass filter introduce a low frequency distortion unexpectedly. </a:t>
+            </a:r>
+          </a:p>
+          <a:p>
+            <a:pPr marL="0" indent="0">
+              <a:buNone/>
+            </a:pPr>
+            <a:endParaRPr lang="en-US" sz="1200" dirty="0"/>
+          </a:p>
+          <a:p>
+            <a:pPr marL="0" indent="0">
+              <a:buNone/>
+            </a:pPr>
+            <a:r>
+              <a:rPr lang="en-US" sz="1400" b="1" dirty="0">
+                <a:solidFill>
+                  <a:schemeClr val="accent1"/>
+                </a:solidFill>
+              </a:rPr>
+              <a:t>And because of these aspects, performance drops.</a:t>
+            </a:r>
+          </a:p>
+          <a:p>
+            <a:pPr marL="0" indent="0">
+              <a:buNone/>
+            </a:pPr>
+            <a:r>
+              <a:rPr lang="en-US" sz="1400" i="1" dirty="0"/>
+              <a:t>In addition, one should consider that the a priori known information about the signals is valid about the signals as such, without considering additional processing steps. These, would render all the information used in vain.</a:t>
+            </a:r>
+            <a:endParaRPr lang="en-US" sz="1200" b="1" i="1" dirty="0"/>
+          </a:p>
+        </p:txBody>
+      </p:sp>
+      <p:pic>
+        <p:nvPicPr>
+          <p:cNvPr id="14" name="Immagine 13" descr="Immagine che contiene testo, diagramma, linea, Diagramma&#10;&#10;Descrizione generata automaticamente">
+            <a:extLst>
+              <a:ext uri="{FF2B5EF4-FFF2-40B4-BE49-F238E27FC236}">
+                <a16:creationId xmlns:a16="http://schemas.microsoft.com/office/drawing/2014/main" id="{FD87A3C8-4D75-BE7A-178A-9106C03FDE9F}"/>
+              </a:ext>
+            </a:extLst>
+          </p:cNvPr>
+          <p:cNvPicPr>
+            <a:picLocks noChangeAspect="1"/>
+          </p:cNvPicPr>
+          <p:nvPr/>
+        </p:nvPicPr>
+        <p:blipFill>
+          <a:blip r:embed="rId3">
+            <a:extLst>
+              <a:ext uri="{28A0092B-C50C-407E-A947-70E740481C1C}">
+                <a14:useLocalDpi xmlns:a14="http://schemas.microsoft.com/office/drawing/2010/main" val="0"/>
+              </a:ext>
+            </a:extLst>
+          </a:blip>
+          <a:srcRect l="6875" t="2390" r="2536" b="4288"/>
+          <a:stretch/>
+        </p:blipFill>
+        <p:spPr>
+          <a:xfrm>
+            <a:off x="5133105" y="1981434"/>
+            <a:ext cx="6199089" cy="3279534"/>
+          </a:xfrm>
+          <a:prstGeom prst="rect">
+            <a:avLst/>
+          </a:prstGeom>
+        </p:spPr>
+      </p:pic>
+      <p:grpSp>
+        <p:nvGrpSpPr>
+          <p:cNvPr id="12" name="Gruppo 11">
+            <a:extLst>
+              <a:ext uri="{FF2B5EF4-FFF2-40B4-BE49-F238E27FC236}">
+                <a16:creationId xmlns:a16="http://schemas.microsoft.com/office/drawing/2014/main" id="{17A5C7B5-7645-E13A-6CD1-0863183F166C}"/>
+              </a:ext>
+            </a:extLst>
+          </p:cNvPr>
+          <p:cNvGrpSpPr/>
+          <p:nvPr/>
+        </p:nvGrpSpPr>
+        <p:grpSpPr>
+          <a:xfrm>
+            <a:off x="4047735" y="1677356"/>
+            <a:ext cx="8144265" cy="2754323"/>
+            <a:chOff x="4047735" y="1677356"/>
+            <a:chExt cx="8144265" cy="2754323"/>
+          </a:xfrm>
+        </p:grpSpPr>
+        <p:pic>
+          <p:nvPicPr>
+            <p:cNvPr id="5" name="Immagine 4" descr="Immagine che contiene testo, linea, schermata, diagramma&#10;&#10;Descrizione generata automaticamente">
+              <a:extLst>
+                <a:ext uri="{FF2B5EF4-FFF2-40B4-BE49-F238E27FC236}">
+                  <a16:creationId xmlns:a16="http://schemas.microsoft.com/office/drawing/2014/main" id="{0FCCCEB9-AA4D-3BAC-BF2F-84392B61288D}"/>
+                </a:ext>
+              </a:extLst>
+            </p:cNvPr>
+            <p:cNvPicPr>
+              <a:picLocks noChangeAspect="1"/>
+            </p:cNvPicPr>
+            <p:nvPr/>
+          </p:nvPicPr>
+          <p:blipFill>
+            <a:blip r:embed="rId4">
+              <a:extLst>
+                <a:ext uri="{28A0092B-C50C-407E-A947-70E740481C1C}">
+                  <a14:useLocalDpi xmlns:a14="http://schemas.microsoft.com/office/drawing/2010/main" val="0"/>
+                </a:ext>
+              </a:extLst>
+            </a:blip>
+            <a:srcRect t="6615"/>
+            <a:stretch/>
+          </p:blipFill>
+          <p:spPr>
+            <a:xfrm>
+              <a:off x="4047735" y="1677356"/>
+              <a:ext cx="3956310" cy="2445697"/>
+            </a:xfrm>
+            <a:prstGeom prst="rect">
+              <a:avLst/>
+            </a:prstGeom>
+          </p:spPr>
+        </p:pic>
+        <p:pic>
+          <p:nvPicPr>
+            <p:cNvPr id="8" name="Immagine 7" descr="Immagine che contiene testo, diagramma, schermata, linea&#10;&#10;Descrizione generata automaticamente">
+              <a:extLst>
+                <a:ext uri="{FF2B5EF4-FFF2-40B4-BE49-F238E27FC236}">
+                  <a16:creationId xmlns:a16="http://schemas.microsoft.com/office/drawing/2014/main" id="{B98B2949-AA61-DCB7-B149-B51760E5C9F5}"/>
+                </a:ext>
+              </a:extLst>
+            </p:cNvPr>
+            <p:cNvPicPr>
+              <a:picLocks noChangeAspect="1"/>
+            </p:cNvPicPr>
+            <p:nvPr/>
+          </p:nvPicPr>
+          <p:blipFill>
+            <a:blip r:embed="rId5">
+              <a:extLst>
+                <a:ext uri="{28A0092B-C50C-407E-A947-70E740481C1C}">
+                  <a14:useLocalDpi xmlns:a14="http://schemas.microsoft.com/office/drawing/2010/main" val="0"/>
+                </a:ext>
+              </a:extLst>
+            </a:blip>
+            <a:srcRect t="6615"/>
+            <a:stretch/>
+          </p:blipFill>
+          <p:spPr>
+            <a:xfrm>
+              <a:off x="8235690" y="1677356"/>
+              <a:ext cx="3956310" cy="2445698"/>
+            </a:xfrm>
+            <a:prstGeom prst="rect">
+              <a:avLst/>
+            </a:prstGeom>
+          </p:spPr>
+        </p:pic>
+        <p:sp>
+          <p:nvSpPr>
+            <p:cNvPr id="9" name="Rettangolo con angoli arrotondati 8">
+              <a:extLst>
+                <a:ext uri="{FF2B5EF4-FFF2-40B4-BE49-F238E27FC236}">
+                  <a16:creationId xmlns:a16="http://schemas.microsoft.com/office/drawing/2014/main" id="{982E79E5-D403-9FEA-E5E9-C7EADCDC4D3C}"/>
+                </a:ext>
+              </a:extLst>
+            </p:cNvPr>
+            <p:cNvSpPr/>
+            <p:nvPr/>
+          </p:nvSpPr>
+          <p:spPr>
+            <a:xfrm>
+              <a:off x="7037289" y="4066554"/>
+              <a:ext cx="2390722" cy="365125"/>
+            </a:xfrm>
+            <a:prstGeom prst="roundRect">
+              <a:avLst/>
+            </a:prstGeom>
+          </p:spPr>
+          <p:style>
+            <a:lnRef idx="1">
+              <a:schemeClr val="accent4"/>
+            </a:lnRef>
+            <a:fillRef idx="2">
+              <a:schemeClr val="accent4"/>
+            </a:fillRef>
+            <a:effectRef idx="1">
+              <a:schemeClr val="accent4"/>
+            </a:effectRef>
+            <a:fontRef idx="minor">
+              <a:schemeClr val="dk1"/>
+            </a:fontRef>
+          </p:style>
+          <p:txBody>
+            <a:bodyPr rtlCol="0" anchor="ctr"/>
+            <a:lstStyle/>
+            <a:p>
+              <a:pPr algn="ctr"/>
+              <a:r>
+                <a:rPr lang="en-GB" dirty="0"/>
+                <a:t>Same signal</a:t>
+              </a:r>
+            </a:p>
+          </p:txBody>
+        </p:sp>
+        <p:sp>
+          <p:nvSpPr>
+            <p:cNvPr id="10" name="Rettangolo con angoli arrotondati 9">
+              <a:extLst>
+                <a:ext uri="{FF2B5EF4-FFF2-40B4-BE49-F238E27FC236}">
+                  <a16:creationId xmlns:a16="http://schemas.microsoft.com/office/drawing/2014/main" id="{B445BD98-5425-5425-5F4C-C2EE341D2C5D}"/>
+                </a:ext>
+              </a:extLst>
+            </p:cNvPr>
+            <p:cNvSpPr/>
+            <p:nvPr/>
+          </p:nvSpPr>
+          <p:spPr>
+            <a:xfrm>
+              <a:off x="6826430" y="1812745"/>
+              <a:ext cx="989373" cy="254258"/>
+            </a:xfrm>
+            <a:prstGeom prst="roundRect">
+              <a:avLst/>
+            </a:prstGeom>
+          </p:spPr>
+          <p:style>
+            <a:lnRef idx="1">
+              <a:schemeClr val="accent4"/>
+            </a:lnRef>
+            <a:fillRef idx="2">
+              <a:schemeClr val="accent4"/>
+            </a:fillRef>
+            <a:effectRef idx="1">
+              <a:schemeClr val="accent4"/>
+            </a:effectRef>
+            <a:fontRef idx="minor">
+              <a:schemeClr val="dk1"/>
+            </a:fontRef>
+          </p:style>
+          <p:txBody>
+            <a:bodyPr rtlCol="0" anchor="ctr"/>
+            <a:lstStyle/>
+            <a:p>
+              <a:pPr algn="ctr"/>
+              <a:r>
+                <a:rPr lang="en-GB" sz="1400" dirty="0"/>
+                <a:t>Original</a:t>
+              </a:r>
+            </a:p>
+          </p:txBody>
+        </p:sp>
+        <p:sp>
+          <p:nvSpPr>
+            <p:cNvPr id="11" name="Rettangolo con angoli arrotondati 10">
+              <a:extLst>
+                <a:ext uri="{FF2B5EF4-FFF2-40B4-BE49-F238E27FC236}">
+                  <a16:creationId xmlns:a16="http://schemas.microsoft.com/office/drawing/2014/main" id="{9DF5F9D8-50B0-FE48-A1AE-BE98DCDEF230}"/>
+                </a:ext>
+              </a:extLst>
+            </p:cNvPr>
+            <p:cNvSpPr/>
+            <p:nvPr/>
+          </p:nvSpPr>
+          <p:spPr>
+            <a:xfrm>
+              <a:off x="11021514" y="1812745"/>
+              <a:ext cx="989373" cy="254258"/>
+            </a:xfrm>
+            <a:prstGeom prst="roundRect">
+              <a:avLst/>
+            </a:prstGeom>
+          </p:spPr>
+          <p:style>
+            <a:lnRef idx="1">
+              <a:schemeClr val="accent4"/>
+            </a:lnRef>
+            <a:fillRef idx="2">
+              <a:schemeClr val="accent4"/>
+            </a:fillRef>
+            <a:effectRef idx="1">
+              <a:schemeClr val="accent4"/>
+            </a:effectRef>
+            <a:fontRef idx="minor">
+              <a:schemeClr val="dk1"/>
+            </a:fontRef>
+          </p:style>
+          <p:txBody>
+            <a:bodyPr rtlCol="0" anchor="ctr"/>
+            <a:lstStyle/>
+            <a:p>
+              <a:pPr algn="ctr"/>
+              <a:r>
+                <a:rPr lang="en-GB" sz="1400" dirty="0"/>
+                <a:t>Filtered</a:t>
+              </a:r>
+            </a:p>
+          </p:txBody>
+        </p:sp>
+      </p:grpSp>
+      <p:pic>
+        <p:nvPicPr>
+          <p:cNvPr id="19" name="Immagine 18">
+            <a:extLst>
+              <a:ext uri="{FF2B5EF4-FFF2-40B4-BE49-F238E27FC236}">
+                <a16:creationId xmlns:a16="http://schemas.microsoft.com/office/drawing/2014/main" id="{40B79C91-62E5-0C5B-CE4A-606545212492}"/>
+              </a:ext>
+            </a:extLst>
+          </p:cNvPr>
+          <p:cNvPicPr>
+            <a:picLocks noChangeAspect="1"/>
+          </p:cNvPicPr>
+          <p:nvPr/>
+        </p:nvPicPr>
+        <p:blipFill>
+          <a:blip r:embed="rId6">
+            <a:extLst>
+              <a:ext uri="{28A0092B-C50C-407E-A947-70E740481C1C}">
+                <a14:useLocalDpi xmlns:a14="http://schemas.microsoft.com/office/drawing/2010/main" val="0"/>
+              </a:ext>
+            </a:extLst>
+          </a:blip>
+          <a:srcRect/>
+          <a:stretch/>
+        </p:blipFill>
+        <p:spPr>
+          <a:xfrm>
+            <a:off x="5303511" y="1778569"/>
+            <a:ext cx="5401067" cy="3575311"/>
+          </a:xfrm>
+          <a:prstGeom prst="rect">
+            <a:avLst/>
+          </a:prstGeom>
+        </p:spPr>
+      </p:pic>
+      <p:grpSp>
+        <p:nvGrpSpPr>
+          <p:cNvPr id="25" name="Gruppo 24">
+            <a:extLst>
+              <a:ext uri="{FF2B5EF4-FFF2-40B4-BE49-F238E27FC236}">
+                <a16:creationId xmlns:a16="http://schemas.microsoft.com/office/drawing/2014/main" id="{531B6AB0-2816-C257-C709-83DAB1F6D169}"/>
+              </a:ext>
+            </a:extLst>
+          </p:cNvPr>
+          <p:cNvGrpSpPr/>
+          <p:nvPr/>
+        </p:nvGrpSpPr>
+        <p:grpSpPr>
+          <a:xfrm>
+            <a:off x="4901180" y="1504120"/>
+            <a:ext cx="6437376" cy="4776042"/>
+            <a:chOff x="4745736" y="1504120"/>
+            <a:chExt cx="6437376" cy="4776042"/>
+          </a:xfrm>
+        </p:grpSpPr>
+        <p:pic>
+          <p:nvPicPr>
+            <p:cNvPr id="29" name="Immagine 28">
+              <a:extLst>
+                <a:ext uri="{FF2B5EF4-FFF2-40B4-BE49-F238E27FC236}">
+                  <a16:creationId xmlns:a16="http://schemas.microsoft.com/office/drawing/2014/main" id="{BD7FFBA4-1A7F-2234-6E0C-C3488CCF5BE3}"/>
+                </a:ext>
+              </a:extLst>
+            </p:cNvPr>
+            <p:cNvPicPr>
+              <a:picLocks noChangeAspect="1"/>
+            </p:cNvPicPr>
+            <p:nvPr/>
+          </p:nvPicPr>
+          <p:blipFill>
+            <a:blip r:embed="rId7">
+              <a:extLst>
+                <a:ext uri="{28A0092B-C50C-407E-A947-70E740481C1C}">
+                  <a14:useLocalDpi xmlns:a14="http://schemas.microsoft.com/office/drawing/2010/main" val="0"/>
+                </a:ext>
+              </a:extLst>
+            </a:blip>
+            <a:srcRect/>
+            <a:stretch/>
+          </p:blipFill>
+          <p:spPr>
+            <a:xfrm>
+              <a:off x="4857809" y="1504120"/>
+              <a:ext cx="2781182" cy="2388021"/>
+            </a:xfrm>
+            <a:prstGeom prst="rect">
+              <a:avLst/>
+            </a:prstGeom>
+          </p:spPr>
+        </p:pic>
+        <p:pic>
+          <p:nvPicPr>
+            <p:cNvPr id="30" name="Immagine 29">
+              <a:extLst>
+                <a:ext uri="{FF2B5EF4-FFF2-40B4-BE49-F238E27FC236}">
+                  <a16:creationId xmlns:a16="http://schemas.microsoft.com/office/drawing/2014/main" id="{C4C3F84E-00A4-E6C7-09AA-E11BD7797205}"/>
+                </a:ext>
+              </a:extLst>
+            </p:cNvPr>
+            <p:cNvPicPr>
+              <a:picLocks noChangeAspect="1"/>
+            </p:cNvPicPr>
+            <p:nvPr/>
+          </p:nvPicPr>
+          <p:blipFill>
+            <a:blip r:embed="rId8">
+              <a:extLst>
+                <a:ext uri="{28A0092B-C50C-407E-A947-70E740481C1C}">
+                  <a14:useLocalDpi xmlns:a14="http://schemas.microsoft.com/office/drawing/2010/main" val="0"/>
+                </a:ext>
+              </a:extLst>
+            </a:blip>
+            <a:srcRect l="-297" t="1345" r="297" b="20143"/>
+            <a:stretch/>
+          </p:blipFill>
+          <p:spPr>
+            <a:xfrm>
+              <a:off x="7905111" y="1504121"/>
+              <a:ext cx="3204221" cy="2077280"/>
+            </a:xfrm>
+            <a:prstGeom prst="rect">
+              <a:avLst/>
+            </a:prstGeom>
+          </p:spPr>
+        </p:pic>
+        <p:pic>
+          <p:nvPicPr>
+            <p:cNvPr id="31" name="Immagine 30">
+              <a:extLst>
+                <a:ext uri="{FF2B5EF4-FFF2-40B4-BE49-F238E27FC236}">
+                  <a16:creationId xmlns:a16="http://schemas.microsoft.com/office/drawing/2014/main" id="{B3D667F9-B884-005F-7900-E3F233666A6B}"/>
+                </a:ext>
+              </a:extLst>
+            </p:cNvPr>
+            <p:cNvPicPr>
+              <a:picLocks noChangeAspect="1"/>
+            </p:cNvPicPr>
+            <p:nvPr/>
+          </p:nvPicPr>
+          <p:blipFill>
+            <a:blip r:embed="rId9">
+              <a:extLst>
+                <a:ext uri="{28A0092B-C50C-407E-A947-70E740481C1C}">
+                  <a14:useLocalDpi xmlns:a14="http://schemas.microsoft.com/office/drawing/2010/main" val="0"/>
+                </a:ext>
+              </a:extLst>
+            </a:blip>
+            <a:srcRect/>
+            <a:stretch/>
+          </p:blipFill>
+          <p:spPr>
+            <a:xfrm>
+              <a:off x="4857809" y="3892142"/>
+              <a:ext cx="2781181" cy="2388020"/>
+            </a:xfrm>
+            <a:prstGeom prst="rect">
+              <a:avLst/>
+            </a:prstGeom>
+          </p:spPr>
+        </p:pic>
+        <p:pic>
+          <p:nvPicPr>
+            <p:cNvPr id="32" name="Immagine 31">
+              <a:extLst>
+                <a:ext uri="{FF2B5EF4-FFF2-40B4-BE49-F238E27FC236}">
+                  <a16:creationId xmlns:a16="http://schemas.microsoft.com/office/drawing/2014/main" id="{EFD418C5-28B3-A0EB-ECA7-CA6C78D6C9AA}"/>
+                </a:ext>
+              </a:extLst>
+            </p:cNvPr>
+            <p:cNvPicPr>
+              <a:picLocks noChangeAspect="1"/>
+            </p:cNvPicPr>
+            <p:nvPr/>
+          </p:nvPicPr>
+          <p:blipFill>
+            <a:blip r:embed="rId10">
+              <a:extLst>
+                <a:ext uri="{28A0092B-C50C-407E-A947-70E740481C1C}">
+                  <a14:useLocalDpi xmlns:a14="http://schemas.microsoft.com/office/drawing/2010/main" val="0"/>
+                </a:ext>
+              </a:extLst>
+            </a:blip>
+            <a:srcRect t="-1493" b="15289"/>
+            <a:stretch/>
+          </p:blipFill>
+          <p:spPr>
+            <a:xfrm>
+              <a:off x="7905111" y="3892142"/>
+              <a:ext cx="3204221" cy="2077280"/>
+            </a:xfrm>
+            <a:prstGeom prst="rect">
+              <a:avLst/>
+            </a:prstGeom>
+          </p:spPr>
+        </p:pic>
+        <p:cxnSp>
+          <p:nvCxnSpPr>
+            <p:cNvPr id="33" name="Connettore diritto 32">
+              <a:extLst>
+                <a:ext uri="{FF2B5EF4-FFF2-40B4-BE49-F238E27FC236}">
+                  <a16:creationId xmlns:a16="http://schemas.microsoft.com/office/drawing/2014/main" id="{72696466-D313-C1A2-A39E-7BD5821B728A}"/>
+                </a:ext>
+              </a:extLst>
+            </p:cNvPr>
+            <p:cNvCxnSpPr/>
+            <p:nvPr/>
+          </p:nvCxnSpPr>
+          <p:spPr>
+            <a:xfrm>
+              <a:off x="4745736" y="3892142"/>
+              <a:ext cx="6437376" cy="0"/>
+            </a:xfrm>
+            <a:prstGeom prst="line">
+              <a:avLst/>
+            </a:prstGeom>
+          </p:spPr>
+          <p:style>
+            <a:lnRef idx="3">
+              <a:schemeClr val="dk1"/>
+            </a:lnRef>
+            <a:fillRef idx="0">
+              <a:schemeClr val="dk1"/>
+            </a:fillRef>
+            <a:effectRef idx="2">
+              <a:schemeClr val="dk1"/>
+            </a:effectRef>
+            <a:fontRef idx="minor">
+              <a:schemeClr val="tx1"/>
+            </a:fontRef>
+          </p:style>
+        </p:cxnSp>
+      </p:grpSp>
+    </p:spTree>
+    <p:extLst>
+      <p:ext uri="{BB962C8B-B14F-4D97-AF65-F5344CB8AC3E}">
+        <p14:creationId xmlns:p14="http://schemas.microsoft.com/office/powerpoint/2010/main" val="3905085748"/>
+      </p:ext>
+    </p:extLst>
+  </p:cSld>
+  <p:clrMapOvr>
+    <a:masterClrMapping/>
+  </p:clrMapOvr>
+  <p:timing>
+    <p:tnLst>
+      <p:par>
+        <p:cTn id="1" dur="indefinite" restart="never" nodeType="tmRoot">
+          <p:childTnLst>
+            <p:seq concurrent="1" nextAc="seek">
+              <p:cTn id="2" dur="indefinite" nodeType="mainSeq">
+                <p:childTnLst>
+                  <p:par>
+                    <p:cTn id="3" fill="hold">
+                      <p:stCondLst>
+                        <p:cond delay="indefinite"/>
+                      </p:stCondLst>
+                      <p:childTnLst>
+                        <p:par>
+                          <p:cTn id="4" fill="hold">
+                            <p:stCondLst>
+                              <p:cond delay="0"/>
+                            </p:stCondLst>
+                            <p:childTnLst>
+                              <p:par>
+                                <p:cTn id="5" presetID="2" presetClass="entr" presetSubtype="4" fill="hold" nodeType="clickEffect">
+                                  <p:stCondLst>
+                                    <p:cond delay="0"/>
+                                  </p:stCondLst>
+                                  <p:childTnLst>
+                                    <p:set>
+                                      <p:cBhvr>
+                                        <p:cTn id="6" dur="1" fill="hold">
+                                          <p:stCondLst>
+                                            <p:cond delay="0"/>
+                                          </p:stCondLst>
+                                        </p:cTn>
+                                        <p:tgtEl>
+                                          <p:spTgt spid="15">
+                                            <p:txEl>
+                                              <p:pRg st="2" end="2"/>
+                                            </p:txEl>
+                                          </p:spTgt>
+                                        </p:tgtEl>
+                                        <p:attrNameLst>
+                                          <p:attrName>style.visibility</p:attrName>
+                                        </p:attrNameLst>
+                                      </p:cBhvr>
+                                      <p:to>
+                                        <p:strVal val="visible"/>
+                                      </p:to>
+                                    </p:set>
+                                    <p:anim calcmode="lin" valueType="num">
+                                      <p:cBhvr additive="base">
+                                        <p:cTn id="7" dur="500" fill="hold"/>
+                                        <p:tgtEl>
+                                          <p:spTgt spid="15">
+                                            <p:txEl>
+                                              <p:pRg st="2" end="2"/>
+                                            </p:txEl>
+                                          </p:spTgt>
+                                        </p:tgtEl>
+                                        <p:attrNameLst>
+                                          <p:attrName>ppt_x</p:attrName>
+                                        </p:attrNameLst>
+                                      </p:cBhvr>
+                                      <p:tavLst>
+                                        <p:tav tm="0">
+                                          <p:val>
+                                            <p:strVal val="#ppt_x"/>
+                                          </p:val>
+                                        </p:tav>
+                                        <p:tav tm="100000">
+                                          <p:val>
+                                            <p:strVal val="#ppt_x"/>
+                                          </p:val>
+                                        </p:tav>
+                                      </p:tavLst>
+                                    </p:anim>
+                                    <p:anim calcmode="lin" valueType="num">
+                                      <p:cBhvr additive="base">
+                                        <p:cTn id="8" dur="500" fill="hold"/>
+                                        <p:tgtEl>
+                                          <p:spTgt spid="15">
+                                            <p:txEl>
+                                              <p:pRg st="2" end="2"/>
+                                            </p:txEl>
+                                          </p:spTgt>
+                                        </p:tgtEl>
+                                        <p:attrNameLst>
+                                          <p:attrName>ppt_y</p:attrName>
+                                        </p:attrNameLst>
+                                      </p:cBhvr>
+                                      <p:tavLst>
+                                        <p:tav tm="0">
+                                          <p:val>
+                                            <p:strVal val="1+#ppt_h/2"/>
+                                          </p:val>
+                                        </p:tav>
+                                        <p:tav tm="100000">
+                                          <p:val>
+                                            <p:strVal val="#ppt_y"/>
+                                          </p:val>
+                                        </p:tav>
+                                      </p:tavLst>
+                                    </p:anim>
+                                  </p:childTnLst>
+                                </p:cTn>
+                              </p:par>
+                              <p:par>
+                                <p:cTn id="9" presetID="6" presetClass="entr" presetSubtype="32" fill="hold" nodeType="withEffect">
+                                  <p:stCondLst>
+                                    <p:cond delay="0"/>
+                                  </p:stCondLst>
+                                  <p:childTnLst>
+                                    <p:set>
+                                      <p:cBhvr>
+                                        <p:cTn id="10" dur="1" fill="hold">
+                                          <p:stCondLst>
+                                            <p:cond delay="0"/>
+                                          </p:stCondLst>
+                                        </p:cTn>
+                                        <p:tgtEl>
+                                          <p:spTgt spid="14"/>
+                                        </p:tgtEl>
+                                        <p:attrNameLst>
+                                          <p:attrName>style.visibility</p:attrName>
+                                        </p:attrNameLst>
+                                      </p:cBhvr>
+                                      <p:to>
+                                        <p:strVal val="visible"/>
+                                      </p:to>
+                                    </p:set>
+                                    <p:animEffect transition="in" filter="circle(out)">
+                                      <p:cBhvr>
+                                        <p:cTn id="11" dur="500"/>
+                                        <p:tgtEl>
+                                          <p:spTgt spid="14"/>
+                                        </p:tgtEl>
+                                      </p:cBhvr>
+                                    </p:animEffect>
+                                  </p:childTnLst>
+                                </p:cTn>
+                              </p:par>
+                            </p:childTnLst>
+                          </p:cTn>
+                        </p:par>
+                      </p:childTnLst>
+                    </p:cTn>
+                  </p:par>
+                  <p:par>
+                    <p:cTn id="12" fill="hold">
+                      <p:stCondLst>
+                        <p:cond delay="indefinite"/>
+                      </p:stCondLst>
+                      <p:childTnLst>
+                        <p:par>
+                          <p:cTn id="13" fill="hold">
+                            <p:stCondLst>
+                              <p:cond delay="0"/>
+                            </p:stCondLst>
+                            <p:childTnLst>
+                              <p:par>
+                                <p:cTn id="14" presetID="2" presetClass="entr" presetSubtype="4" fill="hold" nodeType="clickEffect">
+                                  <p:stCondLst>
+                                    <p:cond delay="0"/>
+                                  </p:stCondLst>
+                                  <p:childTnLst>
+                                    <p:set>
+                                      <p:cBhvr>
+                                        <p:cTn id="15" dur="1" fill="hold">
+                                          <p:stCondLst>
+                                            <p:cond delay="0"/>
+                                          </p:stCondLst>
+                                        </p:cTn>
+                                        <p:tgtEl>
+                                          <p:spTgt spid="15">
+                                            <p:txEl>
+                                              <p:pRg st="3" end="3"/>
+                                            </p:txEl>
+                                          </p:spTgt>
+                                        </p:tgtEl>
+                                        <p:attrNameLst>
+                                          <p:attrName>style.visibility</p:attrName>
+                                        </p:attrNameLst>
+                                      </p:cBhvr>
+                                      <p:to>
+                                        <p:strVal val="visible"/>
+                                      </p:to>
+                                    </p:set>
+                                    <p:anim calcmode="lin" valueType="num">
+                                      <p:cBhvr additive="base">
+                                        <p:cTn id="16" dur="500" fill="hold"/>
+                                        <p:tgtEl>
+                                          <p:spTgt spid="15">
+                                            <p:txEl>
+                                              <p:pRg st="3" end="3"/>
+                                            </p:txEl>
+                                          </p:spTgt>
+                                        </p:tgtEl>
+                                        <p:attrNameLst>
+                                          <p:attrName>ppt_x</p:attrName>
+                                        </p:attrNameLst>
+                                      </p:cBhvr>
+                                      <p:tavLst>
+                                        <p:tav tm="0">
+                                          <p:val>
+                                            <p:strVal val="#ppt_x"/>
+                                          </p:val>
+                                        </p:tav>
+                                        <p:tav tm="100000">
+                                          <p:val>
+                                            <p:strVal val="#ppt_x"/>
+                                          </p:val>
+                                        </p:tav>
+                                      </p:tavLst>
+                                    </p:anim>
+                                    <p:anim calcmode="lin" valueType="num">
+                                      <p:cBhvr additive="base">
+                                        <p:cTn id="17" dur="500" fill="hold"/>
+                                        <p:tgtEl>
+                                          <p:spTgt spid="15">
+                                            <p:txEl>
+                                              <p:pRg st="3" end="3"/>
+                                            </p:txEl>
+                                          </p:spTgt>
+                                        </p:tgtEl>
+                                        <p:attrNameLst>
+                                          <p:attrName>ppt_y</p:attrName>
+                                        </p:attrNameLst>
+                                      </p:cBhvr>
+                                      <p:tavLst>
+                                        <p:tav tm="0">
+                                          <p:val>
+                                            <p:strVal val="1+#ppt_h/2"/>
+                                          </p:val>
+                                        </p:tav>
+                                        <p:tav tm="100000">
+                                          <p:val>
+                                            <p:strVal val="#ppt_y"/>
+                                          </p:val>
+                                        </p:tav>
+                                      </p:tavLst>
+                                    </p:anim>
+                                  </p:childTnLst>
+                                </p:cTn>
+                              </p:par>
+                            </p:childTnLst>
+                          </p:cTn>
+                        </p:par>
+                        <p:par>
+                          <p:cTn id="18" fill="hold">
+                            <p:stCondLst>
+                              <p:cond delay="500"/>
+                            </p:stCondLst>
+                            <p:childTnLst>
+                              <p:par>
+                                <p:cTn id="19" presetID="10" presetClass="exit" presetSubtype="0" fill="hold" nodeType="afterEffect">
+                                  <p:stCondLst>
+                                    <p:cond delay="0"/>
+                                  </p:stCondLst>
+                                  <p:childTnLst>
+                                    <p:animEffect transition="out" filter="fade">
+                                      <p:cBhvr>
+                                        <p:cTn id="20" dur="500"/>
+                                        <p:tgtEl>
+                                          <p:spTgt spid="14"/>
+                                        </p:tgtEl>
+                                      </p:cBhvr>
+                                    </p:animEffect>
+                                    <p:set>
+                                      <p:cBhvr>
+                                        <p:cTn id="21" dur="1" fill="hold">
+                                          <p:stCondLst>
+                                            <p:cond delay="499"/>
+                                          </p:stCondLst>
+                                        </p:cTn>
+                                        <p:tgtEl>
+                                          <p:spTgt spid="14"/>
+                                        </p:tgtEl>
+                                        <p:attrNameLst>
+                                          <p:attrName>style.visibility</p:attrName>
+                                        </p:attrNameLst>
+                                      </p:cBhvr>
+                                      <p:to>
+                                        <p:strVal val="hidden"/>
+                                      </p:to>
+                                    </p:set>
+                                  </p:childTnLst>
+                                </p:cTn>
+                              </p:par>
+                            </p:childTnLst>
+                          </p:cTn>
+                        </p:par>
+                        <p:par>
+                          <p:cTn id="22" fill="hold">
+                            <p:stCondLst>
+                              <p:cond delay="1000"/>
+                            </p:stCondLst>
+                            <p:childTnLst>
+                              <p:par>
+                                <p:cTn id="23" presetID="6" presetClass="entr" presetSubtype="32" fill="hold" nodeType="afterEffect">
+                                  <p:stCondLst>
+                                    <p:cond delay="0"/>
+                                  </p:stCondLst>
+                                  <p:childTnLst>
+                                    <p:set>
+                                      <p:cBhvr>
+                                        <p:cTn id="24" dur="1" fill="hold">
+                                          <p:stCondLst>
+                                            <p:cond delay="0"/>
+                                          </p:stCondLst>
+                                        </p:cTn>
+                                        <p:tgtEl>
+                                          <p:spTgt spid="12"/>
+                                        </p:tgtEl>
+                                        <p:attrNameLst>
+                                          <p:attrName>style.visibility</p:attrName>
+                                        </p:attrNameLst>
+                                      </p:cBhvr>
+                                      <p:to>
+                                        <p:strVal val="visible"/>
+                                      </p:to>
+                                    </p:set>
+                                    <p:animEffect transition="in" filter="circle(out)">
+                                      <p:cBhvr>
+                                        <p:cTn id="25" dur="500"/>
+                                        <p:tgtEl>
+                                          <p:spTgt spid="12"/>
+                                        </p:tgtEl>
+                                      </p:cBhvr>
+                                    </p:animEffect>
+                                  </p:childTnLst>
+                                </p:cTn>
+                              </p:par>
+                            </p:childTnLst>
+                          </p:cTn>
+                        </p:par>
+                      </p:childTnLst>
+                    </p:cTn>
+                  </p:par>
+                  <p:par>
+                    <p:cTn id="26" fill="hold">
+                      <p:stCondLst>
+                        <p:cond delay="indefinite"/>
+                      </p:stCondLst>
+                      <p:childTnLst>
+                        <p:par>
+                          <p:cTn id="27" fill="hold">
+                            <p:stCondLst>
+                              <p:cond delay="0"/>
+                            </p:stCondLst>
+                            <p:childTnLst>
+                              <p:par>
+                                <p:cTn id="28" presetID="2" presetClass="entr" presetSubtype="4" fill="hold" nodeType="clickEffect">
+                                  <p:stCondLst>
+                                    <p:cond delay="0"/>
+                                  </p:stCondLst>
+                                  <p:childTnLst>
+                                    <p:set>
+                                      <p:cBhvr>
+                                        <p:cTn id="29" dur="1" fill="hold">
+                                          <p:stCondLst>
+                                            <p:cond delay="0"/>
+                                          </p:stCondLst>
+                                        </p:cTn>
+                                        <p:tgtEl>
+                                          <p:spTgt spid="15">
+                                            <p:txEl>
+                                              <p:pRg st="4" end="4"/>
+                                            </p:txEl>
+                                          </p:spTgt>
+                                        </p:tgtEl>
+                                        <p:attrNameLst>
+                                          <p:attrName>style.visibility</p:attrName>
+                                        </p:attrNameLst>
+                                      </p:cBhvr>
+                                      <p:to>
+                                        <p:strVal val="visible"/>
+                                      </p:to>
+                                    </p:set>
+                                    <p:anim calcmode="lin" valueType="num">
+                                      <p:cBhvr additive="base">
+                                        <p:cTn id="30" dur="500" fill="hold"/>
+                                        <p:tgtEl>
+                                          <p:spTgt spid="15">
+                                            <p:txEl>
+                                              <p:pRg st="4" end="4"/>
+                                            </p:txEl>
+                                          </p:spTgt>
+                                        </p:tgtEl>
+                                        <p:attrNameLst>
+                                          <p:attrName>ppt_x</p:attrName>
+                                        </p:attrNameLst>
+                                      </p:cBhvr>
+                                      <p:tavLst>
+                                        <p:tav tm="0">
+                                          <p:val>
+                                            <p:strVal val="#ppt_x"/>
+                                          </p:val>
+                                        </p:tav>
+                                        <p:tav tm="100000">
+                                          <p:val>
+                                            <p:strVal val="#ppt_x"/>
+                                          </p:val>
+                                        </p:tav>
+                                      </p:tavLst>
+                                    </p:anim>
+                                    <p:anim calcmode="lin" valueType="num">
+                                      <p:cBhvr additive="base">
+                                        <p:cTn id="31" dur="500" fill="hold"/>
+                                        <p:tgtEl>
+                                          <p:spTgt spid="15">
+                                            <p:txEl>
+                                              <p:pRg st="4" end="4"/>
+                                            </p:txEl>
+                                          </p:spTgt>
+                                        </p:tgtEl>
+                                        <p:attrNameLst>
+                                          <p:attrName>ppt_y</p:attrName>
+                                        </p:attrNameLst>
+                                      </p:cBhvr>
+                                      <p:tavLst>
+                                        <p:tav tm="0">
+                                          <p:val>
+                                            <p:strVal val="1+#ppt_h/2"/>
+                                          </p:val>
+                                        </p:tav>
+                                        <p:tav tm="100000">
+                                          <p:val>
+                                            <p:strVal val="#ppt_y"/>
+                                          </p:val>
+                                        </p:tav>
+                                      </p:tavLst>
+                                    </p:anim>
+                                  </p:childTnLst>
+                                </p:cTn>
+                              </p:par>
+                            </p:childTnLst>
+                          </p:cTn>
+                        </p:par>
+                      </p:childTnLst>
+                    </p:cTn>
+                  </p:par>
+                  <p:par>
+                    <p:cTn id="32" fill="hold">
+                      <p:stCondLst>
+                        <p:cond delay="indefinite"/>
+                      </p:stCondLst>
+                      <p:childTnLst>
+                        <p:par>
+                          <p:cTn id="33" fill="hold">
+                            <p:stCondLst>
+                              <p:cond delay="0"/>
+                            </p:stCondLst>
+                            <p:childTnLst>
+                              <p:par>
+                                <p:cTn id="34" presetID="2" presetClass="entr" presetSubtype="4" fill="hold" nodeType="clickEffect">
+                                  <p:stCondLst>
+                                    <p:cond delay="0"/>
+                                  </p:stCondLst>
+                                  <p:childTnLst>
+                                    <p:set>
+                                      <p:cBhvr>
+                                        <p:cTn id="35" dur="1" fill="hold">
+                                          <p:stCondLst>
+                                            <p:cond delay="0"/>
+                                          </p:stCondLst>
+                                        </p:cTn>
+                                        <p:tgtEl>
+                                          <p:spTgt spid="15">
+                                            <p:txEl>
+                                              <p:pRg st="6" end="6"/>
+                                            </p:txEl>
+                                          </p:spTgt>
+                                        </p:tgtEl>
+                                        <p:attrNameLst>
+                                          <p:attrName>style.visibility</p:attrName>
+                                        </p:attrNameLst>
+                                      </p:cBhvr>
+                                      <p:to>
+                                        <p:strVal val="visible"/>
+                                      </p:to>
+                                    </p:set>
+                                    <p:anim calcmode="lin" valueType="num">
+                                      <p:cBhvr additive="base">
+                                        <p:cTn id="36" dur="500" fill="hold"/>
+                                        <p:tgtEl>
+                                          <p:spTgt spid="15">
+                                            <p:txEl>
+                                              <p:pRg st="6" end="6"/>
+                                            </p:txEl>
+                                          </p:spTgt>
+                                        </p:tgtEl>
+                                        <p:attrNameLst>
+                                          <p:attrName>ppt_x</p:attrName>
+                                        </p:attrNameLst>
+                                      </p:cBhvr>
+                                      <p:tavLst>
+                                        <p:tav tm="0">
+                                          <p:val>
+                                            <p:strVal val="#ppt_x"/>
+                                          </p:val>
+                                        </p:tav>
+                                        <p:tav tm="100000">
+                                          <p:val>
+                                            <p:strVal val="#ppt_x"/>
+                                          </p:val>
+                                        </p:tav>
+                                      </p:tavLst>
+                                    </p:anim>
+                                    <p:anim calcmode="lin" valueType="num">
+                                      <p:cBhvr additive="base">
+                                        <p:cTn id="37" dur="500" fill="hold"/>
+                                        <p:tgtEl>
+                                          <p:spTgt spid="15">
+                                            <p:txEl>
+                                              <p:pRg st="6" end="6"/>
+                                            </p:txEl>
+                                          </p:spTgt>
+                                        </p:tgtEl>
+                                        <p:attrNameLst>
+                                          <p:attrName>ppt_y</p:attrName>
+                                        </p:attrNameLst>
+                                      </p:cBhvr>
+                                      <p:tavLst>
+                                        <p:tav tm="0">
+                                          <p:val>
+                                            <p:strVal val="1+#ppt_h/2"/>
+                                          </p:val>
+                                        </p:tav>
+                                        <p:tav tm="100000">
+                                          <p:val>
+                                            <p:strVal val="#ppt_y"/>
+                                          </p:val>
+                                        </p:tav>
+                                      </p:tavLst>
+                                    </p:anim>
+                                  </p:childTnLst>
+                                </p:cTn>
+                              </p:par>
+                              <p:par>
+                                <p:cTn id="38" presetID="10" presetClass="exit" presetSubtype="0" fill="hold" nodeType="withEffect">
+                                  <p:stCondLst>
+                                    <p:cond delay="0"/>
+                                  </p:stCondLst>
+                                  <p:childTnLst>
+                                    <p:animEffect transition="out" filter="fade">
+                                      <p:cBhvr>
+                                        <p:cTn id="39" dur="500"/>
+                                        <p:tgtEl>
+                                          <p:spTgt spid="12"/>
+                                        </p:tgtEl>
+                                      </p:cBhvr>
+                                    </p:animEffect>
+                                    <p:set>
+                                      <p:cBhvr>
+                                        <p:cTn id="40" dur="1" fill="hold">
+                                          <p:stCondLst>
+                                            <p:cond delay="499"/>
+                                          </p:stCondLst>
+                                        </p:cTn>
+                                        <p:tgtEl>
+                                          <p:spTgt spid="12"/>
+                                        </p:tgtEl>
+                                        <p:attrNameLst>
+                                          <p:attrName>style.visibility</p:attrName>
+                                        </p:attrNameLst>
+                                      </p:cBhvr>
+                                      <p:to>
+                                        <p:strVal val="hidden"/>
+                                      </p:to>
+                                    </p:set>
+                                  </p:childTnLst>
+                                </p:cTn>
+                              </p:par>
+                            </p:childTnLst>
+                          </p:cTn>
+                        </p:par>
+                        <p:par>
+                          <p:cTn id="41" fill="hold">
+                            <p:stCondLst>
+                              <p:cond delay="500"/>
+                            </p:stCondLst>
+                            <p:childTnLst>
+                              <p:par>
+                                <p:cTn id="42" presetID="6" presetClass="entr" presetSubtype="32" fill="hold" nodeType="afterEffect">
+                                  <p:stCondLst>
+                                    <p:cond delay="0"/>
+                                  </p:stCondLst>
+                                  <p:childTnLst>
+                                    <p:set>
+                                      <p:cBhvr>
+                                        <p:cTn id="43" dur="1" fill="hold">
+                                          <p:stCondLst>
+                                            <p:cond delay="0"/>
+                                          </p:stCondLst>
+                                        </p:cTn>
+                                        <p:tgtEl>
+                                          <p:spTgt spid="19"/>
+                                        </p:tgtEl>
+                                        <p:attrNameLst>
+                                          <p:attrName>style.visibility</p:attrName>
+                                        </p:attrNameLst>
+                                      </p:cBhvr>
+                                      <p:to>
+                                        <p:strVal val="visible"/>
+                                      </p:to>
+                                    </p:set>
+                                    <p:animEffect transition="in" filter="circle(out)">
+                                      <p:cBhvr>
+                                        <p:cTn id="44" dur="500"/>
+                                        <p:tgtEl>
+                                          <p:spTgt spid="19"/>
+                                        </p:tgtEl>
+                                      </p:cBhvr>
+                                    </p:animEffect>
+                                  </p:childTnLst>
+                                </p:cTn>
+                              </p:par>
+                              <p:par>
+                                <p:cTn id="45" presetID="6" presetClass="entr" presetSubtype="32" fill="hold" nodeType="withEffect">
+                                  <p:stCondLst>
+                                    <p:cond delay="0"/>
+                                  </p:stCondLst>
+                                  <p:childTnLst>
+                                    <p:set>
+                                      <p:cBhvr>
+                                        <p:cTn id="46" dur="1" fill="hold">
+                                          <p:stCondLst>
+                                            <p:cond delay="0"/>
+                                          </p:stCondLst>
+                                        </p:cTn>
+                                        <p:tgtEl>
+                                          <p:spTgt spid="25"/>
+                                        </p:tgtEl>
+                                        <p:attrNameLst>
+                                          <p:attrName>style.visibility</p:attrName>
+                                        </p:attrNameLst>
+                                      </p:cBhvr>
+                                      <p:to>
+                                        <p:strVal val="visible"/>
+                                      </p:to>
+                                    </p:set>
+                                    <p:animEffect transition="in" filter="circle(out)">
+                                      <p:cBhvr>
+                                        <p:cTn id="47" dur="500"/>
+                                        <p:tgtEl>
+                                          <p:spTgt spid="25"/>
+                                        </p:tgtEl>
+                                      </p:cBhvr>
+                                    </p:animEffect>
+                                  </p:childTnLst>
+                                </p:cTn>
+                              </p:par>
+                            </p:childTnLst>
+                          </p:cTn>
+                        </p:par>
+                      </p:childTnLst>
+                    </p:cTn>
+                  </p:par>
+                  <p:par>
+                    <p:cTn id="48" fill="hold">
+                      <p:stCondLst>
+                        <p:cond delay="indefinite"/>
+                      </p:stCondLst>
+                      <p:childTnLst>
+                        <p:par>
+                          <p:cTn id="49" fill="hold">
+                            <p:stCondLst>
+                              <p:cond delay="0"/>
+                            </p:stCondLst>
+                            <p:childTnLst>
+                              <p:par>
+                                <p:cTn id="50" presetID="10" presetClass="entr" presetSubtype="0" fill="hold" nodeType="clickEffect">
+                                  <p:stCondLst>
+                                    <p:cond delay="0"/>
+                                  </p:stCondLst>
+                                  <p:childTnLst>
+                                    <p:set>
+                                      <p:cBhvr>
+                                        <p:cTn id="51" dur="1" fill="hold">
+                                          <p:stCondLst>
+                                            <p:cond delay="0"/>
+                                          </p:stCondLst>
+                                        </p:cTn>
+                                        <p:tgtEl>
+                                          <p:spTgt spid="15">
+                                            <p:txEl>
+                                              <p:pRg st="7" end="7"/>
+                                            </p:txEl>
+                                          </p:spTgt>
+                                        </p:tgtEl>
+                                        <p:attrNameLst>
+                                          <p:attrName>style.visibility</p:attrName>
+                                        </p:attrNameLst>
+                                      </p:cBhvr>
+                                      <p:to>
+                                        <p:strVal val="visible"/>
+                                      </p:to>
+                                    </p:set>
+                                    <p:animEffect transition="in" filter="fade">
+                                      <p:cBhvr>
+                                        <p:cTn id="52" dur="500"/>
+                                        <p:tgtEl>
+                                          <p:spTgt spid="15">
+                                            <p:txEl>
+                                              <p:pRg st="7" end="7"/>
+                                            </p:txEl>
+                                          </p:spTgt>
+                                        </p:tgtEl>
+                                      </p:cBhvr>
+                                    </p:animEffect>
+                                  </p:childTnLst>
+                                </p:cTn>
+                              </p:par>
+                            </p:childTnLst>
+                          </p:cTn>
+                        </p:par>
+                      </p:childTnLst>
+                    </p:cTn>
+                  </p:par>
+                </p:childTnLst>
+              </p:cTn>
+              <p:prevCondLst>
+                <p:cond evt="onPrev" delay="0">
+                  <p:tgtEl>
+                    <p:sldTgt/>
+                  </p:tgtEl>
+                </p:cond>
+              </p:prevCondLst>
+              <p:nextCondLst>
+                <p:cond evt="onNext" delay="0">
+                  <p:tgtEl>
+                    <p:sldTgt/>
+                  </p:tgtEl>
+                </p:cond>
+              </p:nextCondLst>
+            </p:seq>
+          </p:childTnLst>
+        </p:cTn>
+      </p:par>
+    </p:tnLst>
+  </p:timing>
 </p:sld>
 </file>
 

--- a/Documentation/5. Heuristic classifier strategy B.pptx
+++ b/Documentation/5. Heuristic classifier strategy B.pptx
@@ -227,7 +227,7 @@
           <a:p>
             <a:fld id="{1A21894F-B278-4D96-9594-A030EA633187}" type="datetimeFigureOut">
               <a:rPr lang="it-IT" smtClean="0"/>
-              <a:t>01/11/2024</a:t>
+              <a:t>02/11/2024</a:t>
             </a:fld>
             <a:endParaRPr lang="it-IT"/>
           </a:p>
@@ -4099,7 +4099,7 @@
           <a:p>
             <a:fld id="{58E4D78B-0F35-4E3B-A0B9-554BA787D8A4}" type="datetime1">
               <a:rPr lang="en-US" smtClean="0"/>
-              <a:t>11/1/2024</a:t>
+              <a:t>11/2/2024</a:t>
             </a:fld>
             <a:endParaRPr lang="en-US"/>
           </a:p>
@@ -4309,7 +4309,7 @@
           <a:p>
             <a:fld id="{604487E5-BE79-4BAC-AEB7-0CE0533B5E5C}" type="datetime1">
               <a:rPr lang="en-US" smtClean="0"/>
-              <a:t>11/1/2024</a:t>
+              <a:t>11/2/2024</a:t>
             </a:fld>
             <a:endParaRPr lang="en-US"/>
           </a:p>
@@ -4509,7 +4509,7 @@
           <a:p>
             <a:fld id="{DDA7E0CB-9E21-49FD-99A0-0CD75BBC45F4}" type="datetime1">
               <a:rPr lang="en-US" smtClean="0"/>
-              <a:t>11/1/2024</a:t>
+              <a:t>11/2/2024</a:t>
             </a:fld>
             <a:endParaRPr lang="en-US"/>
           </a:p>
@@ -4785,7 +4785,7 @@
           <a:p>
             <a:fld id="{661D7149-FE96-419A-8F67-9BD351842985}" type="datetime1">
               <a:rPr lang="en-US" smtClean="0"/>
-              <a:t>11/1/2024</a:t>
+              <a:t>11/2/2024</a:t>
             </a:fld>
             <a:endParaRPr lang="en-US"/>
           </a:p>
@@ -5053,7 +5053,7 @@
           <a:p>
             <a:fld id="{6CA97CEF-DD94-4A20-85BC-5094F3EA8887}" type="datetime1">
               <a:rPr lang="en-US" smtClean="0"/>
-              <a:t>11/1/2024</a:t>
+              <a:t>11/2/2024</a:t>
             </a:fld>
             <a:endParaRPr lang="en-US"/>
           </a:p>
@@ -5468,7 +5468,7 @@
           <a:p>
             <a:fld id="{9862EB4C-45F8-47BA-B435-B6097D61B684}" type="datetime1">
               <a:rPr lang="en-US" smtClean="0"/>
-              <a:t>11/1/2024</a:t>
+              <a:t>11/2/2024</a:t>
             </a:fld>
             <a:endParaRPr lang="en-US"/>
           </a:p>
@@ -5610,7 +5610,7 @@
           <a:p>
             <a:fld id="{FA7CD0E2-B7EC-4D81-9389-8F889EE865AB}" type="datetime1">
               <a:rPr lang="en-US" smtClean="0"/>
-              <a:t>11/1/2024</a:t>
+              <a:t>11/2/2024</a:t>
             </a:fld>
             <a:endParaRPr lang="en-US"/>
           </a:p>
@@ -5723,7 +5723,7 @@
           <a:p>
             <a:fld id="{18B47F5C-7FA0-44DA-BF82-413AB90208B7}" type="datetime1">
               <a:rPr lang="en-US" smtClean="0"/>
-              <a:t>11/1/2024</a:t>
+              <a:t>11/2/2024</a:t>
             </a:fld>
             <a:endParaRPr lang="en-US"/>
           </a:p>
@@ -6036,7 +6036,7 @@
           <a:p>
             <a:fld id="{403415A8-F8BD-47CC-8D20-53798396961D}" type="datetime1">
               <a:rPr lang="en-US" smtClean="0"/>
-              <a:t>11/1/2024</a:t>
+              <a:t>11/2/2024</a:t>
             </a:fld>
             <a:endParaRPr lang="en-US"/>
           </a:p>
@@ -6325,7 +6325,7 @@
           <a:p>
             <a:fld id="{6A12F5A1-6669-4CDD-B1B4-04FFE5C41ADE}" type="datetime1">
               <a:rPr lang="en-US" smtClean="0"/>
-              <a:t>11/1/2024</a:t>
+              <a:t>11/2/2024</a:t>
             </a:fld>
             <a:endParaRPr lang="en-US"/>
           </a:p>
@@ -6529,7 +6529,7 @@
           <a:p>
             <a:fld id="{63421662-C242-4258-8799-9F32C0D7CC75}" type="datetime1">
               <a:rPr lang="en-US" smtClean="0"/>
-              <a:t>11/1/2024</a:t>
+              <a:t>11/2/2024</a:t>
             </a:fld>
             <a:endParaRPr lang="en-US"/>
           </a:p>
@@ -12161,6 +12161,58 @@
           </a:fontRef>
         </p:style>
       </p:cxnSp>
+      <p:sp>
+        <p:nvSpPr>
+          <p:cNvPr id="3" name="Rettangolo con angoli arrotondati 2">
+            <a:extLst>
+              <a:ext uri="{FF2B5EF4-FFF2-40B4-BE49-F238E27FC236}">
+                <a16:creationId xmlns:a16="http://schemas.microsoft.com/office/drawing/2014/main" id="{D1C37B4A-104E-3987-061F-BE44F74D824C}"/>
+              </a:ext>
+            </a:extLst>
+          </p:cNvPr>
+          <p:cNvSpPr/>
+          <p:nvPr/>
+        </p:nvSpPr>
+        <p:spPr>
+          <a:xfrm>
+            <a:off x="8408231" y="5332490"/>
+            <a:ext cx="2945569" cy="950976"/>
+          </a:xfrm>
+          <a:prstGeom prst="roundRect">
+            <a:avLst/>
+          </a:prstGeom>
+        </p:spPr>
+        <p:style>
+          <a:lnRef idx="1">
+            <a:schemeClr val="accent3"/>
+          </a:lnRef>
+          <a:fillRef idx="2">
+            <a:schemeClr val="accent3"/>
+          </a:fillRef>
+          <a:effectRef idx="1">
+            <a:schemeClr val="accent3"/>
+          </a:effectRef>
+          <a:fontRef idx="minor">
+            <a:schemeClr val="dk1"/>
+          </a:fontRef>
+        </p:style>
+        <p:txBody>
+          <a:bodyPr rtlCol="0" anchor="ctr"/>
+          <a:lstStyle/>
+          <a:p>
+            <a:r>
+              <a:rPr lang="en-GB" sz="1100" dirty="0">
+                <a:solidFill>
+                  <a:schemeClr val="bg1">
+                    <a:lumMod val="50000"/>
+                  </a:schemeClr>
+                </a:solidFill>
+              </a:rPr>
+              <a:t>If train/test split is done, the threshold is evaluated one time for all. On the other hand, in case of LOPO CV, threshold is evaluated iteratively on the train set of the current iteration. See appendix 1.</a:t>
+            </a:r>
+          </a:p>
+        </p:txBody>
+      </p:sp>
     </p:spTree>
     <p:extLst>
       <p:ext uri="{BB962C8B-B14F-4D97-AF65-F5344CB8AC3E}">
@@ -15501,6 +15553,58 @@
           </a:prstGeom>
         </p:spPr>
       </p:pic>
+      <p:sp>
+        <p:nvSpPr>
+          <p:cNvPr id="3" name="Rettangolo con angoli arrotondati 2">
+            <a:extLst>
+              <a:ext uri="{FF2B5EF4-FFF2-40B4-BE49-F238E27FC236}">
+                <a16:creationId xmlns:a16="http://schemas.microsoft.com/office/drawing/2014/main" id="{E3BFB039-8997-8846-9ADF-6942D0AA8325}"/>
+              </a:ext>
+            </a:extLst>
+          </p:cNvPr>
+          <p:cNvSpPr/>
+          <p:nvPr/>
+        </p:nvSpPr>
+        <p:spPr>
+          <a:xfrm>
+            <a:off x="8431414" y="5705527"/>
+            <a:ext cx="2945569" cy="577939"/>
+          </a:xfrm>
+          <a:prstGeom prst="roundRect">
+            <a:avLst/>
+          </a:prstGeom>
+        </p:spPr>
+        <p:style>
+          <a:lnRef idx="1">
+            <a:schemeClr val="accent3"/>
+          </a:lnRef>
+          <a:fillRef idx="2">
+            <a:schemeClr val="accent3"/>
+          </a:fillRef>
+          <a:effectRef idx="1">
+            <a:schemeClr val="accent3"/>
+          </a:effectRef>
+          <a:fontRef idx="minor">
+            <a:schemeClr val="dk1"/>
+          </a:fontRef>
+        </p:style>
+        <p:txBody>
+          <a:bodyPr rtlCol="0" anchor="ctr"/>
+          <a:lstStyle/>
+          <a:p>
+            <a:r>
+              <a:rPr lang="en-GB" sz="1100" dirty="0">
+                <a:solidFill>
+                  <a:schemeClr val="bg1">
+                    <a:lumMod val="50000"/>
+                  </a:schemeClr>
+                </a:solidFill>
+              </a:rPr>
+              <a:t>The high number of misclassified MAP A signals into MAP B can be explained by looking directly at signals. See Appendix 2 for more details</a:t>
+            </a:r>
+          </a:p>
+        </p:txBody>
+      </p:sp>
     </p:spTree>
     <p:extLst>
       <p:ext uri="{BB962C8B-B14F-4D97-AF65-F5344CB8AC3E}">
@@ -21771,6 +21875,53 @@
           </a:p>
         </p:txBody>
       </p:sp>
+      <p:sp>
+        <p:nvSpPr>
+          <p:cNvPr id="3" name="Rettangolo con angoli arrotondati 2">
+            <a:extLst>
+              <a:ext uri="{FF2B5EF4-FFF2-40B4-BE49-F238E27FC236}">
+                <a16:creationId xmlns:a16="http://schemas.microsoft.com/office/drawing/2014/main" id="{38D33ABE-8AEA-73E6-7630-BE261E99518E}"/>
+              </a:ext>
+            </a:extLst>
+          </p:cNvPr>
+          <p:cNvSpPr/>
+          <p:nvPr/>
+        </p:nvSpPr>
+        <p:spPr>
+          <a:xfrm>
+            <a:off x="9810972" y="4498470"/>
+            <a:ext cx="1865376" cy="510608"/>
+          </a:xfrm>
+          <a:prstGeom prst="roundRect">
+            <a:avLst/>
+          </a:prstGeom>
+        </p:spPr>
+        <p:style>
+          <a:lnRef idx="1">
+            <a:schemeClr val="accent4"/>
+          </a:lnRef>
+          <a:fillRef idx="2">
+            <a:schemeClr val="accent4"/>
+          </a:fillRef>
+          <a:effectRef idx="1">
+            <a:schemeClr val="accent4"/>
+          </a:effectRef>
+          <a:fontRef idx="minor">
+            <a:schemeClr val="dk1"/>
+          </a:fontRef>
+        </p:style>
+        <p:txBody>
+          <a:bodyPr rtlCol="0" anchor="ctr"/>
+          <a:lstStyle/>
+          <a:p>
+            <a:pPr algn="ctr"/>
+            <a:r>
+              <a:rPr lang="en-GB" sz="1200"/>
+              <a:t>Ref trace: ECG L1 with R peak on 0.5s</a:t>
+            </a:r>
+          </a:p>
+        </p:txBody>
+      </p:sp>
       <p:grpSp>
         <p:nvGrpSpPr>
           <p:cNvPr id="28" name="Gruppo 27">
@@ -22076,6 +22227,41 @@
                                   </p:childTnLst>
                                 </p:cTn>
                               </p:par>
+                              <p:par>
+                                <p:cTn id="11" presetID="10" presetClass="exit" presetSubtype="0" fill="hold" grpId="0" nodeType="withEffect">
+                                  <p:stCondLst>
+                                    <p:cond delay="0"/>
+                                  </p:stCondLst>
+                                  <p:childTnLst>
+                                    <p:animEffect transition="out" filter="fade">
+                                      <p:cBhvr>
+                                        <p:cTn id="12" dur="500"/>
+                                        <p:tgtEl>
+                                          <p:spTgt spid="3"/>
+                                        </p:tgtEl>
+                                      </p:cBhvr>
+                                    </p:animEffect>
+                                    <p:set>
+                                      <p:cBhvr>
+                                        <p:cTn id="13" dur="1" fill="hold">
+                                          <p:stCondLst>
+                                            <p:cond delay="499"/>
+                                          </p:stCondLst>
+                                        </p:cTn>
+                                        <p:tgtEl>
+                                          <p:spTgt spid="3"/>
+                                        </p:tgtEl>
+                                        <p:attrNameLst>
+                                          <p:attrName>style.visibility</p:attrName>
+                                        </p:attrNameLst>
+                                      </p:cBhvr>
+                                      <p:to>
+                                        <p:strVal val="hidden"/>
+                                      </p:to>
+                                    </p:set>
+                                  </p:childTnLst>
+                                </p:cTn>
+                              </p:par>
                             </p:childTnLst>
                           </p:cTn>
                         </p:par>
@@ -22083,26 +22269,26 @@
                     </p:cTn>
                   </p:par>
                   <p:par>
-                    <p:cTn id="11" fill="hold">
+                    <p:cTn id="14" fill="hold">
                       <p:stCondLst>
                         <p:cond delay="indefinite"/>
                       </p:stCondLst>
                       <p:childTnLst>
                         <p:par>
-                          <p:cTn id="12" fill="hold">
+                          <p:cTn id="15" fill="hold">
                             <p:stCondLst>
                               <p:cond delay="0"/>
                             </p:stCondLst>
                             <p:childTnLst>
                               <p:par>
-                                <p:cTn id="13" presetID="2" presetClass="entr" presetSubtype="4" fill="hold" nodeType="clickEffect">
+                                <p:cTn id="16" presetID="2" presetClass="entr" presetSubtype="4" fill="hold" nodeType="clickEffect">
                                   <p:stCondLst>
                                     <p:cond delay="0"/>
                                   </p:stCondLst>
                                   <p:childTnLst>
                                     <p:set>
                                       <p:cBhvr>
-                                        <p:cTn id="14" dur="1" fill="hold">
+                                        <p:cTn id="17" dur="1" fill="hold">
                                           <p:stCondLst>
                                             <p:cond delay="0"/>
                                           </p:stCondLst>
@@ -22124,7 +22310,7 @@
                                     </p:set>
                                     <p:anim calcmode="lin" valueType="num">
                                       <p:cBhvr additive="base">
-                                        <p:cTn id="15" dur="500" fill="hold"/>
+                                        <p:cTn id="18" dur="500" fill="hold"/>
                                         <p:tgtEl>
                                           <p:spTgt spid="15">
                                             <p:txEl>
@@ -22151,7 +22337,7 @@
                                     </p:anim>
                                     <p:anim calcmode="lin" valueType="num">
                                       <p:cBhvr additive="base">
-                                        <p:cTn id="16" dur="500" fill="hold"/>
+                                        <p:cTn id="19" dur="500" fill="hold"/>
                                         <p:tgtEl>
                                           <p:spTgt spid="15">
                                             <p:txEl>
@@ -22180,14 +22366,14 @@
                                 </p:cTn>
                               </p:par>
                               <p:par>
-                                <p:cTn id="17" presetID="6" presetClass="entr" presetSubtype="32" fill="hold" nodeType="withEffect">
+                                <p:cTn id="20" presetID="6" presetClass="entr" presetSubtype="32" fill="hold" nodeType="withEffect">
                                   <p:stCondLst>
                                     <p:cond delay="0"/>
                                   </p:stCondLst>
                                   <p:childTnLst>
                                     <p:set>
                                       <p:cBhvr>
-                                        <p:cTn id="18" dur="1" fill="hold">
+                                        <p:cTn id="21" dur="1" fill="hold">
                                           <p:stCondLst>
                                             <p:cond delay="0"/>
                                           </p:stCondLst>
@@ -22205,7 +22391,7 @@
                                     </p:set>
                                     <p:animEffect transition="in" filter="circle(out)">
                                       <p:cBhvr>
-                                        <p:cTn id="19" dur="500"/>
+                                        <p:cTn id="22" dur="500"/>
                                         <p:tgtEl>
                                           <p:spTgt spid="28"/>
                                         </p:tgtEl>
@@ -22215,14 +22401,14 @@
                                 </p:cTn>
                               </p:par>
                               <p:par>
-                                <p:cTn id="20" presetID="2" presetClass="entr" presetSubtype="4" fill="hold" nodeType="withEffect">
+                                <p:cTn id="23" presetID="2" presetClass="entr" presetSubtype="4" fill="hold" nodeType="withEffect">
                                   <p:stCondLst>
                                     <p:cond delay="0"/>
                                   </p:stCondLst>
                                   <p:childTnLst>
                                     <p:set>
                                       <p:cBhvr>
-                                        <p:cTn id="21" dur="1" fill="hold">
+                                        <p:cTn id="24" dur="1" fill="hold">
                                           <p:stCondLst>
                                             <p:cond delay="0"/>
                                           </p:stCondLst>
@@ -22244,7 +22430,7 @@
                                     </p:set>
                                     <p:anim calcmode="lin" valueType="num">
                                       <p:cBhvr additive="base">
-                                        <p:cTn id="22" dur="500" fill="hold"/>
+                                        <p:cTn id="25" dur="500" fill="hold"/>
                                         <p:tgtEl>
                                           <p:spTgt spid="15">
                                             <p:txEl>
@@ -22271,7 +22457,7 @@
                                     </p:anim>
                                     <p:anim calcmode="lin" valueType="num">
                                       <p:cBhvr additive="base">
-                                        <p:cTn id="23" dur="500" fill="hold"/>
+                                        <p:cTn id="26" dur="500" fill="hold"/>
                                         <p:tgtEl>
                                           <p:spTgt spid="15">
                                             <p:txEl>
@@ -22300,14 +22486,14 @@
                                 </p:cTn>
                               </p:par>
                               <p:par>
-                                <p:cTn id="24" presetID="2" presetClass="entr" presetSubtype="4" fill="hold" nodeType="withEffect">
+                                <p:cTn id="27" presetID="2" presetClass="entr" presetSubtype="4" fill="hold" nodeType="withEffect">
                                   <p:stCondLst>
                                     <p:cond delay="0"/>
                                   </p:stCondLst>
                                   <p:childTnLst>
                                     <p:set>
                                       <p:cBhvr>
-                                        <p:cTn id="25" dur="1" fill="hold">
+                                        <p:cTn id="28" dur="1" fill="hold">
                                           <p:stCondLst>
                                             <p:cond delay="0"/>
                                           </p:stCondLst>
@@ -22329,7 +22515,7 @@
                                     </p:set>
                                     <p:anim calcmode="lin" valueType="num">
                                       <p:cBhvr additive="base">
-                                        <p:cTn id="26" dur="500" fill="hold"/>
+                                        <p:cTn id="29" dur="500" fill="hold"/>
                                         <p:tgtEl>
                                           <p:spTgt spid="15">
                                             <p:txEl>
@@ -22356,7 +22542,7 @@
                                     </p:anim>
                                     <p:anim calcmode="lin" valueType="num">
                                       <p:cBhvr additive="base">
-                                        <p:cTn id="27" dur="500" fill="hold"/>
+                                        <p:cTn id="30" dur="500" fill="hold"/>
                                         <p:tgtEl>
                                           <p:spTgt spid="15">
                                             <p:txEl>
@@ -22391,26 +22577,26 @@
                     </p:cTn>
                   </p:par>
                   <p:par>
-                    <p:cTn id="28" fill="hold">
+                    <p:cTn id="31" fill="hold">
                       <p:stCondLst>
                         <p:cond delay="indefinite"/>
                       </p:stCondLst>
                       <p:childTnLst>
                         <p:par>
-                          <p:cTn id="29" fill="hold">
+                          <p:cTn id="32" fill="hold">
                             <p:stCondLst>
                               <p:cond delay="0"/>
                             </p:stCondLst>
                             <p:childTnLst>
                               <p:par>
-                                <p:cTn id="30" presetID="2" presetClass="entr" presetSubtype="4" fill="hold" nodeType="clickEffect">
+                                <p:cTn id="33" presetID="2" presetClass="entr" presetSubtype="4" fill="hold" nodeType="clickEffect">
                                   <p:stCondLst>
                                     <p:cond delay="0"/>
                                   </p:stCondLst>
                                   <p:childTnLst>
                                     <p:set>
                                       <p:cBhvr>
-                                        <p:cTn id="31" dur="1" fill="hold">
+                                        <p:cTn id="34" dur="1" fill="hold">
                                           <p:stCondLst>
                                             <p:cond delay="0"/>
                                           </p:stCondLst>
@@ -22432,7 +22618,7 @@
                                     </p:set>
                                     <p:anim calcmode="lin" valueType="num">
                                       <p:cBhvr additive="base">
-                                        <p:cTn id="32" dur="500" fill="hold"/>
+                                        <p:cTn id="35" dur="500" fill="hold"/>
                                         <p:tgtEl>
                                           <p:spTgt spid="15">
                                             <p:txEl>
@@ -22459,7 +22645,7 @@
                                     </p:anim>
                                     <p:anim calcmode="lin" valueType="num">
                                       <p:cBhvr additive="base">
-                                        <p:cTn id="33" dur="500" fill="hold"/>
+                                        <p:cTn id="36" dur="500" fill="hold"/>
                                         <p:tgtEl>
                                           <p:spTgt spid="15">
                                             <p:txEl>
@@ -22514,6 +22700,9 @@
         </p:cTn>
       </p:par>
     </p:tnLst>
+    <p:bldLst>
+      <p:bldP spid="3" grpId="0" animBg="1"/>
+    </p:bldLst>
   </p:timing>
 </p:sld>
 </file>
@@ -23290,7 +23479,7 @@
         </p:nvGrpSpPr>
         <p:grpSpPr>
           <a:xfrm>
-            <a:off x="4901180" y="1504120"/>
+            <a:off x="4916424" y="1504120"/>
             <a:ext cx="6437376" cy="4776042"/>
             <a:chOff x="4745736" y="1504120"/>
             <a:chExt cx="6437376" cy="4776042"/>
@@ -23726,24 +23915,15 @@
                                   </p:childTnLst>
                                 </p:cTn>
                               </p:par>
-                            </p:childTnLst>
-                          </p:cTn>
-                        </p:par>
-                        <p:par>
-                          <p:cTn id="18" fill="hold">
-                            <p:stCondLst>
-                              <p:cond delay="500"/>
-                            </p:stCondLst>
-                            <p:childTnLst>
                               <p:par>
-                                <p:cTn id="19" presetID="10" presetClass="exit" presetSubtype="0" fill="hold" nodeType="afterEffect">
+                                <p:cTn id="18" presetID="10" presetClass="exit" presetSubtype="0" fill="hold" nodeType="withEffect">
                                   <p:stCondLst>
                                     <p:cond delay="0"/>
                                   </p:stCondLst>
                                   <p:childTnLst>
                                     <p:animEffect transition="out" filter="fade">
                                       <p:cBhvr>
-                                        <p:cTn id="20" dur="500"/>
+                                        <p:cTn id="19" dur="500"/>
                                         <p:tgtEl>
                                           <p:spTgt spid="14"/>
                                         </p:tgtEl>
@@ -23751,7 +23931,7 @@
                                     </p:animEffect>
                                     <p:set>
                                       <p:cBhvr>
-                                        <p:cTn id="21" dur="1" fill="hold">
+                                        <p:cTn id="20" dur="1" fill="hold">
                                           <p:stCondLst>
                                             <p:cond delay="499"/>
                                           </p:stCondLst>
@@ -23770,24 +23950,15 @@
                                   </p:childTnLst>
                                 </p:cTn>
                               </p:par>
-                            </p:childTnLst>
-                          </p:cTn>
-                        </p:par>
-                        <p:par>
-                          <p:cTn id="22" fill="hold">
-                            <p:stCondLst>
-                              <p:cond delay="1000"/>
-                            </p:stCondLst>
-                            <p:childTnLst>
                               <p:par>
-                                <p:cTn id="23" presetID="6" presetClass="entr" presetSubtype="32" fill="hold" nodeType="afterEffect">
+                                <p:cTn id="21" presetID="6" presetClass="entr" presetSubtype="32" fill="hold" nodeType="withEffect">
                                   <p:stCondLst>
                                     <p:cond delay="0"/>
                                   </p:stCondLst>
                                   <p:childTnLst>
                                     <p:set>
                                       <p:cBhvr>
-                                        <p:cTn id="24" dur="1" fill="hold">
+                                        <p:cTn id="22" dur="1" fill="hold">
                                           <p:stCondLst>
                                             <p:cond delay="0"/>
                                           </p:stCondLst>
@@ -23805,7 +23976,7 @@
                                     </p:set>
                                     <p:animEffect transition="in" filter="circle(out)">
                                       <p:cBhvr>
-                                        <p:cTn id="25" dur="500"/>
+                                        <p:cTn id="23" dur="500"/>
                                         <p:tgtEl>
                                           <p:spTgt spid="12"/>
                                         </p:tgtEl>
@@ -23821,26 +23992,26 @@
                     </p:cTn>
                   </p:par>
                   <p:par>
-                    <p:cTn id="26" fill="hold">
+                    <p:cTn id="24" fill="hold">
                       <p:stCondLst>
                         <p:cond delay="indefinite"/>
                       </p:stCondLst>
                       <p:childTnLst>
                         <p:par>
-                          <p:cTn id="27" fill="hold">
+                          <p:cTn id="25" fill="hold">
                             <p:stCondLst>
                               <p:cond delay="0"/>
                             </p:stCondLst>
                             <p:childTnLst>
                               <p:par>
-                                <p:cTn id="28" presetID="2" presetClass="entr" presetSubtype="4" fill="hold" nodeType="clickEffect">
+                                <p:cTn id="26" presetID="2" presetClass="entr" presetSubtype="4" fill="hold" nodeType="clickEffect">
                                   <p:stCondLst>
                                     <p:cond delay="0"/>
                                   </p:stCondLst>
                                   <p:childTnLst>
                                     <p:set>
                                       <p:cBhvr>
-                                        <p:cTn id="29" dur="1" fill="hold">
+                                        <p:cTn id="27" dur="1" fill="hold">
                                           <p:stCondLst>
                                             <p:cond delay="0"/>
                                           </p:stCondLst>
@@ -23862,7 +24033,7 @@
                                     </p:set>
                                     <p:anim calcmode="lin" valueType="num">
                                       <p:cBhvr additive="base">
-                                        <p:cTn id="30" dur="500" fill="hold"/>
+                                        <p:cTn id="28" dur="500" fill="hold"/>
                                         <p:tgtEl>
                                           <p:spTgt spid="15">
                                             <p:txEl>
@@ -23889,7 +24060,7 @@
                                     </p:anim>
                                     <p:anim calcmode="lin" valueType="num">
                                       <p:cBhvr additive="base">
-                                        <p:cTn id="31" dur="500" fill="hold"/>
+                                        <p:cTn id="29" dur="500" fill="hold"/>
                                         <p:tgtEl>
                                           <p:spTgt spid="15">
                                             <p:txEl>
@@ -23917,6 +24088,76 @@
                                   </p:childTnLst>
                                 </p:cTn>
                               </p:par>
+                              <p:par>
+                                <p:cTn id="30" presetID="10" presetClass="exit" presetSubtype="0" fill="hold" nodeType="withEffect">
+                                  <p:stCondLst>
+                                    <p:cond delay="0"/>
+                                  </p:stCondLst>
+                                  <p:childTnLst>
+                                    <p:animEffect transition="out" filter="fade">
+                                      <p:cBhvr>
+                                        <p:cTn id="31" dur="500"/>
+                                        <p:tgtEl>
+                                          <p:spTgt spid="12"/>
+                                        </p:tgtEl>
+                                      </p:cBhvr>
+                                    </p:animEffect>
+                                    <p:set>
+                                      <p:cBhvr>
+                                        <p:cTn id="32" dur="1" fill="hold">
+                                          <p:stCondLst>
+                                            <p:cond delay="499"/>
+                                          </p:stCondLst>
+                                        </p:cTn>
+                                        <p:tgtEl>
+                                          <p:spTgt spid="12"/>
+                                        </p:tgtEl>
+                                        <p:attrNameLst>
+                                          <p:attrName>style.visibility</p:attrName>
+                                        </p:attrNameLst>
+                                      </p:cBhvr>
+                                      <p:to>
+                                        <p:strVal val="hidden"/>
+                                      </p:to>
+                                    </p:set>
+                                  </p:childTnLst>
+                                </p:cTn>
+                              </p:par>
+                              <p:par>
+                                <p:cTn id="33" presetID="6" presetClass="entr" presetSubtype="32" fill="hold" nodeType="withEffect">
+                                  <p:stCondLst>
+                                    <p:cond delay="0"/>
+                                  </p:stCondLst>
+                                  <p:childTnLst>
+                                    <p:set>
+                                      <p:cBhvr>
+                                        <p:cTn id="34" dur="1" fill="hold">
+                                          <p:stCondLst>
+                                            <p:cond delay="0"/>
+                                          </p:stCondLst>
+                                        </p:cTn>
+                                        <p:tgtEl>
+                                          <p:spTgt spid="19"/>
+                                        </p:tgtEl>
+                                        <p:attrNameLst>
+                                          <p:attrName>style.visibility</p:attrName>
+                                        </p:attrNameLst>
+                                      </p:cBhvr>
+                                      <p:to>
+                                        <p:strVal val="visible"/>
+                                      </p:to>
+                                    </p:set>
+                                    <p:animEffect transition="in" filter="circle(out)">
+                                      <p:cBhvr>
+                                        <p:cTn id="35" dur="500"/>
+                                        <p:tgtEl>
+                                          <p:spTgt spid="19"/>
+                                        </p:tgtEl>
+                                      </p:cBhvr>
+                                    </p:animEffect>
+                                  </p:childTnLst>
+                                </p:cTn>
+                              </p:par>
                             </p:childTnLst>
                           </p:cTn>
                         </p:par>
@@ -23924,26 +24165,26 @@
                     </p:cTn>
                   </p:par>
                   <p:par>
-                    <p:cTn id="32" fill="hold">
+                    <p:cTn id="36" fill="hold">
                       <p:stCondLst>
                         <p:cond delay="indefinite"/>
                       </p:stCondLst>
                       <p:childTnLst>
                         <p:par>
-                          <p:cTn id="33" fill="hold">
+                          <p:cTn id="37" fill="hold">
                             <p:stCondLst>
                               <p:cond delay="0"/>
                             </p:stCondLst>
                             <p:childTnLst>
                               <p:par>
-                                <p:cTn id="34" presetID="2" presetClass="entr" presetSubtype="4" fill="hold" nodeType="clickEffect">
+                                <p:cTn id="38" presetID="2" presetClass="entr" presetSubtype="4" fill="hold" nodeType="clickEffect">
                                   <p:stCondLst>
                                     <p:cond delay="0"/>
                                   </p:stCondLst>
                                   <p:childTnLst>
                                     <p:set>
                                       <p:cBhvr>
-                                        <p:cTn id="35" dur="1" fill="hold">
+                                        <p:cTn id="39" dur="1" fill="hold">
                                           <p:stCondLst>
                                             <p:cond delay="0"/>
                                           </p:stCondLst>
@@ -23965,7 +24206,7 @@
                                     </p:set>
                                     <p:anim calcmode="lin" valueType="num">
                                       <p:cBhvr additive="base">
-                                        <p:cTn id="36" dur="500" fill="hold"/>
+                                        <p:cTn id="40" dur="500" fill="hold"/>
                                         <p:tgtEl>
                                           <p:spTgt spid="15">
                                             <p:txEl>
@@ -23992,7 +24233,7 @@
                                     </p:anim>
                                     <p:anim calcmode="lin" valueType="num">
                                       <p:cBhvr additive="base">
-                                        <p:cTn id="37" dur="500" fill="hold"/>
+                                        <p:cTn id="41" dur="500" fill="hold"/>
                                         <p:tgtEl>
                                           <p:spTgt spid="15">
                                             <p:txEl>
@@ -24021,60 +24262,24 @@
                                 </p:cTn>
                               </p:par>
                               <p:par>
-                                <p:cTn id="38" presetID="10" presetClass="exit" presetSubtype="0" fill="hold" nodeType="withEffect">
+                                <p:cTn id="42" presetID="10" presetClass="exit" presetSubtype="0" fill="hold" nodeType="withEffect">
                                   <p:stCondLst>
                                     <p:cond delay="0"/>
                                   </p:stCondLst>
                                   <p:childTnLst>
                                     <p:animEffect transition="out" filter="fade">
                                       <p:cBhvr>
-                                        <p:cTn id="39" dur="500"/>
+                                        <p:cTn id="43" dur="500"/>
                                         <p:tgtEl>
-                                          <p:spTgt spid="12"/>
+                                          <p:spTgt spid="19"/>
                                         </p:tgtEl>
                                       </p:cBhvr>
                                     </p:animEffect>
                                     <p:set>
                                       <p:cBhvr>
-                                        <p:cTn id="40" dur="1" fill="hold">
+                                        <p:cTn id="44" dur="1" fill="hold">
                                           <p:stCondLst>
                                             <p:cond delay="499"/>
-                                          </p:stCondLst>
-                                        </p:cTn>
-                                        <p:tgtEl>
-                                          <p:spTgt spid="12"/>
-                                        </p:tgtEl>
-                                        <p:attrNameLst>
-                                          <p:attrName>style.visibility</p:attrName>
-                                        </p:attrNameLst>
-                                      </p:cBhvr>
-                                      <p:to>
-                                        <p:strVal val="hidden"/>
-                                      </p:to>
-                                    </p:set>
-                                  </p:childTnLst>
-                                </p:cTn>
-                              </p:par>
-                            </p:childTnLst>
-                          </p:cTn>
-                        </p:par>
-                        <p:par>
-                          <p:cTn id="41" fill="hold">
-                            <p:stCondLst>
-                              <p:cond delay="500"/>
-                            </p:stCondLst>
-                            <p:childTnLst>
-                              <p:par>
-                                <p:cTn id="42" presetID="6" presetClass="entr" presetSubtype="32" fill="hold" nodeType="afterEffect">
-                                  <p:stCondLst>
-                                    <p:cond delay="0"/>
-                                  </p:stCondLst>
-                                  <p:childTnLst>
-                                    <p:set>
-                                      <p:cBhvr>
-                                        <p:cTn id="43" dur="1" fill="hold">
-                                          <p:stCondLst>
-                                            <p:cond delay="0"/>
                                           </p:stCondLst>
                                         </p:cTn>
                                         <p:tgtEl>
@@ -24085,17 +24290,9 @@
                                         </p:attrNameLst>
                                       </p:cBhvr>
                                       <p:to>
-                                        <p:strVal val="visible"/>
+                                        <p:strVal val="hidden"/>
                                       </p:to>
                                     </p:set>
-                                    <p:animEffect transition="in" filter="circle(out)">
-                                      <p:cBhvr>
-                                        <p:cTn id="44" dur="500"/>
-                                        <p:tgtEl>
-                                          <p:spTgt spid="19"/>
-                                        </p:tgtEl>
-                                      </p:cBhvr>
-                                    </p:animEffect>
                                   </p:childTnLst>
                                 </p:cTn>
                               </p:par>
@@ -26080,6 +26277,58 @@
           </a:p>
           <a:p>
             <a:endParaRPr lang="en-US" sz="1600" dirty="0"/>
+          </a:p>
+        </p:txBody>
+      </p:sp>
+      <p:sp>
+        <p:nvSpPr>
+          <p:cNvPr id="3" name="Rettangolo con angoli arrotondati 2">
+            <a:extLst>
+              <a:ext uri="{FF2B5EF4-FFF2-40B4-BE49-F238E27FC236}">
+                <a16:creationId xmlns:a16="http://schemas.microsoft.com/office/drawing/2014/main" id="{6A550A61-661A-B1EE-A3E0-E375FB4C4E72}"/>
+              </a:ext>
+            </a:extLst>
+          </p:cNvPr>
+          <p:cNvSpPr/>
+          <p:nvPr/>
+        </p:nvSpPr>
+        <p:spPr>
+          <a:xfrm>
+            <a:off x="8498037" y="5705527"/>
+            <a:ext cx="2945569" cy="577939"/>
+          </a:xfrm>
+          <a:prstGeom prst="roundRect">
+            <a:avLst/>
+          </a:prstGeom>
+        </p:spPr>
+        <p:style>
+          <a:lnRef idx="1">
+            <a:schemeClr val="accent3"/>
+          </a:lnRef>
+          <a:fillRef idx="2">
+            <a:schemeClr val="accent3"/>
+          </a:fillRef>
+          <a:effectRef idx="1">
+            <a:schemeClr val="accent3"/>
+          </a:effectRef>
+          <a:fontRef idx="minor">
+            <a:schemeClr val="dk1"/>
+          </a:fontRef>
+        </p:style>
+        <p:txBody>
+          <a:bodyPr rtlCol="0" anchor="ctr"/>
+          <a:lstStyle/>
+          <a:p>
+            <a:r>
+              <a:rPr lang="en-GB" sz="1100" dirty="0">
+                <a:solidFill>
+                  <a:schemeClr val="bg1">
+                    <a:lumMod val="50000"/>
+                  </a:schemeClr>
+                </a:solidFill>
+              </a:rPr>
+              <a:t>These priors have been defined on the bases of experience: what if a preprocessing step proceeded the classification? See Appendix 3.</a:t>
+            </a:r>
           </a:p>
         </p:txBody>
       </p:sp>
